--- a/pitch-pp/C2Vec.pptx
+++ b/pitch-pp/C2Vec.pptx
@@ -5,10 +5,10 @@
     <p:sldMasterId id="2147483648" r:id="rId4"/>
   </p:sldMasterIdLst>
   <p:notesMasterIdLst>
-    <p:notesMasterId r:id="rId13"/>
+    <p:notesMasterId r:id="rId18"/>
   </p:notesMasterIdLst>
   <p:handoutMasterIdLst>
-    <p:handoutMasterId r:id="rId14"/>
+    <p:handoutMasterId r:id="rId19"/>
   </p:handoutMasterIdLst>
   <p:sldIdLst>
     <p:sldId id="256" r:id="rId5"/>
@@ -17,8 +17,13 @@
     <p:sldId id="261" r:id="rId8"/>
     <p:sldId id="262" r:id="rId9"/>
     <p:sldId id="263" r:id="rId10"/>
-    <p:sldId id="258" r:id="rId11"/>
-    <p:sldId id="259" r:id="rId12"/>
+    <p:sldId id="264" r:id="rId11"/>
+    <p:sldId id="265" r:id="rId12"/>
+    <p:sldId id="266" r:id="rId13"/>
+    <p:sldId id="267" r:id="rId14"/>
+    <p:sldId id="268" r:id="rId15"/>
+    <p:sldId id="258" r:id="rId16"/>
+    <p:sldId id="259" r:id="rId17"/>
   </p:sldIdLst>
   <p:sldSz cx="12192000" cy="6858000"/>
   <p:notesSz cx="6858000" cy="9144000"/>
@@ -224,7 +229,7 @@
             <a:pPr rtl="0"/>
             <a:fld id="{9B11A7A5-20C6-4E69-AACA-E47DADC9EFAA}" type="datetime1">
               <a:rPr lang="de-DE" smtClean="0"/>
-              <a:t>14.03.2024</a:t>
+              <a:t>16.03.2024</a:t>
             </a:fld>
             <a:endParaRPr lang="de-DE" dirty="0"/>
           </a:p>
@@ -406,7 +411,7 @@
             <a:fld id="{BB817352-7D89-4901-9FDB-508A88E9CEFE}" type="datetime1">
               <a:rPr lang="de-DE" smtClean="0"/>
               <a:pPr/>
-              <a:t>14.03.2024</a:t>
+              <a:t>16.03.2024</a:t>
             </a:fld>
             <a:endParaRPr lang="de-DE" dirty="0"/>
           </a:p>
@@ -9816,6 +9821,915 @@
 </p:sld>
 </file>
 
+<file path=ppt/slides/slide10.xml><?xml version="1.0" encoding="utf-8"?>
+<p:sld xmlns:a="http://schemas.openxmlformats.org/drawingml/2006/main" xmlns:r="http://schemas.openxmlformats.org/officeDocument/2006/relationships" xmlns:p="http://schemas.openxmlformats.org/presentationml/2006/main">
+  <p:cSld>
+    <p:spTree>
+      <p:nvGrpSpPr>
+        <p:cNvPr id="1" name=""/>
+        <p:cNvGrpSpPr/>
+        <p:nvPr/>
+      </p:nvGrpSpPr>
+      <p:grpSpPr>
+        <a:xfrm>
+          <a:off x="0" y="0"/>
+          <a:ext cx="0" cy="0"/>
+          <a:chOff x="0" y="0"/>
+          <a:chExt cx="0" cy="0"/>
+        </a:xfrm>
+      </p:grpSpPr>
+      <p:sp>
+        <p:nvSpPr>
+          <p:cNvPr id="2" name="Title 1">
+            <a:extLst>
+              <a:ext uri="{FF2B5EF4-FFF2-40B4-BE49-F238E27FC236}">
+                <a16:creationId xmlns:a16="http://schemas.microsoft.com/office/drawing/2014/main" id="{BF6F7C28-0594-25F2-94B4-7D6B727E9060}"/>
+              </a:ext>
+            </a:extLst>
+          </p:cNvPr>
+          <p:cNvSpPr>
+            <a:spLocks noGrp="1"/>
+          </p:cNvSpPr>
+          <p:nvPr>
+            <p:ph type="title"/>
+          </p:nvPr>
+        </p:nvSpPr>
+        <p:spPr/>
+        <p:txBody>
+          <a:bodyPr/>
+          <a:lstStyle/>
+          <a:p>
+            <a:r>
+              <a:rPr lang="en-US" dirty="0"/>
+              <a:t>Llama generated Code Summaries</a:t>
+            </a:r>
+            <a:br>
+              <a:rPr lang="en-US" dirty="0"/>
+            </a:br>
+            <a:endParaRPr lang="en-US" dirty="0"/>
+          </a:p>
+        </p:txBody>
+      </p:sp>
+      <p:sp>
+        <p:nvSpPr>
+          <p:cNvPr id="3" name="Date Placeholder 2">
+            <a:extLst>
+              <a:ext uri="{FF2B5EF4-FFF2-40B4-BE49-F238E27FC236}">
+                <a16:creationId xmlns:a16="http://schemas.microsoft.com/office/drawing/2014/main" id="{E04E00AD-6B92-E778-5CF1-3BD2ABF0C1E3}"/>
+              </a:ext>
+            </a:extLst>
+          </p:cNvPr>
+          <p:cNvSpPr>
+            <a:spLocks noGrp="1"/>
+          </p:cNvSpPr>
+          <p:nvPr>
+            <p:ph type="dt" sz="half" idx="10"/>
+          </p:nvPr>
+        </p:nvSpPr>
+        <p:spPr/>
+        <p:txBody>
+          <a:bodyPr/>
+          <a:lstStyle/>
+          <a:p>
+            <a:pPr rtl="0"/>
+            <a:r>
+              <a:rPr lang="de-DE"/>
+              <a:t>20XX</a:t>
+            </a:r>
+          </a:p>
+        </p:txBody>
+      </p:sp>
+      <p:sp>
+        <p:nvSpPr>
+          <p:cNvPr id="4" name="Footer Placeholder 3">
+            <a:extLst>
+              <a:ext uri="{FF2B5EF4-FFF2-40B4-BE49-F238E27FC236}">
+                <a16:creationId xmlns:a16="http://schemas.microsoft.com/office/drawing/2014/main" id="{CAC84D10-C8A6-2AB4-8A75-CD25A210257A}"/>
+              </a:ext>
+            </a:extLst>
+          </p:cNvPr>
+          <p:cNvSpPr>
+            <a:spLocks noGrp="1"/>
+          </p:cNvSpPr>
+          <p:nvPr>
+            <p:ph type="ftr" sz="quarter" idx="11"/>
+          </p:nvPr>
+        </p:nvSpPr>
+        <p:spPr/>
+        <p:txBody>
+          <a:bodyPr/>
+          <a:lstStyle/>
+          <a:p>
+            <a:pPr rtl="0"/>
+            <a:r>
+              <a:rPr lang="de-DE"/>
+              <a:t>PRÄSENTATIONSTITEL</a:t>
+            </a:r>
+          </a:p>
+        </p:txBody>
+      </p:sp>
+      <p:sp>
+        <p:nvSpPr>
+          <p:cNvPr id="5" name="Slide Number Placeholder 4">
+            <a:extLst>
+              <a:ext uri="{FF2B5EF4-FFF2-40B4-BE49-F238E27FC236}">
+                <a16:creationId xmlns:a16="http://schemas.microsoft.com/office/drawing/2014/main" id="{9EA68215-8174-99B4-B185-7390578D2992}"/>
+              </a:ext>
+            </a:extLst>
+          </p:cNvPr>
+          <p:cNvSpPr>
+            <a:spLocks noGrp="1"/>
+          </p:cNvSpPr>
+          <p:nvPr>
+            <p:ph type="sldNum" sz="quarter" idx="12"/>
+          </p:nvPr>
+        </p:nvSpPr>
+        <p:spPr/>
+        <p:txBody>
+          <a:bodyPr/>
+          <a:lstStyle/>
+          <a:p>
+            <a:pPr rtl="0"/>
+            <a:fld id="{A49DFD55-3C28-40EF-9E31-A92D2E4017FF}" type="slidenum">
+              <a:rPr lang="de-DE" smtClean="0"/>
+              <a:pPr rtl="0"/>
+              <a:t>10</a:t>
+            </a:fld>
+            <a:endParaRPr lang="de-DE" dirty="0"/>
+          </a:p>
+        </p:txBody>
+      </p:sp>
+      <p:sp>
+        <p:nvSpPr>
+          <p:cNvPr id="6" name="Chart Placeholder 5">
+            <a:extLst>
+              <a:ext uri="{FF2B5EF4-FFF2-40B4-BE49-F238E27FC236}">
+                <a16:creationId xmlns:a16="http://schemas.microsoft.com/office/drawing/2014/main" id="{BF1865F8-A2E5-3BEB-D9A2-AB71C5C15CB0}"/>
+              </a:ext>
+            </a:extLst>
+          </p:cNvPr>
+          <p:cNvSpPr>
+            <a:spLocks noGrp="1"/>
+          </p:cNvSpPr>
+          <p:nvPr>
+            <p:ph type="chart" sz="quarter" idx="13"/>
+          </p:nvPr>
+        </p:nvSpPr>
+        <p:spPr>
+          <a:xfrm>
+            <a:off x="838200" y="3966358"/>
+            <a:ext cx="10515600" cy="1890162"/>
+          </a:xfrm>
+        </p:spPr>
+        <p:txBody>
+          <a:bodyPr/>
+          <a:lstStyle/>
+          <a:p>
+            <a:endParaRPr lang="en-US"/>
+          </a:p>
+        </p:txBody>
+      </p:sp>
+    </p:spTree>
+    <p:extLst>
+      <p:ext uri="{BB962C8B-B14F-4D97-AF65-F5344CB8AC3E}">
+        <p14:creationId xmlns:p14="http://schemas.microsoft.com/office/powerpoint/2010/main" val="1235244781"/>
+      </p:ext>
+    </p:extLst>
+  </p:cSld>
+  <p:clrMapOvr>
+    <a:masterClrMapping/>
+  </p:clrMapOvr>
+</p:sld>
+</file>
+
+<file path=ppt/slides/slide11.xml><?xml version="1.0" encoding="utf-8"?>
+<p:sld xmlns:a="http://schemas.openxmlformats.org/drawingml/2006/main" xmlns:r="http://schemas.openxmlformats.org/officeDocument/2006/relationships" xmlns:p="http://schemas.openxmlformats.org/presentationml/2006/main">
+  <p:cSld>
+    <p:spTree>
+      <p:nvGrpSpPr>
+        <p:cNvPr id="1" name=""/>
+        <p:cNvGrpSpPr/>
+        <p:nvPr/>
+      </p:nvGrpSpPr>
+      <p:grpSpPr>
+        <a:xfrm>
+          <a:off x="0" y="0"/>
+          <a:ext cx="0" cy="0"/>
+          <a:chOff x="0" y="0"/>
+          <a:chExt cx="0" cy="0"/>
+        </a:xfrm>
+      </p:grpSpPr>
+      <p:sp>
+        <p:nvSpPr>
+          <p:cNvPr id="2" name="Title 1">
+            <a:extLst>
+              <a:ext uri="{FF2B5EF4-FFF2-40B4-BE49-F238E27FC236}">
+                <a16:creationId xmlns:a16="http://schemas.microsoft.com/office/drawing/2014/main" id="{D3880E66-B2E9-85FF-600A-E9568F37B74E}"/>
+              </a:ext>
+            </a:extLst>
+          </p:cNvPr>
+          <p:cNvSpPr>
+            <a:spLocks noGrp="1"/>
+          </p:cNvSpPr>
+          <p:nvPr>
+            <p:ph type="title"/>
+          </p:nvPr>
+        </p:nvSpPr>
+        <p:spPr/>
+        <p:txBody>
+          <a:bodyPr/>
+          <a:lstStyle/>
+          <a:p>
+            <a:r>
+              <a:rPr lang="en-US" dirty="0"/>
+              <a:t>Evaluation</a:t>
+            </a:r>
+          </a:p>
+        </p:txBody>
+      </p:sp>
+      <p:sp>
+        <p:nvSpPr>
+          <p:cNvPr id="3" name="Date Placeholder 2">
+            <a:extLst>
+              <a:ext uri="{FF2B5EF4-FFF2-40B4-BE49-F238E27FC236}">
+                <a16:creationId xmlns:a16="http://schemas.microsoft.com/office/drawing/2014/main" id="{09DA89F3-BB02-8A7B-5B4F-9C3A8483555F}"/>
+              </a:ext>
+            </a:extLst>
+          </p:cNvPr>
+          <p:cNvSpPr>
+            <a:spLocks noGrp="1"/>
+          </p:cNvSpPr>
+          <p:nvPr>
+            <p:ph type="dt" sz="half" idx="10"/>
+          </p:nvPr>
+        </p:nvSpPr>
+        <p:spPr/>
+        <p:txBody>
+          <a:bodyPr/>
+          <a:lstStyle/>
+          <a:p>
+            <a:pPr rtl="0"/>
+            <a:r>
+              <a:rPr lang="de-DE"/>
+              <a:t>20XX</a:t>
+            </a:r>
+          </a:p>
+        </p:txBody>
+      </p:sp>
+      <p:sp>
+        <p:nvSpPr>
+          <p:cNvPr id="4" name="Footer Placeholder 3">
+            <a:extLst>
+              <a:ext uri="{FF2B5EF4-FFF2-40B4-BE49-F238E27FC236}">
+                <a16:creationId xmlns:a16="http://schemas.microsoft.com/office/drawing/2014/main" id="{469D934D-B109-24C3-E2AD-E4174B8A94A5}"/>
+              </a:ext>
+            </a:extLst>
+          </p:cNvPr>
+          <p:cNvSpPr>
+            <a:spLocks noGrp="1"/>
+          </p:cNvSpPr>
+          <p:nvPr>
+            <p:ph type="ftr" sz="quarter" idx="11"/>
+          </p:nvPr>
+        </p:nvSpPr>
+        <p:spPr/>
+        <p:txBody>
+          <a:bodyPr/>
+          <a:lstStyle/>
+          <a:p>
+            <a:pPr rtl="0"/>
+            <a:r>
+              <a:rPr lang="de-DE"/>
+              <a:t>PRÄSENTATIONSTITEL</a:t>
+            </a:r>
+          </a:p>
+        </p:txBody>
+      </p:sp>
+      <p:sp>
+        <p:nvSpPr>
+          <p:cNvPr id="5" name="Slide Number Placeholder 4">
+            <a:extLst>
+              <a:ext uri="{FF2B5EF4-FFF2-40B4-BE49-F238E27FC236}">
+                <a16:creationId xmlns:a16="http://schemas.microsoft.com/office/drawing/2014/main" id="{A80DCEA5-45ED-DE1E-A4AB-65EE72E6FCB1}"/>
+              </a:ext>
+            </a:extLst>
+          </p:cNvPr>
+          <p:cNvSpPr>
+            <a:spLocks noGrp="1"/>
+          </p:cNvSpPr>
+          <p:nvPr>
+            <p:ph type="sldNum" sz="quarter" idx="12"/>
+          </p:nvPr>
+        </p:nvSpPr>
+        <p:spPr/>
+        <p:txBody>
+          <a:bodyPr/>
+          <a:lstStyle/>
+          <a:p>
+            <a:pPr rtl="0"/>
+            <a:fld id="{A49DFD55-3C28-40EF-9E31-A92D2E4017FF}" type="slidenum">
+              <a:rPr lang="de-DE" smtClean="0"/>
+              <a:pPr rtl="0"/>
+              <a:t>11</a:t>
+            </a:fld>
+            <a:endParaRPr lang="de-DE" dirty="0"/>
+          </a:p>
+        </p:txBody>
+      </p:sp>
+      <p:sp>
+        <p:nvSpPr>
+          <p:cNvPr id="6" name="Chart Placeholder 5">
+            <a:extLst>
+              <a:ext uri="{FF2B5EF4-FFF2-40B4-BE49-F238E27FC236}">
+                <a16:creationId xmlns:a16="http://schemas.microsoft.com/office/drawing/2014/main" id="{7CFFA23D-2DC9-839C-9306-90C029ECD792}"/>
+              </a:ext>
+            </a:extLst>
+          </p:cNvPr>
+          <p:cNvSpPr>
+            <a:spLocks noGrp="1"/>
+          </p:cNvSpPr>
+          <p:nvPr>
+            <p:ph type="chart" sz="quarter" idx="13"/>
+          </p:nvPr>
+        </p:nvSpPr>
+        <p:spPr>
+          <a:xfrm>
+            <a:off x="838200" y="3289464"/>
+            <a:ext cx="10515600" cy="2567055"/>
+          </a:xfrm>
+        </p:spPr>
+        <p:txBody>
+          <a:bodyPr/>
+          <a:lstStyle/>
+          <a:p>
+            <a:endParaRPr lang="en-US"/>
+          </a:p>
+        </p:txBody>
+      </p:sp>
+    </p:spTree>
+    <p:extLst>
+      <p:ext uri="{BB962C8B-B14F-4D97-AF65-F5344CB8AC3E}">
+        <p14:creationId xmlns:p14="http://schemas.microsoft.com/office/powerpoint/2010/main" val="1542819243"/>
+      </p:ext>
+    </p:extLst>
+  </p:cSld>
+  <p:clrMapOvr>
+    <a:masterClrMapping/>
+  </p:clrMapOvr>
+</p:sld>
+</file>
+
+<file path=ppt/slides/slide12.xml><?xml version="1.0" encoding="utf-8"?>
+<p:sld xmlns:a="http://schemas.openxmlformats.org/drawingml/2006/main" xmlns:r="http://schemas.openxmlformats.org/officeDocument/2006/relationships" xmlns:p="http://schemas.openxmlformats.org/presentationml/2006/main">
+  <p:cSld>
+    <p:spTree>
+      <p:nvGrpSpPr>
+        <p:cNvPr id="1" name=""/>
+        <p:cNvGrpSpPr/>
+        <p:nvPr/>
+      </p:nvGrpSpPr>
+      <p:grpSpPr>
+        <a:xfrm>
+          <a:off x="0" y="0"/>
+          <a:ext cx="0" cy="0"/>
+          <a:chOff x="0" y="0"/>
+          <a:chExt cx="0" cy="0"/>
+        </a:xfrm>
+      </p:grpSpPr>
+      <p:sp>
+        <p:nvSpPr>
+          <p:cNvPr id="2" name="Titel 1">
+            <a:extLst>
+              <a:ext uri="{FF2B5EF4-FFF2-40B4-BE49-F238E27FC236}">
+                <a16:creationId xmlns:a16="http://schemas.microsoft.com/office/drawing/2014/main" id="{B0B10710-0358-F0DD-5FA4-C8E1B0EC524D}"/>
+              </a:ext>
+            </a:extLst>
+          </p:cNvPr>
+          <p:cNvSpPr>
+            <a:spLocks noGrp="1"/>
+          </p:cNvSpPr>
+          <p:nvPr>
+            <p:ph type="title"/>
+          </p:nvPr>
+        </p:nvSpPr>
+        <p:spPr/>
+        <p:txBody>
+          <a:bodyPr/>
+          <a:lstStyle/>
+          <a:p>
+            <a:r>
+              <a:rPr lang="de-DE" dirty="0"/>
+              <a:t>Intuitive Ansätze für Trainings Daten</a:t>
+            </a:r>
+          </a:p>
+        </p:txBody>
+      </p:sp>
+      <p:sp>
+        <p:nvSpPr>
+          <p:cNvPr id="3" name="Datumsplatzhalter 2">
+            <a:extLst>
+              <a:ext uri="{FF2B5EF4-FFF2-40B4-BE49-F238E27FC236}">
+                <a16:creationId xmlns:a16="http://schemas.microsoft.com/office/drawing/2014/main" id="{DA8C9263-AC09-0BF3-666E-0E9859B0C100}"/>
+              </a:ext>
+            </a:extLst>
+          </p:cNvPr>
+          <p:cNvSpPr>
+            <a:spLocks noGrp="1"/>
+          </p:cNvSpPr>
+          <p:nvPr>
+            <p:ph type="dt" sz="half" idx="10"/>
+          </p:nvPr>
+        </p:nvSpPr>
+        <p:spPr/>
+        <p:txBody>
+          <a:bodyPr/>
+          <a:lstStyle/>
+          <a:p>
+            <a:pPr rtl="0"/>
+            <a:r>
+              <a:rPr lang="de-DE" dirty="0"/>
+              <a:t>2023</a:t>
+            </a:r>
+          </a:p>
+        </p:txBody>
+      </p:sp>
+      <p:sp>
+        <p:nvSpPr>
+          <p:cNvPr id="4" name="Fußzeilenplatzhalter 3">
+            <a:extLst>
+              <a:ext uri="{FF2B5EF4-FFF2-40B4-BE49-F238E27FC236}">
+                <a16:creationId xmlns:a16="http://schemas.microsoft.com/office/drawing/2014/main" id="{D534F214-0B25-8AD7-5270-433211451A0E}"/>
+              </a:ext>
+            </a:extLst>
+          </p:cNvPr>
+          <p:cNvSpPr>
+            <a:spLocks noGrp="1"/>
+          </p:cNvSpPr>
+          <p:nvPr>
+            <p:ph type="ftr" sz="quarter" idx="11"/>
+          </p:nvPr>
+        </p:nvSpPr>
+        <p:spPr/>
+        <p:txBody>
+          <a:bodyPr/>
+          <a:lstStyle/>
+          <a:p>
+            <a:pPr rtl="0"/>
+            <a:r>
+              <a:rPr lang="de-DE" dirty="0"/>
+              <a:t>Pitch Vortrag</a:t>
+            </a:r>
+          </a:p>
+        </p:txBody>
+      </p:sp>
+      <p:sp>
+        <p:nvSpPr>
+          <p:cNvPr id="5" name="Foliennummernplatzhalter 4">
+            <a:extLst>
+              <a:ext uri="{FF2B5EF4-FFF2-40B4-BE49-F238E27FC236}">
+                <a16:creationId xmlns:a16="http://schemas.microsoft.com/office/drawing/2014/main" id="{52FECC29-6DA9-6596-9D99-E5D356C4C57D}"/>
+              </a:ext>
+            </a:extLst>
+          </p:cNvPr>
+          <p:cNvSpPr>
+            <a:spLocks noGrp="1"/>
+          </p:cNvSpPr>
+          <p:nvPr>
+            <p:ph type="sldNum" sz="quarter" idx="12"/>
+          </p:nvPr>
+        </p:nvSpPr>
+        <p:spPr/>
+        <p:txBody>
+          <a:bodyPr/>
+          <a:lstStyle/>
+          <a:p>
+            <a:pPr rtl="0"/>
+            <a:fld id="{A49DFD55-3C28-40EF-9E31-A92D2E4017FF}" type="slidenum">
+              <a:rPr lang="de-DE" smtClean="0"/>
+              <a:pPr rtl="0"/>
+              <a:t>12</a:t>
+            </a:fld>
+            <a:endParaRPr lang="de-DE" dirty="0"/>
+          </a:p>
+        </p:txBody>
+      </p:sp>
+      <p:sp>
+        <p:nvSpPr>
+          <p:cNvPr id="6" name="Diagrammplatzhalter 5">
+            <a:extLst>
+              <a:ext uri="{FF2B5EF4-FFF2-40B4-BE49-F238E27FC236}">
+                <a16:creationId xmlns:a16="http://schemas.microsoft.com/office/drawing/2014/main" id="{2738D12E-0376-AF91-901A-71B08E9FE842}"/>
+              </a:ext>
+            </a:extLst>
+          </p:cNvPr>
+          <p:cNvSpPr>
+            <a:spLocks noGrp="1"/>
+          </p:cNvSpPr>
+          <p:nvPr>
+            <p:ph type="chart" sz="quarter" idx="13"/>
+          </p:nvPr>
+        </p:nvSpPr>
+        <p:spPr>
+          <a:xfrm>
+            <a:off x="838200" y="2102277"/>
+            <a:ext cx="10515600" cy="1518000"/>
+          </a:xfrm>
+        </p:spPr>
+        <p:txBody>
+          <a:bodyPr/>
+          <a:lstStyle/>
+          <a:p>
+            <a:r>
+              <a:rPr lang="de-DE" dirty="0"/>
+              <a:t>Byte Darstellung des Assemblercodes</a:t>
+            </a:r>
+          </a:p>
+          <a:p>
+            <a:r>
+              <a:rPr lang="de-DE" dirty="0"/>
+              <a:t>Kontrollflussgraphen des Assemblercodes (Node == Basic Block) </a:t>
+            </a:r>
+          </a:p>
+          <a:p>
+            <a:r>
+              <a:rPr lang="de-DE" dirty="0"/>
+              <a:t>Darstellung als Reihen von Instruktionen des Assemblercodes</a:t>
+            </a:r>
+          </a:p>
+        </p:txBody>
+      </p:sp>
+      <mc:AlternateContent xmlns:mc="http://schemas.openxmlformats.org/markup-compatibility/2006" xmlns:a14="http://schemas.microsoft.com/office/drawing/2010/main">
+        <mc:Choice Requires="a14">
+          <p:sp>
+            <p:nvSpPr>
+              <p:cNvPr id="8" name="Textfeld 7">
+                <a:extLst>
+                  <a:ext uri="{FF2B5EF4-FFF2-40B4-BE49-F238E27FC236}">
+                    <a16:creationId xmlns:a16="http://schemas.microsoft.com/office/drawing/2014/main" id="{D4EA6077-5FB7-968D-8F52-F97D958A6BBB}"/>
+                  </a:ext>
+                </a:extLst>
+              </p:cNvPr>
+              <p:cNvSpPr txBox="1"/>
+              <p:nvPr/>
+            </p:nvSpPr>
+            <p:spPr>
+              <a:xfrm>
+                <a:off x="985545" y="4215094"/>
+                <a:ext cx="10808521" cy="1107996"/>
+              </a:xfrm>
+              <a:prstGeom prst="rect">
+                <a:avLst/>
+              </a:prstGeom>
+              <a:noFill/>
+            </p:spPr>
+            <p:txBody>
+              <a:bodyPr wrap="square">
+                <a:spAutoFit/>
+              </a:bodyPr>
+              <a:lstStyle/>
+              <a:p>
+                <a14:m>
+                  <m:oMath xmlns:m="http://schemas.openxmlformats.org/officeDocument/2006/math">
+                    <m:r>
+                      <a:rPr lang="de-DE" sz="2400" i="1" smtClean="0">
+                        <a:latin typeface="Cambria Math" panose="02040503050406030204" pitchFamily="18" charset="0"/>
+                        <a:ea typeface="Cambria Math" panose="02040503050406030204" pitchFamily="18" charset="0"/>
+                      </a:rPr>
+                      <m:t>→</m:t>
+                    </m:r>
+                  </m:oMath>
+                </a14:m>
+                <a:r>
+                  <a:rPr lang="de-DE" sz="2400" dirty="0"/>
+                  <a:t> Semantik des Codes nur kaum oder gar nicht in den Trainingsdaten</a:t>
+                </a:r>
+              </a:p>
+              <a:p>
+                <a:pPr>
+                  <a:spcAft>
+                    <a:spcPts val="0"/>
+                  </a:spcAft>
+                </a:pPr>
+                <a14:m>
+                  <m:oMath xmlns:m="http://schemas.openxmlformats.org/officeDocument/2006/math">
+                    <m:r>
+                      <a:rPr lang="de-DE" sz="2400" i="1" smtClean="0">
+                        <a:latin typeface="Cambria Math" panose="02040503050406030204" pitchFamily="18" charset="0"/>
+                        <a:ea typeface="Cambria Math" panose="02040503050406030204" pitchFamily="18" charset="0"/>
+                      </a:rPr>
+                      <m:t>→</m:t>
+                    </m:r>
+                    <m:r>
+                      <a:rPr lang="de-DE" sz="2400" b="0" i="1" smtClean="0">
+                        <a:latin typeface="Cambria Math" panose="02040503050406030204" pitchFamily="18" charset="0"/>
+                        <a:ea typeface="Cambria Math" panose="02040503050406030204" pitchFamily="18" charset="0"/>
+                      </a:rPr>
+                      <m:t> </m:t>
+                    </m:r>
+                  </m:oMath>
+                </a14:m>
+                <a:r>
+                  <a:rPr lang="de-DE" sz="2400" dirty="0"/>
+                  <a:t>Beim </a:t>
+                </a:r>
+                <a:r>
+                  <a:rPr lang="de-DE" sz="2400" dirty="0">
+                    <a:effectLst/>
+                  </a:rPr>
+                  <a:t>kompilieren zum Assemblercode gehen sehr viele Informationen Verloren</a:t>
+                </a:r>
+              </a:p>
+              <a:p>
+                <a:pPr>
+                  <a:spcAft>
+                    <a:spcPts val="0"/>
+                  </a:spcAft>
+                </a:pPr>
+                <a:endParaRPr lang="de-DE" dirty="0"/>
+              </a:p>
+            </p:txBody>
+          </p:sp>
+        </mc:Choice>
+        <mc:Fallback xmlns="">
+          <p:sp>
+            <p:nvSpPr>
+              <p:cNvPr id="8" name="Textfeld 7">
+                <a:extLst>
+                  <a:ext uri="{FF2B5EF4-FFF2-40B4-BE49-F238E27FC236}">
+                    <a16:creationId xmlns:a16="http://schemas.microsoft.com/office/drawing/2014/main" id="{D4EA6077-5FB7-968D-8F52-F97D958A6BBB}"/>
+                  </a:ext>
+                </a:extLst>
+              </p:cNvPr>
+              <p:cNvSpPr txBox="1">
+                <a:spLocks noRot="1" noChangeAspect="1" noMove="1" noResize="1" noEditPoints="1" noAdjustHandles="1" noChangeArrowheads="1" noChangeShapeType="1" noTextEdit="1"/>
+              </p:cNvSpPr>
+              <p:nvPr/>
+            </p:nvSpPr>
+            <p:spPr>
+              <a:xfrm>
+                <a:off x="985545" y="4215094"/>
+                <a:ext cx="10808521" cy="1107996"/>
+              </a:xfrm>
+              <a:prstGeom prst="rect">
+                <a:avLst/>
+              </a:prstGeom>
+              <a:blipFill>
+                <a:blip r:embed="rId2"/>
+                <a:stretch>
+                  <a:fillRect t="-4396" r="-338"/>
+                </a:stretch>
+              </a:blipFill>
+            </p:spPr>
+            <p:txBody>
+              <a:bodyPr/>
+              <a:lstStyle/>
+              <a:p>
+                <a:r>
+                  <a:rPr lang="de-DE">
+                    <a:noFill/>
+                  </a:rPr>
+                  <a:t> </a:t>
+                </a:r>
+              </a:p>
+            </p:txBody>
+          </p:sp>
+        </mc:Fallback>
+      </mc:AlternateContent>
+    </p:spTree>
+    <p:extLst>
+      <p:ext uri="{BB962C8B-B14F-4D97-AF65-F5344CB8AC3E}">
+        <p14:creationId xmlns:p14="http://schemas.microsoft.com/office/powerpoint/2010/main" val="652343218"/>
+      </p:ext>
+    </p:extLst>
+  </p:cSld>
+  <p:clrMapOvr>
+    <a:masterClrMapping/>
+  </p:clrMapOvr>
+</p:sld>
+</file>
+
+<file path=ppt/slides/slide13.xml><?xml version="1.0" encoding="utf-8"?>
+<p:sld xmlns:a="http://schemas.openxmlformats.org/drawingml/2006/main" xmlns:r="http://schemas.openxmlformats.org/officeDocument/2006/relationships" xmlns:p="http://schemas.openxmlformats.org/presentationml/2006/main">
+  <p:cSld>
+    <p:spTree>
+      <p:nvGrpSpPr>
+        <p:cNvPr id="1" name=""/>
+        <p:cNvGrpSpPr/>
+        <p:nvPr/>
+      </p:nvGrpSpPr>
+      <p:grpSpPr>
+        <a:xfrm>
+          <a:off x="0" y="0"/>
+          <a:ext cx="0" cy="0"/>
+          <a:chOff x="0" y="0"/>
+          <a:chExt cx="0" cy="0"/>
+        </a:xfrm>
+      </p:grpSpPr>
+      <p:sp>
+        <p:nvSpPr>
+          <p:cNvPr id="2" name="Titel 1">
+            <a:extLst>
+              <a:ext uri="{FF2B5EF4-FFF2-40B4-BE49-F238E27FC236}">
+                <a16:creationId xmlns:a16="http://schemas.microsoft.com/office/drawing/2014/main" id="{4E0CE257-127B-9FA3-765A-C5D90A17C486}"/>
+              </a:ext>
+            </a:extLst>
+          </p:cNvPr>
+          <p:cNvSpPr>
+            <a:spLocks noGrp="1"/>
+          </p:cNvSpPr>
+          <p:nvPr>
+            <p:ph type="title"/>
+          </p:nvPr>
+        </p:nvSpPr>
+        <p:spPr>
+          <a:xfrm>
+            <a:off x="838200" y="365125"/>
+            <a:ext cx="10515600" cy="1325563"/>
+          </a:xfrm>
+        </p:spPr>
+        <p:txBody>
+          <a:bodyPr anchor="ctr">
+            <a:normAutofit/>
+          </a:bodyPr>
+          <a:lstStyle/>
+          <a:p>
+            <a:r>
+              <a:rPr lang="de-DE"/>
+              <a:t>Trainings Daten mit Source Code Information</a:t>
+            </a:r>
+            <a:endParaRPr lang="de-DE" dirty="0"/>
+          </a:p>
+        </p:txBody>
+      </p:sp>
+      <p:sp>
+        <p:nvSpPr>
+          <p:cNvPr id="3" name="Datumsplatzhalter 2">
+            <a:extLst>
+              <a:ext uri="{FF2B5EF4-FFF2-40B4-BE49-F238E27FC236}">
+                <a16:creationId xmlns:a16="http://schemas.microsoft.com/office/drawing/2014/main" id="{0C599950-CB4E-B832-C0EF-C33D0AECB9F9}"/>
+              </a:ext>
+            </a:extLst>
+          </p:cNvPr>
+          <p:cNvSpPr>
+            <a:spLocks noGrp="1"/>
+          </p:cNvSpPr>
+          <p:nvPr>
+            <p:ph type="dt" sz="half" idx="10"/>
+          </p:nvPr>
+        </p:nvSpPr>
+        <p:spPr>
+          <a:xfrm>
+            <a:off x="838200" y="6356350"/>
+            <a:ext cx="2743200" cy="365125"/>
+          </a:xfrm>
+        </p:spPr>
+        <p:txBody>
+          <a:bodyPr anchor="ctr">
+            <a:normAutofit/>
+          </a:bodyPr>
+          <a:lstStyle/>
+          <a:p>
+            <a:pPr rtl="0">
+              <a:spcAft>
+                <a:spcPts val="600"/>
+              </a:spcAft>
+            </a:pPr>
+            <a:r>
+              <a:rPr lang="de-DE"/>
+              <a:t>20XX</a:t>
+            </a:r>
+          </a:p>
+        </p:txBody>
+      </p:sp>
+      <p:sp>
+        <p:nvSpPr>
+          <p:cNvPr id="4" name="Fußzeilenplatzhalter 3">
+            <a:extLst>
+              <a:ext uri="{FF2B5EF4-FFF2-40B4-BE49-F238E27FC236}">
+                <a16:creationId xmlns:a16="http://schemas.microsoft.com/office/drawing/2014/main" id="{88E09410-A383-CE2D-739F-52C424469757}"/>
+              </a:ext>
+            </a:extLst>
+          </p:cNvPr>
+          <p:cNvSpPr>
+            <a:spLocks noGrp="1"/>
+          </p:cNvSpPr>
+          <p:nvPr>
+            <p:ph type="ftr" sz="quarter" idx="11"/>
+          </p:nvPr>
+        </p:nvSpPr>
+        <p:spPr>
+          <a:xfrm>
+            <a:off x="4038600" y="6356350"/>
+            <a:ext cx="4114800" cy="365125"/>
+          </a:xfrm>
+        </p:spPr>
+        <p:txBody>
+          <a:bodyPr anchor="ctr">
+            <a:normAutofit/>
+          </a:bodyPr>
+          <a:lstStyle/>
+          <a:p>
+            <a:pPr rtl="0">
+              <a:spcAft>
+                <a:spcPts val="600"/>
+              </a:spcAft>
+            </a:pPr>
+            <a:r>
+              <a:rPr lang="de-DE"/>
+              <a:t>PRÄSENTATIONSTITEL</a:t>
+            </a:r>
+          </a:p>
+        </p:txBody>
+      </p:sp>
+      <p:sp>
+        <p:nvSpPr>
+          <p:cNvPr id="5" name="Foliennummernplatzhalter 4">
+            <a:extLst>
+              <a:ext uri="{FF2B5EF4-FFF2-40B4-BE49-F238E27FC236}">
+                <a16:creationId xmlns:a16="http://schemas.microsoft.com/office/drawing/2014/main" id="{FFECCBB5-DDE9-49DA-E556-0828DE931224}"/>
+              </a:ext>
+            </a:extLst>
+          </p:cNvPr>
+          <p:cNvSpPr>
+            <a:spLocks noGrp="1"/>
+          </p:cNvSpPr>
+          <p:nvPr>
+            <p:ph type="sldNum" sz="quarter" idx="12"/>
+          </p:nvPr>
+        </p:nvSpPr>
+        <p:spPr>
+          <a:xfrm>
+            <a:off x="8610600" y="6356350"/>
+            <a:ext cx="2743200" cy="365125"/>
+          </a:xfrm>
+        </p:spPr>
+        <p:txBody>
+          <a:bodyPr anchor="ctr">
+            <a:normAutofit/>
+          </a:bodyPr>
+          <a:lstStyle/>
+          <a:p>
+            <a:pPr rtl="0">
+              <a:spcAft>
+                <a:spcPts val="600"/>
+              </a:spcAft>
+            </a:pPr>
+            <a:fld id="{A49DFD55-3C28-40EF-9E31-A92D2E4017FF}" type="slidenum">
+              <a:rPr lang="de-DE" smtClean="0"/>
+              <a:pPr rtl="0">
+                <a:spcAft>
+                  <a:spcPts val="600"/>
+                </a:spcAft>
+              </a:pPr>
+              <a:t>13</a:t>
+            </a:fld>
+            <a:endParaRPr lang="de-DE"/>
+          </a:p>
+        </p:txBody>
+      </p:sp>
+      <p:sp>
+        <p:nvSpPr>
+          <p:cNvPr id="24" name="Chart Placeholder 5">
+            <a:extLst>
+              <a:ext uri="{FF2B5EF4-FFF2-40B4-BE49-F238E27FC236}">
+                <a16:creationId xmlns:a16="http://schemas.microsoft.com/office/drawing/2014/main" id="{53C3A909-782F-4152-578C-CADB2F222376}"/>
+              </a:ext>
+            </a:extLst>
+          </p:cNvPr>
+          <p:cNvSpPr>
+            <a:spLocks noGrp="1"/>
+          </p:cNvSpPr>
+          <p:nvPr>
+            <p:ph type="chart" sz="quarter" idx="13"/>
+          </p:nvPr>
+        </p:nvSpPr>
+        <p:spPr>
+          <a:xfrm>
+            <a:off x="838200" y="2111608"/>
+            <a:ext cx="10515600" cy="3744912"/>
+          </a:xfrm>
+        </p:spPr>
+        <p:txBody>
+          <a:bodyPr/>
+          <a:lstStyle/>
+          <a:p>
+            <a:endParaRPr lang="de-DE"/>
+          </a:p>
+        </p:txBody>
+      </p:sp>
+    </p:spTree>
+    <p:extLst>
+      <p:ext uri="{BB962C8B-B14F-4D97-AF65-F5344CB8AC3E}">
+        <p14:creationId xmlns:p14="http://schemas.microsoft.com/office/powerpoint/2010/main" val="1136190312"/>
+      </p:ext>
+    </p:extLst>
+  </p:cSld>
+  <p:clrMapOvr>
+    <a:masterClrMapping/>
+  </p:clrMapOvr>
+</p:sld>
+</file>
+
 <file path=ppt/slides/slide2.xml><?xml version="1.0" encoding="utf-8"?>
 <p:sld xmlns:a="http://schemas.openxmlformats.org/drawingml/2006/main" xmlns:r="http://schemas.openxmlformats.org/officeDocument/2006/relationships" xmlns:p="http://schemas.openxmlformats.org/presentationml/2006/main">
   <p:cSld>
@@ -10063,8 +10977,8 @@
           </a:p>
         </p:txBody>
       </p:sp>
-      <mc:AlternateContent xmlns:mc="http://schemas.openxmlformats.org/markup-compatibility/2006">
-        <mc:Choice xmlns:a14="http://schemas.microsoft.com/office/drawing/2010/main" Requires="a14">
+      <mc:AlternateContent xmlns:mc="http://schemas.openxmlformats.org/markup-compatibility/2006" xmlns:a14="http://schemas.microsoft.com/office/drawing/2010/main">
+        <mc:Choice Requires="a14">
           <p:sp>
             <p:nvSpPr>
               <p:cNvPr id="18" name="Textfeld 17">
@@ -10100,14 +11014,7 @@
                         <a:latin typeface="Cambria Math" panose="02040503050406030204" pitchFamily="18" charset="0"/>
                         <a:ea typeface="Cambria Math" panose="02040503050406030204" pitchFamily="18" charset="0"/>
                       </a:rPr>
-                      <m:t>⇝</m:t>
-                    </m:r>
-                    <m:r>
-                      <a:rPr lang="de-DE" sz="2800" b="0" i="1" smtClean="0">
-                        <a:latin typeface="Cambria Math" panose="02040503050406030204" pitchFamily="18" charset="0"/>
-                        <a:ea typeface="Cambria Math" panose="02040503050406030204" pitchFamily="18" charset="0"/>
-                      </a:rPr>
-                      <m:t> </m:t>
+                      <m:t>⇝ </m:t>
                     </m:r>
                   </m:oMath>
                 </a14:m>
@@ -10126,7 +11033,7 @@
             </p:txBody>
           </p:sp>
         </mc:Choice>
-        <mc:Fallback>
+        <mc:Fallback xmlns="">
           <p:sp>
             <p:nvSpPr>
               <p:cNvPr id="18" name="Textfeld 17">
@@ -10475,8 +11382,8 @@
           </a:p>
         </p:txBody>
       </p:sp>
-      <mc:AlternateContent xmlns:mc="http://schemas.openxmlformats.org/markup-compatibility/2006">
-        <mc:Choice xmlns:a14="http://schemas.microsoft.com/office/drawing/2010/main" Requires="a14">
+      <mc:AlternateContent xmlns:mc="http://schemas.openxmlformats.org/markup-compatibility/2006" xmlns:a14="http://schemas.microsoft.com/office/drawing/2010/main">
+        <mc:Choice Requires="a14">
           <p:sp>
             <p:nvSpPr>
               <p:cNvPr id="6" name="Diagrammplatzhalter 5">
@@ -10664,7 +11571,7 @@
             </p:txBody>
           </p:sp>
         </mc:Choice>
-        <mc:Fallback>
+        <mc:Fallback xmlns="">
           <p:sp>
             <p:nvSpPr>
               <p:cNvPr id="6" name="Diagrammplatzhalter 5">
@@ -10855,8 +11762,8 @@
           </a:p>
         </p:txBody>
       </p:sp>
-      <mc:AlternateContent xmlns:mc="http://schemas.openxmlformats.org/markup-compatibility/2006">
-        <mc:Choice xmlns:a14="http://schemas.microsoft.com/office/drawing/2010/main" Requires="a14">
+      <mc:AlternateContent xmlns:mc="http://schemas.openxmlformats.org/markup-compatibility/2006" xmlns:a14="http://schemas.microsoft.com/office/drawing/2010/main">
+        <mc:Choice Requires="a14">
           <p:sp>
             <p:nvSpPr>
               <p:cNvPr id="6" name="Chart Placeholder 5">
@@ -11065,7 +11972,7 @@
             </p:txBody>
           </p:sp>
         </mc:Choice>
-        <mc:Fallback>
+        <mc:Fallback xmlns="">
           <p:sp>
             <p:nvSpPr>
               <p:cNvPr id="6" name="Chart Placeholder 5">
@@ -11139,8 +12046,8 @@
           </a:prstGeom>
         </p:spPr>
       </p:pic>
-      <mc:AlternateContent xmlns:mc="http://schemas.openxmlformats.org/markup-compatibility/2006">
-        <mc:Choice xmlns:a14="http://schemas.microsoft.com/office/drawing/2010/main" Requires="a14">
+      <mc:AlternateContent xmlns:mc="http://schemas.openxmlformats.org/markup-compatibility/2006" xmlns:a14="http://schemas.microsoft.com/office/drawing/2010/main">
+        <mc:Choice Requires="a14">
           <p:sp>
             <p:nvSpPr>
               <p:cNvPr id="18" name="TextBox 17">
@@ -11191,7 +12098,7 @@
             </p:txBody>
           </p:sp>
         </mc:Choice>
-        <mc:Fallback>
+        <mc:Fallback xmlns="">
           <p:sp>
             <p:nvSpPr>
               <p:cNvPr id="18" name="TextBox 17">
@@ -11392,8 +12299,8 @@
           </a:p>
         </p:txBody>
       </p:sp>
-      <mc:AlternateContent xmlns:mc="http://schemas.openxmlformats.org/markup-compatibility/2006">
-        <mc:Choice xmlns:a14="http://schemas.microsoft.com/office/drawing/2010/main" Requires="a14">
+      <mc:AlternateContent xmlns:mc="http://schemas.openxmlformats.org/markup-compatibility/2006" xmlns:a14="http://schemas.microsoft.com/office/drawing/2010/main">
+        <mc:Choice Requires="a14">
           <p:sp>
             <p:nvSpPr>
               <p:cNvPr id="6" name="Chart Placeholder 5">
@@ -11464,7 +12371,7 @@
             </p:txBody>
           </p:sp>
         </mc:Choice>
-        <mc:Fallback>
+        <mc:Fallback xmlns="">
           <p:sp>
             <p:nvSpPr>
               <p:cNvPr id="6" name="Chart Placeholder 5">
@@ -11816,10 +12723,10 @@
       </p:grpSpPr>
       <p:sp>
         <p:nvSpPr>
-          <p:cNvPr id="2" name="Titel 1">
-            <a:extLst>
-              <a:ext uri="{FF2B5EF4-FFF2-40B4-BE49-F238E27FC236}">
-                <a16:creationId xmlns:a16="http://schemas.microsoft.com/office/drawing/2014/main" id="{B0B10710-0358-F0DD-5FA4-C8E1B0EC524D}"/>
+          <p:cNvPr id="2" name="Title 1">
+            <a:extLst>
+              <a:ext uri="{FF2B5EF4-FFF2-40B4-BE49-F238E27FC236}">
+                <a16:creationId xmlns:a16="http://schemas.microsoft.com/office/drawing/2014/main" id="{52160D54-E2BF-394D-3EAD-2875D361518D}"/>
               </a:ext>
             </a:extLst>
           </p:cNvPr>
@@ -11836,18 +12743,18 @@
           <a:lstStyle/>
           <a:p>
             <a:r>
-              <a:rPr lang="de-DE" dirty="0"/>
-              <a:t>Intuitive Ansätze für Trainings Daten</a:t>
-            </a:r>
-          </a:p>
-        </p:txBody>
-      </p:sp>
-      <p:sp>
-        <p:nvSpPr>
-          <p:cNvPr id="3" name="Datumsplatzhalter 2">
-            <a:extLst>
-              <a:ext uri="{FF2B5EF4-FFF2-40B4-BE49-F238E27FC236}">
-                <a16:creationId xmlns:a16="http://schemas.microsoft.com/office/drawing/2014/main" id="{DA8C9263-AC09-0BF3-666E-0E9859B0C100}"/>
+              <a:rPr lang="en-US" dirty="0"/>
+              <a:t>My part</a:t>
+            </a:r>
+          </a:p>
+        </p:txBody>
+      </p:sp>
+      <p:sp>
+        <p:nvSpPr>
+          <p:cNvPr id="3" name="Date Placeholder 2">
+            <a:extLst>
+              <a:ext uri="{FF2B5EF4-FFF2-40B4-BE49-F238E27FC236}">
+                <a16:creationId xmlns:a16="http://schemas.microsoft.com/office/drawing/2014/main" id="{D97CB15C-26F3-7A1A-556F-ABE7F24E4FD2}"/>
               </a:ext>
             </a:extLst>
           </p:cNvPr>
@@ -11865,18 +12772,18 @@
           <a:p>
             <a:pPr rtl="0"/>
             <a:r>
-              <a:rPr lang="de-DE" dirty="0"/>
-              <a:t>2023</a:t>
-            </a:r>
-          </a:p>
-        </p:txBody>
-      </p:sp>
-      <p:sp>
-        <p:nvSpPr>
-          <p:cNvPr id="4" name="Fußzeilenplatzhalter 3">
-            <a:extLst>
-              <a:ext uri="{FF2B5EF4-FFF2-40B4-BE49-F238E27FC236}">
-                <a16:creationId xmlns:a16="http://schemas.microsoft.com/office/drawing/2014/main" id="{D534F214-0B25-8AD7-5270-433211451A0E}"/>
+              <a:rPr lang="de-DE"/>
+              <a:t>20XX</a:t>
+            </a:r>
+          </a:p>
+        </p:txBody>
+      </p:sp>
+      <p:sp>
+        <p:nvSpPr>
+          <p:cNvPr id="4" name="Footer Placeholder 3">
+            <a:extLst>
+              <a:ext uri="{FF2B5EF4-FFF2-40B4-BE49-F238E27FC236}">
+                <a16:creationId xmlns:a16="http://schemas.microsoft.com/office/drawing/2014/main" id="{1DA4CCF6-9676-1F8E-3DEE-F6FC7122CA8B}"/>
               </a:ext>
             </a:extLst>
           </p:cNvPr>
@@ -11894,18 +12801,18 @@
           <a:p>
             <a:pPr rtl="0"/>
             <a:r>
-              <a:rPr lang="de-DE" dirty="0"/>
-              <a:t>Pitch Vortrag</a:t>
-            </a:r>
-          </a:p>
-        </p:txBody>
-      </p:sp>
-      <p:sp>
-        <p:nvSpPr>
-          <p:cNvPr id="5" name="Foliennummernplatzhalter 4">
-            <a:extLst>
-              <a:ext uri="{FF2B5EF4-FFF2-40B4-BE49-F238E27FC236}">
-                <a16:creationId xmlns:a16="http://schemas.microsoft.com/office/drawing/2014/main" id="{52FECC29-6DA9-6596-9D99-E5D356C4C57D}"/>
+              <a:rPr lang="de-DE"/>
+              <a:t>PRÄSENTATIONSTITEL</a:t>
+            </a:r>
+          </a:p>
+        </p:txBody>
+      </p:sp>
+      <p:sp>
+        <p:nvSpPr>
+          <p:cNvPr id="5" name="Slide Number Placeholder 4">
+            <a:extLst>
+              <a:ext uri="{FF2B5EF4-FFF2-40B4-BE49-F238E27FC236}">
+                <a16:creationId xmlns:a16="http://schemas.microsoft.com/office/drawing/2014/main" id="{1DFA5756-2B08-015D-D715-B2A31FFBFA65}"/>
               </a:ext>
             </a:extLst>
           </p:cNvPr>
@@ -11933,10 +12840,10 @@
       </p:sp>
       <p:sp>
         <p:nvSpPr>
-          <p:cNvPr id="6" name="Diagrammplatzhalter 5">
-            <a:extLst>
-              <a:ext uri="{FF2B5EF4-FFF2-40B4-BE49-F238E27FC236}">
-                <a16:creationId xmlns:a16="http://schemas.microsoft.com/office/drawing/2014/main" id="{2738D12E-0376-AF91-901A-71B08E9FE842}"/>
+          <p:cNvPr id="6" name="Chart Placeholder 5">
+            <a:extLst>
+              <a:ext uri="{FF2B5EF4-FFF2-40B4-BE49-F238E27FC236}">
+                <a16:creationId xmlns:a16="http://schemas.microsoft.com/office/drawing/2014/main" id="{DD0FD9D6-CC53-F423-F94F-A2599195B3C2}"/>
               </a:ext>
             </a:extLst>
           </p:cNvPr>
@@ -11949,8 +12856,8 @@
         </p:nvSpPr>
         <p:spPr>
           <a:xfrm>
-            <a:off x="838200" y="2102277"/>
-            <a:ext cx="10515600" cy="1518000"/>
+            <a:off x="838200" y="3729574"/>
+            <a:ext cx="10515600" cy="2126946"/>
           </a:xfrm>
         </p:spPr>
         <p:txBody>
@@ -11958,165 +12865,70 @@
           <a:lstStyle/>
           <a:p>
             <a:r>
-              <a:rPr lang="de-DE" dirty="0"/>
-              <a:t>Byte Darstellung des Assemblercodes</a:t>
-            </a:r>
-          </a:p>
-          <a:p>
-            <a:r>
-              <a:rPr lang="de-DE" dirty="0"/>
-              <a:t>Kontrollflussgraphen des Assemblercodes (Node == Basic Block) </a:t>
-            </a:r>
-          </a:p>
-          <a:p>
-            <a:r>
-              <a:rPr lang="de-DE" dirty="0"/>
-              <a:t>Darstellung als Reihen von Instruktionen des Assemblercodes</a:t>
-            </a:r>
-          </a:p>
-        </p:txBody>
-      </p:sp>
-      <mc:AlternateContent xmlns:mc="http://schemas.openxmlformats.org/markup-compatibility/2006" xmlns:a14="http://schemas.microsoft.com/office/drawing/2010/main">
-        <mc:Choice Requires="a14">
-          <p:sp>
-            <p:nvSpPr>
-              <p:cNvPr id="8" name="Textfeld 7">
-                <a:extLst>
-                  <a:ext uri="{FF2B5EF4-FFF2-40B4-BE49-F238E27FC236}">
-                    <a16:creationId xmlns:a16="http://schemas.microsoft.com/office/drawing/2014/main" id="{D4EA6077-5FB7-968D-8F52-F97D958A6BBB}"/>
-                  </a:ext>
-                </a:extLst>
-              </p:cNvPr>
-              <p:cNvSpPr txBox="1"/>
-              <p:nvPr/>
-            </p:nvSpPr>
-            <p:spPr>
-              <a:xfrm>
-                <a:off x="985545" y="4215094"/>
-                <a:ext cx="10808521" cy="1107996"/>
-              </a:xfrm>
-              <a:prstGeom prst="rect">
-                <a:avLst/>
-              </a:prstGeom>
-              <a:noFill/>
-            </p:spPr>
-            <p:txBody>
-              <a:bodyPr wrap="square">
-                <a:spAutoFit/>
-              </a:bodyPr>
-              <a:lstStyle/>
-              <a:p>
-                <a14:m>
-                  <m:oMath xmlns:m="http://schemas.openxmlformats.org/officeDocument/2006/math">
-                    <m:r>
-                      <a:rPr lang="de-DE" sz="2400" i="1" smtClean="0">
-                        <a:latin typeface="Cambria Math" panose="02040503050406030204" pitchFamily="18" charset="0"/>
-                        <a:ea typeface="Cambria Math" panose="02040503050406030204" pitchFamily="18" charset="0"/>
-                      </a:rPr>
-                      <m:t>→</m:t>
-                    </m:r>
-                  </m:oMath>
-                </a14:m>
-                <a:r>
-                  <a:rPr lang="de-DE" sz="2400" dirty="0"/>
-                  <a:t> Semantik des Codes nur kaum oder gar nicht in den Trainingsdaten</a:t>
-                </a:r>
-              </a:p>
-              <a:p>
-                <a:pPr>
-                  <a:spcAft>
-                    <a:spcPts val="0"/>
-                  </a:spcAft>
-                </a:pPr>
-                <a14:m>
-                  <m:oMath xmlns:m="http://schemas.openxmlformats.org/officeDocument/2006/math">
-                    <m:r>
-                      <a:rPr lang="de-DE" sz="2400" i="1" smtClean="0">
-                        <a:latin typeface="Cambria Math" panose="02040503050406030204" pitchFamily="18" charset="0"/>
-                        <a:ea typeface="Cambria Math" panose="02040503050406030204" pitchFamily="18" charset="0"/>
-                      </a:rPr>
-                      <m:t>→</m:t>
-                    </m:r>
-                    <m:r>
-                      <a:rPr lang="de-DE" sz="2400" b="0" i="1" smtClean="0">
-                        <a:latin typeface="Cambria Math" panose="02040503050406030204" pitchFamily="18" charset="0"/>
-                        <a:ea typeface="Cambria Math" panose="02040503050406030204" pitchFamily="18" charset="0"/>
-                      </a:rPr>
-                      <m:t> </m:t>
-                    </m:r>
-                  </m:oMath>
-                </a14:m>
-                <a:r>
-                  <a:rPr lang="de-DE" sz="2400" dirty="0"/>
-                  <a:t>Beim </a:t>
-                </a:r>
-                <a:r>
-                  <a:rPr lang="de-DE" sz="2400" dirty="0">
-                    <a:effectLst/>
-                  </a:rPr>
-                  <a:t>kompilieren zum Assemblercode gehen sehr viele Informationen Verloren</a:t>
-                </a:r>
-              </a:p>
-              <a:p>
-                <a:pPr>
-                  <a:spcAft>
-                    <a:spcPts val="0"/>
-                  </a:spcAft>
-                </a:pPr>
-                <a:endParaRPr lang="de-DE" dirty="0"/>
-              </a:p>
-            </p:txBody>
-          </p:sp>
-        </mc:Choice>
-        <mc:Fallback xmlns="">
-          <p:sp>
-            <p:nvSpPr>
-              <p:cNvPr id="8" name="Textfeld 7">
-                <a:extLst>
-                  <a:ext uri="{FF2B5EF4-FFF2-40B4-BE49-F238E27FC236}">
-                    <a16:creationId xmlns:a16="http://schemas.microsoft.com/office/drawing/2014/main" id="{D4EA6077-5FB7-968D-8F52-F97D958A6BBB}"/>
-                  </a:ext>
-                </a:extLst>
-              </p:cNvPr>
-              <p:cNvSpPr txBox="1">
-                <a:spLocks noRot="1" noChangeAspect="1" noMove="1" noResize="1" noEditPoints="1" noAdjustHandles="1" noChangeArrowheads="1" noChangeShapeType="1" noTextEdit="1"/>
-              </p:cNvSpPr>
-              <p:nvPr/>
-            </p:nvSpPr>
-            <p:spPr>
-              <a:xfrm>
-                <a:off x="985545" y="4215094"/>
-                <a:ext cx="10808521" cy="1107996"/>
-              </a:xfrm>
-              <a:prstGeom prst="rect">
-                <a:avLst/>
-              </a:prstGeom>
-              <a:blipFill>
-                <a:blip r:embed="rId2"/>
-                <a:stretch>
-                  <a:fillRect t="-4396" r="-338"/>
-                </a:stretch>
-              </a:blipFill>
-            </p:spPr>
-            <p:txBody>
-              <a:bodyPr/>
-              <a:lstStyle/>
-              <a:p>
-                <a:r>
-                  <a:rPr lang="de-DE">
-                    <a:noFill/>
-                  </a:rPr>
-                  <a:t> </a:t>
-                </a:r>
-              </a:p>
-            </p:txBody>
-          </p:sp>
-        </mc:Fallback>
-      </mc:AlternateContent>
+              <a:rPr lang="en-US" dirty="0"/>
+              <a:t>Sentence Transformer on C Source Code Comments</a:t>
+            </a:r>
+          </a:p>
+          <a:p>
+            <a:r>
+              <a:rPr lang="en-US" dirty="0"/>
+              <a:t>Sentence Transformer on C Source Code Names</a:t>
+            </a:r>
+          </a:p>
+          <a:p>
+            <a:r>
+              <a:rPr lang="en-US" dirty="0"/>
+              <a:t>Sentence Transformer on Llama generated Code Summaries</a:t>
+            </a:r>
+          </a:p>
+          <a:p>
+            <a:r>
+              <a:rPr lang="en-US" dirty="0"/>
+              <a:t>Code2Vec </a:t>
+            </a:r>
+          </a:p>
+          <a:p>
+            <a:endParaRPr lang="en-US" dirty="0"/>
+          </a:p>
+          <a:p>
+            <a:endParaRPr lang="en-US" dirty="0"/>
+          </a:p>
+        </p:txBody>
+      </p:sp>
+      <p:pic>
+        <p:nvPicPr>
+          <p:cNvPr id="10" name="Picture 9" descr="A black background with a black square&#10;&#10;Description automatically generated with medium confidence">
+            <a:extLst>
+              <a:ext uri="{FF2B5EF4-FFF2-40B4-BE49-F238E27FC236}">
+                <a16:creationId xmlns:a16="http://schemas.microsoft.com/office/drawing/2014/main" id="{8D4DEFE6-F178-432B-6392-0A3CB55BF537}"/>
+              </a:ext>
+            </a:extLst>
+          </p:cNvPr>
+          <p:cNvPicPr>
+            <a:picLocks noChangeAspect="1"/>
+          </p:cNvPicPr>
+          <p:nvPr/>
+        </p:nvPicPr>
+        <p:blipFill>
+          <a:blip r:embed="rId2"/>
+          <a:stretch>
+            <a:fillRect/>
+          </a:stretch>
+        </p:blipFill>
+        <p:spPr>
+          <a:xfrm>
+            <a:off x="3478495" y="1438584"/>
+            <a:ext cx="5235009" cy="2126946"/>
+          </a:xfrm>
+          <a:prstGeom prst="rect">
+            <a:avLst/>
+          </a:prstGeom>
+        </p:spPr>
+      </p:pic>
     </p:spTree>
     <p:extLst>
       <p:ext uri="{BB962C8B-B14F-4D97-AF65-F5344CB8AC3E}">
-        <p14:creationId xmlns:p14="http://schemas.microsoft.com/office/powerpoint/2010/main" val="652343218"/>
+        <p14:creationId xmlns:p14="http://schemas.microsoft.com/office/powerpoint/2010/main" val="1088825835"/>
       </p:ext>
     </p:extLst>
   </p:cSld>
@@ -12145,10 +12957,10 @@
       </p:grpSpPr>
       <p:sp>
         <p:nvSpPr>
-          <p:cNvPr id="2" name="Titel 1">
-            <a:extLst>
-              <a:ext uri="{FF2B5EF4-FFF2-40B4-BE49-F238E27FC236}">
-                <a16:creationId xmlns:a16="http://schemas.microsoft.com/office/drawing/2014/main" id="{4E0CE257-127B-9FA3-765A-C5D90A17C486}"/>
+          <p:cNvPr id="2" name="Title 1">
+            <a:extLst>
+              <a:ext uri="{FF2B5EF4-FFF2-40B4-BE49-F238E27FC236}">
+                <a16:creationId xmlns:a16="http://schemas.microsoft.com/office/drawing/2014/main" id="{96DA1EDE-7580-2EAD-78C0-4685D7A129AD}"/>
               </a:ext>
             </a:extLst>
           </p:cNvPr>
@@ -12159,32 +12971,28 @@
             <p:ph type="title"/>
           </p:nvPr>
         </p:nvSpPr>
-        <p:spPr>
-          <a:xfrm>
-            <a:off x="838200" y="365125"/>
-            <a:ext cx="10515600" cy="1325563"/>
-          </a:xfrm>
-        </p:spPr>
-        <p:txBody>
-          <a:bodyPr anchor="ctr">
-            <a:normAutofit/>
-          </a:bodyPr>
+        <p:spPr/>
+        <p:txBody>
+          <a:bodyPr/>
           <a:lstStyle/>
           <a:p>
             <a:r>
-              <a:rPr lang="de-DE"/>
-              <a:t>Trainings Daten mit Source Code Information</a:t>
-            </a:r>
-            <a:endParaRPr lang="de-DE" dirty="0"/>
-          </a:p>
-        </p:txBody>
-      </p:sp>
-      <p:sp>
-        <p:nvSpPr>
-          <p:cNvPr id="3" name="Datumsplatzhalter 2">
-            <a:extLst>
-              <a:ext uri="{FF2B5EF4-FFF2-40B4-BE49-F238E27FC236}">
-                <a16:creationId xmlns:a16="http://schemas.microsoft.com/office/drawing/2014/main" id="{0C599950-CB4E-B832-C0EF-C33D0AECB9F9}"/>
+              <a:rPr lang="en-US" dirty="0"/>
+              <a:t>C Source Code Comments</a:t>
+            </a:r>
+            <a:br>
+              <a:rPr lang="en-US" dirty="0"/>
+            </a:br>
+            <a:endParaRPr lang="en-US" dirty="0"/>
+          </a:p>
+        </p:txBody>
+      </p:sp>
+      <p:sp>
+        <p:nvSpPr>
+          <p:cNvPr id="3" name="Date Placeholder 2">
+            <a:extLst>
+              <a:ext uri="{FF2B5EF4-FFF2-40B4-BE49-F238E27FC236}">
+                <a16:creationId xmlns:a16="http://schemas.microsoft.com/office/drawing/2014/main" id="{DDF9BC24-3B32-B1F6-79E4-E4D1F4C7AABF}"/>
               </a:ext>
             </a:extLst>
           </p:cNvPr>
@@ -12195,23 +13003,12 @@
             <p:ph type="dt" sz="half" idx="10"/>
           </p:nvPr>
         </p:nvSpPr>
-        <p:spPr>
-          <a:xfrm>
-            <a:off x="838200" y="6356350"/>
-            <a:ext cx="2743200" cy="365125"/>
-          </a:xfrm>
-        </p:spPr>
-        <p:txBody>
-          <a:bodyPr anchor="ctr">
-            <a:normAutofit/>
-          </a:bodyPr>
+        <p:spPr/>
+        <p:txBody>
+          <a:bodyPr/>
           <a:lstStyle/>
           <a:p>
-            <a:pPr rtl="0">
-              <a:spcAft>
-                <a:spcPts val="600"/>
-              </a:spcAft>
-            </a:pPr>
+            <a:pPr rtl="0"/>
             <a:r>
               <a:rPr lang="de-DE"/>
               <a:t>20XX</a:t>
@@ -12221,10 +13018,10 @@
       </p:sp>
       <p:sp>
         <p:nvSpPr>
-          <p:cNvPr id="4" name="Fußzeilenplatzhalter 3">
-            <a:extLst>
-              <a:ext uri="{FF2B5EF4-FFF2-40B4-BE49-F238E27FC236}">
-                <a16:creationId xmlns:a16="http://schemas.microsoft.com/office/drawing/2014/main" id="{88E09410-A383-CE2D-739F-52C424469757}"/>
+          <p:cNvPr id="4" name="Footer Placeholder 3">
+            <a:extLst>
+              <a:ext uri="{FF2B5EF4-FFF2-40B4-BE49-F238E27FC236}">
+                <a16:creationId xmlns:a16="http://schemas.microsoft.com/office/drawing/2014/main" id="{82A75E25-1927-C0D0-8986-5100F485FE77}"/>
               </a:ext>
             </a:extLst>
           </p:cNvPr>
@@ -12235,23 +13032,12 @@
             <p:ph type="ftr" sz="quarter" idx="11"/>
           </p:nvPr>
         </p:nvSpPr>
-        <p:spPr>
-          <a:xfrm>
-            <a:off x="4038600" y="6356350"/>
-            <a:ext cx="4114800" cy="365125"/>
-          </a:xfrm>
-        </p:spPr>
-        <p:txBody>
-          <a:bodyPr anchor="ctr">
-            <a:normAutofit/>
-          </a:bodyPr>
+        <p:spPr/>
+        <p:txBody>
+          <a:bodyPr/>
           <a:lstStyle/>
           <a:p>
-            <a:pPr rtl="0">
-              <a:spcAft>
-                <a:spcPts val="600"/>
-              </a:spcAft>
-            </a:pPr>
+            <a:pPr rtl="0"/>
             <a:r>
               <a:rPr lang="de-DE"/>
               <a:t>PRÄSENTATIONSTITEL</a:t>
@@ -12261,10 +13047,10 @@
       </p:sp>
       <p:sp>
         <p:nvSpPr>
-          <p:cNvPr id="5" name="Foliennummernplatzhalter 4">
-            <a:extLst>
-              <a:ext uri="{FF2B5EF4-FFF2-40B4-BE49-F238E27FC236}">
-                <a16:creationId xmlns:a16="http://schemas.microsoft.com/office/drawing/2014/main" id="{FFECCBB5-DDE9-49DA-E556-0828DE931224}"/>
+          <p:cNvPr id="5" name="Slide Number Placeholder 4">
+            <a:extLst>
+              <a:ext uri="{FF2B5EF4-FFF2-40B4-BE49-F238E27FC236}">
+                <a16:creationId xmlns:a16="http://schemas.microsoft.com/office/drawing/2014/main" id="{63CE30E2-C6CE-D4E3-AE97-ABCE15C33DE7}"/>
               </a:ext>
             </a:extLst>
           </p:cNvPr>
@@ -12275,42 +13061,27 @@
             <p:ph type="sldNum" sz="quarter" idx="12"/>
           </p:nvPr>
         </p:nvSpPr>
-        <p:spPr>
-          <a:xfrm>
-            <a:off x="8610600" y="6356350"/>
-            <a:ext cx="2743200" cy="365125"/>
-          </a:xfrm>
-        </p:spPr>
-        <p:txBody>
-          <a:bodyPr anchor="ctr">
-            <a:normAutofit/>
-          </a:bodyPr>
+        <p:spPr/>
+        <p:txBody>
+          <a:bodyPr/>
           <a:lstStyle/>
           <a:p>
-            <a:pPr rtl="0">
-              <a:spcAft>
-                <a:spcPts val="600"/>
-              </a:spcAft>
-            </a:pPr>
+            <a:pPr rtl="0"/>
             <a:fld id="{A49DFD55-3C28-40EF-9E31-A92D2E4017FF}" type="slidenum">
               <a:rPr lang="de-DE" smtClean="0"/>
-              <a:pPr rtl="0">
-                <a:spcAft>
-                  <a:spcPts val="600"/>
-                </a:spcAft>
-              </a:pPr>
+              <a:pPr rtl="0"/>
               <a:t>8</a:t>
             </a:fld>
-            <a:endParaRPr lang="de-DE"/>
-          </a:p>
-        </p:txBody>
-      </p:sp>
-      <p:sp>
-        <p:nvSpPr>
-          <p:cNvPr id="24" name="Chart Placeholder 5">
-            <a:extLst>
-              <a:ext uri="{FF2B5EF4-FFF2-40B4-BE49-F238E27FC236}">
-                <a16:creationId xmlns:a16="http://schemas.microsoft.com/office/drawing/2014/main" id="{53C3A909-782F-4152-578C-CADB2F222376}"/>
+            <a:endParaRPr lang="de-DE" dirty="0"/>
+          </a:p>
+        </p:txBody>
+      </p:sp>
+      <p:sp>
+        <p:nvSpPr>
+          <p:cNvPr id="6" name="Chart Placeholder 5">
+            <a:extLst>
+              <a:ext uri="{FF2B5EF4-FFF2-40B4-BE49-F238E27FC236}">
+                <a16:creationId xmlns:a16="http://schemas.microsoft.com/office/drawing/2014/main" id="{091F9203-5BEA-A90A-04E4-A2E6AA83D19E}"/>
               </a:ext>
             </a:extLst>
           </p:cNvPr>
@@ -12323,22 +13094,203 @@
         </p:nvSpPr>
         <p:spPr>
           <a:xfrm>
-            <a:off x="838200" y="2111608"/>
-            <a:ext cx="10515600" cy="3744912"/>
+            <a:off x="838200" y="4096986"/>
+            <a:ext cx="10515600" cy="1759533"/>
           </a:xfrm>
         </p:spPr>
         <p:txBody>
           <a:bodyPr/>
           <a:lstStyle/>
           <a:p>
-            <a:endParaRPr lang="de-DE"/>
+            <a:endParaRPr lang="en-US" dirty="0"/>
           </a:p>
         </p:txBody>
       </p:sp>
     </p:spTree>
     <p:extLst>
       <p:ext uri="{BB962C8B-B14F-4D97-AF65-F5344CB8AC3E}">
-        <p14:creationId xmlns:p14="http://schemas.microsoft.com/office/powerpoint/2010/main" val="1136190312"/>
+        <p14:creationId xmlns:p14="http://schemas.microsoft.com/office/powerpoint/2010/main" val="1146340923"/>
+      </p:ext>
+    </p:extLst>
+  </p:cSld>
+  <p:clrMapOvr>
+    <a:masterClrMapping/>
+  </p:clrMapOvr>
+</p:sld>
+</file>
+
+<file path=ppt/slides/slide9.xml><?xml version="1.0" encoding="utf-8"?>
+<p:sld xmlns:a="http://schemas.openxmlformats.org/drawingml/2006/main" xmlns:r="http://schemas.openxmlformats.org/officeDocument/2006/relationships" xmlns:p="http://schemas.openxmlformats.org/presentationml/2006/main">
+  <p:cSld>
+    <p:spTree>
+      <p:nvGrpSpPr>
+        <p:cNvPr id="1" name=""/>
+        <p:cNvGrpSpPr/>
+        <p:nvPr/>
+      </p:nvGrpSpPr>
+      <p:grpSpPr>
+        <a:xfrm>
+          <a:off x="0" y="0"/>
+          <a:ext cx="0" cy="0"/>
+          <a:chOff x="0" y="0"/>
+          <a:chExt cx="0" cy="0"/>
+        </a:xfrm>
+      </p:grpSpPr>
+      <p:sp>
+        <p:nvSpPr>
+          <p:cNvPr id="2" name="Title 1">
+            <a:extLst>
+              <a:ext uri="{FF2B5EF4-FFF2-40B4-BE49-F238E27FC236}">
+                <a16:creationId xmlns:a16="http://schemas.microsoft.com/office/drawing/2014/main" id="{23581B9A-E893-CBCB-10D8-758158B28529}"/>
+              </a:ext>
+            </a:extLst>
+          </p:cNvPr>
+          <p:cNvSpPr>
+            <a:spLocks noGrp="1"/>
+          </p:cNvSpPr>
+          <p:nvPr>
+            <p:ph type="title"/>
+          </p:nvPr>
+        </p:nvSpPr>
+        <p:spPr/>
+        <p:txBody>
+          <a:bodyPr/>
+          <a:lstStyle/>
+          <a:p>
+            <a:r>
+              <a:rPr lang="en-US" dirty="0"/>
+              <a:t>C Source Code Names</a:t>
+            </a:r>
+            <a:br>
+              <a:rPr lang="en-US" dirty="0"/>
+            </a:br>
+            <a:endParaRPr lang="en-US" dirty="0"/>
+          </a:p>
+        </p:txBody>
+      </p:sp>
+      <p:sp>
+        <p:nvSpPr>
+          <p:cNvPr id="3" name="Date Placeholder 2">
+            <a:extLst>
+              <a:ext uri="{FF2B5EF4-FFF2-40B4-BE49-F238E27FC236}">
+                <a16:creationId xmlns:a16="http://schemas.microsoft.com/office/drawing/2014/main" id="{52E27AF6-7ACC-CED6-4F1E-55BFB40BB8AD}"/>
+              </a:ext>
+            </a:extLst>
+          </p:cNvPr>
+          <p:cNvSpPr>
+            <a:spLocks noGrp="1"/>
+          </p:cNvSpPr>
+          <p:nvPr>
+            <p:ph type="dt" sz="half" idx="10"/>
+          </p:nvPr>
+        </p:nvSpPr>
+        <p:spPr/>
+        <p:txBody>
+          <a:bodyPr/>
+          <a:lstStyle/>
+          <a:p>
+            <a:pPr rtl="0"/>
+            <a:r>
+              <a:rPr lang="de-DE"/>
+              <a:t>20XX</a:t>
+            </a:r>
+          </a:p>
+        </p:txBody>
+      </p:sp>
+      <p:sp>
+        <p:nvSpPr>
+          <p:cNvPr id="4" name="Footer Placeholder 3">
+            <a:extLst>
+              <a:ext uri="{FF2B5EF4-FFF2-40B4-BE49-F238E27FC236}">
+                <a16:creationId xmlns:a16="http://schemas.microsoft.com/office/drawing/2014/main" id="{931D3360-DC4E-3BF9-A90E-0C00781112AD}"/>
+              </a:ext>
+            </a:extLst>
+          </p:cNvPr>
+          <p:cNvSpPr>
+            <a:spLocks noGrp="1"/>
+          </p:cNvSpPr>
+          <p:nvPr>
+            <p:ph type="ftr" sz="quarter" idx="11"/>
+          </p:nvPr>
+        </p:nvSpPr>
+        <p:spPr/>
+        <p:txBody>
+          <a:bodyPr/>
+          <a:lstStyle/>
+          <a:p>
+            <a:pPr rtl="0"/>
+            <a:r>
+              <a:rPr lang="de-DE"/>
+              <a:t>PRÄSENTATIONSTITEL</a:t>
+            </a:r>
+          </a:p>
+        </p:txBody>
+      </p:sp>
+      <p:sp>
+        <p:nvSpPr>
+          <p:cNvPr id="5" name="Slide Number Placeholder 4">
+            <a:extLst>
+              <a:ext uri="{FF2B5EF4-FFF2-40B4-BE49-F238E27FC236}">
+                <a16:creationId xmlns:a16="http://schemas.microsoft.com/office/drawing/2014/main" id="{4910D150-2BDF-1659-2BFF-30CFD4096D5D}"/>
+              </a:ext>
+            </a:extLst>
+          </p:cNvPr>
+          <p:cNvSpPr>
+            <a:spLocks noGrp="1"/>
+          </p:cNvSpPr>
+          <p:nvPr>
+            <p:ph type="sldNum" sz="quarter" idx="12"/>
+          </p:nvPr>
+        </p:nvSpPr>
+        <p:spPr/>
+        <p:txBody>
+          <a:bodyPr/>
+          <a:lstStyle/>
+          <a:p>
+            <a:pPr rtl="0"/>
+            <a:fld id="{A49DFD55-3C28-40EF-9E31-A92D2E4017FF}" type="slidenum">
+              <a:rPr lang="de-DE" smtClean="0"/>
+              <a:pPr rtl="0"/>
+              <a:t>9</a:t>
+            </a:fld>
+            <a:endParaRPr lang="de-DE" dirty="0"/>
+          </a:p>
+        </p:txBody>
+      </p:sp>
+      <p:sp>
+        <p:nvSpPr>
+          <p:cNvPr id="6" name="Chart Placeholder 5">
+            <a:extLst>
+              <a:ext uri="{FF2B5EF4-FFF2-40B4-BE49-F238E27FC236}">
+                <a16:creationId xmlns:a16="http://schemas.microsoft.com/office/drawing/2014/main" id="{3AFD5A68-BA8B-384B-BB06-CCC2B033CAE7}"/>
+              </a:ext>
+            </a:extLst>
+          </p:cNvPr>
+          <p:cNvSpPr>
+            <a:spLocks noGrp="1"/>
+          </p:cNvSpPr>
+          <p:nvPr>
+            <p:ph type="chart" sz="quarter" idx="13"/>
+          </p:nvPr>
+        </p:nvSpPr>
+        <p:spPr>
+          <a:xfrm>
+            <a:off x="838200" y="3883230"/>
+            <a:ext cx="10515600" cy="1973289"/>
+          </a:xfrm>
+        </p:spPr>
+        <p:txBody>
+          <a:bodyPr/>
+          <a:lstStyle/>
+          <a:p>
+            <a:endParaRPr lang="en-US"/>
+          </a:p>
+        </p:txBody>
+      </p:sp>
+    </p:spTree>
+    <p:extLst>
+      <p:ext uri="{BB962C8B-B14F-4D97-AF65-F5344CB8AC3E}">
+        <p14:creationId xmlns:p14="http://schemas.microsoft.com/office/powerpoint/2010/main" val="3566871610"/>
       </p:ext>
     </p:extLst>
   </p:cSld>
@@ -13140,25 +14092,6 @@
 </file>
 
 <file path=customXml/item1.xml><?xml version="1.0" encoding="utf-8"?>
-<p:properties xmlns:p="http://schemas.microsoft.com/office/2006/metadata/properties" xmlns:xsi="http://www.w3.org/2001/XMLSchema-instance" xmlns:pc="http://schemas.microsoft.com/office/infopath/2007/PartnerControls">
-  <documentManagement>
-    <_ip_UnifiedCompliancePolicyUIAction xmlns="http://schemas.microsoft.com/sharepoint/v3" xsi:nil="true"/>
-    <Image xmlns="71af3243-3dd4-4a8d-8c0d-dd76da1f02a5">
-      <Url xsi:nil="true"/>
-      <Description xsi:nil="true"/>
-    </Image>
-    <Status xmlns="71af3243-3dd4-4a8d-8c0d-dd76da1f02a5">Not started</Status>
-    <_ip_UnifiedCompliancePolicyProperties xmlns="http://schemas.microsoft.com/sharepoint/v3" xsi:nil="true"/>
-    <ImageTagsTaxHTField xmlns="71af3243-3dd4-4a8d-8c0d-dd76da1f02a5">
-      <Terms xmlns="http://schemas.microsoft.com/office/infopath/2007/PartnerControls"/>
-    </ImageTagsTaxHTField>
-    <TaxCatchAll xmlns="230e9df3-be65-4c73-a93b-d1236ebd677e"/>
-    <MediaServiceKeyPoints xmlns="71af3243-3dd4-4a8d-8c0d-dd76da1f02a5" xsi:nil="true"/>
-  </documentManagement>
-</p:properties>
-</file>
-
-<file path=customXml/item2.xml><?xml version="1.0" encoding="utf-8"?>
 <ct:contentTypeSchema xmlns:ct="http://schemas.microsoft.com/office/2006/metadata/contentType" xmlns:ma="http://schemas.microsoft.com/office/2006/metadata/properties/metaAttributes" ct:_="" ma:_="" ma:contentTypeName="Document" ma:contentTypeID="0x01010079F111ED35F8CC479449609E8A0923A6" ma:contentTypeVersion="20" ma:contentTypeDescription="Create a new document." ma:contentTypeScope="" ma:versionID="1267097ee5f5874adfcc408041ae252e">
   <xsd:schema xmlns:xsd="http://www.w3.org/2001/XMLSchema" xmlns:xs="http://www.w3.org/2001/XMLSchema" xmlns:p="http://schemas.microsoft.com/office/2006/metadata/properties" xmlns:ns1="http://schemas.microsoft.com/sharepoint/v3" xmlns:ns2="71af3243-3dd4-4a8d-8c0d-dd76da1f02a5" xmlns:ns3="16c05727-aa75-4e4a-9b5f-8a80a1165891" xmlns:ns4="230e9df3-be65-4c73-a93b-d1236ebd677e" targetNamespace="http://schemas.microsoft.com/office/2006/metadata/properties" ma:root="true" ma:fieldsID="395891a93df65b14727750f2c06c306c" ns1:_="" ns2:_="" ns3:_="" ns4:_="">
     <xsd:import namespace="http://schemas.microsoft.com/sharepoint/v3"/>
@@ -13434,6 +14367,25 @@
 </ct:contentTypeSchema>
 </file>
 
+<file path=customXml/item2.xml><?xml version="1.0" encoding="utf-8"?>
+<p:properties xmlns:p="http://schemas.microsoft.com/office/2006/metadata/properties" xmlns:xsi="http://www.w3.org/2001/XMLSchema-instance" xmlns:pc="http://schemas.microsoft.com/office/infopath/2007/PartnerControls">
+  <documentManagement>
+    <_ip_UnifiedCompliancePolicyUIAction xmlns="http://schemas.microsoft.com/sharepoint/v3" xsi:nil="true"/>
+    <Image xmlns="71af3243-3dd4-4a8d-8c0d-dd76da1f02a5">
+      <Url xsi:nil="true"/>
+      <Description xsi:nil="true"/>
+    </Image>
+    <Status xmlns="71af3243-3dd4-4a8d-8c0d-dd76da1f02a5">Not started</Status>
+    <_ip_UnifiedCompliancePolicyProperties xmlns="http://schemas.microsoft.com/sharepoint/v3" xsi:nil="true"/>
+    <ImageTagsTaxHTField xmlns="71af3243-3dd4-4a8d-8c0d-dd76da1f02a5">
+      <Terms xmlns="http://schemas.microsoft.com/office/infopath/2007/PartnerControls"/>
+    </ImageTagsTaxHTField>
+    <TaxCatchAll xmlns="230e9df3-be65-4c73-a93b-d1236ebd677e"/>
+    <MediaServiceKeyPoints xmlns="71af3243-3dd4-4a8d-8c0d-dd76da1f02a5" xsi:nil="true"/>
+  </documentManagement>
+</p:properties>
+</file>
+
 <file path=customXml/item3.xml><?xml version="1.0" encoding="utf-8"?>
 <?mso-contentType ?>
 <FormTemplates xmlns="http://schemas.microsoft.com/sharepoint/v3/contenttype/forms">
@@ -13444,25 +14396,6 @@
 </file>
 
 <file path=customXml/itemProps1.xml><?xml version="1.0" encoding="utf-8"?>
-<ds:datastoreItem xmlns:ds="http://schemas.openxmlformats.org/officeDocument/2006/customXml" ds:itemID="{29C43685-694E-4579-B109-3C418D49DA65}">
-  <ds:schemaRefs>
-    <ds:schemaRef ds:uri="16c05727-aa75-4e4a-9b5f-8a80a1165891"/>
-    <ds:schemaRef ds:uri="http://purl.org/dc/terms/"/>
-    <ds:schemaRef ds:uri="http://purl.org/dc/elements/1.1/"/>
-    <ds:schemaRef ds:uri="http://purl.org/dc/dcmitype/"/>
-    <ds:schemaRef ds:uri="http://schemas.microsoft.com/office/2006/documentManagement/types"/>
-    <ds:schemaRef ds:uri="http://schemas.openxmlformats.org/package/2006/metadata/core-properties"/>
-    <ds:schemaRef ds:uri="http://schemas.microsoft.com/office/infopath/2007/PartnerControls"/>
-    <ds:schemaRef ds:uri="http://www.w3.org/XML/1998/namespace"/>
-    <ds:schemaRef ds:uri="230e9df3-be65-4c73-a93b-d1236ebd677e"/>
-    <ds:schemaRef ds:uri="71af3243-3dd4-4a8d-8c0d-dd76da1f02a5"/>
-    <ds:schemaRef ds:uri="http://schemas.microsoft.com/sharepoint/v3"/>
-    <ds:schemaRef ds:uri="http://schemas.microsoft.com/office/2006/metadata/properties"/>
-  </ds:schemaRefs>
-</ds:datastoreItem>
-</file>
-
-<file path=customXml/itemProps2.xml><?xml version="1.0" encoding="utf-8"?>
 <ds:datastoreItem xmlns:ds="http://schemas.openxmlformats.org/officeDocument/2006/customXml" ds:itemID="{CC96B61E-1B64-430F-934F-7D1B90028029}">
   <ds:schemaRefs>
     <ds:schemaRef ds:uri="http://schemas.microsoft.com/office/2006/metadata/contentType"/>
@@ -13483,6 +14416,25 @@
 </ds:datastoreItem>
 </file>
 
+<file path=customXml/itemProps2.xml><?xml version="1.0" encoding="utf-8"?>
+<ds:datastoreItem xmlns:ds="http://schemas.openxmlformats.org/officeDocument/2006/customXml" ds:itemID="{29C43685-694E-4579-B109-3C418D49DA65}">
+  <ds:schemaRefs>
+    <ds:schemaRef ds:uri="16c05727-aa75-4e4a-9b5f-8a80a1165891"/>
+    <ds:schemaRef ds:uri="http://purl.org/dc/terms/"/>
+    <ds:schemaRef ds:uri="http://purl.org/dc/elements/1.1/"/>
+    <ds:schemaRef ds:uri="http://purl.org/dc/dcmitype/"/>
+    <ds:schemaRef ds:uri="http://schemas.microsoft.com/office/2006/documentManagement/types"/>
+    <ds:schemaRef ds:uri="http://schemas.openxmlformats.org/package/2006/metadata/core-properties"/>
+    <ds:schemaRef ds:uri="http://schemas.microsoft.com/office/infopath/2007/PartnerControls"/>
+    <ds:schemaRef ds:uri="http://www.w3.org/XML/1998/namespace"/>
+    <ds:schemaRef ds:uri="230e9df3-be65-4c73-a93b-d1236ebd677e"/>
+    <ds:schemaRef ds:uri="71af3243-3dd4-4a8d-8c0d-dd76da1f02a5"/>
+    <ds:schemaRef ds:uri="http://schemas.microsoft.com/sharepoint/v3"/>
+    <ds:schemaRef ds:uri="http://schemas.microsoft.com/office/2006/metadata/properties"/>
+  </ds:schemaRefs>
+</ds:datastoreItem>
+</file>
+
 <file path=customXml/itemProps3.xml><?xml version="1.0" encoding="utf-8"?>
 <ds:datastoreItem xmlns:ds="http://schemas.openxmlformats.org/officeDocument/2006/customXml" ds:itemID="{0FD6FE22-81A0-4500-AFD0-342D21BB9A2C}">
   <ds:schemaRefs>

--- a/pitch-pp/C2Vec.pptx
+++ b/pitch-pp/C2Vec.pptx
@@ -5,25 +5,30 @@
     <p:sldMasterId id="2147483648" r:id="rId4"/>
   </p:sldMasterIdLst>
   <p:notesMasterIdLst>
-    <p:notesMasterId r:id="rId18"/>
+    <p:notesMasterId r:id="rId23"/>
   </p:notesMasterIdLst>
   <p:handoutMasterIdLst>
-    <p:handoutMasterId r:id="rId19"/>
+    <p:handoutMasterId r:id="rId24"/>
   </p:handoutMasterIdLst>
   <p:sldIdLst>
     <p:sldId id="256" r:id="rId5"/>
     <p:sldId id="257" r:id="rId6"/>
-    <p:sldId id="260" r:id="rId7"/>
-    <p:sldId id="261" r:id="rId8"/>
+    <p:sldId id="269" r:id="rId7"/>
+    <p:sldId id="260" r:id="rId8"/>
     <p:sldId id="262" r:id="rId9"/>
-    <p:sldId id="263" r:id="rId10"/>
-    <p:sldId id="264" r:id="rId11"/>
-    <p:sldId id="265" r:id="rId12"/>
-    <p:sldId id="266" r:id="rId13"/>
-    <p:sldId id="267" r:id="rId14"/>
-    <p:sldId id="268" r:id="rId15"/>
-    <p:sldId id="258" r:id="rId16"/>
-    <p:sldId id="259" r:id="rId17"/>
+    <p:sldId id="261" r:id="rId10"/>
+    <p:sldId id="263" r:id="rId11"/>
+    <p:sldId id="270" r:id="rId12"/>
+    <p:sldId id="271" r:id="rId13"/>
+    <p:sldId id="264" r:id="rId14"/>
+    <p:sldId id="266" r:id="rId15"/>
+    <p:sldId id="272" r:id="rId16"/>
+    <p:sldId id="265" r:id="rId17"/>
+    <p:sldId id="273" r:id="rId18"/>
+    <p:sldId id="275" r:id="rId19"/>
+    <p:sldId id="267" r:id="rId20"/>
+    <p:sldId id="268" r:id="rId21"/>
+    <p:sldId id="276" r:id="rId22"/>
   </p:sldIdLst>
   <p:sldSz cx="12192000" cy="6858000"/>
   <p:notesSz cx="6858000" cy="9144000"/>
@@ -229,7 +234,7 @@
             <a:pPr rtl="0"/>
             <a:fld id="{9B11A7A5-20C6-4E69-AACA-E47DADC9EFAA}" type="datetime1">
               <a:rPr lang="de-DE" smtClean="0"/>
-              <a:t>16.03.2024</a:t>
+              <a:t>22.03.2024</a:t>
             </a:fld>
             <a:endParaRPr lang="de-DE" dirty="0"/>
           </a:p>
@@ -411,7 +416,7 @@
             <a:fld id="{BB817352-7D89-4901-9FDB-508A88E9CEFE}" type="datetime1">
               <a:rPr lang="de-DE" smtClean="0"/>
               <a:pPr/>
-              <a:t>16.03.2024</a:t>
+              <a:t>22.03.2024</a:t>
             </a:fld>
             <a:endParaRPr lang="de-DE" dirty="0"/>
           </a:p>
@@ -1193,9 +1198,10 @@
           <a:p>
             <a:pPr rtl="0"/>
             <a:r>
-              <a:rPr lang="de-DE"/>
-              <a:t>20XX</a:t>
-            </a:r>
+              <a:rPr lang="en-US"/>
+              <a:t>2024</a:t>
+            </a:r>
+            <a:endParaRPr lang="de-DE"/>
           </a:p>
         </p:txBody>
       </p:sp>
@@ -1226,9 +1232,10 @@
           <a:p>
             <a:pPr rtl="0"/>
             <a:r>
-              <a:rPr lang="de-DE"/>
-              <a:t>PRÄSENTATIONSTITEL</a:t>
-            </a:r>
+              <a:rPr lang="en-US"/>
+              <a:t>Creating Rich Labels For Binary Functions Using Source Information</a:t>
+            </a:r>
+            <a:endParaRPr lang="de-DE"/>
           </a:p>
         </p:txBody>
       </p:sp>
@@ -1803,9 +1810,10 @@
           <a:p>
             <a:pPr rtl="0"/>
             <a:r>
-              <a:rPr lang="de-DE"/>
-              <a:t>20XX</a:t>
-            </a:r>
+              <a:rPr lang="en-US"/>
+              <a:t>2024</a:t>
+            </a:r>
+            <a:endParaRPr lang="de-DE"/>
           </a:p>
         </p:txBody>
       </p:sp>
@@ -1841,9 +1849,10 @@
           <a:p>
             <a:pPr rtl="0"/>
             <a:r>
-              <a:rPr lang="de-DE"/>
-              <a:t>PRÄSENTATIONSTITEL</a:t>
-            </a:r>
+              <a:rPr lang="en-US"/>
+              <a:t>Creating Rich Labels For Binary Functions Using Source Information</a:t>
+            </a:r>
+            <a:endParaRPr lang="de-DE"/>
           </a:p>
         </p:txBody>
       </p:sp>
@@ -2552,9 +2561,10 @@
           <a:p>
             <a:pPr rtl="0"/>
             <a:r>
-              <a:rPr lang="de-DE"/>
-              <a:t>20XX</a:t>
-            </a:r>
+              <a:rPr lang="en-US"/>
+              <a:t>2024</a:t>
+            </a:r>
+            <a:endParaRPr lang="de-DE"/>
           </a:p>
         </p:txBody>
       </p:sp>
@@ -2585,9 +2595,10 @@
           <a:p>
             <a:pPr rtl="0"/>
             <a:r>
-              <a:rPr lang="de-DE"/>
-              <a:t>PRÄSENTATIONSTITEL</a:t>
-            </a:r>
+              <a:rPr lang="en-US"/>
+              <a:t>Creating Rich Labels For Binary Functions Using Source Information</a:t>
+            </a:r>
+            <a:endParaRPr lang="de-DE"/>
           </a:p>
         </p:txBody>
       </p:sp>
@@ -3319,9 +3330,10 @@
           <a:p>
             <a:pPr rtl="0"/>
             <a:r>
-              <a:rPr lang="de-DE"/>
-              <a:t>20XX</a:t>
-            </a:r>
+              <a:rPr lang="en-US"/>
+              <a:t>2024</a:t>
+            </a:r>
+            <a:endParaRPr lang="de-DE"/>
           </a:p>
         </p:txBody>
       </p:sp>
@@ -3352,9 +3364,10 @@
           <a:p>
             <a:pPr rtl="0"/>
             <a:r>
-              <a:rPr lang="de-DE"/>
-              <a:t>PRÄSENTATIONSTITEL</a:t>
-            </a:r>
+              <a:rPr lang="en-US"/>
+              <a:t>Creating Rich Labels For Binary Functions Using Source Information</a:t>
+            </a:r>
+            <a:endParaRPr lang="de-DE"/>
           </a:p>
         </p:txBody>
       </p:sp>
@@ -3847,9 +3860,10 @@
           <a:p>
             <a:pPr rtl="0"/>
             <a:r>
-              <a:rPr lang="de-DE"/>
-              <a:t>20XX</a:t>
-            </a:r>
+              <a:rPr lang="en-US"/>
+              <a:t>2024</a:t>
+            </a:r>
+            <a:endParaRPr lang="de-DE"/>
           </a:p>
         </p:txBody>
       </p:sp>
@@ -3885,9 +3899,10 @@
           <a:p>
             <a:pPr rtl="0"/>
             <a:r>
-              <a:rPr lang="de-DE"/>
-              <a:t>PRÄSENTATIONSTITEL</a:t>
-            </a:r>
+              <a:rPr lang="en-US"/>
+              <a:t>Creating Rich Labels For Binary Functions Using Source Information</a:t>
+            </a:r>
+            <a:endParaRPr lang="de-DE"/>
           </a:p>
         </p:txBody>
       </p:sp>
@@ -4172,9 +4187,10 @@
           <a:p>
             <a:pPr rtl="0"/>
             <a:r>
-              <a:rPr lang="de-DE"/>
-              <a:t>20XX</a:t>
-            </a:r>
+              <a:rPr lang="en-US"/>
+              <a:t>2024</a:t>
+            </a:r>
+            <a:endParaRPr lang="de-DE"/>
           </a:p>
         </p:txBody>
       </p:sp>
@@ -4210,9 +4226,10 @@
           <a:p>
             <a:pPr rtl="0"/>
             <a:r>
-              <a:rPr lang="de-DE"/>
-              <a:t>PRÄSENTATIONSTITEL</a:t>
-            </a:r>
+              <a:rPr lang="en-US"/>
+              <a:t>Creating Rich Labels For Binary Functions Using Source Information</a:t>
+            </a:r>
+            <a:endParaRPr lang="de-DE"/>
           </a:p>
         </p:txBody>
       </p:sp>
@@ -4525,9 +4542,10 @@
           <a:p>
             <a:pPr rtl="0"/>
             <a:r>
-              <a:rPr lang="de-DE"/>
-              <a:t>20XX</a:t>
-            </a:r>
+              <a:rPr lang="en-US"/>
+              <a:t>2024</a:t>
+            </a:r>
+            <a:endParaRPr lang="de-DE"/>
           </a:p>
         </p:txBody>
       </p:sp>
@@ -4563,9 +4581,10 @@
           <a:p>
             <a:pPr rtl="0"/>
             <a:r>
-              <a:rPr lang="de-DE"/>
-              <a:t>PRÄSENTATIONSTITEL</a:t>
-            </a:r>
+              <a:rPr lang="en-US"/>
+              <a:t>Creating Rich Labels For Binary Functions Using Source Information</a:t>
+            </a:r>
+            <a:endParaRPr lang="de-DE"/>
           </a:p>
         </p:txBody>
       </p:sp>
@@ -4846,9 +4865,10 @@
           <a:p>
             <a:pPr rtl="0"/>
             <a:r>
-              <a:rPr lang="de-DE"/>
-              <a:t>20XX</a:t>
-            </a:r>
+              <a:rPr lang="en-US"/>
+              <a:t>2024</a:t>
+            </a:r>
+            <a:endParaRPr lang="de-DE"/>
           </a:p>
         </p:txBody>
       </p:sp>
@@ -4884,9 +4904,10 @@
           <a:p>
             <a:pPr rtl="0"/>
             <a:r>
-              <a:rPr lang="de-DE"/>
-              <a:t>PRÄSENTATIONSTITEL</a:t>
-            </a:r>
+              <a:rPr lang="en-US"/>
+              <a:t>Creating Rich Labels For Binary Functions Using Source Information</a:t>
+            </a:r>
+            <a:endParaRPr lang="de-DE"/>
           </a:p>
         </p:txBody>
       </p:sp>
@@ -5330,9 +5351,10 @@
           <a:p>
             <a:pPr rtl="0"/>
             <a:r>
-              <a:rPr lang="de-DE"/>
-              <a:t>20XX</a:t>
-            </a:r>
+              <a:rPr lang="en-US"/>
+              <a:t>2024</a:t>
+            </a:r>
+            <a:endParaRPr lang="de-DE"/>
           </a:p>
         </p:txBody>
       </p:sp>
@@ -5363,9 +5385,10 @@
           <a:p>
             <a:pPr rtl="0"/>
             <a:r>
-              <a:rPr lang="de-DE"/>
-              <a:t>PRÄSENTATIONSTITEL</a:t>
-            </a:r>
+              <a:rPr lang="en-US"/>
+              <a:t>Creating Rich Labels For Binary Functions Using Source Information</a:t>
+            </a:r>
+            <a:endParaRPr lang="de-DE"/>
           </a:p>
         </p:txBody>
       </p:sp>
@@ -5586,9 +5609,10 @@
           <a:p>
             <a:pPr rtl="0"/>
             <a:r>
-              <a:rPr lang="de-DE"/>
-              <a:t>20XX</a:t>
-            </a:r>
+              <a:rPr lang="en-US"/>
+              <a:t>2024</a:t>
+            </a:r>
+            <a:endParaRPr lang="de-DE"/>
           </a:p>
         </p:txBody>
       </p:sp>
@@ -5619,9 +5643,10 @@
           <a:p>
             <a:pPr rtl="0"/>
             <a:r>
-              <a:rPr lang="de-DE"/>
-              <a:t>PRÄSENTATIONSTITEL</a:t>
-            </a:r>
+              <a:rPr lang="en-US"/>
+              <a:t>Creating Rich Labels For Binary Functions Using Source Information</a:t>
+            </a:r>
+            <a:endParaRPr lang="de-DE"/>
           </a:p>
         </p:txBody>
       </p:sp>
@@ -5887,9 +5912,10 @@
           <a:p>
             <a:pPr rtl="0"/>
             <a:r>
-              <a:rPr lang="de-DE"/>
-              <a:t>20XX</a:t>
-            </a:r>
+              <a:rPr lang="en-US"/>
+              <a:t>2024</a:t>
+            </a:r>
+            <a:endParaRPr lang="de-DE"/>
           </a:p>
         </p:txBody>
       </p:sp>
@@ -5925,9 +5951,10 @@
           <a:p>
             <a:pPr rtl="0"/>
             <a:r>
-              <a:rPr lang="de-DE"/>
-              <a:t>PRÄSENTATIONSTITEL</a:t>
-            </a:r>
+              <a:rPr lang="en-US"/>
+              <a:t>Creating Rich Labels For Binary Functions Using Source Information</a:t>
+            </a:r>
+            <a:endParaRPr lang="de-DE"/>
           </a:p>
         </p:txBody>
       </p:sp>
@@ -6940,9 +6967,10 @@
           <a:p>
             <a:pPr rtl="0"/>
             <a:r>
-              <a:rPr lang="de-DE"/>
-              <a:t>20XX</a:t>
-            </a:r>
+              <a:rPr lang="en-US"/>
+              <a:t>2024</a:t>
+            </a:r>
+            <a:endParaRPr lang="de-DE"/>
           </a:p>
         </p:txBody>
       </p:sp>
@@ -6973,9 +7001,10 @@
           <a:p>
             <a:pPr rtl="0"/>
             <a:r>
-              <a:rPr lang="de-DE"/>
-              <a:t>PRÄSENTATIONSTITEL</a:t>
-            </a:r>
+              <a:rPr lang="en-US"/>
+              <a:t>Creating Rich Labels For Binary Functions Using Source Information</a:t>
+            </a:r>
+            <a:endParaRPr lang="de-DE"/>
           </a:p>
         </p:txBody>
       </p:sp>
@@ -9031,9 +9060,10 @@
           <a:p>
             <a:pPr rtl="0"/>
             <a:r>
-              <a:rPr lang="de-DE"/>
-              <a:t>20XX</a:t>
-            </a:r>
+              <a:rPr lang="en-US"/>
+              <a:t>2024</a:t>
+            </a:r>
+            <a:endParaRPr lang="de-DE"/>
           </a:p>
         </p:txBody>
       </p:sp>
@@ -9068,9 +9098,10 @@
           <a:p>
             <a:pPr rtl="0"/>
             <a:r>
-              <a:rPr lang="de-DE"/>
-              <a:t>PRÄSENTATIONSTITEL</a:t>
-            </a:r>
+              <a:rPr lang="en-US"/>
+              <a:t>Creating Rich Labels For Binary Functions Using Source Information</a:t>
+            </a:r>
+            <a:endParaRPr lang="de-DE"/>
           </a:p>
         </p:txBody>
       </p:sp>
@@ -9303,9 +9334,10 @@
           <a:p>
             <a:pPr rtl="0"/>
             <a:r>
-              <a:rPr lang="de-DE"/>
-              <a:t>20XX</a:t>
-            </a:r>
+              <a:rPr lang="en-US"/>
+              <a:t>2024</a:t>
+            </a:r>
+            <a:endParaRPr lang="de-DE"/>
           </a:p>
         </p:txBody>
       </p:sp>
@@ -9350,9 +9382,10 @@
           <a:p>
             <a:pPr rtl="0"/>
             <a:r>
-              <a:rPr lang="de-DE"/>
-              <a:t>PRÄSENTATIONSTITEL</a:t>
-            </a:r>
+              <a:rPr lang="en-US"/>
+              <a:t>Creating Rich Labels For Binary Functions Using Source Information</a:t>
+            </a:r>
+            <a:endParaRPr lang="de-DE"/>
           </a:p>
         </p:txBody>
       </p:sp>
@@ -9748,8 +9781,8 @@
         </p:nvSpPr>
         <p:spPr>
           <a:xfrm>
-            <a:off x="6416040" y="4434840"/>
-            <a:ext cx="4941771" cy="1122202"/>
+            <a:off x="997528" y="4832664"/>
+            <a:ext cx="10312782" cy="1122202"/>
           </a:xfrm>
         </p:spPr>
         <p:txBody>
@@ -9762,9 +9795,10 @@
           <a:p>
             <a:pPr rtl="0"/>
             <a:r>
-              <a:rPr lang="de-DE" dirty="0"/>
-              <a:t>Pitch Vortrag</a:t>
-            </a:r>
+              <a:rPr lang="en-US" dirty="0"/>
+              <a:t>Creating Rich Labels For Binary Functions Using Source Information</a:t>
+            </a:r>
+            <a:endParaRPr lang="de-DE" dirty="0"/>
           </a:p>
         </p:txBody>
       </p:sp>
@@ -9786,7 +9820,7 @@
         </p:nvSpPr>
         <p:spPr>
           <a:xfrm>
-            <a:off x="6416041" y="5586890"/>
+            <a:off x="6730737" y="6002526"/>
             <a:ext cx="4941770" cy="396660"/>
           </a:xfrm>
         </p:spPr>
@@ -9843,7 +9877,7 @@
           <p:cNvPr id="2" name="Title 1">
             <a:extLst>
               <a:ext uri="{FF2B5EF4-FFF2-40B4-BE49-F238E27FC236}">
-                <a16:creationId xmlns:a16="http://schemas.microsoft.com/office/drawing/2014/main" id="{BF6F7C28-0594-25F2-94B4-7D6B727E9060}"/>
+                <a16:creationId xmlns:a16="http://schemas.microsoft.com/office/drawing/2014/main" id="{52160D54-E2BF-394D-3EAD-2875D361518D}"/>
               </a:ext>
             </a:extLst>
           </p:cNvPr>
@@ -9861,12 +9895,8 @@
           <a:p>
             <a:r>
               <a:rPr lang="en-US" dirty="0"/>
-              <a:t>Llama generated Code Summaries</a:t>
-            </a:r>
-            <a:br>
-              <a:rPr lang="en-US" dirty="0"/>
-            </a:br>
-            <a:endParaRPr lang="en-US" dirty="0"/>
+              <a:t>My part</a:t>
+            </a:r>
           </a:p>
         </p:txBody>
       </p:sp>
@@ -9875,7 +9905,7 @@
           <p:cNvPr id="3" name="Date Placeholder 2">
             <a:extLst>
               <a:ext uri="{FF2B5EF4-FFF2-40B4-BE49-F238E27FC236}">
-                <a16:creationId xmlns:a16="http://schemas.microsoft.com/office/drawing/2014/main" id="{E04E00AD-6B92-E778-5CF1-3BD2ABF0C1E3}"/>
+                <a16:creationId xmlns:a16="http://schemas.microsoft.com/office/drawing/2014/main" id="{D97CB15C-26F3-7A1A-556F-ABE7F24E4FD2}"/>
               </a:ext>
             </a:extLst>
           </p:cNvPr>
@@ -9893,9 +9923,10 @@
           <a:p>
             <a:pPr rtl="0"/>
             <a:r>
-              <a:rPr lang="de-DE"/>
-              <a:t>20XX</a:t>
-            </a:r>
+              <a:rPr lang="en-US"/>
+              <a:t>2024</a:t>
+            </a:r>
+            <a:endParaRPr lang="de-DE" dirty="0"/>
           </a:p>
         </p:txBody>
       </p:sp>
@@ -9904,7 +9935,7 @@
           <p:cNvPr id="4" name="Footer Placeholder 3">
             <a:extLst>
               <a:ext uri="{FF2B5EF4-FFF2-40B4-BE49-F238E27FC236}">
-                <a16:creationId xmlns:a16="http://schemas.microsoft.com/office/drawing/2014/main" id="{CAC84D10-C8A6-2AB4-8A75-CD25A210257A}"/>
+                <a16:creationId xmlns:a16="http://schemas.microsoft.com/office/drawing/2014/main" id="{1DA4CCF6-9676-1F8E-3DEE-F6FC7122CA8B}"/>
               </a:ext>
             </a:extLst>
           </p:cNvPr>
@@ -9922,9 +9953,10 @@
           <a:p>
             <a:pPr rtl="0"/>
             <a:r>
-              <a:rPr lang="de-DE"/>
-              <a:t>PRÄSENTATIONSTITEL</a:t>
-            </a:r>
+              <a:rPr lang="en-US"/>
+              <a:t>Creating Rich Labels For Binary Functions Using Source Information</a:t>
+            </a:r>
+            <a:endParaRPr lang="de-DE" dirty="0"/>
           </a:p>
         </p:txBody>
       </p:sp>
@@ -9933,7 +9965,7 @@
           <p:cNvPr id="5" name="Slide Number Placeholder 4">
             <a:extLst>
               <a:ext uri="{FF2B5EF4-FFF2-40B4-BE49-F238E27FC236}">
-                <a16:creationId xmlns:a16="http://schemas.microsoft.com/office/drawing/2014/main" id="{9EA68215-8174-99B4-B185-7390578D2992}"/>
+                <a16:creationId xmlns:a16="http://schemas.microsoft.com/office/drawing/2014/main" id="{1DFA5756-2B08-015D-D715-B2A31FFBFA65}"/>
               </a:ext>
             </a:extLst>
           </p:cNvPr>
@@ -9964,7 +9996,7 @@
           <p:cNvPr id="6" name="Chart Placeholder 5">
             <a:extLst>
               <a:ext uri="{FF2B5EF4-FFF2-40B4-BE49-F238E27FC236}">
-                <a16:creationId xmlns:a16="http://schemas.microsoft.com/office/drawing/2014/main" id="{BF1865F8-A2E5-3BEB-D9A2-AB71C5C15CB0}"/>
+                <a16:creationId xmlns:a16="http://schemas.microsoft.com/office/drawing/2014/main" id="{DD0FD9D6-CC53-F423-F94F-A2599195B3C2}"/>
               </a:ext>
             </a:extLst>
           </p:cNvPr>
@@ -9977,22 +10009,72 @@
         </p:nvSpPr>
         <p:spPr>
           <a:xfrm>
-            <a:off x="838200" y="3966358"/>
-            <a:ext cx="10515600" cy="1890162"/>
+            <a:off x="815409" y="4103326"/>
+            <a:ext cx="10515600" cy="1513383"/>
           </a:xfrm>
         </p:spPr>
         <p:txBody>
-          <a:bodyPr/>
+          <a:bodyPr>
+            <a:normAutofit/>
+          </a:bodyPr>
           <a:lstStyle/>
           <a:p>
-            <a:endParaRPr lang="en-US"/>
-          </a:p>
-        </p:txBody>
-      </p:sp>
+            <a:r>
+              <a:rPr lang="en-US" dirty="0"/>
+              <a:t>Sentence Transformer on C Source Code Names</a:t>
+            </a:r>
+          </a:p>
+          <a:p>
+            <a:r>
+              <a:rPr lang="en-US" dirty="0"/>
+              <a:t>Sentence Transformer on C Source Code Comments</a:t>
+            </a:r>
+          </a:p>
+          <a:p>
+            <a:r>
+              <a:rPr lang="en-US" dirty="0"/>
+              <a:t>Sentence Transformer on LLM Code Summaries generated</a:t>
+            </a:r>
+          </a:p>
+          <a:p>
+            <a:endParaRPr lang="en-US" dirty="0"/>
+          </a:p>
+        </p:txBody>
+      </p:sp>
+      <p:pic>
+        <p:nvPicPr>
+          <p:cNvPr id="10" name="Picture 9" descr="A black background with a black square&#10;&#10;Description automatically generated with medium confidence">
+            <a:extLst>
+              <a:ext uri="{FF2B5EF4-FFF2-40B4-BE49-F238E27FC236}">
+                <a16:creationId xmlns:a16="http://schemas.microsoft.com/office/drawing/2014/main" id="{8D4DEFE6-F178-432B-6392-0A3CB55BF537}"/>
+              </a:ext>
+            </a:extLst>
+          </p:cNvPr>
+          <p:cNvPicPr>
+            <a:picLocks noChangeAspect="1"/>
+          </p:cNvPicPr>
+          <p:nvPr/>
+        </p:nvPicPr>
+        <p:blipFill>
+          <a:blip r:embed="rId2"/>
+          <a:stretch>
+            <a:fillRect/>
+          </a:stretch>
+        </p:blipFill>
+        <p:spPr>
+          <a:xfrm>
+            <a:off x="3478495" y="1438584"/>
+            <a:ext cx="5235009" cy="2126946"/>
+          </a:xfrm>
+          <a:prstGeom prst="rect">
+            <a:avLst/>
+          </a:prstGeom>
+        </p:spPr>
+      </p:pic>
     </p:spTree>
     <p:extLst>
       <p:ext uri="{BB962C8B-B14F-4D97-AF65-F5344CB8AC3E}">
-        <p14:creationId xmlns:p14="http://schemas.microsoft.com/office/powerpoint/2010/main" val="1235244781"/>
+        <p14:creationId xmlns:p14="http://schemas.microsoft.com/office/powerpoint/2010/main" val="1088825835"/>
       </p:ext>
     </p:extLst>
   </p:cSld>
@@ -10024,7 +10106,7 @@
           <p:cNvPr id="2" name="Title 1">
             <a:extLst>
               <a:ext uri="{FF2B5EF4-FFF2-40B4-BE49-F238E27FC236}">
-                <a16:creationId xmlns:a16="http://schemas.microsoft.com/office/drawing/2014/main" id="{D3880E66-B2E9-85FF-600A-E9568F37B74E}"/>
+                <a16:creationId xmlns:a16="http://schemas.microsoft.com/office/drawing/2014/main" id="{23581B9A-E893-CBCB-10D8-758158B28529}"/>
               </a:ext>
             </a:extLst>
           </p:cNvPr>
@@ -10042,8 +10124,12 @@
           <a:p>
             <a:r>
               <a:rPr lang="en-US" dirty="0"/>
-              <a:t>Evaluation</a:t>
-            </a:r>
+              <a:t>C Source Code Names</a:t>
+            </a:r>
+            <a:br>
+              <a:rPr lang="en-US" dirty="0"/>
+            </a:br>
+            <a:endParaRPr lang="en-US" dirty="0"/>
           </a:p>
         </p:txBody>
       </p:sp>
@@ -10052,7 +10138,7 @@
           <p:cNvPr id="3" name="Date Placeholder 2">
             <a:extLst>
               <a:ext uri="{FF2B5EF4-FFF2-40B4-BE49-F238E27FC236}">
-                <a16:creationId xmlns:a16="http://schemas.microsoft.com/office/drawing/2014/main" id="{09DA89F3-BB02-8A7B-5B4F-9C3A8483555F}"/>
+                <a16:creationId xmlns:a16="http://schemas.microsoft.com/office/drawing/2014/main" id="{52E27AF6-7ACC-CED6-4F1E-55BFB40BB8AD}"/>
               </a:ext>
             </a:extLst>
           </p:cNvPr>
@@ -10070,9 +10156,10 @@
           <a:p>
             <a:pPr rtl="0"/>
             <a:r>
-              <a:rPr lang="de-DE"/>
-              <a:t>20XX</a:t>
-            </a:r>
+              <a:rPr lang="en-US"/>
+              <a:t>2024</a:t>
+            </a:r>
+            <a:endParaRPr lang="de-DE" dirty="0"/>
           </a:p>
         </p:txBody>
       </p:sp>
@@ -10081,7 +10168,7 @@
           <p:cNvPr id="4" name="Footer Placeholder 3">
             <a:extLst>
               <a:ext uri="{FF2B5EF4-FFF2-40B4-BE49-F238E27FC236}">
-                <a16:creationId xmlns:a16="http://schemas.microsoft.com/office/drawing/2014/main" id="{469D934D-B109-24C3-E2AD-E4174B8A94A5}"/>
+                <a16:creationId xmlns:a16="http://schemas.microsoft.com/office/drawing/2014/main" id="{931D3360-DC4E-3BF9-A90E-0C00781112AD}"/>
               </a:ext>
             </a:extLst>
           </p:cNvPr>
@@ -10099,9 +10186,10 @@
           <a:p>
             <a:pPr rtl="0"/>
             <a:r>
-              <a:rPr lang="de-DE"/>
-              <a:t>PRÄSENTATIONSTITEL</a:t>
-            </a:r>
+              <a:rPr lang="en-US"/>
+              <a:t>Creating Rich Labels For Binary Functions Using Source Information</a:t>
+            </a:r>
+            <a:endParaRPr lang="en-US" dirty="0"/>
           </a:p>
         </p:txBody>
       </p:sp>
@@ -10110,7 +10198,7 @@
           <p:cNvPr id="5" name="Slide Number Placeholder 4">
             <a:extLst>
               <a:ext uri="{FF2B5EF4-FFF2-40B4-BE49-F238E27FC236}">
-                <a16:creationId xmlns:a16="http://schemas.microsoft.com/office/drawing/2014/main" id="{A80DCEA5-45ED-DE1E-A4AB-65EE72E6FCB1}"/>
+                <a16:creationId xmlns:a16="http://schemas.microsoft.com/office/drawing/2014/main" id="{4910D150-2BDF-1659-2BFF-30CFD4096D5D}"/>
               </a:ext>
             </a:extLst>
           </p:cNvPr>
@@ -10136,40 +10224,69 @@
           </a:p>
         </p:txBody>
       </p:sp>
-      <p:sp>
-        <p:nvSpPr>
-          <p:cNvPr id="6" name="Chart Placeholder 5">
-            <a:extLst>
-              <a:ext uri="{FF2B5EF4-FFF2-40B4-BE49-F238E27FC236}">
-                <a16:creationId xmlns:a16="http://schemas.microsoft.com/office/drawing/2014/main" id="{7CFFA23D-2DC9-839C-9306-90C029ECD792}"/>
-              </a:ext>
-            </a:extLst>
-          </p:cNvPr>
-          <p:cNvSpPr>
-            <a:spLocks noGrp="1"/>
-          </p:cNvSpPr>
-          <p:nvPr>
-            <p:ph type="chart" sz="quarter" idx="13"/>
-          </p:nvPr>
-        </p:nvSpPr>
+      <p:pic>
+        <p:nvPicPr>
+          <p:cNvPr id="14" name="Picture 13" descr="A black rectangular sign with white text&#10;&#10;Description automatically generated">
+            <a:extLst>
+              <a:ext uri="{FF2B5EF4-FFF2-40B4-BE49-F238E27FC236}">
+                <a16:creationId xmlns:a16="http://schemas.microsoft.com/office/drawing/2014/main" id="{971A930F-4ECC-FEFA-F332-424C531DB61E}"/>
+              </a:ext>
+            </a:extLst>
+          </p:cNvPr>
+          <p:cNvPicPr>
+            <a:picLocks noChangeAspect="1"/>
+          </p:cNvPicPr>
+          <p:nvPr/>
+        </p:nvPicPr>
+        <p:blipFill rotWithShape="1">
+          <a:blip r:embed="rId2"/>
+          <a:srcRect l="6526" t="4923" r="19399" b="42182"/>
+          <a:stretch/>
+        </p:blipFill>
         <p:spPr>
           <a:xfrm>
-            <a:off x="838200" y="3289464"/>
-            <a:ext cx="10515600" cy="2567055"/>
+            <a:off x="2260765" y="1138280"/>
+            <a:ext cx="7896101" cy="1422440"/>
           </a:xfrm>
+          <a:prstGeom prst="rect">
+            <a:avLst/>
+          </a:prstGeom>
         </p:spPr>
-        <p:txBody>
-          <a:bodyPr/>
-          <a:lstStyle/>
-          <a:p>
-            <a:endParaRPr lang="en-US"/>
-          </a:p>
-        </p:txBody>
-      </p:sp>
+      </p:pic>
+      <p:pic>
+        <p:nvPicPr>
+          <p:cNvPr id="21" name="Picture 20" descr="A screen shot of a game&#10;&#10;Description automatically generated">
+            <a:extLst>
+              <a:ext uri="{FF2B5EF4-FFF2-40B4-BE49-F238E27FC236}">
+                <a16:creationId xmlns:a16="http://schemas.microsoft.com/office/drawing/2014/main" id="{87EA863D-4E97-5DE3-837B-3AC06D725739}"/>
+              </a:ext>
+            </a:extLst>
+          </p:cNvPr>
+          <p:cNvPicPr>
+            <a:picLocks noChangeAspect="1"/>
+          </p:cNvPicPr>
+          <p:nvPr/>
+        </p:nvPicPr>
+        <p:blipFill>
+          <a:blip r:embed="rId3"/>
+          <a:stretch>
+            <a:fillRect/>
+          </a:stretch>
+        </p:blipFill>
+        <p:spPr>
+          <a:xfrm>
+            <a:off x="2573161" y="2700215"/>
+            <a:ext cx="7045677" cy="3656135"/>
+          </a:xfrm>
+          <a:prstGeom prst="rect">
+            <a:avLst/>
+          </a:prstGeom>
+        </p:spPr>
+      </p:pic>
     </p:spTree>
     <p:extLst>
       <p:ext uri="{BB962C8B-B14F-4D97-AF65-F5344CB8AC3E}">
-        <p14:creationId xmlns:p14="http://schemas.microsoft.com/office/powerpoint/2010/main" val="1542819243"/>
+        <p14:creationId xmlns:p14="http://schemas.microsoft.com/office/powerpoint/2010/main" val="3566871610"/>
       </p:ext>
     </p:extLst>
   </p:cSld>
@@ -10198,10 +10315,10 @@
       </p:grpSpPr>
       <p:sp>
         <p:nvSpPr>
-          <p:cNvPr id="2" name="Titel 1">
-            <a:extLst>
-              <a:ext uri="{FF2B5EF4-FFF2-40B4-BE49-F238E27FC236}">
-                <a16:creationId xmlns:a16="http://schemas.microsoft.com/office/drawing/2014/main" id="{B0B10710-0358-F0DD-5FA4-C8E1B0EC524D}"/>
+          <p:cNvPr id="2" name="Title 1">
+            <a:extLst>
+              <a:ext uri="{FF2B5EF4-FFF2-40B4-BE49-F238E27FC236}">
+                <a16:creationId xmlns:a16="http://schemas.microsoft.com/office/drawing/2014/main" id="{CB7D0137-4104-0D0F-0528-C5A1F6A9BAB5}"/>
               </a:ext>
             </a:extLst>
           </p:cNvPr>
@@ -10218,18 +10335,18 @@
           <a:lstStyle/>
           <a:p>
             <a:r>
-              <a:rPr lang="de-DE" dirty="0"/>
-              <a:t>Intuitive Ansätze für Trainings Daten</a:t>
-            </a:r>
-          </a:p>
-        </p:txBody>
-      </p:sp>
-      <p:sp>
-        <p:nvSpPr>
-          <p:cNvPr id="3" name="Datumsplatzhalter 2">
-            <a:extLst>
-              <a:ext uri="{FF2B5EF4-FFF2-40B4-BE49-F238E27FC236}">
-                <a16:creationId xmlns:a16="http://schemas.microsoft.com/office/drawing/2014/main" id="{DA8C9263-AC09-0BF3-666E-0E9859B0C100}"/>
+              <a:rPr lang="en-US" dirty="0"/>
+              <a:t>Limitation</a:t>
+            </a:r>
+          </a:p>
+        </p:txBody>
+      </p:sp>
+      <p:sp>
+        <p:nvSpPr>
+          <p:cNvPr id="3" name="Date Placeholder 2">
+            <a:extLst>
+              <a:ext uri="{FF2B5EF4-FFF2-40B4-BE49-F238E27FC236}">
+                <a16:creationId xmlns:a16="http://schemas.microsoft.com/office/drawing/2014/main" id="{61BC95BF-C9E8-59E2-5F57-898619D79B01}"/>
               </a:ext>
             </a:extLst>
           </p:cNvPr>
@@ -10247,18 +10364,19 @@
           <a:p>
             <a:pPr rtl="0"/>
             <a:r>
-              <a:rPr lang="de-DE" dirty="0"/>
-              <a:t>2023</a:t>
-            </a:r>
-          </a:p>
-        </p:txBody>
-      </p:sp>
-      <p:sp>
-        <p:nvSpPr>
-          <p:cNvPr id="4" name="Fußzeilenplatzhalter 3">
-            <a:extLst>
-              <a:ext uri="{FF2B5EF4-FFF2-40B4-BE49-F238E27FC236}">
-                <a16:creationId xmlns:a16="http://schemas.microsoft.com/office/drawing/2014/main" id="{D534F214-0B25-8AD7-5270-433211451A0E}"/>
+              <a:rPr lang="en-US"/>
+              <a:t>2024</a:t>
+            </a:r>
+            <a:endParaRPr lang="de-DE" dirty="0"/>
+          </a:p>
+        </p:txBody>
+      </p:sp>
+      <p:sp>
+        <p:nvSpPr>
+          <p:cNvPr id="4" name="Footer Placeholder 3">
+            <a:extLst>
+              <a:ext uri="{FF2B5EF4-FFF2-40B4-BE49-F238E27FC236}">
+                <a16:creationId xmlns:a16="http://schemas.microsoft.com/office/drawing/2014/main" id="{3CA191AB-F550-8F4C-0344-E079A69C7AFC}"/>
               </a:ext>
             </a:extLst>
           </p:cNvPr>
@@ -10276,18 +10394,19 @@
           <a:p>
             <a:pPr rtl="0"/>
             <a:r>
-              <a:rPr lang="de-DE" dirty="0"/>
-              <a:t>Pitch Vortrag</a:t>
-            </a:r>
-          </a:p>
-        </p:txBody>
-      </p:sp>
-      <p:sp>
-        <p:nvSpPr>
-          <p:cNvPr id="5" name="Foliennummernplatzhalter 4">
-            <a:extLst>
-              <a:ext uri="{FF2B5EF4-FFF2-40B4-BE49-F238E27FC236}">
-                <a16:creationId xmlns:a16="http://schemas.microsoft.com/office/drawing/2014/main" id="{52FECC29-6DA9-6596-9D99-E5D356C4C57D}"/>
+              <a:rPr lang="en-US"/>
+              <a:t>Creating Rich Labels For Binary Functions Using Source Information</a:t>
+            </a:r>
+            <a:endParaRPr lang="en-US" dirty="0"/>
+          </a:p>
+        </p:txBody>
+      </p:sp>
+      <p:sp>
+        <p:nvSpPr>
+          <p:cNvPr id="5" name="Slide Number Placeholder 4">
+            <a:extLst>
+              <a:ext uri="{FF2B5EF4-FFF2-40B4-BE49-F238E27FC236}">
+                <a16:creationId xmlns:a16="http://schemas.microsoft.com/office/drawing/2014/main" id="{3AEBB675-5655-235F-96ED-39ABBE7C594C}"/>
               </a:ext>
             </a:extLst>
           </p:cNvPr>
@@ -10313,139 +10432,157 @@
           </a:p>
         </p:txBody>
       </p:sp>
-      <p:sp>
-        <p:nvSpPr>
-          <p:cNvPr id="6" name="Diagrammplatzhalter 5">
-            <a:extLst>
-              <a:ext uri="{FF2B5EF4-FFF2-40B4-BE49-F238E27FC236}">
-                <a16:creationId xmlns:a16="http://schemas.microsoft.com/office/drawing/2014/main" id="{2738D12E-0376-AF91-901A-71B08E9FE842}"/>
-              </a:ext>
-            </a:extLst>
-          </p:cNvPr>
-          <p:cNvSpPr>
-            <a:spLocks noGrp="1"/>
-          </p:cNvSpPr>
-          <p:nvPr>
-            <p:ph type="chart" sz="quarter" idx="13"/>
-          </p:nvPr>
-        </p:nvSpPr>
+      <p:pic>
+        <p:nvPicPr>
+          <p:cNvPr id="8" name="Picture 7" descr="A close-up of a white rectangular object&#10;&#10;Description automatically generated">
+            <a:extLst>
+              <a:ext uri="{FF2B5EF4-FFF2-40B4-BE49-F238E27FC236}">
+                <a16:creationId xmlns:a16="http://schemas.microsoft.com/office/drawing/2014/main" id="{8C85629D-082D-BB85-9B0F-AD5D769BA40D}"/>
+              </a:ext>
+            </a:extLst>
+          </p:cNvPr>
+          <p:cNvPicPr>
+            <a:picLocks noChangeAspect="1"/>
+          </p:cNvPicPr>
+          <p:nvPr/>
+        </p:nvPicPr>
+        <p:blipFill rotWithShape="1">
+          <a:blip r:embed="rId2"/>
+          <a:srcRect l="4545" t="8749" r="4974" b="9865"/>
+          <a:stretch/>
+        </p:blipFill>
         <p:spPr>
           <a:xfrm>
-            <a:off x="838200" y="2102277"/>
-            <a:ext cx="10515600" cy="1518000"/>
+            <a:off x="2963883" y="1228561"/>
+            <a:ext cx="6264234" cy="2897579"/>
           </a:xfrm>
+          <a:prstGeom prst="rect">
+            <a:avLst/>
+          </a:prstGeom>
         </p:spPr>
-        <p:txBody>
-          <a:bodyPr/>
-          <a:lstStyle/>
-          <a:p>
-            <a:r>
-              <a:rPr lang="de-DE" dirty="0"/>
-              <a:t>Byte Darstellung des Assemblercodes</a:t>
-            </a:r>
-          </a:p>
-          <a:p>
-            <a:r>
-              <a:rPr lang="de-DE" dirty="0"/>
-              <a:t>Kontrollflussgraphen des Assemblercodes (Node == Basic Block) </a:t>
-            </a:r>
-          </a:p>
-          <a:p>
-            <a:r>
-              <a:rPr lang="de-DE" dirty="0"/>
-              <a:t>Darstellung als Reihen von Instruktionen des Assemblercodes</a:t>
-            </a:r>
-          </a:p>
-        </p:txBody>
-      </p:sp>
+      </p:pic>
       <mc:AlternateContent xmlns:mc="http://schemas.openxmlformats.org/markup-compatibility/2006" xmlns:a14="http://schemas.microsoft.com/office/drawing/2010/main">
         <mc:Choice Requires="a14">
           <p:sp>
             <p:nvSpPr>
-              <p:cNvPr id="8" name="Textfeld 7">
+              <p:cNvPr id="9" name="Chart Placeholder 5">
                 <a:extLst>
                   <a:ext uri="{FF2B5EF4-FFF2-40B4-BE49-F238E27FC236}">
-                    <a16:creationId xmlns:a16="http://schemas.microsoft.com/office/drawing/2014/main" id="{D4EA6077-5FB7-968D-8F52-F97D958A6BBB}"/>
+                    <a16:creationId xmlns:a16="http://schemas.microsoft.com/office/drawing/2014/main" id="{EDD8F49C-C611-F4AD-DEF4-DEE7F9CAEBB4}"/>
                   </a:ext>
                 </a:extLst>
               </p:cNvPr>
-              <p:cNvSpPr txBox="1"/>
-              <p:nvPr/>
+              <p:cNvSpPr>
+                <a:spLocks noGrp="1"/>
+              </p:cNvSpPr>
+              <p:nvPr>
+                <p:ph type="chart" sz="quarter" idx="13"/>
+              </p:nvPr>
             </p:nvSpPr>
             <p:spPr>
               <a:xfrm>
-                <a:off x="985545" y="4215094"/>
-                <a:ext cx="10808521" cy="1107996"/>
+                <a:off x="844138" y="4376056"/>
+                <a:ext cx="10515600" cy="1980294"/>
               </a:xfrm>
-              <a:prstGeom prst="rect">
-                <a:avLst/>
-              </a:prstGeom>
-              <a:noFill/>
             </p:spPr>
             <p:txBody>
-              <a:bodyPr wrap="square">
-                <a:spAutoFit/>
+              <a:bodyPr>
+                <a:normAutofit fontScale="92500"/>
               </a:bodyPr>
               <a:lstStyle/>
               <a:p>
+                <a:r>
+                  <a:rPr lang="en-US" dirty="0"/>
+                  <a:t>“</a:t>
+                </a:r>
+                <a:r>
+                  <a:rPr lang="en-US" dirty="0" err="1"/>
+                  <a:t>lchmod</a:t>
+                </a:r>
+                <a:r>
+                  <a:rPr lang="en-US" dirty="0"/>
+                  <a:t>”, “</a:t>
+                </a:r>
+                <a:r>
+                  <a:rPr lang="en-US" dirty="0" err="1"/>
+                  <a:t>getwd</a:t>
+                </a:r>
+                <a:r>
+                  <a:rPr lang="en-US" dirty="0"/>
+                  <a:t>”: file operation</a:t>
+                </a:r>
+              </a:p>
+              <a:p>
+                <a:r>
+                  <a:rPr lang="en-US" dirty="0"/>
+                  <a:t>“drand48”: Generates a random Number</a:t>
+                </a:r>
+              </a:p>
+              <a:p>
+                <a:pPr marL="0" indent="0">
+                  <a:buNone/>
+                </a:pPr>
+                <a:r>
+                  <a:rPr lang="en-US" dirty="0"/>
+                  <a:t>    </a:t>
+                </a:r>
                 <a14:m>
                   <m:oMath xmlns:m="http://schemas.openxmlformats.org/officeDocument/2006/math">
                     <m:r>
-                      <a:rPr lang="de-DE" sz="2400" i="1" smtClean="0">
+                      <a:rPr lang="de-DE" sz="2800" b="0" i="1" smtClean="0">
                         <a:latin typeface="Cambria Math" panose="02040503050406030204" pitchFamily="18" charset="0"/>
                         <a:ea typeface="Cambria Math" panose="02040503050406030204" pitchFamily="18" charset="0"/>
                       </a:rPr>
-                      <m:t>→</m:t>
+                      <m:t>⇝</m:t>
                     </m:r>
                   </m:oMath>
                 </a14:m>
                 <a:r>
-                  <a:rPr lang="de-DE" sz="2400" dirty="0"/>
-                  <a:t> Semantik des Codes nur kaum oder gar nicht in den Trainingsdaten</a:t>
+                  <a:rPr lang="en-US" dirty="0"/>
+                  <a:t> “</a:t>
+                </a:r>
+                <a:r>
+                  <a:rPr lang="en-US" dirty="0" err="1"/>
+                  <a:t>lchmod</a:t>
+                </a:r>
+                <a:r>
+                  <a:rPr lang="en-US" dirty="0"/>
+                  <a:t>” and “</a:t>
+                </a:r>
+                <a:r>
+                  <a:rPr lang="en-US" dirty="0" err="1"/>
+                  <a:t>getwd</a:t>
+                </a:r>
+                <a:r>
+                  <a:rPr lang="en-US" dirty="0"/>
+                  <a:t>” should be close</a:t>
                 </a:r>
               </a:p>
               <a:p>
-                <a:pPr>
-                  <a:spcAft>
-                    <a:spcPts val="0"/>
-                  </a:spcAft>
+                <a:pPr marL="0" indent="0">
+                  <a:buNone/>
                 </a:pPr>
+                <a:r>
+                  <a:rPr lang="de-DE" sz="2800" b="0" dirty="0">
+                    <a:ea typeface="Cambria Math" panose="02040503050406030204" pitchFamily="18" charset="0"/>
+                  </a:rPr>
+                  <a:t>    </a:t>
+                </a:r>
                 <a14:m>
                   <m:oMath xmlns:m="http://schemas.openxmlformats.org/officeDocument/2006/math">
                     <m:r>
-                      <a:rPr lang="de-DE" sz="2400" i="1" smtClean="0">
+                      <a:rPr lang="de-DE" sz="2800" b="0" i="1" smtClean="0">
                         <a:latin typeface="Cambria Math" panose="02040503050406030204" pitchFamily="18" charset="0"/>
                         <a:ea typeface="Cambria Math" panose="02040503050406030204" pitchFamily="18" charset="0"/>
                       </a:rPr>
-                      <m:t>→</m:t>
-                    </m:r>
-                    <m:r>
-                      <a:rPr lang="de-DE" sz="2400" b="0" i="1" smtClean="0">
-                        <a:latin typeface="Cambria Math" panose="02040503050406030204" pitchFamily="18" charset="0"/>
-                        <a:ea typeface="Cambria Math" panose="02040503050406030204" pitchFamily="18" charset="0"/>
-                      </a:rPr>
-                      <m:t> </m:t>
+                      <m:t>⇝</m:t>
                     </m:r>
                   </m:oMath>
                 </a14:m>
                 <a:r>
-                  <a:rPr lang="de-DE" sz="2400" dirty="0"/>
-                  <a:t>Beim </a:t>
+                  <a:rPr lang="en-US" dirty="0"/>
+                  <a:t> Abbreviations can potentially confuse the sentence transformer </a:t>
                 </a:r>
-                <a:r>
-                  <a:rPr lang="de-DE" sz="2400" dirty="0">
-                    <a:effectLst/>
-                  </a:rPr>
-                  <a:t>kompilieren zum Assemblercode gehen sehr viele Informationen Verloren</a:t>
-                </a:r>
-              </a:p>
-              <a:p>
-                <a:pPr>
-                  <a:spcAft>
-                    <a:spcPts val="0"/>
-                  </a:spcAft>
-                </a:pPr>
-                <a:endParaRPr lang="de-DE" dirty="0"/>
               </a:p>
             </p:txBody>
           </p:sp>
@@ -10453,30 +10590,29 @@
         <mc:Fallback xmlns="">
           <p:sp>
             <p:nvSpPr>
-              <p:cNvPr id="8" name="Textfeld 7">
+              <p:cNvPr id="9" name="Chart Placeholder 5">
                 <a:extLst>
                   <a:ext uri="{FF2B5EF4-FFF2-40B4-BE49-F238E27FC236}">
-                    <a16:creationId xmlns:a16="http://schemas.microsoft.com/office/drawing/2014/main" id="{D4EA6077-5FB7-968D-8F52-F97D958A6BBB}"/>
+                    <a16:creationId xmlns:a16="http://schemas.microsoft.com/office/drawing/2014/main" id="{EDD8F49C-C611-F4AD-DEF4-DEE7F9CAEBB4}"/>
                   </a:ext>
                 </a:extLst>
               </p:cNvPr>
-              <p:cNvSpPr txBox="1">
-                <a:spLocks noRot="1" noChangeAspect="1" noMove="1" noResize="1" noEditPoints="1" noAdjustHandles="1" noChangeArrowheads="1" noChangeShapeType="1" noTextEdit="1"/>
+              <p:cNvSpPr>
+                <a:spLocks noGrp="1" noRot="1" noChangeAspect="1" noMove="1" noResize="1" noEditPoints="1" noAdjustHandles="1" noChangeArrowheads="1" noChangeShapeType="1" noTextEdit="1"/>
               </p:cNvSpPr>
-              <p:nvPr/>
+              <p:nvPr>
+                <p:ph type="chart" sz="quarter" idx="13"/>
+              </p:nvPr>
             </p:nvSpPr>
             <p:spPr>
               <a:xfrm>
-                <a:off x="985545" y="4215094"/>
-                <a:ext cx="10808521" cy="1107996"/>
+                <a:off x="844138" y="4376056"/>
+                <a:ext cx="10515600" cy="1980294"/>
               </a:xfrm>
-              <a:prstGeom prst="rect">
-                <a:avLst/>
-              </a:prstGeom>
               <a:blipFill>
-                <a:blip r:embed="rId2"/>
+                <a:blip r:embed="rId3"/>
                 <a:stretch>
-                  <a:fillRect t="-4396" r="-338"/>
+                  <a:fillRect l="-870" t="-4923" b="-3385"/>
                 </a:stretch>
               </a:blipFill>
             </p:spPr>
@@ -10485,7 +10621,7 @@
               <a:lstStyle/>
               <a:p>
                 <a:r>
-                  <a:rPr lang="de-DE">
+                  <a:rPr lang="en-US">
                     <a:noFill/>
                   </a:rPr>
                   <a:t> </a:t>
@@ -10498,7 +10634,7 @@
     </p:spTree>
     <p:extLst>
       <p:ext uri="{BB962C8B-B14F-4D97-AF65-F5344CB8AC3E}">
-        <p14:creationId xmlns:p14="http://schemas.microsoft.com/office/powerpoint/2010/main" val="652343218"/>
+        <p14:creationId xmlns:p14="http://schemas.microsoft.com/office/powerpoint/2010/main" val="3695931617"/>
       </p:ext>
     </p:extLst>
   </p:cSld>
@@ -10527,10 +10663,10 @@
       </p:grpSpPr>
       <p:sp>
         <p:nvSpPr>
-          <p:cNvPr id="2" name="Titel 1">
-            <a:extLst>
-              <a:ext uri="{FF2B5EF4-FFF2-40B4-BE49-F238E27FC236}">
-                <a16:creationId xmlns:a16="http://schemas.microsoft.com/office/drawing/2014/main" id="{4E0CE257-127B-9FA3-765A-C5D90A17C486}"/>
+          <p:cNvPr id="2" name="Title 1">
+            <a:extLst>
+              <a:ext uri="{FF2B5EF4-FFF2-40B4-BE49-F238E27FC236}">
+                <a16:creationId xmlns:a16="http://schemas.microsoft.com/office/drawing/2014/main" id="{96DA1EDE-7580-2EAD-78C0-4685D7A129AD}"/>
               </a:ext>
             </a:extLst>
           </p:cNvPr>
@@ -10541,21 +10677,1561 @@
             <p:ph type="title"/>
           </p:nvPr>
         </p:nvSpPr>
+        <p:spPr/>
+        <p:txBody>
+          <a:bodyPr/>
+          <a:lstStyle/>
+          <a:p>
+            <a:r>
+              <a:rPr lang="en-US" dirty="0"/>
+              <a:t>C Source Code Comments</a:t>
+            </a:r>
+            <a:br>
+              <a:rPr lang="en-US" dirty="0"/>
+            </a:br>
+            <a:endParaRPr lang="en-US" dirty="0"/>
+          </a:p>
+        </p:txBody>
+      </p:sp>
+      <p:sp>
+        <p:nvSpPr>
+          <p:cNvPr id="3" name="Date Placeholder 2">
+            <a:extLst>
+              <a:ext uri="{FF2B5EF4-FFF2-40B4-BE49-F238E27FC236}">
+                <a16:creationId xmlns:a16="http://schemas.microsoft.com/office/drawing/2014/main" id="{DDF9BC24-3B32-B1F6-79E4-E4D1F4C7AABF}"/>
+              </a:ext>
+            </a:extLst>
+          </p:cNvPr>
+          <p:cNvSpPr>
+            <a:spLocks noGrp="1"/>
+          </p:cNvSpPr>
+          <p:nvPr>
+            <p:ph type="dt" sz="half" idx="10"/>
+          </p:nvPr>
+        </p:nvSpPr>
+        <p:spPr/>
+        <p:txBody>
+          <a:bodyPr/>
+          <a:lstStyle/>
+          <a:p>
+            <a:pPr rtl="0"/>
+            <a:r>
+              <a:rPr lang="en-US"/>
+              <a:t>2024</a:t>
+            </a:r>
+            <a:endParaRPr lang="de-DE" dirty="0"/>
+          </a:p>
+        </p:txBody>
+      </p:sp>
+      <p:sp>
+        <p:nvSpPr>
+          <p:cNvPr id="4" name="Footer Placeholder 3">
+            <a:extLst>
+              <a:ext uri="{FF2B5EF4-FFF2-40B4-BE49-F238E27FC236}">
+                <a16:creationId xmlns:a16="http://schemas.microsoft.com/office/drawing/2014/main" id="{82A75E25-1927-C0D0-8986-5100F485FE77}"/>
+              </a:ext>
+            </a:extLst>
+          </p:cNvPr>
+          <p:cNvSpPr>
+            <a:spLocks noGrp="1"/>
+          </p:cNvSpPr>
+          <p:nvPr>
+            <p:ph type="ftr" sz="quarter" idx="11"/>
+          </p:nvPr>
+        </p:nvSpPr>
+        <p:spPr/>
+        <p:txBody>
+          <a:bodyPr/>
+          <a:lstStyle/>
+          <a:p>
+            <a:pPr rtl="0"/>
+            <a:r>
+              <a:rPr lang="en-US"/>
+              <a:t>Creating Rich Labels For Binary Functions Using Source Information</a:t>
+            </a:r>
+            <a:endParaRPr lang="de-DE" dirty="0"/>
+          </a:p>
+        </p:txBody>
+      </p:sp>
+      <p:sp>
+        <p:nvSpPr>
+          <p:cNvPr id="5" name="Slide Number Placeholder 4">
+            <a:extLst>
+              <a:ext uri="{FF2B5EF4-FFF2-40B4-BE49-F238E27FC236}">
+                <a16:creationId xmlns:a16="http://schemas.microsoft.com/office/drawing/2014/main" id="{63CE30E2-C6CE-D4E3-AE97-ABCE15C33DE7}"/>
+              </a:ext>
+            </a:extLst>
+          </p:cNvPr>
+          <p:cNvSpPr>
+            <a:spLocks noGrp="1"/>
+          </p:cNvSpPr>
+          <p:nvPr>
+            <p:ph type="sldNum" sz="quarter" idx="12"/>
+          </p:nvPr>
+        </p:nvSpPr>
+        <p:spPr/>
+        <p:txBody>
+          <a:bodyPr/>
+          <a:lstStyle/>
+          <a:p>
+            <a:pPr rtl="0"/>
+            <a:fld id="{A49DFD55-3C28-40EF-9E31-A92D2E4017FF}" type="slidenum">
+              <a:rPr lang="de-DE" smtClean="0"/>
+              <a:pPr rtl="0"/>
+              <a:t>13</a:t>
+            </a:fld>
+            <a:endParaRPr lang="de-DE" dirty="0"/>
+          </a:p>
+        </p:txBody>
+      </p:sp>
+      <p:pic>
+        <p:nvPicPr>
+          <p:cNvPr id="10" name="Picture 9" descr="A black rectangular sign with white text&#10;&#10;Description automatically generated">
+            <a:extLst>
+              <a:ext uri="{FF2B5EF4-FFF2-40B4-BE49-F238E27FC236}">
+                <a16:creationId xmlns:a16="http://schemas.microsoft.com/office/drawing/2014/main" id="{C3535254-8F1D-3E96-FCFC-97CA96D97E4E}"/>
+              </a:ext>
+            </a:extLst>
+          </p:cNvPr>
+          <p:cNvPicPr>
+            <a:picLocks noChangeAspect="1"/>
+          </p:cNvPicPr>
+          <p:nvPr/>
+        </p:nvPicPr>
+        <p:blipFill rotWithShape="1">
+          <a:blip r:embed="rId2"/>
+          <a:srcRect t="3060" r="14558" b="40420"/>
+          <a:stretch/>
+        </p:blipFill>
         <p:spPr>
           <a:xfrm>
-            <a:off x="838200" y="365125"/>
-            <a:ext cx="10515600" cy="1325563"/>
+            <a:off x="1736500" y="1441973"/>
+            <a:ext cx="8719000" cy="1325563"/>
+          </a:xfrm>
+          <a:prstGeom prst="rect">
+            <a:avLst/>
+          </a:prstGeom>
+        </p:spPr>
+      </p:pic>
+      <p:pic>
+        <p:nvPicPr>
+          <p:cNvPr id="12" name="Picture 11" descr="A screen shot of a game">
+            <a:extLst>
+              <a:ext uri="{FF2B5EF4-FFF2-40B4-BE49-F238E27FC236}">
+                <a16:creationId xmlns:a16="http://schemas.microsoft.com/office/drawing/2014/main" id="{B1A43FB2-E3D0-5448-6C77-A5C4CE6E2ECD}"/>
+              </a:ext>
+            </a:extLst>
+          </p:cNvPr>
+          <p:cNvPicPr>
+            <a:picLocks noChangeAspect="1"/>
+          </p:cNvPicPr>
+          <p:nvPr/>
+        </p:nvPicPr>
+        <p:blipFill>
+          <a:blip r:embed="rId3"/>
+          <a:stretch>
+            <a:fillRect/>
+          </a:stretch>
+        </p:blipFill>
+        <p:spPr>
+          <a:xfrm>
+            <a:off x="2739472" y="2841585"/>
+            <a:ext cx="6713055" cy="3440715"/>
+          </a:xfrm>
+          <a:prstGeom prst="rect">
+            <a:avLst/>
+          </a:prstGeom>
+        </p:spPr>
+      </p:pic>
+    </p:spTree>
+    <p:extLst>
+      <p:ext uri="{BB962C8B-B14F-4D97-AF65-F5344CB8AC3E}">
+        <p14:creationId xmlns:p14="http://schemas.microsoft.com/office/powerpoint/2010/main" val="1146340923"/>
+      </p:ext>
+    </p:extLst>
+  </p:cSld>
+  <p:clrMapOvr>
+    <a:masterClrMapping/>
+  </p:clrMapOvr>
+</p:sld>
+</file>
+
+<file path=ppt/slides/slide14.xml><?xml version="1.0" encoding="utf-8"?>
+<p:sld xmlns:a="http://schemas.openxmlformats.org/drawingml/2006/main" xmlns:r="http://schemas.openxmlformats.org/officeDocument/2006/relationships" xmlns:p="http://schemas.openxmlformats.org/presentationml/2006/main">
+  <p:cSld>
+    <p:spTree>
+      <p:nvGrpSpPr>
+        <p:cNvPr id="1" name=""/>
+        <p:cNvGrpSpPr/>
+        <p:nvPr/>
+      </p:nvGrpSpPr>
+      <p:grpSpPr>
+        <a:xfrm>
+          <a:off x="0" y="0"/>
+          <a:ext cx="0" cy="0"/>
+          <a:chOff x="0" y="0"/>
+          <a:chExt cx="0" cy="0"/>
+        </a:xfrm>
+      </p:grpSpPr>
+      <p:sp>
+        <p:nvSpPr>
+          <p:cNvPr id="2" name="Title 1">
+            <a:extLst>
+              <a:ext uri="{FF2B5EF4-FFF2-40B4-BE49-F238E27FC236}">
+                <a16:creationId xmlns:a16="http://schemas.microsoft.com/office/drawing/2014/main" id="{A33A8AA3-9CE7-BDD7-DE34-DDB62A7C0FBA}"/>
+              </a:ext>
+            </a:extLst>
+          </p:cNvPr>
+          <p:cNvSpPr>
+            <a:spLocks noGrp="1"/>
+          </p:cNvSpPr>
+          <p:nvPr>
+            <p:ph type="title"/>
+          </p:nvPr>
+        </p:nvSpPr>
+        <p:spPr/>
+        <p:txBody>
+          <a:bodyPr/>
+          <a:lstStyle/>
+          <a:p>
+            <a:r>
+              <a:rPr lang="en-US" dirty="0"/>
+              <a:t>Limitation</a:t>
+            </a:r>
+          </a:p>
+        </p:txBody>
+      </p:sp>
+      <p:sp>
+        <p:nvSpPr>
+          <p:cNvPr id="3" name="Date Placeholder 2">
+            <a:extLst>
+              <a:ext uri="{FF2B5EF4-FFF2-40B4-BE49-F238E27FC236}">
+                <a16:creationId xmlns:a16="http://schemas.microsoft.com/office/drawing/2014/main" id="{BAD20D95-CCE0-4774-8757-2C5B59235086}"/>
+              </a:ext>
+            </a:extLst>
+          </p:cNvPr>
+          <p:cNvSpPr>
+            <a:spLocks noGrp="1"/>
+          </p:cNvSpPr>
+          <p:nvPr>
+            <p:ph type="dt" sz="half" idx="10"/>
+          </p:nvPr>
+        </p:nvSpPr>
+        <p:spPr/>
+        <p:txBody>
+          <a:bodyPr/>
+          <a:lstStyle/>
+          <a:p>
+            <a:pPr rtl="0"/>
+            <a:r>
+              <a:rPr lang="en-US"/>
+              <a:t>2024</a:t>
+            </a:r>
+            <a:endParaRPr lang="de-DE" dirty="0"/>
+          </a:p>
+        </p:txBody>
+      </p:sp>
+      <p:sp>
+        <p:nvSpPr>
+          <p:cNvPr id="4" name="Footer Placeholder 3">
+            <a:extLst>
+              <a:ext uri="{FF2B5EF4-FFF2-40B4-BE49-F238E27FC236}">
+                <a16:creationId xmlns:a16="http://schemas.microsoft.com/office/drawing/2014/main" id="{C780997B-2608-B1BE-9858-E28B6BDB7724}"/>
+              </a:ext>
+            </a:extLst>
+          </p:cNvPr>
+          <p:cNvSpPr>
+            <a:spLocks noGrp="1"/>
+          </p:cNvSpPr>
+          <p:nvPr>
+            <p:ph type="ftr" sz="quarter" idx="11"/>
+          </p:nvPr>
+        </p:nvSpPr>
+        <p:spPr/>
+        <p:txBody>
+          <a:bodyPr/>
+          <a:lstStyle/>
+          <a:p>
+            <a:pPr rtl="0"/>
+            <a:r>
+              <a:rPr lang="en-US"/>
+              <a:t>Creating Rich Labels For Binary Functions Using Source Information</a:t>
+            </a:r>
+            <a:endParaRPr lang="en-US" dirty="0"/>
+          </a:p>
+        </p:txBody>
+      </p:sp>
+      <p:sp>
+        <p:nvSpPr>
+          <p:cNvPr id="5" name="Slide Number Placeholder 4">
+            <a:extLst>
+              <a:ext uri="{FF2B5EF4-FFF2-40B4-BE49-F238E27FC236}">
+                <a16:creationId xmlns:a16="http://schemas.microsoft.com/office/drawing/2014/main" id="{1D3B9F7D-361A-C9EF-65DF-70E22B60D35C}"/>
+              </a:ext>
+            </a:extLst>
+          </p:cNvPr>
+          <p:cNvSpPr>
+            <a:spLocks noGrp="1"/>
+          </p:cNvSpPr>
+          <p:nvPr>
+            <p:ph type="sldNum" sz="quarter" idx="12"/>
+          </p:nvPr>
+        </p:nvSpPr>
+        <p:spPr/>
+        <p:txBody>
+          <a:bodyPr/>
+          <a:lstStyle/>
+          <a:p>
+            <a:pPr rtl="0"/>
+            <a:fld id="{A49DFD55-3C28-40EF-9E31-A92D2E4017FF}" type="slidenum">
+              <a:rPr lang="de-DE" smtClean="0"/>
+              <a:pPr rtl="0"/>
+              <a:t>14</a:t>
+            </a:fld>
+            <a:endParaRPr lang="de-DE" dirty="0"/>
+          </a:p>
+        </p:txBody>
+      </p:sp>
+      <mc:AlternateContent xmlns:mc="http://schemas.openxmlformats.org/markup-compatibility/2006" xmlns:a14="http://schemas.microsoft.com/office/drawing/2010/main">
+        <mc:Choice Requires="a14">
+          <p:sp>
+            <p:nvSpPr>
+              <p:cNvPr id="6" name="Chart Placeholder 5">
+                <a:extLst>
+                  <a:ext uri="{FF2B5EF4-FFF2-40B4-BE49-F238E27FC236}">
+                    <a16:creationId xmlns:a16="http://schemas.microsoft.com/office/drawing/2014/main" id="{E41BD98A-FE17-53CE-E469-70A9A67B335E}"/>
+                  </a:ext>
+                </a:extLst>
+              </p:cNvPr>
+              <p:cNvSpPr>
+                <a:spLocks noGrp="1"/>
+              </p:cNvSpPr>
+              <p:nvPr>
+                <p:ph type="chart" sz="quarter" idx="13"/>
+              </p:nvPr>
+            </p:nvSpPr>
+            <p:spPr>
+              <a:xfrm>
+                <a:off x="838200" y="4353340"/>
+                <a:ext cx="10515600" cy="2067338"/>
+              </a:xfrm>
+              <a:noFill/>
+            </p:spPr>
+            <p:txBody>
+              <a:bodyPr>
+                <a:normAutofit/>
+              </a:bodyPr>
+              <a:lstStyle/>
+              <a:p>
+                <a:r>
+                  <a:rPr lang="en-US" dirty="0"/>
+                  <a:t>“rand_r” comment: “</a:t>
+                </a:r>
+                <a:r>
+                  <a:rPr lang="en-US" sz="2000" b="1" dirty="0">
+                    <a:effectLst/>
+                    <a:latin typeface="Consolas" panose="020B0609020204030204" pitchFamily="49" charset="0"/>
+                  </a:rPr>
+                  <a:t>This algorithm is mentioned in the ISO C… </a:t>
+                </a:r>
+                <a:r>
+                  <a:rPr lang="en-US" sz="2400" b="1" dirty="0">
+                    <a:effectLst/>
+                    <a:latin typeface="Consolas" panose="020B0609020204030204" pitchFamily="49" charset="0"/>
+                  </a:rPr>
+                  <a:t>“</a:t>
+                </a:r>
+                <a:endParaRPr lang="en-US" sz="2400" dirty="0"/>
+              </a:p>
+              <a:p>
+                <a:r>
+                  <a:rPr lang="en-US" dirty="0"/>
+                  <a:t>“rand” comment: “</a:t>
+                </a:r>
+                <a:r>
+                  <a:rPr lang="en-US" sz="2000" b="1" dirty="0">
+                    <a:effectLst/>
+                    <a:latin typeface="Consolas" panose="020B0609020204030204" pitchFamily="49" charset="0"/>
+                  </a:rPr>
+                  <a:t>Return a random integer between 0 and RAND_MAX</a:t>
+                </a:r>
+                <a:r>
+                  <a:rPr lang="en-US" b="0" dirty="0">
+                    <a:effectLst/>
+                    <a:latin typeface="Consolas" panose="020B0609020204030204" pitchFamily="49" charset="0"/>
+                  </a:rPr>
+                  <a:t>.</a:t>
+                </a:r>
+                <a:r>
+                  <a:rPr lang="en-US" dirty="0"/>
+                  <a:t>”</a:t>
+                </a:r>
+              </a:p>
+              <a:p>
+                <a:pPr marL="0" indent="0">
+                  <a:buNone/>
+                </a:pPr>
+                <a:r>
+                  <a:rPr lang="en-US" sz="2800" b="0" dirty="0">
+                    <a:ea typeface="Cambria Math" panose="02040503050406030204" pitchFamily="18" charset="0"/>
+                  </a:rPr>
+                  <a:t>    </a:t>
+                </a:r>
+                <a14:m>
+                  <m:oMath xmlns:m="http://schemas.openxmlformats.org/officeDocument/2006/math">
+                    <m:r>
+                      <a:rPr lang="en-US" sz="2800" b="0" i="1" smtClean="0">
+                        <a:latin typeface="Cambria Math" panose="02040503050406030204" pitchFamily="18" charset="0"/>
+                        <a:ea typeface="Cambria Math" panose="02040503050406030204" pitchFamily="18" charset="0"/>
+                      </a:rPr>
+                      <m:t>⇝</m:t>
+                    </m:r>
+                  </m:oMath>
+                </a14:m>
+                <a:r>
+                  <a:rPr lang="en-US" sz="2800" b="0" dirty="0">
+                    <a:ea typeface="Cambria Math" panose="02040503050406030204" pitchFamily="18" charset="0"/>
+                  </a:rPr>
+                  <a:t> Comments are not Always summarizing the source code</a:t>
+                </a:r>
+              </a:p>
+              <a:p>
+                <a:pPr marL="0" indent="0">
+                  <a:buNone/>
+                </a:pPr>
+                <a:r>
+                  <a:rPr lang="en-US" dirty="0">
+                    <a:ea typeface="Cambria Math" panose="02040503050406030204" pitchFamily="18" charset="0"/>
+                  </a:rPr>
+                  <a:t>    </a:t>
+                </a:r>
+                <a14:m>
+                  <m:oMath xmlns:m="http://schemas.openxmlformats.org/officeDocument/2006/math">
+                    <m:r>
+                      <a:rPr lang="en-US" sz="2800" b="0" i="1" smtClean="0">
+                        <a:latin typeface="Cambria Math" panose="02040503050406030204" pitchFamily="18" charset="0"/>
+                        <a:ea typeface="Cambria Math" panose="02040503050406030204" pitchFamily="18" charset="0"/>
+                      </a:rPr>
+                      <m:t>⇝</m:t>
+                    </m:r>
+                  </m:oMath>
+                </a14:m>
+                <a:r>
+                  <a:rPr lang="en-US" dirty="0"/>
+                  <a:t> Comments are not guaranteed to even exist</a:t>
+                </a:r>
+              </a:p>
+            </p:txBody>
+          </p:sp>
+        </mc:Choice>
+        <mc:Fallback xmlns="">
+          <p:sp>
+            <p:nvSpPr>
+              <p:cNvPr id="6" name="Chart Placeholder 5">
+                <a:extLst>
+                  <a:ext uri="{FF2B5EF4-FFF2-40B4-BE49-F238E27FC236}">
+                    <a16:creationId xmlns:a16="http://schemas.microsoft.com/office/drawing/2014/main" id="{E41BD98A-FE17-53CE-E469-70A9A67B335E}"/>
+                  </a:ext>
+                </a:extLst>
+              </p:cNvPr>
+              <p:cNvSpPr>
+                <a:spLocks noGrp="1" noRot="1" noChangeAspect="1" noMove="1" noResize="1" noEditPoints="1" noAdjustHandles="1" noChangeArrowheads="1" noChangeShapeType="1" noTextEdit="1"/>
+              </p:cNvSpPr>
+              <p:nvPr>
+                <p:ph type="chart" sz="quarter" idx="13"/>
+              </p:nvPr>
+            </p:nvSpPr>
+            <p:spPr>
+              <a:xfrm>
+                <a:off x="838200" y="4353340"/>
+                <a:ext cx="10515600" cy="2067338"/>
+              </a:xfrm>
+              <a:blipFill>
+                <a:blip r:embed="rId2"/>
+                <a:stretch>
+                  <a:fillRect l="-1043" t="-5015" b="-5310"/>
+                </a:stretch>
+              </a:blipFill>
+            </p:spPr>
+            <p:txBody>
+              <a:bodyPr/>
+              <a:lstStyle/>
+              <a:p>
+                <a:r>
+                  <a:rPr lang="en-US">
+                    <a:noFill/>
+                  </a:rPr>
+                  <a:t> </a:t>
+                </a:r>
+              </a:p>
+            </p:txBody>
+          </p:sp>
+        </mc:Fallback>
+      </mc:AlternateContent>
+      <p:pic>
+        <p:nvPicPr>
+          <p:cNvPr id="8" name="Picture 7" descr="A graph with a number of lines">
+            <a:extLst>
+              <a:ext uri="{FF2B5EF4-FFF2-40B4-BE49-F238E27FC236}">
+                <a16:creationId xmlns:a16="http://schemas.microsoft.com/office/drawing/2014/main" id="{CBF689B3-EE21-E9F2-7D08-F93742FB9A40}"/>
+              </a:ext>
+            </a:extLst>
+          </p:cNvPr>
+          <p:cNvPicPr>
+            <a:picLocks noChangeAspect="1"/>
+          </p:cNvPicPr>
+          <p:nvPr/>
+        </p:nvPicPr>
+        <p:blipFill rotWithShape="1">
+          <a:blip r:embed="rId3"/>
+          <a:srcRect l="5747" t="8662" r="5179" b="10176"/>
+          <a:stretch/>
+        </p:blipFill>
+        <p:spPr>
+          <a:xfrm>
+            <a:off x="2941122" y="1271521"/>
+            <a:ext cx="6309756" cy="2956512"/>
+          </a:xfrm>
+          <a:prstGeom prst="rect">
+            <a:avLst/>
+          </a:prstGeom>
+        </p:spPr>
+      </p:pic>
+    </p:spTree>
+    <p:extLst>
+      <p:ext uri="{BB962C8B-B14F-4D97-AF65-F5344CB8AC3E}">
+        <p14:creationId xmlns:p14="http://schemas.microsoft.com/office/powerpoint/2010/main" val="927815527"/>
+      </p:ext>
+    </p:extLst>
+  </p:cSld>
+  <p:clrMapOvr>
+    <a:masterClrMapping/>
+  </p:clrMapOvr>
+</p:sld>
+</file>
+
+<file path=ppt/slides/slide15.xml><?xml version="1.0" encoding="utf-8"?>
+<p:sld xmlns:a="http://schemas.openxmlformats.org/drawingml/2006/main" xmlns:r="http://schemas.openxmlformats.org/officeDocument/2006/relationships" xmlns:p="http://schemas.openxmlformats.org/presentationml/2006/main">
+  <p:cSld>
+    <p:spTree>
+      <p:nvGrpSpPr>
+        <p:cNvPr id="1" name=""/>
+        <p:cNvGrpSpPr/>
+        <p:nvPr/>
+      </p:nvGrpSpPr>
+      <p:grpSpPr>
+        <a:xfrm>
+          <a:off x="0" y="0"/>
+          <a:ext cx="0" cy="0"/>
+          <a:chOff x="0" y="0"/>
+          <a:chExt cx="0" cy="0"/>
+        </a:xfrm>
+      </p:grpSpPr>
+      <p:sp>
+        <p:nvSpPr>
+          <p:cNvPr id="2" name="Title 1">
+            <a:extLst>
+              <a:ext uri="{FF2B5EF4-FFF2-40B4-BE49-F238E27FC236}">
+                <a16:creationId xmlns:a16="http://schemas.microsoft.com/office/drawing/2014/main" id="{02D2B95C-29F7-6641-5AD5-222A67E252E2}"/>
+              </a:ext>
+            </a:extLst>
+          </p:cNvPr>
+          <p:cNvSpPr>
+            <a:spLocks noGrp="1"/>
+          </p:cNvSpPr>
+          <p:nvPr>
+            <p:ph type="title"/>
+          </p:nvPr>
+        </p:nvSpPr>
+        <p:spPr/>
+        <p:txBody>
+          <a:bodyPr/>
+          <a:lstStyle/>
+          <a:p>
+            <a:r>
+              <a:rPr lang="en-US" dirty="0"/>
+              <a:t>LLAMA</a:t>
+            </a:r>
+          </a:p>
+        </p:txBody>
+      </p:sp>
+      <p:sp>
+        <p:nvSpPr>
+          <p:cNvPr id="3" name="Date Placeholder 2">
+            <a:extLst>
+              <a:ext uri="{FF2B5EF4-FFF2-40B4-BE49-F238E27FC236}">
+                <a16:creationId xmlns:a16="http://schemas.microsoft.com/office/drawing/2014/main" id="{905BCD63-7425-0429-C31B-946500CE367A}"/>
+              </a:ext>
+            </a:extLst>
+          </p:cNvPr>
+          <p:cNvSpPr>
+            <a:spLocks noGrp="1"/>
+          </p:cNvSpPr>
+          <p:nvPr>
+            <p:ph type="dt" sz="half" idx="10"/>
+          </p:nvPr>
+        </p:nvSpPr>
+        <p:spPr/>
+        <p:txBody>
+          <a:bodyPr/>
+          <a:lstStyle/>
+          <a:p>
+            <a:pPr rtl="0"/>
+            <a:r>
+              <a:rPr lang="en-US"/>
+              <a:t>2024</a:t>
+            </a:r>
+            <a:endParaRPr lang="de-DE" dirty="0"/>
+          </a:p>
+        </p:txBody>
+      </p:sp>
+      <p:sp>
+        <p:nvSpPr>
+          <p:cNvPr id="4" name="Footer Placeholder 3">
+            <a:extLst>
+              <a:ext uri="{FF2B5EF4-FFF2-40B4-BE49-F238E27FC236}">
+                <a16:creationId xmlns:a16="http://schemas.microsoft.com/office/drawing/2014/main" id="{29A32C35-5FE6-587D-552D-49BDB72035C1}"/>
+              </a:ext>
+            </a:extLst>
+          </p:cNvPr>
+          <p:cNvSpPr>
+            <a:spLocks noGrp="1"/>
+          </p:cNvSpPr>
+          <p:nvPr>
+            <p:ph type="ftr" sz="quarter" idx="11"/>
+          </p:nvPr>
+        </p:nvSpPr>
+        <p:spPr/>
+        <p:txBody>
+          <a:bodyPr/>
+          <a:lstStyle/>
+          <a:p>
+            <a:pPr rtl="0"/>
+            <a:r>
+              <a:rPr lang="en-US"/>
+              <a:t>Creating Rich Labels For Binary Functions Using Source Information</a:t>
+            </a:r>
+            <a:endParaRPr lang="en-US" dirty="0"/>
+          </a:p>
+        </p:txBody>
+      </p:sp>
+      <p:sp>
+        <p:nvSpPr>
+          <p:cNvPr id="5" name="Slide Number Placeholder 4">
+            <a:extLst>
+              <a:ext uri="{FF2B5EF4-FFF2-40B4-BE49-F238E27FC236}">
+                <a16:creationId xmlns:a16="http://schemas.microsoft.com/office/drawing/2014/main" id="{4F8EC371-4EE1-F138-77FD-DD831B300288}"/>
+              </a:ext>
+            </a:extLst>
+          </p:cNvPr>
+          <p:cNvSpPr>
+            <a:spLocks noGrp="1"/>
+          </p:cNvSpPr>
+          <p:nvPr>
+            <p:ph type="sldNum" sz="quarter" idx="12"/>
+          </p:nvPr>
+        </p:nvSpPr>
+        <p:spPr/>
+        <p:txBody>
+          <a:bodyPr/>
+          <a:lstStyle/>
+          <a:p>
+            <a:pPr rtl="0"/>
+            <a:fld id="{A49DFD55-3C28-40EF-9E31-A92D2E4017FF}" type="slidenum">
+              <a:rPr lang="de-DE" smtClean="0"/>
+              <a:pPr rtl="0"/>
+              <a:t>15</a:t>
+            </a:fld>
+            <a:endParaRPr lang="de-DE" dirty="0"/>
+          </a:p>
+        </p:txBody>
+      </p:sp>
+      <mc:AlternateContent xmlns:mc="http://schemas.openxmlformats.org/markup-compatibility/2006">
+        <mc:Choice xmlns:a14="http://schemas.microsoft.com/office/drawing/2010/main" Requires="a14">
+          <p:sp>
+            <p:nvSpPr>
+              <p:cNvPr id="6" name="Chart Placeholder 5">
+                <a:extLst>
+                  <a:ext uri="{FF2B5EF4-FFF2-40B4-BE49-F238E27FC236}">
+                    <a16:creationId xmlns:a16="http://schemas.microsoft.com/office/drawing/2014/main" id="{0B2BBF25-B6D9-1403-A142-53ED21DE5EDA}"/>
+                  </a:ext>
+                </a:extLst>
+              </p:cNvPr>
+              <p:cNvSpPr>
+                <a:spLocks noGrp="1"/>
+              </p:cNvSpPr>
+              <p:nvPr>
+                <p:ph type="chart" sz="quarter" idx="13"/>
+              </p:nvPr>
+            </p:nvSpPr>
+            <p:spPr>
+              <a:xfrm>
+                <a:off x="838200" y="3865418"/>
+                <a:ext cx="10515600" cy="1991102"/>
+              </a:xfrm>
+            </p:spPr>
+            <p:txBody>
+              <a:bodyPr>
+                <a:normAutofit fontScale="92500"/>
+              </a:bodyPr>
+              <a:lstStyle/>
+              <a:p>
+                <a:r>
+                  <a:rPr lang="en-US" dirty="0"/>
+                  <a:t>Meta’s Large Language Model </a:t>
+                </a:r>
+              </a:p>
+              <a:p>
+                <a:r>
+                  <a:rPr lang="en-US" dirty="0"/>
+                  <a:t>Open Source </a:t>
+                </a:r>
+                <a14:m>
+                  <m:oMath xmlns:m="http://schemas.openxmlformats.org/officeDocument/2006/math">
+                    <m:r>
+                      <a:rPr lang="en-US" sz="2800" b="0" i="1" smtClean="0">
+                        <a:latin typeface="Cambria Math" panose="02040503050406030204" pitchFamily="18" charset="0"/>
+                        <a:ea typeface="Cambria Math" panose="02040503050406030204" pitchFamily="18" charset="0"/>
+                      </a:rPr>
+                      <m:t>⇝</m:t>
+                    </m:r>
+                  </m:oMath>
+                </a14:m>
+                <a:r>
+                  <a:rPr lang="en-US" dirty="0"/>
+                  <a:t> runs on our server</a:t>
+                </a:r>
+              </a:p>
+              <a:p>
+                <a:r>
+                  <a:rPr lang="en-US" dirty="0"/>
+                  <a:t>Prompt used: “Can you briefly summarize in one two sentence what the following function does? And can you give just the summary?\n”</a:t>
+                </a:r>
+              </a:p>
+            </p:txBody>
+          </p:sp>
+        </mc:Choice>
+        <mc:Fallback>
+          <p:sp>
+            <p:nvSpPr>
+              <p:cNvPr id="6" name="Chart Placeholder 5">
+                <a:extLst>
+                  <a:ext uri="{FF2B5EF4-FFF2-40B4-BE49-F238E27FC236}">
+                    <a16:creationId xmlns:a16="http://schemas.microsoft.com/office/drawing/2014/main" id="{0B2BBF25-B6D9-1403-A142-53ED21DE5EDA}"/>
+                  </a:ext>
+                </a:extLst>
+              </p:cNvPr>
+              <p:cNvSpPr>
+                <a:spLocks noGrp="1" noRot="1" noChangeAspect="1" noMove="1" noResize="1" noEditPoints="1" noAdjustHandles="1" noChangeArrowheads="1" noChangeShapeType="1" noTextEdit="1"/>
+              </p:cNvSpPr>
+              <p:nvPr>
+                <p:ph type="chart" sz="quarter" idx="13"/>
+              </p:nvPr>
+            </p:nvSpPr>
+            <p:spPr>
+              <a:xfrm>
+                <a:off x="838200" y="3865418"/>
+                <a:ext cx="10515600" cy="1991102"/>
+              </a:xfrm>
+              <a:blipFill>
+                <a:blip r:embed="rId2"/>
+                <a:stretch>
+                  <a:fillRect l="-928" t="-4893"/>
+                </a:stretch>
+              </a:blipFill>
+            </p:spPr>
+            <p:txBody>
+              <a:bodyPr/>
+              <a:lstStyle/>
+              <a:p>
+                <a:r>
+                  <a:rPr lang="en-US">
+                    <a:noFill/>
+                  </a:rPr>
+                  <a:t> </a:t>
+                </a:r>
+              </a:p>
+            </p:txBody>
+          </p:sp>
+        </mc:Fallback>
+      </mc:AlternateContent>
+      <p:pic>
+        <p:nvPicPr>
+          <p:cNvPr id="8" name="Picture 7" descr="A black rectangular sign with white text&#10;&#10;Description automatically generated">
+            <a:extLst>
+              <a:ext uri="{FF2B5EF4-FFF2-40B4-BE49-F238E27FC236}">
+                <a16:creationId xmlns:a16="http://schemas.microsoft.com/office/drawing/2014/main" id="{B7B99A94-D13A-CBF3-5306-5DF89D4641FA}"/>
+              </a:ext>
+            </a:extLst>
+          </p:cNvPr>
+          <p:cNvPicPr>
+            <a:picLocks noChangeAspect="1"/>
+          </p:cNvPicPr>
+          <p:nvPr/>
+        </p:nvPicPr>
+        <p:blipFill>
+          <a:blip r:embed="rId3"/>
+          <a:stretch>
+            <a:fillRect/>
+          </a:stretch>
+        </p:blipFill>
+        <p:spPr>
+          <a:xfrm>
+            <a:off x="2908959" y="1586108"/>
+            <a:ext cx="6374081" cy="1963445"/>
+          </a:xfrm>
+          <a:prstGeom prst="rect">
+            <a:avLst/>
+          </a:prstGeom>
+        </p:spPr>
+      </p:pic>
+    </p:spTree>
+    <p:extLst>
+      <p:ext uri="{BB962C8B-B14F-4D97-AF65-F5344CB8AC3E}">
+        <p14:creationId xmlns:p14="http://schemas.microsoft.com/office/powerpoint/2010/main" val="2471031105"/>
+      </p:ext>
+    </p:extLst>
+  </p:cSld>
+  <p:clrMapOvr>
+    <a:masterClrMapping/>
+  </p:clrMapOvr>
+</p:sld>
+</file>
+
+<file path=ppt/slides/slide16.xml><?xml version="1.0" encoding="utf-8"?>
+<p:sld xmlns:a="http://schemas.openxmlformats.org/drawingml/2006/main" xmlns:r="http://schemas.openxmlformats.org/officeDocument/2006/relationships" xmlns:p="http://schemas.openxmlformats.org/presentationml/2006/main">
+  <p:cSld>
+    <p:spTree>
+      <p:nvGrpSpPr>
+        <p:cNvPr id="1" name=""/>
+        <p:cNvGrpSpPr/>
+        <p:nvPr/>
+      </p:nvGrpSpPr>
+      <p:grpSpPr>
+        <a:xfrm>
+          <a:off x="0" y="0"/>
+          <a:ext cx="0" cy="0"/>
+          <a:chOff x="0" y="0"/>
+          <a:chExt cx="0" cy="0"/>
+        </a:xfrm>
+      </p:grpSpPr>
+      <p:sp>
+        <p:nvSpPr>
+          <p:cNvPr id="2" name="Title 1">
+            <a:extLst>
+              <a:ext uri="{FF2B5EF4-FFF2-40B4-BE49-F238E27FC236}">
+                <a16:creationId xmlns:a16="http://schemas.microsoft.com/office/drawing/2014/main" id="{BF6F7C28-0594-25F2-94B4-7D6B727E9060}"/>
+              </a:ext>
+            </a:extLst>
+          </p:cNvPr>
+          <p:cNvSpPr>
+            <a:spLocks noGrp="1"/>
+          </p:cNvSpPr>
+          <p:nvPr>
+            <p:ph type="title"/>
+          </p:nvPr>
+        </p:nvSpPr>
+        <p:spPr/>
+        <p:txBody>
+          <a:bodyPr/>
+          <a:lstStyle/>
+          <a:p>
+            <a:r>
+              <a:rPr lang="en-US" dirty="0"/>
+              <a:t>Llama generated Code Summaries</a:t>
+            </a:r>
+            <a:br>
+              <a:rPr lang="en-US" dirty="0"/>
+            </a:br>
+            <a:endParaRPr lang="en-US" dirty="0"/>
+          </a:p>
+        </p:txBody>
+      </p:sp>
+      <p:sp>
+        <p:nvSpPr>
+          <p:cNvPr id="3" name="Date Placeholder 2">
+            <a:extLst>
+              <a:ext uri="{FF2B5EF4-FFF2-40B4-BE49-F238E27FC236}">
+                <a16:creationId xmlns:a16="http://schemas.microsoft.com/office/drawing/2014/main" id="{E04E00AD-6B92-E778-5CF1-3BD2ABF0C1E3}"/>
+              </a:ext>
+            </a:extLst>
+          </p:cNvPr>
+          <p:cNvSpPr>
+            <a:spLocks noGrp="1"/>
+          </p:cNvSpPr>
+          <p:nvPr>
+            <p:ph type="dt" sz="half" idx="10"/>
+          </p:nvPr>
+        </p:nvSpPr>
+        <p:spPr/>
+        <p:txBody>
+          <a:bodyPr/>
+          <a:lstStyle/>
+          <a:p>
+            <a:pPr rtl="0"/>
+            <a:r>
+              <a:rPr lang="en-US"/>
+              <a:t>2024</a:t>
+            </a:r>
+            <a:endParaRPr lang="de-DE" dirty="0"/>
+          </a:p>
+        </p:txBody>
+      </p:sp>
+      <p:sp>
+        <p:nvSpPr>
+          <p:cNvPr id="4" name="Footer Placeholder 3">
+            <a:extLst>
+              <a:ext uri="{FF2B5EF4-FFF2-40B4-BE49-F238E27FC236}">
+                <a16:creationId xmlns:a16="http://schemas.microsoft.com/office/drawing/2014/main" id="{CAC84D10-C8A6-2AB4-8A75-CD25A210257A}"/>
+              </a:ext>
+            </a:extLst>
+          </p:cNvPr>
+          <p:cNvSpPr>
+            <a:spLocks noGrp="1"/>
+          </p:cNvSpPr>
+          <p:nvPr>
+            <p:ph type="ftr" sz="quarter" idx="11"/>
+          </p:nvPr>
+        </p:nvSpPr>
+        <p:spPr/>
+        <p:txBody>
+          <a:bodyPr/>
+          <a:lstStyle/>
+          <a:p>
+            <a:pPr rtl="0"/>
+            <a:r>
+              <a:rPr lang="en-US"/>
+              <a:t>Creating Rich Labels For Binary Functions Using Source Information</a:t>
+            </a:r>
+            <a:endParaRPr lang="en-US" dirty="0"/>
+          </a:p>
+        </p:txBody>
+      </p:sp>
+      <p:sp>
+        <p:nvSpPr>
+          <p:cNvPr id="5" name="Slide Number Placeholder 4">
+            <a:extLst>
+              <a:ext uri="{FF2B5EF4-FFF2-40B4-BE49-F238E27FC236}">
+                <a16:creationId xmlns:a16="http://schemas.microsoft.com/office/drawing/2014/main" id="{9EA68215-8174-99B4-B185-7390578D2992}"/>
+              </a:ext>
+            </a:extLst>
+          </p:cNvPr>
+          <p:cNvSpPr>
+            <a:spLocks noGrp="1"/>
+          </p:cNvSpPr>
+          <p:nvPr>
+            <p:ph type="sldNum" sz="quarter" idx="12"/>
+          </p:nvPr>
+        </p:nvSpPr>
+        <p:spPr/>
+        <p:txBody>
+          <a:bodyPr/>
+          <a:lstStyle/>
+          <a:p>
+            <a:pPr rtl="0"/>
+            <a:fld id="{A49DFD55-3C28-40EF-9E31-A92D2E4017FF}" type="slidenum">
+              <a:rPr lang="de-DE" smtClean="0"/>
+              <a:pPr rtl="0"/>
+              <a:t>16</a:t>
+            </a:fld>
+            <a:endParaRPr lang="de-DE" dirty="0"/>
+          </a:p>
+        </p:txBody>
+      </p:sp>
+      <p:pic>
+        <p:nvPicPr>
+          <p:cNvPr id="12" name="Picture 11" descr="A black rectangular sign with white text&#10;&#10;Description automatically generated">
+            <a:extLst>
+              <a:ext uri="{FF2B5EF4-FFF2-40B4-BE49-F238E27FC236}">
+                <a16:creationId xmlns:a16="http://schemas.microsoft.com/office/drawing/2014/main" id="{2282EAD2-3979-3514-7818-39EC874ABF67}"/>
+              </a:ext>
+            </a:extLst>
+          </p:cNvPr>
+          <p:cNvPicPr>
+            <a:picLocks noChangeAspect="1"/>
+          </p:cNvPicPr>
+          <p:nvPr/>
+        </p:nvPicPr>
+        <p:blipFill rotWithShape="1">
+          <a:blip r:embed="rId2"/>
+          <a:srcRect l="1599" t="5194" r="17517" b="41486"/>
+          <a:stretch/>
+        </p:blipFill>
+        <p:spPr>
+          <a:xfrm>
+            <a:off x="1866608" y="1276597"/>
+            <a:ext cx="8758049" cy="1490354"/>
+          </a:xfrm>
+          <a:prstGeom prst="rect">
+            <a:avLst/>
+          </a:prstGeom>
+        </p:spPr>
+      </p:pic>
+      <p:pic>
+        <p:nvPicPr>
+          <p:cNvPr id="14" name="Picture 13" descr="A screenshot of a video game&#10;&#10;Description automatically generated">
+            <a:extLst>
+              <a:ext uri="{FF2B5EF4-FFF2-40B4-BE49-F238E27FC236}">
+                <a16:creationId xmlns:a16="http://schemas.microsoft.com/office/drawing/2014/main" id="{9E51742A-8AAB-7739-A2B8-AE7E4575D45E}"/>
+              </a:ext>
+            </a:extLst>
+          </p:cNvPr>
+          <p:cNvPicPr>
+            <a:picLocks noChangeAspect="1"/>
+          </p:cNvPicPr>
+          <p:nvPr/>
+        </p:nvPicPr>
+        <p:blipFill>
+          <a:blip r:embed="rId3"/>
+          <a:stretch>
+            <a:fillRect/>
+          </a:stretch>
+        </p:blipFill>
+        <p:spPr>
+          <a:xfrm>
+            <a:off x="2897991" y="2766951"/>
+            <a:ext cx="6396018" cy="3487469"/>
+          </a:xfrm>
+          <a:prstGeom prst="rect">
+            <a:avLst/>
+          </a:prstGeom>
+        </p:spPr>
+      </p:pic>
+    </p:spTree>
+    <p:extLst>
+      <p:ext uri="{BB962C8B-B14F-4D97-AF65-F5344CB8AC3E}">
+        <p14:creationId xmlns:p14="http://schemas.microsoft.com/office/powerpoint/2010/main" val="1235244781"/>
+      </p:ext>
+    </p:extLst>
+  </p:cSld>
+  <p:clrMapOvr>
+    <a:masterClrMapping/>
+  </p:clrMapOvr>
+</p:sld>
+</file>
+
+<file path=ppt/slides/slide17.xml><?xml version="1.0" encoding="utf-8"?>
+<p:sld xmlns:a="http://schemas.openxmlformats.org/drawingml/2006/main" xmlns:r="http://schemas.openxmlformats.org/officeDocument/2006/relationships" xmlns:p="http://schemas.openxmlformats.org/presentationml/2006/main">
+  <p:cSld>
+    <p:spTree>
+      <p:nvGrpSpPr>
+        <p:cNvPr id="1" name=""/>
+        <p:cNvGrpSpPr/>
+        <p:nvPr/>
+      </p:nvGrpSpPr>
+      <p:grpSpPr>
+        <a:xfrm>
+          <a:off x="0" y="0"/>
+          <a:ext cx="0" cy="0"/>
+          <a:chOff x="0" y="0"/>
+          <a:chExt cx="0" cy="0"/>
+        </a:xfrm>
+      </p:grpSpPr>
+      <p:sp>
+        <p:nvSpPr>
+          <p:cNvPr id="2" name="Title 1">
+            <a:extLst>
+              <a:ext uri="{FF2B5EF4-FFF2-40B4-BE49-F238E27FC236}">
+                <a16:creationId xmlns:a16="http://schemas.microsoft.com/office/drawing/2014/main" id="{D3880E66-B2E9-85FF-600A-E9568F37B74E}"/>
+              </a:ext>
+            </a:extLst>
+          </p:cNvPr>
+          <p:cNvSpPr>
+            <a:spLocks noGrp="1"/>
+          </p:cNvSpPr>
+          <p:nvPr>
+            <p:ph type="title"/>
+          </p:nvPr>
+        </p:nvSpPr>
+        <p:spPr/>
+        <p:txBody>
+          <a:bodyPr/>
+          <a:lstStyle/>
+          <a:p>
+            <a:r>
+              <a:rPr lang="en-US" dirty="0"/>
+              <a:t>Evaluation</a:t>
+            </a:r>
+          </a:p>
+        </p:txBody>
+      </p:sp>
+      <p:sp>
+        <p:nvSpPr>
+          <p:cNvPr id="3" name="Date Placeholder 2">
+            <a:extLst>
+              <a:ext uri="{FF2B5EF4-FFF2-40B4-BE49-F238E27FC236}">
+                <a16:creationId xmlns:a16="http://schemas.microsoft.com/office/drawing/2014/main" id="{09DA89F3-BB02-8A7B-5B4F-9C3A8483555F}"/>
+              </a:ext>
+            </a:extLst>
+          </p:cNvPr>
+          <p:cNvSpPr>
+            <a:spLocks noGrp="1"/>
+          </p:cNvSpPr>
+          <p:nvPr>
+            <p:ph type="dt" sz="half" idx="10"/>
+          </p:nvPr>
+        </p:nvSpPr>
+        <p:spPr/>
+        <p:txBody>
+          <a:bodyPr/>
+          <a:lstStyle/>
+          <a:p>
+            <a:pPr rtl="0"/>
+            <a:r>
+              <a:rPr lang="en-US"/>
+              <a:t>2024</a:t>
+            </a:r>
+            <a:endParaRPr lang="de-DE" dirty="0"/>
+          </a:p>
+        </p:txBody>
+      </p:sp>
+      <p:sp>
+        <p:nvSpPr>
+          <p:cNvPr id="4" name="Footer Placeholder 3">
+            <a:extLst>
+              <a:ext uri="{FF2B5EF4-FFF2-40B4-BE49-F238E27FC236}">
+                <a16:creationId xmlns:a16="http://schemas.microsoft.com/office/drawing/2014/main" id="{469D934D-B109-24C3-E2AD-E4174B8A94A5}"/>
+              </a:ext>
+            </a:extLst>
+          </p:cNvPr>
+          <p:cNvSpPr>
+            <a:spLocks noGrp="1"/>
+          </p:cNvSpPr>
+          <p:nvPr>
+            <p:ph type="ftr" sz="quarter" idx="11"/>
+          </p:nvPr>
+        </p:nvSpPr>
+        <p:spPr/>
+        <p:txBody>
+          <a:bodyPr/>
+          <a:lstStyle/>
+          <a:p>
+            <a:pPr rtl="0"/>
+            <a:r>
+              <a:rPr lang="en-US"/>
+              <a:t>Creating Rich Labels For Binary Functions Using Source Information</a:t>
+            </a:r>
+            <a:endParaRPr lang="en-US" dirty="0"/>
+          </a:p>
+        </p:txBody>
+      </p:sp>
+      <p:sp>
+        <p:nvSpPr>
+          <p:cNvPr id="5" name="Slide Number Placeholder 4">
+            <a:extLst>
+              <a:ext uri="{FF2B5EF4-FFF2-40B4-BE49-F238E27FC236}">
+                <a16:creationId xmlns:a16="http://schemas.microsoft.com/office/drawing/2014/main" id="{A80DCEA5-45ED-DE1E-A4AB-65EE72E6FCB1}"/>
+              </a:ext>
+            </a:extLst>
+          </p:cNvPr>
+          <p:cNvSpPr>
+            <a:spLocks noGrp="1"/>
+          </p:cNvSpPr>
+          <p:nvPr>
+            <p:ph type="sldNum" sz="quarter" idx="12"/>
+          </p:nvPr>
+        </p:nvSpPr>
+        <p:spPr/>
+        <p:txBody>
+          <a:bodyPr/>
+          <a:lstStyle/>
+          <a:p>
+            <a:pPr rtl="0"/>
+            <a:fld id="{A49DFD55-3C28-40EF-9E31-A92D2E4017FF}" type="slidenum">
+              <a:rPr lang="de-DE" smtClean="0"/>
+              <a:pPr rtl="0"/>
+              <a:t>17</a:t>
+            </a:fld>
+            <a:endParaRPr lang="de-DE" dirty="0"/>
+          </a:p>
+        </p:txBody>
+      </p:sp>
+      <p:sp>
+        <p:nvSpPr>
+          <p:cNvPr id="6" name="Chart Placeholder 5">
+            <a:extLst>
+              <a:ext uri="{FF2B5EF4-FFF2-40B4-BE49-F238E27FC236}">
+                <a16:creationId xmlns:a16="http://schemas.microsoft.com/office/drawing/2014/main" id="{7CFFA23D-2DC9-839C-9306-90C029ECD792}"/>
+              </a:ext>
+            </a:extLst>
+          </p:cNvPr>
+          <p:cNvSpPr>
+            <a:spLocks noGrp="1"/>
+          </p:cNvSpPr>
+          <p:nvPr>
+            <p:ph type="chart" sz="quarter" idx="13"/>
+          </p:nvPr>
+        </p:nvSpPr>
+        <p:spPr>
+          <a:xfrm>
+            <a:off x="838200" y="3801176"/>
+            <a:ext cx="10515600" cy="1413163"/>
           </a:xfrm>
         </p:spPr>
         <p:txBody>
-          <a:bodyPr anchor="ctr">
+          <a:bodyPr/>
+          <a:lstStyle/>
+          <a:p>
+            <a:r>
+              <a:rPr lang="en-US" dirty="0"/>
+              <a:t>Quantitative evaluation: </a:t>
+            </a:r>
+          </a:p>
+          <a:p>
+            <a:pPr lvl="1"/>
+            <a:r>
+              <a:rPr lang="en-US" dirty="0"/>
+              <a:t>Train Models with my data set</a:t>
+            </a:r>
+          </a:p>
+          <a:p>
+            <a:pPr lvl="1"/>
+            <a:r>
+              <a:rPr lang="en-US" dirty="0"/>
+              <a:t>Performance in downstream task</a:t>
+            </a:r>
+          </a:p>
+          <a:p>
+            <a:pPr lvl="1"/>
+            <a:endParaRPr lang="en-US" dirty="0"/>
+          </a:p>
+          <a:p>
+            <a:pPr marL="457200" lvl="1" indent="0">
+              <a:buNone/>
+            </a:pPr>
+            <a:endParaRPr lang="en-US" dirty="0"/>
+          </a:p>
+          <a:p>
+            <a:pPr marL="457200" lvl="1" indent="0">
+              <a:buNone/>
+            </a:pPr>
+            <a:endParaRPr lang="en-US" dirty="0"/>
+          </a:p>
+        </p:txBody>
+      </p:sp>
+      <p:sp>
+        <p:nvSpPr>
+          <p:cNvPr id="7" name="Chart Placeholder 5">
+            <a:extLst>
+              <a:ext uri="{FF2B5EF4-FFF2-40B4-BE49-F238E27FC236}">
+                <a16:creationId xmlns:a16="http://schemas.microsoft.com/office/drawing/2014/main" id="{EFBB5F31-8038-F9FF-D9BC-0F65F373E571}"/>
+              </a:ext>
+            </a:extLst>
+          </p:cNvPr>
+          <p:cNvSpPr txBox="1">
+            <a:spLocks/>
+          </p:cNvSpPr>
+          <p:nvPr/>
+        </p:nvSpPr>
+        <p:spPr>
+          <a:xfrm>
+            <a:off x="712518" y="2006456"/>
+            <a:ext cx="11287498" cy="2185534"/>
+          </a:xfrm>
+          <a:prstGeom prst="rect">
+            <a:avLst/>
+          </a:prstGeom>
+        </p:spPr>
+        <p:txBody>
+          <a:bodyPr vert="horz" lIns="91440" tIns="45720" rIns="91440" bIns="45720" rtlCol="0">
             <a:normAutofit/>
           </a:bodyPr>
+          <a:lstStyle>
+            <a:defPPr>
+              <a:defRPr lang="de-DE"/>
+            </a:defPPr>
+            <a:lvl1pPr marL="228600" indent="-228600" algn="l" defTabSz="914400" rtl="0" eaLnBrk="1" latinLnBrk="0" hangingPunct="1">
+              <a:lnSpc>
+                <a:spcPct val="90000"/>
+              </a:lnSpc>
+              <a:spcBef>
+                <a:spcPts val="1000"/>
+              </a:spcBef>
+              <a:buFont typeface="Arial" panose="020B0604020202020204" pitchFamily="34" charset="0"/>
+              <a:buChar char="•"/>
+              <a:defRPr lang="de-DE" sz="2800" kern="1200">
+                <a:solidFill>
+                  <a:schemeClr val="tx1"/>
+                </a:solidFill>
+                <a:latin typeface="+mn-lt"/>
+                <a:ea typeface="+mn-ea"/>
+                <a:cs typeface="+mn-cs"/>
+              </a:defRPr>
+            </a:lvl1pPr>
+            <a:lvl2pPr marL="685800" indent="-228600" algn="l" defTabSz="914400" rtl="0" eaLnBrk="1" latinLnBrk="0" hangingPunct="1">
+              <a:lnSpc>
+                <a:spcPct val="90000"/>
+              </a:lnSpc>
+              <a:spcBef>
+                <a:spcPts val="500"/>
+              </a:spcBef>
+              <a:buFont typeface="Arial" panose="020B0604020202020204" pitchFamily="34" charset="0"/>
+              <a:buChar char="•"/>
+              <a:defRPr lang="de-DE" sz="2400" kern="1200">
+                <a:solidFill>
+                  <a:schemeClr val="tx1"/>
+                </a:solidFill>
+                <a:latin typeface="+mn-lt"/>
+                <a:ea typeface="+mn-ea"/>
+                <a:cs typeface="+mn-cs"/>
+              </a:defRPr>
+            </a:lvl2pPr>
+            <a:lvl3pPr marL="1143000" indent="-228600" algn="l" defTabSz="914400" rtl="0" eaLnBrk="1" latinLnBrk="0" hangingPunct="1">
+              <a:lnSpc>
+                <a:spcPct val="90000"/>
+              </a:lnSpc>
+              <a:spcBef>
+                <a:spcPts val="500"/>
+              </a:spcBef>
+              <a:buFont typeface="Arial" panose="020B0604020202020204" pitchFamily="34" charset="0"/>
+              <a:buChar char="•"/>
+              <a:defRPr lang="de-DE" sz="2000" kern="1200">
+                <a:solidFill>
+                  <a:schemeClr val="tx1"/>
+                </a:solidFill>
+                <a:latin typeface="+mn-lt"/>
+                <a:ea typeface="+mn-ea"/>
+                <a:cs typeface="+mn-cs"/>
+              </a:defRPr>
+            </a:lvl3pPr>
+            <a:lvl4pPr marL="1600200" indent="-228600" algn="l" defTabSz="914400" rtl="0" eaLnBrk="1" latinLnBrk="0" hangingPunct="1">
+              <a:lnSpc>
+                <a:spcPct val="90000"/>
+              </a:lnSpc>
+              <a:spcBef>
+                <a:spcPts val="500"/>
+              </a:spcBef>
+              <a:buFont typeface="Arial" panose="020B0604020202020204" pitchFamily="34" charset="0"/>
+              <a:buChar char="•"/>
+              <a:defRPr lang="de-DE" sz="1800" kern="1200">
+                <a:solidFill>
+                  <a:schemeClr val="tx1"/>
+                </a:solidFill>
+                <a:latin typeface="+mn-lt"/>
+                <a:ea typeface="+mn-ea"/>
+                <a:cs typeface="+mn-cs"/>
+              </a:defRPr>
+            </a:lvl4pPr>
+            <a:lvl5pPr marL="2057400" indent="-228600" algn="l" defTabSz="914400" rtl="0" eaLnBrk="1" latinLnBrk="0" hangingPunct="1">
+              <a:lnSpc>
+                <a:spcPct val="90000"/>
+              </a:lnSpc>
+              <a:spcBef>
+                <a:spcPts val="500"/>
+              </a:spcBef>
+              <a:buFont typeface="Arial" panose="020B0604020202020204" pitchFamily="34" charset="0"/>
+              <a:buChar char="•"/>
+              <a:defRPr lang="de-DE" sz="1800" kern="1200">
+                <a:solidFill>
+                  <a:schemeClr val="tx1"/>
+                </a:solidFill>
+                <a:latin typeface="+mn-lt"/>
+                <a:ea typeface="+mn-ea"/>
+                <a:cs typeface="+mn-cs"/>
+              </a:defRPr>
+            </a:lvl5pPr>
+            <a:lvl6pPr marL="2514600" indent="-228600" algn="l" defTabSz="914400" rtl="0" eaLnBrk="1" latinLnBrk="0" hangingPunct="1">
+              <a:lnSpc>
+                <a:spcPct val="90000"/>
+              </a:lnSpc>
+              <a:spcBef>
+                <a:spcPts val="500"/>
+              </a:spcBef>
+              <a:buFont typeface="Arial" panose="020B0604020202020204" pitchFamily="34" charset="0"/>
+              <a:buChar char="•"/>
+              <a:defRPr lang="de-DE" sz="1800" kern="1200">
+                <a:solidFill>
+                  <a:schemeClr val="tx1"/>
+                </a:solidFill>
+                <a:latin typeface="+mn-lt"/>
+                <a:ea typeface="+mn-ea"/>
+                <a:cs typeface="+mn-cs"/>
+              </a:defRPr>
+            </a:lvl6pPr>
+            <a:lvl7pPr marL="2971800" indent="-228600" algn="l" defTabSz="914400" rtl="0" eaLnBrk="1" latinLnBrk="0" hangingPunct="1">
+              <a:lnSpc>
+                <a:spcPct val="90000"/>
+              </a:lnSpc>
+              <a:spcBef>
+                <a:spcPts val="500"/>
+              </a:spcBef>
+              <a:buFont typeface="Arial" panose="020B0604020202020204" pitchFamily="34" charset="0"/>
+              <a:buChar char="•"/>
+              <a:defRPr lang="de-DE" sz="1800" kern="1200">
+                <a:solidFill>
+                  <a:schemeClr val="tx1"/>
+                </a:solidFill>
+                <a:latin typeface="+mn-lt"/>
+                <a:ea typeface="+mn-ea"/>
+                <a:cs typeface="+mn-cs"/>
+              </a:defRPr>
+            </a:lvl7pPr>
+            <a:lvl8pPr marL="3429000" indent="-228600" algn="l" defTabSz="914400" rtl="0" eaLnBrk="1" latinLnBrk="0" hangingPunct="1">
+              <a:lnSpc>
+                <a:spcPct val="90000"/>
+              </a:lnSpc>
+              <a:spcBef>
+                <a:spcPts val="500"/>
+              </a:spcBef>
+              <a:buFont typeface="Arial" panose="020B0604020202020204" pitchFamily="34" charset="0"/>
+              <a:buChar char="•"/>
+              <a:defRPr lang="de-DE" sz="1800" kern="1200">
+                <a:solidFill>
+                  <a:schemeClr val="tx1"/>
+                </a:solidFill>
+                <a:latin typeface="+mn-lt"/>
+                <a:ea typeface="+mn-ea"/>
+                <a:cs typeface="+mn-cs"/>
+              </a:defRPr>
+            </a:lvl8pPr>
+            <a:lvl9pPr marL="3886200" indent="-228600" algn="l" defTabSz="914400" rtl="0" eaLnBrk="1" latinLnBrk="0" hangingPunct="1">
+              <a:lnSpc>
+                <a:spcPct val="90000"/>
+              </a:lnSpc>
+              <a:spcBef>
+                <a:spcPts val="500"/>
+              </a:spcBef>
+              <a:buFont typeface="Arial" panose="020B0604020202020204" pitchFamily="34" charset="0"/>
+              <a:buChar char="•"/>
+              <a:defRPr lang="de-DE" sz="1800" kern="1200">
+                <a:solidFill>
+                  <a:schemeClr val="tx1"/>
+                </a:solidFill>
+                <a:latin typeface="+mn-lt"/>
+                <a:ea typeface="+mn-ea"/>
+                <a:cs typeface="+mn-cs"/>
+              </a:defRPr>
+            </a:lvl9pPr>
+          </a:lstStyle>
+          <a:p>
+            <a:r>
+              <a:rPr lang="en-US" dirty="0"/>
+              <a:t>Qualitative evaluation: </a:t>
+            </a:r>
+          </a:p>
+          <a:p>
+            <a:pPr lvl="1"/>
+            <a:r>
+              <a:rPr lang="en-US" dirty="0"/>
+              <a:t>Visualize Label Space with different Dimensionality Reduction Techniques </a:t>
+            </a:r>
+          </a:p>
+          <a:p>
+            <a:pPr marL="457200" lvl="1" indent="0">
+              <a:buNone/>
+            </a:pPr>
+            <a:r>
+              <a:rPr lang="en-US" dirty="0"/>
+              <a:t>(t-SNE, UMAP, MDS, Kernel-PCA) </a:t>
+            </a:r>
+          </a:p>
+          <a:p>
+            <a:pPr lvl="1"/>
+            <a:r>
+              <a:rPr lang="en-US" dirty="0"/>
+              <a:t>Compare Automatic Clustering with DBSCAN/HDBSCAN</a:t>
+            </a:r>
+            <a:r>
+              <a:rPr lang="en-US" baseline="30000" dirty="0"/>
+              <a:t>[1]</a:t>
+            </a:r>
+            <a:r>
+              <a:rPr lang="en-US" dirty="0"/>
+              <a:t> to manual inspection</a:t>
+            </a:r>
+          </a:p>
+          <a:p>
+            <a:pPr marL="457200" lvl="1" indent="0">
+              <a:buFont typeface="Arial" panose="020B0604020202020204" pitchFamily="34" charset="0"/>
+              <a:buNone/>
+            </a:pPr>
+            <a:endParaRPr lang="en-US" dirty="0"/>
+          </a:p>
+        </p:txBody>
+      </p:sp>
+    </p:spTree>
+    <p:extLst>
+      <p:ext uri="{BB962C8B-B14F-4D97-AF65-F5344CB8AC3E}">
+        <p14:creationId xmlns:p14="http://schemas.microsoft.com/office/powerpoint/2010/main" val="1542819243"/>
+      </p:ext>
+    </p:extLst>
+  </p:cSld>
+  <p:clrMapOvr>
+    <a:masterClrMapping/>
+  </p:clrMapOvr>
+</p:sld>
+</file>
+
+<file path=ppt/slides/slide18.xml><?xml version="1.0" encoding="utf-8"?>
+<p:sld xmlns:a="http://schemas.openxmlformats.org/drawingml/2006/main" xmlns:r="http://schemas.openxmlformats.org/officeDocument/2006/relationships" xmlns:p="http://schemas.openxmlformats.org/presentationml/2006/main">
+  <p:cSld>
+    <p:spTree>
+      <p:nvGrpSpPr>
+        <p:cNvPr id="1" name=""/>
+        <p:cNvGrpSpPr/>
+        <p:nvPr/>
+      </p:nvGrpSpPr>
+      <p:grpSpPr>
+        <a:xfrm>
+          <a:off x="0" y="0"/>
+          <a:ext cx="0" cy="0"/>
+          <a:chOff x="0" y="0"/>
+          <a:chExt cx="0" cy="0"/>
+        </a:xfrm>
+      </p:grpSpPr>
+      <p:sp>
+        <p:nvSpPr>
+          <p:cNvPr id="2" name="Title 1">
+            <a:extLst>
+              <a:ext uri="{FF2B5EF4-FFF2-40B4-BE49-F238E27FC236}">
+                <a16:creationId xmlns:a16="http://schemas.microsoft.com/office/drawing/2014/main" id="{73028BAB-6A6A-60F9-1363-482405CC199A}"/>
+              </a:ext>
+            </a:extLst>
+          </p:cNvPr>
+          <p:cNvSpPr>
+            <a:spLocks noGrp="1"/>
+          </p:cNvSpPr>
+          <p:nvPr>
+            <p:ph type="title"/>
+          </p:nvPr>
+        </p:nvSpPr>
+        <p:spPr/>
+        <p:txBody>
+          <a:bodyPr/>
           <a:lstStyle/>
           <a:p>
             <a:r>
-              <a:rPr lang="de-DE"/>
-              <a:t>Trainings Daten mit Source Code Information</a:t>
+              <a:rPr lang="en-US" dirty="0"/>
+              <a:t>Discussion</a:t>
+            </a:r>
+          </a:p>
+        </p:txBody>
+      </p:sp>
+      <p:sp>
+        <p:nvSpPr>
+          <p:cNvPr id="3" name="Date Placeholder 2">
+            <a:extLst>
+              <a:ext uri="{FF2B5EF4-FFF2-40B4-BE49-F238E27FC236}">
+                <a16:creationId xmlns:a16="http://schemas.microsoft.com/office/drawing/2014/main" id="{A813D1F5-F89A-F141-18EB-B43A0EE53D07}"/>
+              </a:ext>
+            </a:extLst>
+          </p:cNvPr>
+          <p:cNvSpPr>
+            <a:spLocks noGrp="1"/>
+          </p:cNvSpPr>
+          <p:nvPr>
+            <p:ph type="dt" sz="half" idx="10"/>
+          </p:nvPr>
+        </p:nvSpPr>
+        <p:spPr/>
+        <p:txBody>
+          <a:bodyPr/>
+          <a:lstStyle/>
+          <a:p>
+            <a:pPr rtl="0"/>
+            <a:r>
+              <a:rPr lang="en-US"/>
+              <a:t>2024</a:t>
             </a:r>
             <a:endParaRPr lang="de-DE" dirty="0"/>
           </a:p>
@@ -10563,136 +12239,71 @@
       </p:sp>
       <p:sp>
         <p:nvSpPr>
-          <p:cNvPr id="3" name="Datumsplatzhalter 2">
-            <a:extLst>
-              <a:ext uri="{FF2B5EF4-FFF2-40B4-BE49-F238E27FC236}">
-                <a16:creationId xmlns:a16="http://schemas.microsoft.com/office/drawing/2014/main" id="{0C599950-CB4E-B832-C0EF-C33D0AECB9F9}"/>
-              </a:ext>
-            </a:extLst>
-          </p:cNvPr>
-          <p:cNvSpPr>
-            <a:spLocks noGrp="1"/>
-          </p:cNvSpPr>
-          <p:nvPr>
-            <p:ph type="dt" sz="half" idx="10"/>
-          </p:nvPr>
-        </p:nvSpPr>
-        <p:spPr>
-          <a:xfrm>
-            <a:off x="838200" y="6356350"/>
-            <a:ext cx="2743200" cy="365125"/>
-          </a:xfrm>
-        </p:spPr>
-        <p:txBody>
-          <a:bodyPr anchor="ctr">
-            <a:normAutofit/>
-          </a:bodyPr>
+          <p:cNvPr id="4" name="Footer Placeholder 3">
+            <a:extLst>
+              <a:ext uri="{FF2B5EF4-FFF2-40B4-BE49-F238E27FC236}">
+                <a16:creationId xmlns:a16="http://schemas.microsoft.com/office/drawing/2014/main" id="{2ADBCE34-BECC-929D-12CE-07E036E0F4DF}"/>
+              </a:ext>
+            </a:extLst>
+          </p:cNvPr>
+          <p:cNvSpPr>
+            <a:spLocks noGrp="1"/>
+          </p:cNvSpPr>
+          <p:nvPr>
+            <p:ph type="ftr" sz="quarter" idx="11"/>
+          </p:nvPr>
+        </p:nvSpPr>
+        <p:spPr/>
+        <p:txBody>
+          <a:bodyPr/>
           <a:lstStyle/>
           <a:p>
-            <a:pPr rtl="0">
-              <a:spcAft>
-                <a:spcPts val="600"/>
-              </a:spcAft>
-            </a:pPr>
-            <a:r>
-              <a:rPr lang="de-DE"/>
-              <a:t>20XX</a:t>
-            </a:r>
-          </a:p>
-        </p:txBody>
-      </p:sp>
-      <p:sp>
-        <p:nvSpPr>
-          <p:cNvPr id="4" name="Fußzeilenplatzhalter 3">
-            <a:extLst>
-              <a:ext uri="{FF2B5EF4-FFF2-40B4-BE49-F238E27FC236}">
-                <a16:creationId xmlns:a16="http://schemas.microsoft.com/office/drawing/2014/main" id="{88E09410-A383-CE2D-739F-52C424469757}"/>
-              </a:ext>
-            </a:extLst>
-          </p:cNvPr>
-          <p:cNvSpPr>
-            <a:spLocks noGrp="1"/>
-          </p:cNvSpPr>
-          <p:nvPr>
-            <p:ph type="ftr" sz="quarter" idx="11"/>
-          </p:nvPr>
-        </p:nvSpPr>
-        <p:spPr>
-          <a:xfrm>
-            <a:off x="4038600" y="6356350"/>
-            <a:ext cx="4114800" cy="365125"/>
-          </a:xfrm>
-        </p:spPr>
-        <p:txBody>
-          <a:bodyPr anchor="ctr">
-            <a:normAutofit/>
-          </a:bodyPr>
+            <a:pPr rtl="0"/>
+            <a:r>
+              <a:rPr lang="en-US"/>
+              <a:t>Creating Rich Labels For Binary Functions Using Source Information</a:t>
+            </a:r>
+            <a:endParaRPr lang="de-DE" dirty="0"/>
+          </a:p>
+        </p:txBody>
+      </p:sp>
+      <p:sp>
+        <p:nvSpPr>
+          <p:cNvPr id="5" name="Slide Number Placeholder 4">
+            <a:extLst>
+              <a:ext uri="{FF2B5EF4-FFF2-40B4-BE49-F238E27FC236}">
+                <a16:creationId xmlns:a16="http://schemas.microsoft.com/office/drawing/2014/main" id="{E38EC95D-FCBA-BE82-AA52-0364D751EDA3}"/>
+              </a:ext>
+            </a:extLst>
+          </p:cNvPr>
+          <p:cNvSpPr>
+            <a:spLocks noGrp="1"/>
+          </p:cNvSpPr>
+          <p:nvPr>
+            <p:ph type="sldNum" sz="quarter" idx="12"/>
+          </p:nvPr>
+        </p:nvSpPr>
+        <p:spPr/>
+        <p:txBody>
+          <a:bodyPr/>
           <a:lstStyle/>
           <a:p>
-            <a:pPr rtl="0">
-              <a:spcAft>
-                <a:spcPts val="600"/>
-              </a:spcAft>
-            </a:pPr>
-            <a:r>
-              <a:rPr lang="de-DE"/>
-              <a:t>PRÄSENTATIONSTITEL</a:t>
-            </a:r>
-          </a:p>
-        </p:txBody>
-      </p:sp>
-      <p:sp>
-        <p:nvSpPr>
-          <p:cNvPr id="5" name="Foliennummernplatzhalter 4">
-            <a:extLst>
-              <a:ext uri="{FF2B5EF4-FFF2-40B4-BE49-F238E27FC236}">
-                <a16:creationId xmlns:a16="http://schemas.microsoft.com/office/drawing/2014/main" id="{FFECCBB5-DDE9-49DA-E556-0828DE931224}"/>
-              </a:ext>
-            </a:extLst>
-          </p:cNvPr>
-          <p:cNvSpPr>
-            <a:spLocks noGrp="1"/>
-          </p:cNvSpPr>
-          <p:nvPr>
-            <p:ph type="sldNum" sz="quarter" idx="12"/>
-          </p:nvPr>
-        </p:nvSpPr>
-        <p:spPr>
-          <a:xfrm>
-            <a:off x="8610600" y="6356350"/>
-            <a:ext cx="2743200" cy="365125"/>
-          </a:xfrm>
-        </p:spPr>
-        <p:txBody>
-          <a:bodyPr anchor="ctr">
-            <a:normAutofit/>
-          </a:bodyPr>
-          <a:lstStyle/>
-          <a:p>
-            <a:pPr rtl="0">
-              <a:spcAft>
-                <a:spcPts val="600"/>
-              </a:spcAft>
-            </a:pPr>
+            <a:pPr rtl="0"/>
             <a:fld id="{A49DFD55-3C28-40EF-9E31-A92D2E4017FF}" type="slidenum">
               <a:rPr lang="de-DE" smtClean="0"/>
-              <a:pPr rtl="0">
-                <a:spcAft>
-                  <a:spcPts val="600"/>
-                </a:spcAft>
-              </a:pPr>
-              <a:t>13</a:t>
+              <a:pPr rtl="0"/>
+              <a:t>18</a:t>
             </a:fld>
-            <a:endParaRPr lang="de-DE"/>
-          </a:p>
-        </p:txBody>
-      </p:sp>
-      <p:sp>
-        <p:nvSpPr>
-          <p:cNvPr id="24" name="Chart Placeholder 5">
-            <a:extLst>
-              <a:ext uri="{FF2B5EF4-FFF2-40B4-BE49-F238E27FC236}">
-                <a16:creationId xmlns:a16="http://schemas.microsoft.com/office/drawing/2014/main" id="{53C3A909-782F-4152-578C-CADB2F222376}"/>
+            <a:endParaRPr lang="de-DE" dirty="0"/>
+          </a:p>
+        </p:txBody>
+      </p:sp>
+      <p:sp>
+        <p:nvSpPr>
+          <p:cNvPr id="6" name="Chart Placeholder 5">
+            <a:extLst>
+              <a:ext uri="{FF2B5EF4-FFF2-40B4-BE49-F238E27FC236}">
+                <a16:creationId xmlns:a16="http://schemas.microsoft.com/office/drawing/2014/main" id="{586CED45-981A-9CAB-0440-2385547F5226}"/>
               </a:ext>
             </a:extLst>
           </p:cNvPr>
@@ -10706,21 +12317,514 @@
         <p:spPr>
           <a:xfrm>
             <a:off x="838200" y="2111608"/>
-            <a:ext cx="10515600" cy="3744912"/>
+            <a:ext cx="10515600" cy="3089784"/>
           </a:xfrm>
         </p:spPr>
         <p:txBody>
           <a:bodyPr/>
           <a:lstStyle/>
           <a:p>
-            <a:endParaRPr lang="de-DE"/>
+            <a:r>
+              <a:rPr lang="en-US" dirty="0"/>
+              <a:t>What would be a better Prompt?</a:t>
+            </a:r>
+          </a:p>
+          <a:p>
+            <a:r>
+              <a:rPr lang="en-US" dirty="0"/>
+              <a:t>C Embeddings with Code2Vec</a:t>
+            </a:r>
+            <a:r>
+              <a:rPr lang="en-US" baseline="30000" dirty="0"/>
+              <a:t>[1]</a:t>
+            </a:r>
+            <a:endParaRPr lang="en-US" dirty="0"/>
+          </a:p>
+          <a:p>
+            <a:r>
+              <a:rPr lang="en-US" dirty="0"/>
+              <a:t>Use Code Llama instead of standard Llama</a:t>
+            </a:r>
+          </a:p>
+          <a:p>
+            <a:r>
+              <a:rPr lang="en-US" dirty="0"/>
+              <a:t>Alias problem in “Glibc” data set</a:t>
+            </a:r>
+          </a:p>
+          <a:p>
+            <a:r>
+              <a:rPr lang="en-US" dirty="0"/>
+              <a:t>Other useful source code information I could extract?</a:t>
+            </a:r>
+          </a:p>
+          <a:p>
+            <a:r>
+              <a:rPr lang="en-US" dirty="0"/>
+              <a:t>Combining vectors of different source code information?</a:t>
+            </a:r>
+          </a:p>
+        </p:txBody>
+      </p:sp>
+      <p:sp>
+        <p:nvSpPr>
+          <p:cNvPr id="7" name="Chart Placeholder 5">
+            <a:extLst>
+              <a:ext uri="{FF2B5EF4-FFF2-40B4-BE49-F238E27FC236}">
+                <a16:creationId xmlns:a16="http://schemas.microsoft.com/office/drawing/2014/main" id="{1D55A915-B9F1-0698-2C27-94336F127553}"/>
+              </a:ext>
+            </a:extLst>
+          </p:cNvPr>
+          <p:cNvSpPr txBox="1">
+            <a:spLocks/>
+          </p:cNvSpPr>
+          <p:nvPr/>
+        </p:nvSpPr>
+        <p:spPr>
+          <a:xfrm>
+            <a:off x="838200" y="5622312"/>
+            <a:ext cx="10515600" cy="588694"/>
+          </a:xfrm>
+          <a:prstGeom prst="rect">
+            <a:avLst/>
+          </a:prstGeom>
+        </p:spPr>
+        <p:txBody>
+          <a:bodyPr vert="horz" lIns="91440" tIns="45720" rIns="91440" bIns="45720" rtlCol="0">
+            <a:normAutofit/>
+          </a:bodyPr>
+          <a:lstStyle>
+            <a:defPPr>
+              <a:defRPr lang="de-DE"/>
+            </a:defPPr>
+            <a:lvl1pPr marL="228600" indent="-228600" algn="l" defTabSz="914400" rtl="0" eaLnBrk="1" latinLnBrk="0" hangingPunct="1">
+              <a:lnSpc>
+                <a:spcPct val="90000"/>
+              </a:lnSpc>
+              <a:spcBef>
+                <a:spcPts val="1000"/>
+              </a:spcBef>
+              <a:buFont typeface="Arial" panose="020B0604020202020204" pitchFamily="34" charset="0"/>
+              <a:buChar char="•"/>
+              <a:defRPr lang="de-DE" sz="2800" kern="1200">
+                <a:solidFill>
+                  <a:schemeClr val="tx1"/>
+                </a:solidFill>
+                <a:latin typeface="+mn-lt"/>
+                <a:ea typeface="+mn-ea"/>
+                <a:cs typeface="+mn-cs"/>
+              </a:defRPr>
+            </a:lvl1pPr>
+            <a:lvl2pPr marL="685800" indent="-228600" algn="l" defTabSz="914400" rtl="0" eaLnBrk="1" latinLnBrk="0" hangingPunct="1">
+              <a:lnSpc>
+                <a:spcPct val="90000"/>
+              </a:lnSpc>
+              <a:spcBef>
+                <a:spcPts val="500"/>
+              </a:spcBef>
+              <a:buFont typeface="Arial" panose="020B0604020202020204" pitchFamily="34" charset="0"/>
+              <a:buChar char="•"/>
+              <a:defRPr lang="de-DE" sz="2400" kern="1200">
+                <a:solidFill>
+                  <a:schemeClr val="tx1"/>
+                </a:solidFill>
+                <a:latin typeface="+mn-lt"/>
+                <a:ea typeface="+mn-ea"/>
+                <a:cs typeface="+mn-cs"/>
+              </a:defRPr>
+            </a:lvl2pPr>
+            <a:lvl3pPr marL="1143000" indent="-228600" algn="l" defTabSz="914400" rtl="0" eaLnBrk="1" latinLnBrk="0" hangingPunct="1">
+              <a:lnSpc>
+                <a:spcPct val="90000"/>
+              </a:lnSpc>
+              <a:spcBef>
+                <a:spcPts val="500"/>
+              </a:spcBef>
+              <a:buFont typeface="Arial" panose="020B0604020202020204" pitchFamily="34" charset="0"/>
+              <a:buChar char="•"/>
+              <a:defRPr lang="de-DE" sz="2000" kern="1200">
+                <a:solidFill>
+                  <a:schemeClr val="tx1"/>
+                </a:solidFill>
+                <a:latin typeface="+mn-lt"/>
+                <a:ea typeface="+mn-ea"/>
+                <a:cs typeface="+mn-cs"/>
+              </a:defRPr>
+            </a:lvl3pPr>
+            <a:lvl4pPr marL="1600200" indent="-228600" algn="l" defTabSz="914400" rtl="0" eaLnBrk="1" latinLnBrk="0" hangingPunct="1">
+              <a:lnSpc>
+                <a:spcPct val="90000"/>
+              </a:lnSpc>
+              <a:spcBef>
+                <a:spcPts val="500"/>
+              </a:spcBef>
+              <a:buFont typeface="Arial" panose="020B0604020202020204" pitchFamily="34" charset="0"/>
+              <a:buChar char="•"/>
+              <a:defRPr lang="de-DE" sz="1800" kern="1200">
+                <a:solidFill>
+                  <a:schemeClr val="tx1"/>
+                </a:solidFill>
+                <a:latin typeface="+mn-lt"/>
+                <a:ea typeface="+mn-ea"/>
+                <a:cs typeface="+mn-cs"/>
+              </a:defRPr>
+            </a:lvl4pPr>
+            <a:lvl5pPr marL="2057400" indent="-228600" algn="l" defTabSz="914400" rtl="0" eaLnBrk="1" latinLnBrk="0" hangingPunct="1">
+              <a:lnSpc>
+                <a:spcPct val="90000"/>
+              </a:lnSpc>
+              <a:spcBef>
+                <a:spcPts val="500"/>
+              </a:spcBef>
+              <a:buFont typeface="Arial" panose="020B0604020202020204" pitchFamily="34" charset="0"/>
+              <a:buChar char="•"/>
+              <a:defRPr lang="de-DE" sz="1800" kern="1200">
+                <a:solidFill>
+                  <a:schemeClr val="tx1"/>
+                </a:solidFill>
+                <a:latin typeface="+mn-lt"/>
+                <a:ea typeface="+mn-ea"/>
+                <a:cs typeface="+mn-cs"/>
+              </a:defRPr>
+            </a:lvl5pPr>
+            <a:lvl6pPr marL="2514600" indent="-228600" algn="l" defTabSz="914400" rtl="0" eaLnBrk="1" latinLnBrk="0" hangingPunct="1">
+              <a:lnSpc>
+                <a:spcPct val="90000"/>
+              </a:lnSpc>
+              <a:spcBef>
+                <a:spcPts val="500"/>
+              </a:spcBef>
+              <a:buFont typeface="Arial" panose="020B0604020202020204" pitchFamily="34" charset="0"/>
+              <a:buChar char="•"/>
+              <a:defRPr lang="de-DE" sz="1800" kern="1200">
+                <a:solidFill>
+                  <a:schemeClr val="tx1"/>
+                </a:solidFill>
+                <a:latin typeface="+mn-lt"/>
+                <a:ea typeface="+mn-ea"/>
+                <a:cs typeface="+mn-cs"/>
+              </a:defRPr>
+            </a:lvl6pPr>
+            <a:lvl7pPr marL="2971800" indent="-228600" algn="l" defTabSz="914400" rtl="0" eaLnBrk="1" latinLnBrk="0" hangingPunct="1">
+              <a:lnSpc>
+                <a:spcPct val="90000"/>
+              </a:lnSpc>
+              <a:spcBef>
+                <a:spcPts val="500"/>
+              </a:spcBef>
+              <a:buFont typeface="Arial" panose="020B0604020202020204" pitchFamily="34" charset="0"/>
+              <a:buChar char="•"/>
+              <a:defRPr lang="de-DE" sz="1800" kern="1200">
+                <a:solidFill>
+                  <a:schemeClr val="tx1"/>
+                </a:solidFill>
+                <a:latin typeface="+mn-lt"/>
+                <a:ea typeface="+mn-ea"/>
+                <a:cs typeface="+mn-cs"/>
+              </a:defRPr>
+            </a:lvl7pPr>
+            <a:lvl8pPr marL="3429000" indent="-228600" algn="l" defTabSz="914400" rtl="0" eaLnBrk="1" latinLnBrk="0" hangingPunct="1">
+              <a:lnSpc>
+                <a:spcPct val="90000"/>
+              </a:lnSpc>
+              <a:spcBef>
+                <a:spcPts val="500"/>
+              </a:spcBef>
+              <a:buFont typeface="Arial" panose="020B0604020202020204" pitchFamily="34" charset="0"/>
+              <a:buChar char="•"/>
+              <a:defRPr lang="de-DE" sz="1800" kern="1200">
+                <a:solidFill>
+                  <a:schemeClr val="tx1"/>
+                </a:solidFill>
+                <a:latin typeface="+mn-lt"/>
+                <a:ea typeface="+mn-ea"/>
+                <a:cs typeface="+mn-cs"/>
+              </a:defRPr>
+            </a:lvl8pPr>
+            <a:lvl9pPr marL="3886200" indent="-228600" algn="l" defTabSz="914400" rtl="0" eaLnBrk="1" latinLnBrk="0" hangingPunct="1">
+              <a:lnSpc>
+                <a:spcPct val="90000"/>
+              </a:lnSpc>
+              <a:spcBef>
+                <a:spcPts val="500"/>
+              </a:spcBef>
+              <a:buFont typeface="Arial" panose="020B0604020202020204" pitchFamily="34" charset="0"/>
+              <a:buChar char="•"/>
+              <a:defRPr lang="de-DE" sz="1800" kern="1200">
+                <a:solidFill>
+                  <a:schemeClr val="tx1"/>
+                </a:solidFill>
+                <a:latin typeface="+mn-lt"/>
+                <a:ea typeface="+mn-ea"/>
+                <a:cs typeface="+mn-cs"/>
+              </a:defRPr>
+            </a:lvl9pPr>
+          </a:lstStyle>
+          <a:p>
+            <a:pPr marL="0" indent="0">
+              <a:buNone/>
+            </a:pPr>
+            <a:endParaRPr lang="en-US" dirty="0"/>
+          </a:p>
+        </p:txBody>
+      </p:sp>
+      <p:sp>
+        <p:nvSpPr>
+          <p:cNvPr id="8" name="Chart Placeholder 5">
+            <a:extLst>
+              <a:ext uri="{FF2B5EF4-FFF2-40B4-BE49-F238E27FC236}">
+                <a16:creationId xmlns:a16="http://schemas.microsoft.com/office/drawing/2014/main" id="{7BB83FCC-D2AA-D57B-D85D-76085ECC100A}"/>
+              </a:ext>
+            </a:extLst>
+          </p:cNvPr>
+          <p:cNvSpPr txBox="1">
+            <a:spLocks/>
+          </p:cNvSpPr>
+          <p:nvPr/>
+        </p:nvSpPr>
+        <p:spPr>
+          <a:xfrm>
+            <a:off x="2266702" y="5928044"/>
+            <a:ext cx="7658595" cy="365125"/>
+          </a:xfrm>
+          <a:prstGeom prst="rect">
+            <a:avLst/>
+          </a:prstGeom>
+        </p:spPr>
+        <p:txBody>
+          <a:bodyPr vert="horz" lIns="91440" tIns="45720" rIns="91440" bIns="45720" rtlCol="0">
+            <a:normAutofit fontScale="47500" lnSpcReduction="20000"/>
+          </a:bodyPr>
+          <a:lstStyle>
+            <a:defPPr>
+              <a:defRPr lang="de-DE"/>
+            </a:defPPr>
+            <a:lvl1pPr marL="228600" indent="-228600" algn="l" defTabSz="914400" rtl="0" eaLnBrk="1" latinLnBrk="0" hangingPunct="1">
+              <a:lnSpc>
+                <a:spcPct val="90000"/>
+              </a:lnSpc>
+              <a:spcBef>
+                <a:spcPts val="1000"/>
+              </a:spcBef>
+              <a:buFont typeface="Arial" panose="020B0604020202020204" pitchFamily="34" charset="0"/>
+              <a:buChar char="•"/>
+              <a:defRPr lang="de-DE" sz="2800" kern="1200">
+                <a:solidFill>
+                  <a:schemeClr val="tx1"/>
+                </a:solidFill>
+                <a:latin typeface="+mn-lt"/>
+                <a:ea typeface="+mn-ea"/>
+                <a:cs typeface="+mn-cs"/>
+              </a:defRPr>
+            </a:lvl1pPr>
+            <a:lvl2pPr marL="685800" indent="-228600" algn="l" defTabSz="914400" rtl="0" eaLnBrk="1" latinLnBrk="0" hangingPunct="1">
+              <a:lnSpc>
+                <a:spcPct val="90000"/>
+              </a:lnSpc>
+              <a:spcBef>
+                <a:spcPts val="500"/>
+              </a:spcBef>
+              <a:buFont typeface="Arial" panose="020B0604020202020204" pitchFamily="34" charset="0"/>
+              <a:buChar char="•"/>
+              <a:defRPr lang="de-DE" sz="2400" kern="1200">
+                <a:solidFill>
+                  <a:schemeClr val="tx1"/>
+                </a:solidFill>
+                <a:latin typeface="+mn-lt"/>
+                <a:ea typeface="+mn-ea"/>
+                <a:cs typeface="+mn-cs"/>
+              </a:defRPr>
+            </a:lvl2pPr>
+            <a:lvl3pPr marL="1143000" indent="-228600" algn="l" defTabSz="914400" rtl="0" eaLnBrk="1" latinLnBrk="0" hangingPunct="1">
+              <a:lnSpc>
+                <a:spcPct val="90000"/>
+              </a:lnSpc>
+              <a:spcBef>
+                <a:spcPts val="500"/>
+              </a:spcBef>
+              <a:buFont typeface="Arial" panose="020B0604020202020204" pitchFamily="34" charset="0"/>
+              <a:buChar char="•"/>
+              <a:defRPr lang="de-DE" sz="2000" kern="1200">
+                <a:solidFill>
+                  <a:schemeClr val="tx1"/>
+                </a:solidFill>
+                <a:latin typeface="+mn-lt"/>
+                <a:ea typeface="+mn-ea"/>
+                <a:cs typeface="+mn-cs"/>
+              </a:defRPr>
+            </a:lvl3pPr>
+            <a:lvl4pPr marL="1600200" indent="-228600" algn="l" defTabSz="914400" rtl="0" eaLnBrk="1" latinLnBrk="0" hangingPunct="1">
+              <a:lnSpc>
+                <a:spcPct val="90000"/>
+              </a:lnSpc>
+              <a:spcBef>
+                <a:spcPts val="500"/>
+              </a:spcBef>
+              <a:buFont typeface="Arial" panose="020B0604020202020204" pitchFamily="34" charset="0"/>
+              <a:buChar char="•"/>
+              <a:defRPr lang="de-DE" sz="1800" kern="1200">
+                <a:solidFill>
+                  <a:schemeClr val="tx1"/>
+                </a:solidFill>
+                <a:latin typeface="+mn-lt"/>
+                <a:ea typeface="+mn-ea"/>
+                <a:cs typeface="+mn-cs"/>
+              </a:defRPr>
+            </a:lvl4pPr>
+            <a:lvl5pPr marL="2057400" indent="-228600" algn="l" defTabSz="914400" rtl="0" eaLnBrk="1" latinLnBrk="0" hangingPunct="1">
+              <a:lnSpc>
+                <a:spcPct val="90000"/>
+              </a:lnSpc>
+              <a:spcBef>
+                <a:spcPts val="500"/>
+              </a:spcBef>
+              <a:buFont typeface="Arial" panose="020B0604020202020204" pitchFamily="34" charset="0"/>
+              <a:buChar char="•"/>
+              <a:defRPr lang="de-DE" sz="1800" kern="1200">
+                <a:solidFill>
+                  <a:schemeClr val="tx1"/>
+                </a:solidFill>
+                <a:latin typeface="+mn-lt"/>
+                <a:ea typeface="+mn-ea"/>
+                <a:cs typeface="+mn-cs"/>
+              </a:defRPr>
+            </a:lvl5pPr>
+            <a:lvl6pPr marL="2514600" indent="-228600" algn="l" defTabSz="914400" rtl="0" eaLnBrk="1" latinLnBrk="0" hangingPunct="1">
+              <a:lnSpc>
+                <a:spcPct val="90000"/>
+              </a:lnSpc>
+              <a:spcBef>
+                <a:spcPts val="500"/>
+              </a:spcBef>
+              <a:buFont typeface="Arial" panose="020B0604020202020204" pitchFamily="34" charset="0"/>
+              <a:buChar char="•"/>
+              <a:defRPr lang="de-DE" sz="1800" kern="1200">
+                <a:solidFill>
+                  <a:schemeClr val="tx1"/>
+                </a:solidFill>
+                <a:latin typeface="+mn-lt"/>
+                <a:ea typeface="+mn-ea"/>
+                <a:cs typeface="+mn-cs"/>
+              </a:defRPr>
+            </a:lvl6pPr>
+            <a:lvl7pPr marL="2971800" indent="-228600" algn="l" defTabSz="914400" rtl="0" eaLnBrk="1" latinLnBrk="0" hangingPunct="1">
+              <a:lnSpc>
+                <a:spcPct val="90000"/>
+              </a:lnSpc>
+              <a:spcBef>
+                <a:spcPts val="500"/>
+              </a:spcBef>
+              <a:buFont typeface="Arial" panose="020B0604020202020204" pitchFamily="34" charset="0"/>
+              <a:buChar char="•"/>
+              <a:defRPr lang="de-DE" sz="1800" kern="1200">
+                <a:solidFill>
+                  <a:schemeClr val="tx1"/>
+                </a:solidFill>
+                <a:latin typeface="+mn-lt"/>
+                <a:ea typeface="+mn-ea"/>
+                <a:cs typeface="+mn-cs"/>
+              </a:defRPr>
+            </a:lvl7pPr>
+            <a:lvl8pPr marL="3429000" indent="-228600" algn="l" defTabSz="914400" rtl="0" eaLnBrk="1" latinLnBrk="0" hangingPunct="1">
+              <a:lnSpc>
+                <a:spcPct val="90000"/>
+              </a:lnSpc>
+              <a:spcBef>
+                <a:spcPts val="500"/>
+              </a:spcBef>
+              <a:buFont typeface="Arial" panose="020B0604020202020204" pitchFamily="34" charset="0"/>
+              <a:buChar char="•"/>
+              <a:defRPr lang="de-DE" sz="1800" kern="1200">
+                <a:solidFill>
+                  <a:schemeClr val="tx1"/>
+                </a:solidFill>
+                <a:latin typeface="+mn-lt"/>
+                <a:ea typeface="+mn-ea"/>
+                <a:cs typeface="+mn-cs"/>
+              </a:defRPr>
+            </a:lvl8pPr>
+            <a:lvl9pPr marL="3886200" indent="-228600" algn="l" defTabSz="914400" rtl="0" eaLnBrk="1" latinLnBrk="0" hangingPunct="1">
+              <a:lnSpc>
+                <a:spcPct val="90000"/>
+              </a:lnSpc>
+              <a:spcBef>
+                <a:spcPts val="500"/>
+              </a:spcBef>
+              <a:buFont typeface="Arial" panose="020B0604020202020204" pitchFamily="34" charset="0"/>
+              <a:buChar char="•"/>
+              <a:defRPr lang="de-DE" sz="1800" kern="1200">
+                <a:solidFill>
+                  <a:schemeClr val="tx1"/>
+                </a:solidFill>
+                <a:latin typeface="+mn-lt"/>
+                <a:ea typeface="+mn-ea"/>
+                <a:cs typeface="+mn-cs"/>
+              </a:defRPr>
+            </a:lvl9pPr>
+          </a:lstStyle>
+          <a:p>
+            <a:pPr marL="0" indent="0">
+              <a:buNone/>
+            </a:pPr>
+            <a:r>
+              <a:rPr lang="en-US" sz="3400" dirty="0">
+                <a:solidFill>
+                  <a:schemeClr val="tx1">
+                    <a:lumMod val="50000"/>
+                    <a:lumOff val="50000"/>
+                  </a:schemeClr>
+                </a:solidFill>
+              </a:rPr>
+              <a:t>[1]:</a:t>
+            </a:r>
+            <a:r>
+              <a:rPr lang="fi-FI" sz="3400" dirty="0">
+                <a:solidFill>
+                  <a:schemeClr val="tx1">
+                    <a:lumMod val="50000"/>
+                    <a:lumOff val="50000"/>
+                  </a:schemeClr>
+                </a:solidFill>
+              </a:rPr>
+              <a:t> Alon et al.:</a:t>
+            </a:r>
+            <a:r>
+              <a:rPr lang="en-US" sz="3400" dirty="0">
+                <a:solidFill>
+                  <a:schemeClr val="tx1">
+                    <a:lumMod val="50000"/>
+                    <a:lumOff val="50000"/>
+                  </a:schemeClr>
+                </a:solidFill>
+              </a:rPr>
+              <a:t> Code2Vec: Learning Distributed Representations of Code, POPL ‘19</a:t>
+            </a:r>
+          </a:p>
+          <a:p>
+            <a:pPr marL="0" indent="0">
+              <a:buNone/>
+            </a:pPr>
+            <a:endParaRPr lang="en-US" sz="1600" dirty="0">
+              <a:solidFill>
+                <a:schemeClr val="tx1">
+                  <a:lumMod val="50000"/>
+                  <a:lumOff val="50000"/>
+                </a:schemeClr>
+              </a:solidFill>
+            </a:endParaRPr>
+          </a:p>
+          <a:p>
+            <a:pPr marL="0" indent="0">
+              <a:buNone/>
+            </a:pPr>
+            <a:endParaRPr lang="en-US" dirty="0"/>
           </a:p>
         </p:txBody>
       </p:sp>
     </p:spTree>
     <p:extLst>
       <p:ext uri="{BB962C8B-B14F-4D97-AF65-F5344CB8AC3E}">
-        <p14:creationId xmlns:p14="http://schemas.microsoft.com/office/powerpoint/2010/main" val="1136190312"/>
+        <p14:creationId xmlns:p14="http://schemas.microsoft.com/office/powerpoint/2010/main" val="1161509273"/>
       </p:ext>
     </p:extLst>
   </p:cSld>
@@ -10798,9 +12902,10 @@
           <a:p>
             <a:pPr rtl="0"/>
             <a:r>
-              <a:rPr lang="de-DE" dirty="0"/>
+              <a:rPr lang="en-US"/>
               <a:t>2024</a:t>
             </a:r>
+            <a:endParaRPr lang="de-DE" dirty="0"/>
           </a:p>
         </p:txBody>
       </p:sp>
@@ -10827,9 +12932,10 @@
           <a:p>
             <a:pPr rtl="0"/>
             <a:r>
-              <a:rPr lang="de-DE" dirty="0"/>
-              <a:t>Pitch Vortrag</a:t>
-            </a:r>
+              <a:rPr lang="en-US" dirty="0"/>
+              <a:t>Creating Rich Labels For Binary Functions Using Source Information</a:t>
+            </a:r>
+            <a:endParaRPr lang="de-DE" dirty="0"/>
           </a:p>
         </p:txBody>
       </p:sp>
@@ -11246,10 +13352,10 @@
       </p:grpSpPr>
       <p:sp>
         <p:nvSpPr>
-          <p:cNvPr id="2" name="Titel 1">
-            <a:extLst>
-              <a:ext uri="{FF2B5EF4-FFF2-40B4-BE49-F238E27FC236}">
-                <a16:creationId xmlns:a16="http://schemas.microsoft.com/office/drawing/2014/main" id="{F2DFE302-D270-F99F-33F9-1B3158CEDE9D}"/>
+          <p:cNvPr id="2" name="Title 1">
+            <a:extLst>
+              <a:ext uri="{FF2B5EF4-FFF2-40B4-BE49-F238E27FC236}">
+                <a16:creationId xmlns:a16="http://schemas.microsoft.com/office/drawing/2014/main" id="{0AB5414F-C6E9-57A1-256E-A327C5BFA5AF}"/>
               </a:ext>
             </a:extLst>
           </p:cNvPr>
@@ -11266,39 +13372,18 @@
           <a:lstStyle/>
           <a:p>
             <a:r>
-              <a:rPr lang="de-DE" dirty="0"/>
-              <a:t>Overview </a:t>
-            </a:r>
-            <a:r>
-              <a:rPr lang="de-DE" dirty="0" err="1"/>
-              <a:t>of</a:t>
-            </a:r>
-            <a:r>
-              <a:rPr lang="de-DE" dirty="0"/>
-              <a:t> </a:t>
-            </a:r>
-            <a:r>
-              <a:rPr lang="de-DE" dirty="0" err="1"/>
-              <a:t>Diffrent</a:t>
-            </a:r>
-            <a:r>
-              <a:rPr lang="de-DE" dirty="0"/>
-              <a:t> </a:t>
-            </a:r>
-            <a:r>
-              <a:rPr lang="de-DE" dirty="0" err="1"/>
-              <a:t>Approaches</a:t>
-            </a:r>
-            <a:endParaRPr lang="de-DE" dirty="0"/>
-          </a:p>
-        </p:txBody>
-      </p:sp>
-      <p:sp>
-        <p:nvSpPr>
-          <p:cNvPr id="3" name="Datumsplatzhalter 2">
-            <a:extLst>
-              <a:ext uri="{FF2B5EF4-FFF2-40B4-BE49-F238E27FC236}">
-                <a16:creationId xmlns:a16="http://schemas.microsoft.com/office/drawing/2014/main" id="{AE97BAB2-4DDC-D567-5BD3-690E91373EF6}"/>
+              <a:rPr lang="en-US" dirty="0"/>
+              <a:t>Generating Assembly Embeddings</a:t>
+            </a:r>
+          </a:p>
+        </p:txBody>
+      </p:sp>
+      <p:sp>
+        <p:nvSpPr>
+          <p:cNvPr id="3" name="Date Placeholder 2">
+            <a:extLst>
+              <a:ext uri="{FF2B5EF4-FFF2-40B4-BE49-F238E27FC236}">
+                <a16:creationId xmlns:a16="http://schemas.microsoft.com/office/drawing/2014/main" id="{DA640463-5802-9A78-93DB-59166DEBDDC6}"/>
               </a:ext>
             </a:extLst>
           </p:cNvPr>
@@ -11316,18 +13401,19 @@
           <a:p>
             <a:pPr rtl="0"/>
             <a:r>
-              <a:rPr lang="de-DE"/>
-              <a:t>20XX</a:t>
-            </a:r>
-          </a:p>
-        </p:txBody>
-      </p:sp>
-      <p:sp>
-        <p:nvSpPr>
-          <p:cNvPr id="4" name="Fußzeilenplatzhalter 3">
-            <a:extLst>
-              <a:ext uri="{FF2B5EF4-FFF2-40B4-BE49-F238E27FC236}">
-                <a16:creationId xmlns:a16="http://schemas.microsoft.com/office/drawing/2014/main" id="{A1F43220-9C98-4A72-8EF0-CD99CE55E861}"/>
+              <a:rPr lang="en-US"/>
+              <a:t>2024</a:t>
+            </a:r>
+            <a:endParaRPr lang="de-DE"/>
+          </a:p>
+        </p:txBody>
+      </p:sp>
+      <p:sp>
+        <p:nvSpPr>
+          <p:cNvPr id="4" name="Footer Placeholder 3">
+            <a:extLst>
+              <a:ext uri="{FF2B5EF4-FFF2-40B4-BE49-F238E27FC236}">
+                <a16:creationId xmlns:a16="http://schemas.microsoft.com/office/drawing/2014/main" id="{57F7DBA9-1B6F-581D-8B4F-D1D48E4EA6F5}"/>
               </a:ext>
             </a:extLst>
           </p:cNvPr>
@@ -11345,18 +13431,19 @@
           <a:p>
             <a:pPr rtl="0"/>
             <a:r>
-              <a:rPr lang="de-DE" dirty="0"/>
-              <a:t>PRÄSENTATIONSTITEL</a:t>
-            </a:r>
-          </a:p>
-        </p:txBody>
-      </p:sp>
-      <p:sp>
-        <p:nvSpPr>
-          <p:cNvPr id="5" name="Foliennummernplatzhalter 4">
-            <a:extLst>
-              <a:ext uri="{FF2B5EF4-FFF2-40B4-BE49-F238E27FC236}">
-                <a16:creationId xmlns:a16="http://schemas.microsoft.com/office/drawing/2014/main" id="{B38FEC8B-6325-8216-FA01-25740F302A5C}"/>
+              <a:rPr lang="en-US"/>
+              <a:t>Creating Rich Labels For Binary Functions Using Source Information</a:t>
+            </a:r>
+            <a:endParaRPr lang="de-DE"/>
+          </a:p>
+        </p:txBody>
+      </p:sp>
+      <p:sp>
+        <p:nvSpPr>
+          <p:cNvPr id="5" name="Slide Number Placeholder 4">
+            <a:extLst>
+              <a:ext uri="{FF2B5EF4-FFF2-40B4-BE49-F238E27FC236}">
+                <a16:creationId xmlns:a16="http://schemas.microsoft.com/office/drawing/2014/main" id="{110CA91E-6DE7-CB46-B8F6-BDC6AC1A6E78}"/>
               </a:ext>
             </a:extLst>
           </p:cNvPr>
@@ -11386,10 +13473,10 @@
         <mc:Choice Requires="a14">
           <p:sp>
             <p:nvSpPr>
-              <p:cNvPr id="6" name="Diagrammplatzhalter 5">
+              <p:cNvPr id="6" name="Chart Placeholder 5">
                 <a:extLst>
                   <a:ext uri="{FF2B5EF4-FFF2-40B4-BE49-F238E27FC236}">
-                    <a16:creationId xmlns:a16="http://schemas.microsoft.com/office/drawing/2014/main" id="{6EC3501D-85DF-DA42-FBC3-5C02133DF55D}"/>
+                    <a16:creationId xmlns:a16="http://schemas.microsoft.com/office/drawing/2014/main" id="{80BCB053-50F1-DFC2-85B5-CC089BC7EB5E}"/>
                   </a:ext>
                 </a:extLst>
               </p:cNvPr>
@@ -11402,57 +13489,35 @@
             </p:nvSpPr>
             <p:spPr>
               <a:xfrm>
-                <a:off x="356259" y="2201408"/>
-                <a:ext cx="11334997" cy="2804041"/>
+                <a:off x="838200" y="4156225"/>
+                <a:ext cx="10515600" cy="1490353"/>
               </a:xfrm>
             </p:spPr>
             <p:txBody>
               <a:bodyPr>
-                <a:normAutofit/>
+                <a:normAutofit lnSpcReduction="10000"/>
               </a:bodyPr>
               <a:lstStyle/>
               <a:p>
-                <a:pPr marL="0" indent="0">
-                  <a:buNone/>
-                </a:pPr>
                 <a:r>
-                  <a:rPr lang="de-DE" dirty="0"/>
-                  <a:t>Problem: </a:t>
-                </a:r>
-                <a:r>
-                  <a:rPr lang="de-DE" dirty="0" err="1"/>
-                  <a:t>What</a:t>
-                </a:r>
-                <a:r>
-                  <a:rPr lang="de-DE" dirty="0"/>
-                  <a:t> </a:t>
-                </a:r>
-                <a:r>
-                  <a:rPr lang="de-DE" dirty="0" err="1"/>
-                  <a:t>is</a:t>
-                </a:r>
-                <a:r>
-                  <a:rPr lang="de-DE" dirty="0"/>
-                  <a:t> a “</a:t>
-                </a:r>
-                <a:r>
-                  <a:rPr lang="de-DE" dirty="0" err="1"/>
-                  <a:t>good</a:t>
-                </a:r>
-                <a:r>
-                  <a:rPr lang="de-DE" dirty="0"/>
-                  <a:t>“ Assembly Embedding?</a:t>
+                  <a:rPr lang="en-US" dirty="0"/>
+                  <a:t>Machine Learning Models to generate Assembly Embeddings</a:t>
                 </a:r>
               </a:p>
               <a:p>
-                <a:endParaRPr lang="de-DE" dirty="0"/>
+                <a:r>
+                  <a:rPr lang="en-US" dirty="0"/>
+                  <a:t>Models need an objective function</a:t>
+                </a:r>
               </a:p>
               <a:p>
                 <a:pPr marL="0" indent="0">
                   <a:buNone/>
                 </a:pPr>
                 <a:r>
-                  <a:rPr lang="de-DE" dirty="0"/>
+                  <a:rPr lang="de-DE" sz="2800" b="0" dirty="0">
+                    <a:ea typeface="Cambria Math" panose="02040503050406030204" pitchFamily="18" charset="0"/>
+                  </a:rPr>
                   <a:t>    </a:t>
                 </a:r>
                 <a14:m>
@@ -11462,111 +13527,14 @@
                         <a:latin typeface="Cambria Math" panose="02040503050406030204" pitchFamily="18" charset="0"/>
                         <a:ea typeface="Cambria Math" panose="02040503050406030204" pitchFamily="18" charset="0"/>
                       </a:rPr>
-                      <m:t>⇝ </m:t>
+                      <m:t>⇝</m:t>
                     </m:r>
                   </m:oMath>
                 </a14:m>
                 <a:r>
-                  <a:rPr lang="de-DE" dirty="0"/>
-                  <a:t>SAFE: Same source code </a:t>
+                  <a:rPr lang="en-US" dirty="0"/>
+                  <a:t> What is a “good” Objective function?</a:t>
                 </a:r>
-                <a:r>
-                  <a:rPr lang="de-DE" dirty="0" err="1"/>
-                  <a:t>embeddings</a:t>
-                </a:r>
-                <a:r>
-                  <a:rPr lang="de-DE" dirty="0"/>
-                  <a:t> </a:t>
-                </a:r>
-                <a:r>
-                  <a:rPr lang="de-DE" dirty="0" err="1"/>
-                  <a:t>are</a:t>
-                </a:r>
-                <a:r>
-                  <a:rPr lang="de-DE" dirty="0"/>
-                  <a:t> </a:t>
-                </a:r>
-                <a:r>
-                  <a:rPr lang="de-DE" dirty="0" err="1"/>
-                  <a:t>close</a:t>
-                </a:r>
-                <a:r>
-                  <a:rPr lang="de-DE" dirty="0"/>
-                  <a:t> </a:t>
-                </a:r>
-                <a:r>
-                  <a:rPr lang="de-DE" dirty="0" err="1"/>
-                  <a:t>to</a:t>
-                </a:r>
-                <a:r>
-                  <a:rPr lang="de-DE" dirty="0"/>
-                  <a:t> </a:t>
-                </a:r>
-                <a:r>
-                  <a:rPr lang="de-DE" dirty="0" err="1"/>
-                  <a:t>each</a:t>
-                </a:r>
-                <a:r>
-                  <a:rPr lang="de-DE" dirty="0"/>
-                  <a:t> </a:t>
-                </a:r>
-                <a:r>
-                  <a:rPr lang="de-DE" dirty="0" err="1"/>
-                  <a:t>other</a:t>
-                </a:r>
-                <a:endParaRPr lang="en-US" dirty="0"/>
-              </a:p>
-              <a:p>
-                <a:pPr marL="0" indent="0">
-                  <a:buNone/>
-                </a:pPr>
-                <a:r>
-                  <a:rPr lang="de-DE" dirty="0">
-                    <a:ea typeface="Cambria Math" panose="02040503050406030204" pitchFamily="18" charset="0"/>
-                  </a:rPr>
-                  <a:t>   </a:t>
-                </a:r>
-                <a14:m>
-                  <m:oMath xmlns:m="http://schemas.openxmlformats.org/officeDocument/2006/math">
-                    <m:r>
-                      <a:rPr lang="de-DE" i="1">
-                        <a:latin typeface="Cambria Math" panose="02040503050406030204" pitchFamily="18" charset="0"/>
-                        <a:ea typeface="Cambria Math" panose="02040503050406030204" pitchFamily="18" charset="0"/>
-                      </a:rPr>
-                      <m:t>	</m:t>
-                    </m:r>
-                    <m:r>
-                      <a:rPr lang="de-DE" sz="2800" b="0" i="1" smtClean="0">
-                        <a:latin typeface="Cambria Math" panose="02040503050406030204" pitchFamily="18" charset="0"/>
-                        <a:ea typeface="Cambria Math" panose="02040503050406030204" pitchFamily="18" charset="0"/>
-                      </a:rPr>
-                      <m:t>⇝ </m:t>
-                    </m:r>
-                  </m:oMath>
-                </a14:m>
-                <a:r>
-                  <a:rPr lang="en-US" dirty="0" err="1"/>
-                  <a:t>PalmTree</a:t>
-                </a:r>
-                <a:r>
-                  <a:rPr lang="en-US" dirty="0"/>
-                  <a:t> &amp; </a:t>
-                </a:r>
-                <a:r>
-                  <a:rPr lang="en-US" dirty="0" err="1"/>
-                  <a:t>JTrans</a:t>
-                </a:r>
-                <a:r>
-                  <a:rPr lang="en-US" dirty="0"/>
-                  <a:t>: NLP Model Bert to learn assembly embeddings</a:t>
-                </a:r>
-                <a:endParaRPr lang="de-DE" dirty="0"/>
-              </a:p>
-              <a:p>
-                <a:pPr marL="0" indent="0">
-                  <a:buNone/>
-                </a:pPr>
-                <a:endParaRPr lang="de-DE" dirty="0"/>
               </a:p>
             </p:txBody>
           </p:sp>
@@ -11574,10 +13542,10 @@
         <mc:Fallback xmlns="">
           <p:sp>
             <p:nvSpPr>
-              <p:cNvPr id="6" name="Diagrammplatzhalter 5">
+              <p:cNvPr id="6" name="Chart Placeholder 5">
                 <a:extLst>
                   <a:ext uri="{FF2B5EF4-FFF2-40B4-BE49-F238E27FC236}">
-                    <a16:creationId xmlns:a16="http://schemas.microsoft.com/office/drawing/2014/main" id="{6EC3501D-85DF-DA42-FBC3-5C02133DF55D}"/>
+                    <a16:creationId xmlns:a16="http://schemas.microsoft.com/office/drawing/2014/main" id="{80BCB053-50F1-DFC2-85B5-CC089BC7EB5E}"/>
                   </a:ext>
                 </a:extLst>
               </p:cNvPr>
@@ -11590,13 +13558,13 @@
             </p:nvSpPr>
             <p:spPr>
               <a:xfrm>
-                <a:off x="356259" y="2201408"/>
-                <a:ext cx="11334997" cy="2804041"/>
+                <a:off x="838200" y="4156225"/>
+                <a:ext cx="10515600" cy="1490353"/>
               </a:xfrm>
               <a:blipFill>
                 <a:blip r:embed="rId2"/>
                 <a:stretch>
-                  <a:fillRect l="-1075" t="-3696"/>
+                  <a:fillRect l="-1043" t="-10246" b="-3689"/>
                 </a:stretch>
               </a:blipFill>
             </p:spPr>
@@ -11615,10 +13583,40 @@
           </p:sp>
         </mc:Fallback>
       </mc:AlternateContent>
+      <p:pic>
+        <p:nvPicPr>
+          <p:cNvPr id="8" name="Picture 7" descr="A black square with white text&#10;&#10;Description automatically generated">
+            <a:extLst>
+              <a:ext uri="{FF2B5EF4-FFF2-40B4-BE49-F238E27FC236}">
+                <a16:creationId xmlns:a16="http://schemas.microsoft.com/office/drawing/2014/main" id="{AB2AD993-B6D1-9401-C87C-3C26DDB4FC8C}"/>
+              </a:ext>
+            </a:extLst>
+          </p:cNvPr>
+          <p:cNvPicPr>
+            <a:picLocks noChangeAspect="1"/>
+          </p:cNvPicPr>
+          <p:nvPr/>
+        </p:nvPicPr>
+        <p:blipFill>
+          <a:blip r:embed="rId3"/>
+          <a:stretch>
+            <a:fillRect/>
+          </a:stretch>
+        </p:blipFill>
+        <p:spPr>
+          <a:xfrm>
+            <a:off x="2613561" y="1690688"/>
+            <a:ext cx="9706879" cy="1755766"/>
+          </a:xfrm>
+          <a:prstGeom prst="rect">
+            <a:avLst/>
+          </a:prstGeom>
+        </p:spPr>
+      </p:pic>
     </p:spTree>
     <p:extLst>
       <p:ext uri="{BB962C8B-B14F-4D97-AF65-F5344CB8AC3E}">
-        <p14:creationId xmlns:p14="http://schemas.microsoft.com/office/powerpoint/2010/main" val="2551761483"/>
+        <p14:creationId xmlns:p14="http://schemas.microsoft.com/office/powerpoint/2010/main" val="3259702956"/>
       </p:ext>
     </p:extLst>
   </p:cSld>
@@ -11647,10 +13645,10 @@
       </p:grpSpPr>
       <p:sp>
         <p:nvSpPr>
-          <p:cNvPr id="2" name="Title 1">
-            <a:extLst>
-              <a:ext uri="{FF2B5EF4-FFF2-40B4-BE49-F238E27FC236}">
-                <a16:creationId xmlns:a16="http://schemas.microsoft.com/office/drawing/2014/main" id="{C27EC15E-5CA1-C252-B8B1-CEE816EFBE47}"/>
+          <p:cNvPr id="2" name="Titel 1">
+            <a:extLst>
+              <a:ext uri="{FF2B5EF4-FFF2-40B4-BE49-F238E27FC236}">
+                <a16:creationId xmlns:a16="http://schemas.microsoft.com/office/drawing/2014/main" id="{F2DFE302-D270-F99F-33F9-1B3158CEDE9D}"/>
               </a:ext>
             </a:extLst>
           </p:cNvPr>
@@ -11668,17 +13666,17 @@
           <a:p>
             <a:r>
               <a:rPr lang="en-US" dirty="0"/>
-              <a:t>SAFE: Self-Attentive Function Embeddings</a:t>
-            </a:r>
-          </a:p>
-        </p:txBody>
-      </p:sp>
-      <p:sp>
-        <p:nvSpPr>
-          <p:cNvPr id="3" name="Date Placeholder 2">
-            <a:extLst>
-              <a:ext uri="{FF2B5EF4-FFF2-40B4-BE49-F238E27FC236}">
-                <a16:creationId xmlns:a16="http://schemas.microsoft.com/office/drawing/2014/main" id="{7964FE0A-1745-F392-1505-1B9FDF65CD9B}"/>
+              <a:t>Overview of Different Approaches</a:t>
+            </a:r>
+          </a:p>
+        </p:txBody>
+      </p:sp>
+      <p:sp>
+        <p:nvSpPr>
+          <p:cNvPr id="3" name="Datumsplatzhalter 2">
+            <a:extLst>
+              <a:ext uri="{FF2B5EF4-FFF2-40B4-BE49-F238E27FC236}">
+                <a16:creationId xmlns:a16="http://schemas.microsoft.com/office/drawing/2014/main" id="{AE97BAB2-4DDC-D567-5BD3-690E91373EF6}"/>
               </a:ext>
             </a:extLst>
           </p:cNvPr>
@@ -11696,18 +13694,19 @@
           <a:p>
             <a:pPr rtl="0"/>
             <a:r>
-              <a:rPr lang="de-DE"/>
-              <a:t>20XX</a:t>
-            </a:r>
-          </a:p>
-        </p:txBody>
-      </p:sp>
-      <p:sp>
-        <p:nvSpPr>
-          <p:cNvPr id="4" name="Footer Placeholder 3">
-            <a:extLst>
-              <a:ext uri="{FF2B5EF4-FFF2-40B4-BE49-F238E27FC236}">
-                <a16:creationId xmlns:a16="http://schemas.microsoft.com/office/drawing/2014/main" id="{CD1DB990-8564-858A-CCDC-C856C00AAAF8}"/>
+              <a:rPr lang="en-US"/>
+              <a:t>2024</a:t>
+            </a:r>
+            <a:endParaRPr lang="de-DE"/>
+          </a:p>
+        </p:txBody>
+      </p:sp>
+      <p:sp>
+        <p:nvSpPr>
+          <p:cNvPr id="4" name="Fußzeilenplatzhalter 3">
+            <a:extLst>
+              <a:ext uri="{FF2B5EF4-FFF2-40B4-BE49-F238E27FC236}">
+                <a16:creationId xmlns:a16="http://schemas.microsoft.com/office/drawing/2014/main" id="{A1F43220-9C98-4A72-8EF0-CD99CE55E861}"/>
               </a:ext>
             </a:extLst>
           </p:cNvPr>
@@ -11718,25 +13717,31 @@
             <p:ph type="ftr" sz="quarter" idx="11"/>
           </p:nvPr>
         </p:nvSpPr>
-        <p:spPr/>
+        <p:spPr>
+          <a:xfrm rot="10800000" flipV="1">
+            <a:off x="4138550" y="6491567"/>
+            <a:ext cx="3562598" cy="216951"/>
+          </a:xfrm>
+        </p:spPr>
         <p:txBody>
           <a:bodyPr/>
           <a:lstStyle/>
           <a:p>
             <a:pPr rtl="0"/>
             <a:r>
-              <a:rPr lang="de-DE"/>
-              <a:t>PRÄSENTATIONSTITEL</a:t>
-            </a:r>
-          </a:p>
-        </p:txBody>
-      </p:sp>
-      <p:sp>
-        <p:nvSpPr>
-          <p:cNvPr id="5" name="Slide Number Placeholder 4">
-            <a:extLst>
-              <a:ext uri="{FF2B5EF4-FFF2-40B4-BE49-F238E27FC236}">
-                <a16:creationId xmlns:a16="http://schemas.microsoft.com/office/drawing/2014/main" id="{F521D300-393D-F2F4-DDF8-3CEF41F01F01}"/>
+              <a:rPr lang="en-US"/>
+              <a:t>Creating Rich Labels For Binary Functions Using Source Information</a:t>
+            </a:r>
+            <a:endParaRPr lang="de-DE" dirty="0"/>
+          </a:p>
+        </p:txBody>
+      </p:sp>
+      <p:sp>
+        <p:nvSpPr>
+          <p:cNvPr id="5" name="Foliennummernplatzhalter 4">
+            <a:extLst>
+              <a:ext uri="{FF2B5EF4-FFF2-40B4-BE49-F238E27FC236}">
+                <a16:creationId xmlns:a16="http://schemas.microsoft.com/office/drawing/2014/main" id="{B38FEC8B-6325-8216-FA01-25740F302A5C}"/>
               </a:ext>
             </a:extLst>
           </p:cNvPr>
@@ -11757,6 +13762,993 @@
               <a:rPr lang="de-DE" smtClean="0"/>
               <a:pPr rtl="0"/>
               <a:t>4</a:t>
+            </a:fld>
+            <a:endParaRPr lang="de-DE" dirty="0"/>
+          </a:p>
+        </p:txBody>
+      </p:sp>
+      <p:sp>
+        <p:nvSpPr>
+          <p:cNvPr id="6" name="Diagrammplatzhalter 5">
+            <a:extLst>
+              <a:ext uri="{FF2B5EF4-FFF2-40B4-BE49-F238E27FC236}">
+                <a16:creationId xmlns:a16="http://schemas.microsoft.com/office/drawing/2014/main" id="{6EC3501D-85DF-DA42-FBC3-5C02133DF55D}"/>
+              </a:ext>
+            </a:extLst>
+          </p:cNvPr>
+          <p:cNvSpPr>
+            <a:spLocks noGrp="1"/>
+          </p:cNvSpPr>
+          <p:nvPr>
+            <p:ph type="chart" sz="quarter" idx="13"/>
+          </p:nvPr>
+        </p:nvSpPr>
+        <p:spPr>
+          <a:xfrm>
+            <a:off x="428501" y="2479311"/>
+            <a:ext cx="11334997" cy="1029472"/>
+          </a:xfrm>
+        </p:spPr>
+        <p:txBody>
+          <a:bodyPr>
+            <a:normAutofit/>
+          </a:bodyPr>
+          <a:lstStyle/>
+          <a:p>
+            <a:r>
+              <a:rPr lang="en-US" dirty="0"/>
+              <a:t>PalmTree</a:t>
+            </a:r>
+            <a:r>
+              <a:rPr lang="en-US" baseline="30000" dirty="0"/>
+              <a:t>[1]</a:t>
+            </a:r>
+            <a:r>
+              <a:rPr lang="en-US" dirty="0"/>
+              <a:t> &amp; JTrans</a:t>
+            </a:r>
+            <a:r>
+              <a:rPr lang="en-US" baseline="30000" dirty="0"/>
+              <a:t>[2]</a:t>
+            </a:r>
+            <a:r>
+              <a:rPr lang="en-US" dirty="0"/>
+              <a:t>: BERT</a:t>
+            </a:r>
+            <a:r>
+              <a:rPr lang="en-US" baseline="30000" dirty="0"/>
+              <a:t>[3]</a:t>
+            </a:r>
+            <a:r>
+              <a:rPr lang="en-US" dirty="0"/>
+              <a:t> like model to learn embeddings</a:t>
+            </a:r>
+          </a:p>
+          <a:p>
+            <a:r>
+              <a:rPr lang="en-US" dirty="0"/>
+              <a:t>SAFE</a:t>
+            </a:r>
+            <a:r>
+              <a:rPr lang="en-US" baseline="30000" dirty="0"/>
+              <a:t>[4]</a:t>
+            </a:r>
+            <a:r>
+              <a:rPr lang="en-US" dirty="0"/>
+              <a:t>: Supervised Learning with same Source as Label</a:t>
+            </a:r>
+          </a:p>
+          <a:p>
+            <a:endParaRPr lang="en-US" dirty="0"/>
+          </a:p>
+          <a:p>
+            <a:pPr marL="0" indent="0">
+              <a:buNone/>
+            </a:pPr>
+            <a:endParaRPr lang="en-US" dirty="0"/>
+          </a:p>
+          <a:p>
+            <a:pPr marL="0" indent="0">
+              <a:buNone/>
+            </a:pPr>
+            <a:endParaRPr lang="de-DE" dirty="0"/>
+          </a:p>
+          <a:p>
+            <a:pPr marL="0" indent="0">
+              <a:buNone/>
+            </a:pPr>
+            <a:endParaRPr lang="de-DE" dirty="0"/>
+          </a:p>
+        </p:txBody>
+      </p:sp>
+      <p:sp>
+        <p:nvSpPr>
+          <p:cNvPr id="7" name="Diagrammplatzhalter 5">
+            <a:extLst>
+              <a:ext uri="{FF2B5EF4-FFF2-40B4-BE49-F238E27FC236}">
+                <a16:creationId xmlns:a16="http://schemas.microsoft.com/office/drawing/2014/main" id="{AB760AB7-E51D-0BC2-558E-E547BD03A625}"/>
+              </a:ext>
+            </a:extLst>
+          </p:cNvPr>
+          <p:cNvSpPr txBox="1">
+            <a:spLocks/>
+          </p:cNvSpPr>
+          <p:nvPr/>
+        </p:nvSpPr>
+        <p:spPr>
+          <a:xfrm>
+            <a:off x="628403" y="4148762"/>
+            <a:ext cx="11334997" cy="1029472"/>
+          </a:xfrm>
+          <a:prstGeom prst="rect">
+            <a:avLst/>
+          </a:prstGeom>
+        </p:spPr>
+        <p:txBody>
+          <a:bodyPr vert="horz" lIns="91440" tIns="45720" rIns="91440" bIns="45720" rtlCol="0">
+            <a:normAutofit/>
+          </a:bodyPr>
+          <a:lstStyle>
+            <a:defPPr>
+              <a:defRPr lang="de-DE"/>
+            </a:defPPr>
+            <a:lvl1pPr marL="228600" indent="-228600" algn="l" defTabSz="914400" rtl="0" eaLnBrk="1" latinLnBrk="0" hangingPunct="1">
+              <a:lnSpc>
+                <a:spcPct val="90000"/>
+              </a:lnSpc>
+              <a:spcBef>
+                <a:spcPts val="1000"/>
+              </a:spcBef>
+              <a:buFont typeface="Arial" panose="020B0604020202020204" pitchFamily="34" charset="0"/>
+              <a:buChar char="•"/>
+              <a:defRPr lang="de-DE" sz="2800" kern="1200">
+                <a:solidFill>
+                  <a:schemeClr val="tx1"/>
+                </a:solidFill>
+                <a:latin typeface="+mn-lt"/>
+                <a:ea typeface="+mn-ea"/>
+                <a:cs typeface="+mn-cs"/>
+              </a:defRPr>
+            </a:lvl1pPr>
+            <a:lvl2pPr marL="685800" indent="-228600" algn="l" defTabSz="914400" rtl="0" eaLnBrk="1" latinLnBrk="0" hangingPunct="1">
+              <a:lnSpc>
+                <a:spcPct val="90000"/>
+              </a:lnSpc>
+              <a:spcBef>
+                <a:spcPts val="500"/>
+              </a:spcBef>
+              <a:buFont typeface="Arial" panose="020B0604020202020204" pitchFamily="34" charset="0"/>
+              <a:buChar char="•"/>
+              <a:defRPr lang="de-DE" sz="2400" kern="1200">
+                <a:solidFill>
+                  <a:schemeClr val="tx1"/>
+                </a:solidFill>
+                <a:latin typeface="+mn-lt"/>
+                <a:ea typeface="+mn-ea"/>
+                <a:cs typeface="+mn-cs"/>
+              </a:defRPr>
+            </a:lvl2pPr>
+            <a:lvl3pPr marL="1143000" indent="-228600" algn="l" defTabSz="914400" rtl="0" eaLnBrk="1" latinLnBrk="0" hangingPunct="1">
+              <a:lnSpc>
+                <a:spcPct val="90000"/>
+              </a:lnSpc>
+              <a:spcBef>
+                <a:spcPts val="500"/>
+              </a:spcBef>
+              <a:buFont typeface="Arial" panose="020B0604020202020204" pitchFamily="34" charset="0"/>
+              <a:buChar char="•"/>
+              <a:defRPr lang="de-DE" sz="2000" kern="1200">
+                <a:solidFill>
+                  <a:schemeClr val="tx1"/>
+                </a:solidFill>
+                <a:latin typeface="+mn-lt"/>
+                <a:ea typeface="+mn-ea"/>
+                <a:cs typeface="+mn-cs"/>
+              </a:defRPr>
+            </a:lvl3pPr>
+            <a:lvl4pPr marL="1600200" indent="-228600" algn="l" defTabSz="914400" rtl="0" eaLnBrk="1" latinLnBrk="0" hangingPunct="1">
+              <a:lnSpc>
+                <a:spcPct val="90000"/>
+              </a:lnSpc>
+              <a:spcBef>
+                <a:spcPts val="500"/>
+              </a:spcBef>
+              <a:buFont typeface="Arial" panose="020B0604020202020204" pitchFamily="34" charset="0"/>
+              <a:buChar char="•"/>
+              <a:defRPr lang="de-DE" sz="1800" kern="1200">
+                <a:solidFill>
+                  <a:schemeClr val="tx1"/>
+                </a:solidFill>
+                <a:latin typeface="+mn-lt"/>
+                <a:ea typeface="+mn-ea"/>
+                <a:cs typeface="+mn-cs"/>
+              </a:defRPr>
+            </a:lvl4pPr>
+            <a:lvl5pPr marL="2057400" indent="-228600" algn="l" defTabSz="914400" rtl="0" eaLnBrk="1" latinLnBrk="0" hangingPunct="1">
+              <a:lnSpc>
+                <a:spcPct val="90000"/>
+              </a:lnSpc>
+              <a:spcBef>
+                <a:spcPts val="500"/>
+              </a:spcBef>
+              <a:buFont typeface="Arial" panose="020B0604020202020204" pitchFamily="34" charset="0"/>
+              <a:buChar char="•"/>
+              <a:defRPr lang="de-DE" sz="1800" kern="1200">
+                <a:solidFill>
+                  <a:schemeClr val="tx1"/>
+                </a:solidFill>
+                <a:latin typeface="+mn-lt"/>
+                <a:ea typeface="+mn-ea"/>
+                <a:cs typeface="+mn-cs"/>
+              </a:defRPr>
+            </a:lvl5pPr>
+            <a:lvl6pPr marL="2514600" indent="-228600" algn="l" defTabSz="914400" rtl="0" eaLnBrk="1" latinLnBrk="0" hangingPunct="1">
+              <a:lnSpc>
+                <a:spcPct val="90000"/>
+              </a:lnSpc>
+              <a:spcBef>
+                <a:spcPts val="500"/>
+              </a:spcBef>
+              <a:buFont typeface="Arial" panose="020B0604020202020204" pitchFamily="34" charset="0"/>
+              <a:buChar char="•"/>
+              <a:defRPr lang="de-DE" sz="1800" kern="1200">
+                <a:solidFill>
+                  <a:schemeClr val="tx1"/>
+                </a:solidFill>
+                <a:latin typeface="+mn-lt"/>
+                <a:ea typeface="+mn-ea"/>
+                <a:cs typeface="+mn-cs"/>
+              </a:defRPr>
+            </a:lvl6pPr>
+            <a:lvl7pPr marL="2971800" indent="-228600" algn="l" defTabSz="914400" rtl="0" eaLnBrk="1" latinLnBrk="0" hangingPunct="1">
+              <a:lnSpc>
+                <a:spcPct val="90000"/>
+              </a:lnSpc>
+              <a:spcBef>
+                <a:spcPts val="500"/>
+              </a:spcBef>
+              <a:buFont typeface="Arial" panose="020B0604020202020204" pitchFamily="34" charset="0"/>
+              <a:buChar char="•"/>
+              <a:defRPr lang="de-DE" sz="1800" kern="1200">
+                <a:solidFill>
+                  <a:schemeClr val="tx1"/>
+                </a:solidFill>
+                <a:latin typeface="+mn-lt"/>
+                <a:ea typeface="+mn-ea"/>
+                <a:cs typeface="+mn-cs"/>
+              </a:defRPr>
+            </a:lvl7pPr>
+            <a:lvl8pPr marL="3429000" indent="-228600" algn="l" defTabSz="914400" rtl="0" eaLnBrk="1" latinLnBrk="0" hangingPunct="1">
+              <a:lnSpc>
+                <a:spcPct val="90000"/>
+              </a:lnSpc>
+              <a:spcBef>
+                <a:spcPts val="500"/>
+              </a:spcBef>
+              <a:buFont typeface="Arial" panose="020B0604020202020204" pitchFamily="34" charset="0"/>
+              <a:buChar char="•"/>
+              <a:defRPr lang="de-DE" sz="1800" kern="1200">
+                <a:solidFill>
+                  <a:schemeClr val="tx1"/>
+                </a:solidFill>
+                <a:latin typeface="+mn-lt"/>
+                <a:ea typeface="+mn-ea"/>
+                <a:cs typeface="+mn-cs"/>
+              </a:defRPr>
+            </a:lvl8pPr>
+            <a:lvl9pPr marL="3886200" indent="-228600" algn="l" defTabSz="914400" rtl="0" eaLnBrk="1" latinLnBrk="0" hangingPunct="1">
+              <a:lnSpc>
+                <a:spcPct val="90000"/>
+              </a:lnSpc>
+              <a:spcBef>
+                <a:spcPts val="500"/>
+              </a:spcBef>
+              <a:buFont typeface="Arial" panose="020B0604020202020204" pitchFamily="34" charset="0"/>
+              <a:buChar char="•"/>
+              <a:defRPr lang="de-DE" sz="1800" kern="1200">
+                <a:solidFill>
+                  <a:schemeClr val="tx1"/>
+                </a:solidFill>
+                <a:latin typeface="+mn-lt"/>
+                <a:ea typeface="+mn-ea"/>
+                <a:cs typeface="+mn-cs"/>
+              </a:defRPr>
+            </a:lvl9pPr>
+          </a:lstStyle>
+          <a:p>
+            <a:pPr marL="0" indent="0">
+              <a:buNone/>
+            </a:pPr>
+            <a:endParaRPr lang="en-US" dirty="0"/>
+          </a:p>
+          <a:p>
+            <a:pPr marL="0" indent="0">
+              <a:buFont typeface="Arial" panose="020B0604020202020204" pitchFamily="34" charset="0"/>
+              <a:buNone/>
+            </a:pPr>
+            <a:endParaRPr lang="en-US" dirty="0"/>
+          </a:p>
+          <a:p>
+            <a:pPr marL="0" indent="0">
+              <a:buFont typeface="Arial" panose="020B0604020202020204" pitchFamily="34" charset="0"/>
+              <a:buNone/>
+            </a:pPr>
+            <a:endParaRPr lang="en-US" dirty="0"/>
+          </a:p>
+          <a:p>
+            <a:pPr marL="0" indent="0">
+              <a:buFont typeface="Arial" panose="020B0604020202020204" pitchFamily="34" charset="0"/>
+              <a:buNone/>
+            </a:pPr>
+            <a:endParaRPr lang="en-US" dirty="0"/>
+          </a:p>
+        </p:txBody>
+      </p:sp>
+      <p:sp>
+        <p:nvSpPr>
+          <p:cNvPr id="8" name="Fußzeilenplatzhalter 3">
+            <a:extLst>
+              <a:ext uri="{FF2B5EF4-FFF2-40B4-BE49-F238E27FC236}">
+                <a16:creationId xmlns:a16="http://schemas.microsoft.com/office/drawing/2014/main" id="{B4B3D967-6EA6-E22F-F521-3DC574ABDD90}"/>
+              </a:ext>
+            </a:extLst>
+          </p:cNvPr>
+          <p:cNvSpPr txBox="1">
+            <a:spLocks/>
+          </p:cNvSpPr>
+          <p:nvPr/>
+        </p:nvSpPr>
+        <p:spPr>
+          <a:xfrm>
+            <a:off x="706513" y="4952010"/>
+            <a:ext cx="10778972" cy="1312224"/>
+          </a:xfrm>
+          <a:prstGeom prst="rect">
+            <a:avLst/>
+          </a:prstGeom>
+        </p:spPr>
+        <p:txBody>
+          <a:bodyPr vert="horz" lIns="91440" tIns="45720" rIns="91440" bIns="45720" rtlCol="0" anchor="ctr"/>
+          <a:lstStyle>
+            <a:defPPr rtl="0">
+              <a:defRPr lang="de-DE"/>
+            </a:defPPr>
+            <a:lvl1pPr marL="0" algn="ctr" defTabSz="914400" rtl="0" eaLnBrk="1" latinLnBrk="0" hangingPunct="1">
+              <a:defRPr lang="de-DE" sz="900" kern="1200">
+                <a:solidFill>
+                  <a:schemeClr val="tx1">
+                    <a:tint val="75000"/>
+                  </a:schemeClr>
+                </a:solidFill>
+                <a:latin typeface="+mn-lt"/>
+                <a:ea typeface="+mn-ea"/>
+                <a:cs typeface="+mn-cs"/>
+              </a:defRPr>
+            </a:lvl1pPr>
+            <a:lvl2pPr marL="457200" algn="l" defTabSz="914400" rtl="0" eaLnBrk="1" latinLnBrk="0" hangingPunct="1">
+              <a:defRPr lang="de-DE" sz="1800" kern="1200">
+                <a:solidFill>
+                  <a:schemeClr val="tx1"/>
+                </a:solidFill>
+                <a:latin typeface="+mn-lt"/>
+                <a:ea typeface="+mn-ea"/>
+                <a:cs typeface="+mn-cs"/>
+              </a:defRPr>
+            </a:lvl2pPr>
+            <a:lvl3pPr marL="914400" algn="l" defTabSz="914400" rtl="0" eaLnBrk="1" latinLnBrk="0" hangingPunct="1">
+              <a:defRPr lang="de-DE" sz="1800" kern="1200">
+                <a:solidFill>
+                  <a:schemeClr val="tx1"/>
+                </a:solidFill>
+                <a:latin typeface="+mn-lt"/>
+                <a:ea typeface="+mn-ea"/>
+                <a:cs typeface="+mn-cs"/>
+              </a:defRPr>
+            </a:lvl3pPr>
+            <a:lvl4pPr marL="1371600" algn="l" defTabSz="914400" rtl="0" eaLnBrk="1" latinLnBrk="0" hangingPunct="1">
+              <a:defRPr lang="de-DE" sz="1800" kern="1200">
+                <a:solidFill>
+                  <a:schemeClr val="tx1"/>
+                </a:solidFill>
+                <a:latin typeface="+mn-lt"/>
+                <a:ea typeface="+mn-ea"/>
+                <a:cs typeface="+mn-cs"/>
+              </a:defRPr>
+            </a:lvl4pPr>
+            <a:lvl5pPr marL="1828800" algn="l" defTabSz="914400" rtl="0" eaLnBrk="1" latinLnBrk="0" hangingPunct="1">
+              <a:defRPr lang="de-DE" sz="1800" kern="1200">
+                <a:solidFill>
+                  <a:schemeClr val="tx1"/>
+                </a:solidFill>
+                <a:latin typeface="+mn-lt"/>
+                <a:ea typeface="+mn-ea"/>
+                <a:cs typeface="+mn-cs"/>
+              </a:defRPr>
+            </a:lvl5pPr>
+            <a:lvl6pPr marL="2286000" algn="l" defTabSz="914400" rtl="0" eaLnBrk="1" latinLnBrk="0" hangingPunct="1">
+              <a:defRPr lang="de-DE" sz="1800" kern="1200">
+                <a:solidFill>
+                  <a:schemeClr val="tx1"/>
+                </a:solidFill>
+                <a:latin typeface="+mn-lt"/>
+                <a:ea typeface="+mn-ea"/>
+                <a:cs typeface="+mn-cs"/>
+              </a:defRPr>
+            </a:lvl6pPr>
+            <a:lvl7pPr marL="2743200" algn="l" defTabSz="914400" rtl="0" eaLnBrk="1" latinLnBrk="0" hangingPunct="1">
+              <a:defRPr lang="de-DE" sz="1800" kern="1200">
+                <a:solidFill>
+                  <a:schemeClr val="tx1"/>
+                </a:solidFill>
+                <a:latin typeface="+mn-lt"/>
+                <a:ea typeface="+mn-ea"/>
+                <a:cs typeface="+mn-cs"/>
+              </a:defRPr>
+            </a:lvl7pPr>
+            <a:lvl8pPr marL="3200400" algn="l" defTabSz="914400" rtl="0" eaLnBrk="1" latinLnBrk="0" hangingPunct="1">
+              <a:defRPr lang="de-DE" sz="1800" kern="1200">
+                <a:solidFill>
+                  <a:schemeClr val="tx1"/>
+                </a:solidFill>
+                <a:latin typeface="+mn-lt"/>
+                <a:ea typeface="+mn-ea"/>
+                <a:cs typeface="+mn-cs"/>
+              </a:defRPr>
+            </a:lvl8pPr>
+            <a:lvl9pPr marL="3657600" algn="l" defTabSz="914400" rtl="0" eaLnBrk="1" latinLnBrk="0" hangingPunct="1">
+              <a:defRPr lang="de-DE" sz="1800" kern="1200">
+                <a:solidFill>
+                  <a:schemeClr val="tx1"/>
+                </a:solidFill>
+                <a:latin typeface="+mn-lt"/>
+                <a:ea typeface="+mn-ea"/>
+                <a:cs typeface="+mn-cs"/>
+              </a:defRPr>
+            </a:lvl9pPr>
+          </a:lstStyle>
+          <a:p>
+            <a:r>
+              <a:rPr lang="fr-FR" sz="1600" dirty="0"/>
+              <a:t>[1]: </a:t>
+            </a:r>
+            <a:r>
+              <a:rPr lang="en-US" sz="1600" dirty="0"/>
+              <a:t>Li et al.: PalmTree: Learning an Assembly Language Model for Instruction Embedding, CCS ‘21</a:t>
+            </a:r>
+          </a:p>
+          <a:p>
+            <a:r>
+              <a:rPr lang="fr-FR" sz="1600" dirty="0"/>
+              <a:t>[2]: Wang et al.: </a:t>
+            </a:r>
+            <a:r>
+              <a:rPr lang="fr-FR" sz="1600" dirty="0" err="1"/>
+              <a:t>JTrans</a:t>
+            </a:r>
+            <a:r>
+              <a:rPr lang="fr-FR" sz="1600" dirty="0"/>
+              <a:t>:</a:t>
+            </a:r>
+            <a:r>
+              <a:rPr lang="en-US" sz="1600" dirty="0"/>
+              <a:t> Jump-Aware Transformer for Binary Code Similarity, ISSTA ’22</a:t>
+            </a:r>
+            <a:endParaRPr lang="fr-FR" sz="1600" dirty="0"/>
+          </a:p>
+          <a:p>
+            <a:r>
+              <a:rPr lang="fr-FR" sz="1600" dirty="0"/>
+              <a:t>[3]: </a:t>
+            </a:r>
+            <a:r>
+              <a:rPr lang="fr-FR" sz="1600" dirty="0" err="1"/>
+              <a:t>Devlin</a:t>
+            </a:r>
+            <a:r>
+              <a:rPr lang="fr-FR" sz="1600" dirty="0"/>
+              <a:t> et al.: BERT:</a:t>
+            </a:r>
+            <a:r>
+              <a:rPr lang="en-US" sz="1600" b="1" dirty="0"/>
+              <a:t> </a:t>
+            </a:r>
+            <a:r>
+              <a:rPr lang="en-US" sz="1600" dirty="0"/>
+              <a:t>Pre-training of Deep Bidirectional Transformers for Language Understanding, NAACL ‘19</a:t>
+            </a:r>
+          </a:p>
+          <a:p>
+            <a:r>
+              <a:rPr lang="fr-FR" sz="1600" dirty="0"/>
+              <a:t>[4] </a:t>
+            </a:r>
+            <a:r>
+              <a:rPr lang="fr-FR" sz="1600" dirty="0" err="1"/>
+              <a:t>Massarelli</a:t>
+            </a:r>
+            <a:r>
+              <a:rPr lang="fr-FR" sz="1600" dirty="0"/>
+              <a:t> et al.: SAFE: </a:t>
+            </a:r>
+            <a:r>
+              <a:rPr lang="en-US" sz="1600" dirty="0"/>
+              <a:t>Self-Attentive Function Embeddings for Binary Similarity, DIMVA ‘19</a:t>
+            </a:r>
+            <a:endParaRPr lang="fr-FR" sz="1600" dirty="0"/>
+          </a:p>
+        </p:txBody>
+      </p:sp>
+    </p:spTree>
+    <p:extLst>
+      <p:ext uri="{BB962C8B-B14F-4D97-AF65-F5344CB8AC3E}">
+        <p14:creationId xmlns:p14="http://schemas.microsoft.com/office/powerpoint/2010/main" val="2551761483"/>
+      </p:ext>
+    </p:extLst>
+  </p:cSld>
+  <p:clrMapOvr>
+    <a:masterClrMapping/>
+  </p:clrMapOvr>
+</p:sld>
+</file>
+
+<file path=ppt/slides/slide5.xml><?xml version="1.0" encoding="utf-8"?>
+<p:sld xmlns:a="http://schemas.openxmlformats.org/drawingml/2006/main" xmlns:r="http://schemas.openxmlformats.org/officeDocument/2006/relationships" xmlns:p="http://schemas.openxmlformats.org/presentationml/2006/main">
+  <p:cSld>
+    <p:spTree>
+      <p:nvGrpSpPr>
+        <p:cNvPr id="1" name=""/>
+        <p:cNvGrpSpPr/>
+        <p:nvPr/>
+      </p:nvGrpSpPr>
+      <p:grpSpPr>
+        <a:xfrm>
+          <a:off x="0" y="0"/>
+          <a:ext cx="0" cy="0"/>
+          <a:chOff x="0" y="0"/>
+          <a:chExt cx="0" cy="0"/>
+        </a:xfrm>
+      </p:grpSpPr>
+      <p:sp>
+        <p:nvSpPr>
+          <p:cNvPr id="2" name="Title 1">
+            <a:extLst>
+              <a:ext uri="{FF2B5EF4-FFF2-40B4-BE49-F238E27FC236}">
+                <a16:creationId xmlns:a16="http://schemas.microsoft.com/office/drawing/2014/main" id="{37B47931-457B-D97C-B05D-7946790FC1EC}"/>
+              </a:ext>
+            </a:extLst>
+          </p:cNvPr>
+          <p:cNvSpPr>
+            <a:spLocks noGrp="1"/>
+          </p:cNvSpPr>
+          <p:nvPr>
+            <p:ph type="title"/>
+          </p:nvPr>
+        </p:nvSpPr>
+        <p:spPr/>
+        <p:txBody>
+          <a:bodyPr/>
+          <a:lstStyle/>
+          <a:p>
+            <a:r>
+              <a:rPr lang="en-US" dirty="0"/>
+              <a:t>PalmTree &amp; JTrans</a:t>
+            </a:r>
+          </a:p>
+        </p:txBody>
+      </p:sp>
+      <p:sp>
+        <p:nvSpPr>
+          <p:cNvPr id="3" name="Date Placeholder 2">
+            <a:extLst>
+              <a:ext uri="{FF2B5EF4-FFF2-40B4-BE49-F238E27FC236}">
+                <a16:creationId xmlns:a16="http://schemas.microsoft.com/office/drawing/2014/main" id="{91845B59-7B34-3578-02E8-B839D6AB4527}"/>
+              </a:ext>
+            </a:extLst>
+          </p:cNvPr>
+          <p:cNvSpPr>
+            <a:spLocks noGrp="1"/>
+          </p:cNvSpPr>
+          <p:nvPr>
+            <p:ph type="dt" sz="half" idx="10"/>
+          </p:nvPr>
+        </p:nvSpPr>
+        <p:spPr/>
+        <p:txBody>
+          <a:bodyPr/>
+          <a:lstStyle/>
+          <a:p>
+            <a:pPr rtl="0"/>
+            <a:r>
+              <a:rPr lang="en-US"/>
+              <a:t>2024</a:t>
+            </a:r>
+            <a:endParaRPr lang="de-DE"/>
+          </a:p>
+        </p:txBody>
+      </p:sp>
+      <p:sp>
+        <p:nvSpPr>
+          <p:cNvPr id="4" name="Footer Placeholder 3">
+            <a:extLst>
+              <a:ext uri="{FF2B5EF4-FFF2-40B4-BE49-F238E27FC236}">
+                <a16:creationId xmlns:a16="http://schemas.microsoft.com/office/drawing/2014/main" id="{2D1214C0-C01E-1C2E-069B-50598C77FBD1}"/>
+              </a:ext>
+            </a:extLst>
+          </p:cNvPr>
+          <p:cNvSpPr>
+            <a:spLocks noGrp="1"/>
+          </p:cNvSpPr>
+          <p:nvPr>
+            <p:ph type="ftr" sz="quarter" idx="11"/>
+          </p:nvPr>
+        </p:nvSpPr>
+        <p:spPr/>
+        <p:txBody>
+          <a:bodyPr/>
+          <a:lstStyle/>
+          <a:p>
+            <a:pPr rtl="0"/>
+            <a:r>
+              <a:rPr lang="en-US"/>
+              <a:t>Creating Rich Labels For Binary Functions Using Source Information</a:t>
+            </a:r>
+            <a:endParaRPr lang="de-DE"/>
+          </a:p>
+        </p:txBody>
+      </p:sp>
+      <p:sp>
+        <p:nvSpPr>
+          <p:cNvPr id="5" name="Slide Number Placeholder 4">
+            <a:extLst>
+              <a:ext uri="{FF2B5EF4-FFF2-40B4-BE49-F238E27FC236}">
+                <a16:creationId xmlns:a16="http://schemas.microsoft.com/office/drawing/2014/main" id="{1D2ED32D-4828-4F31-32EB-13F232BF4623}"/>
+              </a:ext>
+            </a:extLst>
+          </p:cNvPr>
+          <p:cNvSpPr>
+            <a:spLocks noGrp="1"/>
+          </p:cNvSpPr>
+          <p:nvPr>
+            <p:ph type="sldNum" sz="quarter" idx="12"/>
+          </p:nvPr>
+        </p:nvSpPr>
+        <p:spPr/>
+        <p:txBody>
+          <a:bodyPr/>
+          <a:lstStyle/>
+          <a:p>
+            <a:pPr rtl="0"/>
+            <a:fld id="{A49DFD55-3C28-40EF-9E31-A92D2E4017FF}" type="slidenum">
+              <a:rPr lang="de-DE" smtClean="0"/>
+              <a:pPr rtl="0"/>
+              <a:t>5</a:t>
+            </a:fld>
+            <a:endParaRPr lang="de-DE" dirty="0"/>
+          </a:p>
+        </p:txBody>
+      </p:sp>
+      <mc:AlternateContent xmlns:mc="http://schemas.openxmlformats.org/markup-compatibility/2006" xmlns:a14="http://schemas.microsoft.com/office/drawing/2010/main">
+        <mc:Choice Requires="a14">
+          <p:sp>
+            <p:nvSpPr>
+              <p:cNvPr id="6" name="Chart Placeholder 5">
+                <a:extLst>
+                  <a:ext uri="{FF2B5EF4-FFF2-40B4-BE49-F238E27FC236}">
+                    <a16:creationId xmlns:a16="http://schemas.microsoft.com/office/drawing/2014/main" id="{ED005A7F-6B88-8C66-C2CF-EF72B8DBC355}"/>
+                  </a:ext>
+                </a:extLst>
+              </p:cNvPr>
+              <p:cNvSpPr>
+                <a:spLocks noGrp="1"/>
+              </p:cNvSpPr>
+              <p:nvPr>
+                <p:ph type="chart" sz="quarter" idx="13"/>
+              </p:nvPr>
+            </p:nvSpPr>
+            <p:spPr>
+              <a:xfrm>
+                <a:off x="838199" y="4881551"/>
+                <a:ext cx="10515600" cy="1474799"/>
+              </a:xfrm>
+            </p:spPr>
+            <p:txBody>
+              <a:bodyPr>
+                <a:noAutofit/>
+              </a:bodyPr>
+              <a:lstStyle/>
+              <a:p>
+                <a:r>
+                  <a:rPr lang="en-US" dirty="0"/>
+                  <a:t>Self-supervised learning</a:t>
+                </a:r>
+              </a:p>
+              <a:p>
+                <a:r>
+                  <a:rPr lang="en-US" dirty="0"/>
+                  <a:t>Tasks to train Model (e.g., Masking MLM)</a:t>
+                </a:r>
+              </a:p>
+              <a:p>
+                <a:pPr marL="0" indent="0">
+                  <a:buNone/>
+                </a:pPr>
+                <a:r>
+                  <a:rPr lang="en-US" dirty="0"/>
+                  <a:t>    </a:t>
+                </a:r>
+                <a14:m>
+                  <m:oMath xmlns:m="http://schemas.openxmlformats.org/officeDocument/2006/math">
+                    <m:r>
+                      <a:rPr lang="de-DE" sz="2800" b="0" i="1" smtClean="0">
+                        <a:latin typeface="Cambria Math" panose="02040503050406030204" pitchFamily="18" charset="0"/>
+                        <a:ea typeface="Cambria Math" panose="02040503050406030204" pitchFamily="18" charset="0"/>
+                      </a:rPr>
+                      <m:t>⇝</m:t>
+                    </m:r>
+                  </m:oMath>
+                </a14:m>
+                <a:r>
+                  <a:rPr lang="en-US" dirty="0"/>
+                  <a:t> State of the art in Binary Code Similarity Detection </a:t>
+                </a:r>
+              </a:p>
+              <a:p>
+                <a:endParaRPr lang="en-US" dirty="0"/>
+              </a:p>
+              <a:p>
+                <a:endParaRPr lang="en-US" dirty="0"/>
+              </a:p>
+            </p:txBody>
+          </p:sp>
+        </mc:Choice>
+        <mc:Fallback xmlns="">
+          <p:sp>
+            <p:nvSpPr>
+              <p:cNvPr id="6" name="Chart Placeholder 5">
+                <a:extLst>
+                  <a:ext uri="{FF2B5EF4-FFF2-40B4-BE49-F238E27FC236}">
+                    <a16:creationId xmlns:a16="http://schemas.microsoft.com/office/drawing/2014/main" id="{ED005A7F-6B88-8C66-C2CF-EF72B8DBC355}"/>
+                  </a:ext>
+                </a:extLst>
+              </p:cNvPr>
+              <p:cNvSpPr>
+                <a:spLocks noGrp="1" noRot="1" noChangeAspect="1" noMove="1" noResize="1" noEditPoints="1" noAdjustHandles="1" noChangeArrowheads="1" noChangeShapeType="1" noTextEdit="1"/>
+              </p:cNvSpPr>
+              <p:nvPr>
+                <p:ph type="chart" sz="quarter" idx="13"/>
+              </p:nvPr>
+            </p:nvSpPr>
+            <p:spPr>
+              <a:xfrm>
+                <a:off x="838199" y="4881551"/>
+                <a:ext cx="10515600" cy="1474799"/>
+              </a:xfrm>
+              <a:blipFill>
+                <a:blip r:embed="rId2"/>
+                <a:stretch>
+                  <a:fillRect l="-986" t="-7438" b="-12810"/>
+                </a:stretch>
+              </a:blipFill>
+            </p:spPr>
+            <p:txBody>
+              <a:bodyPr/>
+              <a:lstStyle/>
+              <a:p>
+                <a:r>
+                  <a:rPr lang="en-US">
+                    <a:noFill/>
+                  </a:rPr>
+                  <a:t> </a:t>
+                </a:r>
+              </a:p>
+            </p:txBody>
+          </p:sp>
+        </mc:Fallback>
+      </mc:AlternateContent>
+      <p:pic>
+        <p:nvPicPr>
+          <p:cNvPr id="14" name="Picture 13" descr="A green and red rectangles with white text&#10;&#10;Description automatically generated">
+            <a:extLst>
+              <a:ext uri="{FF2B5EF4-FFF2-40B4-BE49-F238E27FC236}">
+                <a16:creationId xmlns:a16="http://schemas.microsoft.com/office/drawing/2014/main" id="{7BA24B71-E4D0-F1B5-78F6-DF3F3BC0F182}"/>
+              </a:ext>
+            </a:extLst>
+          </p:cNvPr>
+          <p:cNvPicPr>
+            <a:picLocks noChangeAspect="1"/>
+          </p:cNvPicPr>
+          <p:nvPr/>
+        </p:nvPicPr>
+        <p:blipFill>
+          <a:blip r:embed="rId3"/>
+          <a:stretch>
+            <a:fillRect/>
+          </a:stretch>
+        </p:blipFill>
+        <p:spPr>
+          <a:xfrm>
+            <a:off x="2582203" y="1398114"/>
+            <a:ext cx="7027594" cy="1584810"/>
+          </a:xfrm>
+          <a:prstGeom prst="rect">
+            <a:avLst/>
+          </a:prstGeom>
+        </p:spPr>
+      </p:pic>
+      <p:pic>
+        <p:nvPicPr>
+          <p:cNvPr id="16" name="Picture 15" descr="A diagram of a process&#10;&#10;Description automatically generated with medium confidence">
+            <a:extLst>
+              <a:ext uri="{FF2B5EF4-FFF2-40B4-BE49-F238E27FC236}">
+                <a16:creationId xmlns:a16="http://schemas.microsoft.com/office/drawing/2014/main" id="{C42EB037-B3AE-DCA5-3F96-5CBA0BF2F5BA}"/>
+              </a:ext>
+            </a:extLst>
+          </p:cNvPr>
+          <p:cNvPicPr>
+            <a:picLocks noChangeAspect="1"/>
+          </p:cNvPicPr>
+          <p:nvPr/>
+        </p:nvPicPr>
+        <p:blipFill>
+          <a:blip r:embed="rId4"/>
+          <a:stretch>
+            <a:fillRect/>
+          </a:stretch>
+        </p:blipFill>
+        <p:spPr>
+          <a:xfrm>
+            <a:off x="2951667" y="3313780"/>
+            <a:ext cx="6288665" cy="1404265"/>
+          </a:xfrm>
+          <a:prstGeom prst="rect">
+            <a:avLst/>
+          </a:prstGeom>
+        </p:spPr>
+      </p:pic>
+    </p:spTree>
+    <p:extLst>
+      <p:ext uri="{BB962C8B-B14F-4D97-AF65-F5344CB8AC3E}">
+        <p14:creationId xmlns:p14="http://schemas.microsoft.com/office/powerpoint/2010/main" val="3202386628"/>
+      </p:ext>
+    </p:extLst>
+  </p:cSld>
+  <p:clrMapOvr>
+    <a:masterClrMapping/>
+  </p:clrMapOvr>
+</p:sld>
+</file>
+
+<file path=ppt/slides/slide6.xml><?xml version="1.0" encoding="utf-8"?>
+<p:sld xmlns:a="http://schemas.openxmlformats.org/drawingml/2006/main" xmlns:r="http://schemas.openxmlformats.org/officeDocument/2006/relationships" xmlns:p="http://schemas.openxmlformats.org/presentationml/2006/main">
+  <p:cSld>
+    <p:spTree>
+      <p:nvGrpSpPr>
+        <p:cNvPr id="1" name=""/>
+        <p:cNvGrpSpPr/>
+        <p:nvPr/>
+      </p:nvGrpSpPr>
+      <p:grpSpPr>
+        <a:xfrm>
+          <a:off x="0" y="0"/>
+          <a:ext cx="0" cy="0"/>
+          <a:chOff x="0" y="0"/>
+          <a:chExt cx="0" cy="0"/>
+        </a:xfrm>
+      </p:grpSpPr>
+      <p:sp>
+        <p:nvSpPr>
+          <p:cNvPr id="2" name="Title 1">
+            <a:extLst>
+              <a:ext uri="{FF2B5EF4-FFF2-40B4-BE49-F238E27FC236}">
+                <a16:creationId xmlns:a16="http://schemas.microsoft.com/office/drawing/2014/main" id="{C27EC15E-5CA1-C252-B8B1-CEE816EFBE47}"/>
+              </a:ext>
+            </a:extLst>
+          </p:cNvPr>
+          <p:cNvSpPr>
+            <a:spLocks noGrp="1"/>
+          </p:cNvSpPr>
+          <p:nvPr>
+            <p:ph type="title"/>
+          </p:nvPr>
+        </p:nvSpPr>
+        <p:spPr/>
+        <p:txBody>
+          <a:bodyPr/>
+          <a:lstStyle/>
+          <a:p>
+            <a:r>
+              <a:rPr lang="en-US" dirty="0"/>
+              <a:t>SAFE: Self-Attentive Function Embeddings</a:t>
+            </a:r>
+          </a:p>
+        </p:txBody>
+      </p:sp>
+      <p:sp>
+        <p:nvSpPr>
+          <p:cNvPr id="3" name="Date Placeholder 2">
+            <a:extLst>
+              <a:ext uri="{FF2B5EF4-FFF2-40B4-BE49-F238E27FC236}">
+                <a16:creationId xmlns:a16="http://schemas.microsoft.com/office/drawing/2014/main" id="{7964FE0A-1745-F392-1505-1B9FDF65CD9B}"/>
+              </a:ext>
+            </a:extLst>
+          </p:cNvPr>
+          <p:cNvSpPr>
+            <a:spLocks noGrp="1"/>
+          </p:cNvSpPr>
+          <p:nvPr>
+            <p:ph type="dt" sz="half" idx="10"/>
+          </p:nvPr>
+        </p:nvSpPr>
+        <p:spPr/>
+        <p:txBody>
+          <a:bodyPr/>
+          <a:lstStyle/>
+          <a:p>
+            <a:pPr rtl="0"/>
+            <a:r>
+              <a:rPr lang="en-US"/>
+              <a:t>2024</a:t>
+            </a:r>
+            <a:endParaRPr lang="de-DE" dirty="0"/>
+          </a:p>
+        </p:txBody>
+      </p:sp>
+      <p:sp>
+        <p:nvSpPr>
+          <p:cNvPr id="4" name="Footer Placeholder 3">
+            <a:extLst>
+              <a:ext uri="{FF2B5EF4-FFF2-40B4-BE49-F238E27FC236}">
+                <a16:creationId xmlns:a16="http://schemas.microsoft.com/office/drawing/2014/main" id="{CD1DB990-8564-858A-CCDC-C856C00AAAF8}"/>
+              </a:ext>
+            </a:extLst>
+          </p:cNvPr>
+          <p:cNvSpPr>
+            <a:spLocks noGrp="1"/>
+          </p:cNvSpPr>
+          <p:nvPr>
+            <p:ph type="ftr" sz="quarter" idx="11"/>
+          </p:nvPr>
+        </p:nvSpPr>
+        <p:spPr/>
+        <p:txBody>
+          <a:bodyPr/>
+          <a:lstStyle/>
+          <a:p>
+            <a:pPr rtl="0"/>
+            <a:r>
+              <a:rPr lang="en-US"/>
+              <a:t>Creating Rich Labels For Binary Functions Using Source Information</a:t>
+            </a:r>
+            <a:endParaRPr lang="de-DE" dirty="0"/>
+          </a:p>
+        </p:txBody>
+      </p:sp>
+      <p:sp>
+        <p:nvSpPr>
+          <p:cNvPr id="5" name="Slide Number Placeholder 4">
+            <a:extLst>
+              <a:ext uri="{FF2B5EF4-FFF2-40B4-BE49-F238E27FC236}">
+                <a16:creationId xmlns:a16="http://schemas.microsoft.com/office/drawing/2014/main" id="{F521D300-393D-F2F4-DDF8-3CEF41F01F01}"/>
+              </a:ext>
+            </a:extLst>
+          </p:cNvPr>
+          <p:cNvSpPr>
+            <a:spLocks noGrp="1"/>
+          </p:cNvSpPr>
+          <p:nvPr>
+            <p:ph type="sldNum" sz="quarter" idx="12"/>
+          </p:nvPr>
+        </p:nvSpPr>
+        <p:spPr/>
+        <p:txBody>
+          <a:bodyPr/>
+          <a:lstStyle/>
+          <a:p>
+            <a:pPr rtl="0"/>
+            <a:fld id="{A49DFD55-3C28-40EF-9E31-A92D2E4017FF}" type="slidenum">
+              <a:rPr lang="de-DE" smtClean="0"/>
+              <a:pPr rtl="0"/>
+              <a:t>6</a:t>
             </a:fld>
             <a:endParaRPr lang="de-DE" dirty="0"/>
           </a:p>
@@ -12156,7 +15148,7 @@
 </p:sld>
 </file>
 
-<file path=ppt/slides/slide5.xml><?xml version="1.0" encoding="utf-8"?>
+<file path=ppt/slides/slide7.xml><?xml version="1.0" encoding="utf-8"?>
 <p:sld xmlns:a="http://schemas.openxmlformats.org/drawingml/2006/main" xmlns:r="http://schemas.openxmlformats.org/officeDocument/2006/relationships" xmlns:p="http://schemas.openxmlformats.org/presentationml/2006/main">
   <p:cSld>
     <p:spTree>
@@ -12178,7 +15170,7 @@
           <p:cNvPr id="2" name="Title 1">
             <a:extLst>
               <a:ext uri="{FF2B5EF4-FFF2-40B4-BE49-F238E27FC236}">
-                <a16:creationId xmlns:a16="http://schemas.microsoft.com/office/drawing/2014/main" id="{37B47931-457B-D97C-B05D-7946790FC1EC}"/>
+                <a16:creationId xmlns:a16="http://schemas.microsoft.com/office/drawing/2014/main" id="{820674CE-9BA9-6E70-3571-35CC9FCD4745}"/>
               </a:ext>
             </a:extLst>
           </p:cNvPr>
@@ -12195,18 +15187,9 @@
           <a:lstStyle/>
           <a:p>
             <a:r>
-              <a:rPr lang="en-US" dirty="0" err="1"/>
-              <a:t>PalmTree</a:t>
-            </a:r>
-            <a:r>
               <a:rPr lang="en-US" dirty="0"/>
-              <a:t> &amp; </a:t>
-            </a:r>
-            <a:r>
-              <a:rPr lang="en-US" dirty="0" err="1"/>
-              <a:t>JTrans</a:t>
-            </a:r>
-            <a:endParaRPr lang="en-US" dirty="0"/>
+              <a:t>Our Approach</a:t>
+            </a:r>
           </a:p>
         </p:txBody>
       </p:sp>
@@ -12215,7 +15198,7 @@
           <p:cNvPr id="3" name="Date Placeholder 2">
             <a:extLst>
               <a:ext uri="{FF2B5EF4-FFF2-40B4-BE49-F238E27FC236}">
-                <a16:creationId xmlns:a16="http://schemas.microsoft.com/office/drawing/2014/main" id="{91845B59-7B34-3578-02E8-B839D6AB4527}"/>
+                <a16:creationId xmlns:a16="http://schemas.microsoft.com/office/drawing/2014/main" id="{B3057479-1B2C-C526-BF39-4FB584BE8E46}"/>
               </a:ext>
             </a:extLst>
           </p:cNvPr>
@@ -12233,9 +15216,10 @@
           <a:p>
             <a:pPr rtl="0"/>
             <a:r>
-              <a:rPr lang="de-DE"/>
-              <a:t>20XX</a:t>
-            </a:r>
+              <a:rPr lang="en-US"/>
+              <a:t>2024</a:t>
+            </a:r>
+            <a:endParaRPr lang="de-DE" dirty="0"/>
           </a:p>
         </p:txBody>
       </p:sp>
@@ -12244,7 +15228,7 @@
           <p:cNvPr id="4" name="Footer Placeholder 3">
             <a:extLst>
               <a:ext uri="{FF2B5EF4-FFF2-40B4-BE49-F238E27FC236}">
-                <a16:creationId xmlns:a16="http://schemas.microsoft.com/office/drawing/2014/main" id="{2D1214C0-C01E-1C2E-069B-50598C77FBD1}"/>
+                <a16:creationId xmlns:a16="http://schemas.microsoft.com/office/drawing/2014/main" id="{6331ABAC-0E8B-058A-144A-CCF3A6EF1D73}"/>
               </a:ext>
             </a:extLst>
           </p:cNvPr>
@@ -12262,9 +15246,10 @@
           <a:p>
             <a:pPr rtl="0"/>
             <a:r>
-              <a:rPr lang="de-DE"/>
-              <a:t>PRÄSENTATIONSTITEL</a:t>
-            </a:r>
+              <a:rPr lang="en-US"/>
+              <a:t>Creating Rich Labels For Binary Functions Using Source Information</a:t>
+            </a:r>
+            <a:endParaRPr lang="de-DE"/>
           </a:p>
         </p:txBody>
       </p:sp>
@@ -12273,7 +15258,7 @@
           <p:cNvPr id="5" name="Slide Number Placeholder 4">
             <a:extLst>
               <a:ext uri="{FF2B5EF4-FFF2-40B4-BE49-F238E27FC236}">
-                <a16:creationId xmlns:a16="http://schemas.microsoft.com/office/drawing/2014/main" id="{1D2ED32D-4828-4F31-32EB-13F232BF4623}"/>
+                <a16:creationId xmlns:a16="http://schemas.microsoft.com/office/drawing/2014/main" id="{891905AF-EB0A-4903-896E-EDF54B9EF30A}"/>
               </a:ext>
             </a:extLst>
           </p:cNvPr>
@@ -12293,330 +15278,7 @@
             <a:fld id="{A49DFD55-3C28-40EF-9E31-A92D2E4017FF}" type="slidenum">
               <a:rPr lang="de-DE" smtClean="0"/>
               <a:pPr rtl="0"/>
-              <a:t>5</a:t>
-            </a:fld>
-            <a:endParaRPr lang="de-DE" dirty="0"/>
-          </a:p>
-        </p:txBody>
-      </p:sp>
-      <mc:AlternateContent xmlns:mc="http://schemas.openxmlformats.org/markup-compatibility/2006" xmlns:a14="http://schemas.microsoft.com/office/drawing/2010/main">
-        <mc:Choice Requires="a14">
-          <p:sp>
-            <p:nvSpPr>
-              <p:cNvPr id="6" name="Chart Placeholder 5">
-                <a:extLst>
-                  <a:ext uri="{FF2B5EF4-FFF2-40B4-BE49-F238E27FC236}">
-                    <a16:creationId xmlns:a16="http://schemas.microsoft.com/office/drawing/2014/main" id="{ED005A7F-6B88-8C66-C2CF-EF72B8DBC355}"/>
-                  </a:ext>
-                </a:extLst>
-              </p:cNvPr>
-              <p:cNvSpPr>
-                <a:spLocks noGrp="1"/>
-              </p:cNvSpPr>
-              <p:nvPr>
-                <p:ph type="chart" sz="quarter" idx="13"/>
-              </p:nvPr>
-            </p:nvSpPr>
-            <p:spPr>
-              <a:xfrm>
-                <a:off x="838199" y="4881551"/>
-                <a:ext cx="10515600" cy="365125"/>
-              </a:xfrm>
-            </p:spPr>
-            <p:txBody>
-              <a:bodyPr>
-                <a:noAutofit/>
-              </a:bodyPr>
-              <a:lstStyle/>
-              <a:p>
-                <a:pPr marL="0" indent="0">
-                  <a:buNone/>
-                </a:pPr>
-                <a14:m>
-                  <m:oMath xmlns:m="http://schemas.openxmlformats.org/officeDocument/2006/math">
-                    <m:r>
-                      <a:rPr lang="de-DE" sz="2800" b="0" i="1" smtClean="0">
-                        <a:latin typeface="Cambria Math" panose="02040503050406030204" pitchFamily="18" charset="0"/>
-                        <a:ea typeface="Cambria Math" panose="02040503050406030204" pitchFamily="18" charset="0"/>
-                      </a:rPr>
-                      <m:t>⇝ </m:t>
-                    </m:r>
-                  </m:oMath>
-                </a14:m>
-                <a:r>
-                  <a:rPr lang="en-US" dirty="0"/>
-                  <a:t>Good semantic understanding of one function</a:t>
-                </a:r>
-              </a:p>
-              <a:p>
-                <a:pPr marL="0" indent="0">
-                  <a:buNone/>
-                </a:pPr>
-                <a14:m>
-                  <m:oMath xmlns:m="http://schemas.openxmlformats.org/officeDocument/2006/math">
-                    <m:r>
-                      <a:rPr lang="de-DE" sz="2800" b="0" i="1" smtClean="0">
-                        <a:latin typeface="Cambria Math" panose="02040503050406030204" pitchFamily="18" charset="0"/>
-                        <a:ea typeface="Cambria Math" panose="02040503050406030204" pitchFamily="18" charset="0"/>
-                      </a:rPr>
-                      <m:t>⇝ </m:t>
-                    </m:r>
-                  </m:oMath>
-                </a14:m>
-                <a:r>
-                  <a:rPr lang="en-US" dirty="0"/>
-                  <a:t>Bad  understanding of how similar a function is to another</a:t>
-                </a:r>
-              </a:p>
-            </p:txBody>
-          </p:sp>
-        </mc:Choice>
-        <mc:Fallback xmlns="">
-          <p:sp>
-            <p:nvSpPr>
-              <p:cNvPr id="6" name="Chart Placeholder 5">
-                <a:extLst>
-                  <a:ext uri="{FF2B5EF4-FFF2-40B4-BE49-F238E27FC236}">
-                    <a16:creationId xmlns:a16="http://schemas.microsoft.com/office/drawing/2014/main" id="{ED005A7F-6B88-8C66-C2CF-EF72B8DBC355}"/>
-                  </a:ext>
-                </a:extLst>
-              </p:cNvPr>
-              <p:cNvSpPr>
-                <a:spLocks noGrp="1" noRot="1" noChangeAspect="1" noMove="1" noResize="1" noEditPoints="1" noAdjustHandles="1" noChangeArrowheads="1" noChangeShapeType="1" noTextEdit="1"/>
-              </p:cNvSpPr>
-              <p:nvPr>
-                <p:ph type="chart" sz="quarter" idx="13"/>
-              </p:nvPr>
-            </p:nvSpPr>
-            <p:spPr>
-              <a:xfrm>
-                <a:off x="838199" y="4881551"/>
-                <a:ext cx="10515600" cy="365125"/>
-              </a:xfrm>
-              <a:blipFill>
-                <a:blip r:embed="rId2"/>
-                <a:stretch>
-                  <a:fillRect t="-30000" b="-215000"/>
-                </a:stretch>
-              </a:blipFill>
-            </p:spPr>
-            <p:txBody>
-              <a:bodyPr/>
-              <a:lstStyle/>
-              <a:p>
-                <a:r>
-                  <a:rPr lang="en-US">
-                    <a:noFill/>
-                  </a:rPr>
-                  <a:t> </a:t>
-                </a:r>
-              </a:p>
-            </p:txBody>
-          </p:sp>
-        </mc:Fallback>
-      </mc:AlternateContent>
-      <p:pic>
-        <p:nvPicPr>
-          <p:cNvPr id="14" name="Picture 13" descr="A green and red rectangles with white text&#10;&#10;Description automatically generated">
-            <a:extLst>
-              <a:ext uri="{FF2B5EF4-FFF2-40B4-BE49-F238E27FC236}">
-                <a16:creationId xmlns:a16="http://schemas.microsoft.com/office/drawing/2014/main" id="{7BA24B71-E4D0-F1B5-78F6-DF3F3BC0F182}"/>
-              </a:ext>
-            </a:extLst>
-          </p:cNvPr>
-          <p:cNvPicPr>
-            <a:picLocks noChangeAspect="1"/>
-          </p:cNvPicPr>
-          <p:nvPr/>
-        </p:nvPicPr>
-        <p:blipFill>
-          <a:blip r:embed="rId3"/>
-          <a:stretch>
-            <a:fillRect/>
-          </a:stretch>
-        </p:blipFill>
-        <p:spPr>
-          <a:xfrm>
-            <a:off x="2582203" y="1398114"/>
-            <a:ext cx="7027594" cy="1584810"/>
-          </a:xfrm>
-          <a:prstGeom prst="rect">
-            <a:avLst/>
-          </a:prstGeom>
-        </p:spPr>
-      </p:pic>
-      <p:pic>
-        <p:nvPicPr>
-          <p:cNvPr id="16" name="Picture 15" descr="A diagram of a process&#10;&#10;Description automatically generated with medium confidence">
-            <a:extLst>
-              <a:ext uri="{FF2B5EF4-FFF2-40B4-BE49-F238E27FC236}">
-                <a16:creationId xmlns:a16="http://schemas.microsoft.com/office/drawing/2014/main" id="{C42EB037-B3AE-DCA5-3F96-5CBA0BF2F5BA}"/>
-              </a:ext>
-            </a:extLst>
-          </p:cNvPr>
-          <p:cNvPicPr>
-            <a:picLocks noChangeAspect="1"/>
-          </p:cNvPicPr>
-          <p:nvPr/>
-        </p:nvPicPr>
-        <p:blipFill>
-          <a:blip r:embed="rId4"/>
-          <a:stretch>
-            <a:fillRect/>
-          </a:stretch>
-        </p:blipFill>
-        <p:spPr>
-          <a:xfrm>
-            <a:off x="2951667" y="3313780"/>
-            <a:ext cx="6288665" cy="1404265"/>
-          </a:xfrm>
-          <a:prstGeom prst="rect">
-            <a:avLst/>
-          </a:prstGeom>
-        </p:spPr>
-      </p:pic>
-    </p:spTree>
-    <p:extLst>
-      <p:ext uri="{BB962C8B-B14F-4D97-AF65-F5344CB8AC3E}">
-        <p14:creationId xmlns:p14="http://schemas.microsoft.com/office/powerpoint/2010/main" val="3202386628"/>
-      </p:ext>
-    </p:extLst>
-  </p:cSld>
-  <p:clrMapOvr>
-    <a:masterClrMapping/>
-  </p:clrMapOvr>
-</p:sld>
-</file>
-
-<file path=ppt/slides/slide6.xml><?xml version="1.0" encoding="utf-8"?>
-<p:sld xmlns:a="http://schemas.openxmlformats.org/drawingml/2006/main" xmlns:r="http://schemas.openxmlformats.org/officeDocument/2006/relationships" xmlns:p="http://schemas.openxmlformats.org/presentationml/2006/main">
-  <p:cSld>
-    <p:spTree>
-      <p:nvGrpSpPr>
-        <p:cNvPr id="1" name=""/>
-        <p:cNvGrpSpPr/>
-        <p:nvPr/>
-      </p:nvGrpSpPr>
-      <p:grpSpPr>
-        <a:xfrm>
-          <a:off x="0" y="0"/>
-          <a:ext cx="0" cy="0"/>
-          <a:chOff x="0" y="0"/>
-          <a:chExt cx="0" cy="0"/>
-        </a:xfrm>
-      </p:grpSpPr>
-      <p:sp>
-        <p:nvSpPr>
-          <p:cNvPr id="2" name="Title 1">
-            <a:extLst>
-              <a:ext uri="{FF2B5EF4-FFF2-40B4-BE49-F238E27FC236}">
-                <a16:creationId xmlns:a16="http://schemas.microsoft.com/office/drawing/2014/main" id="{820674CE-9BA9-6E70-3571-35CC9FCD4745}"/>
-              </a:ext>
-            </a:extLst>
-          </p:cNvPr>
-          <p:cNvSpPr>
-            <a:spLocks noGrp="1"/>
-          </p:cNvSpPr>
-          <p:nvPr>
-            <p:ph type="title"/>
-          </p:nvPr>
-        </p:nvSpPr>
-        <p:spPr/>
-        <p:txBody>
-          <a:bodyPr/>
-          <a:lstStyle/>
-          <a:p>
-            <a:r>
-              <a:rPr lang="en-US" dirty="0"/>
-              <a:t>Our Approach</a:t>
-            </a:r>
-          </a:p>
-        </p:txBody>
-      </p:sp>
-      <p:sp>
-        <p:nvSpPr>
-          <p:cNvPr id="3" name="Date Placeholder 2">
-            <a:extLst>
-              <a:ext uri="{FF2B5EF4-FFF2-40B4-BE49-F238E27FC236}">
-                <a16:creationId xmlns:a16="http://schemas.microsoft.com/office/drawing/2014/main" id="{B3057479-1B2C-C526-BF39-4FB584BE8E46}"/>
-              </a:ext>
-            </a:extLst>
-          </p:cNvPr>
-          <p:cNvSpPr>
-            <a:spLocks noGrp="1"/>
-          </p:cNvSpPr>
-          <p:nvPr>
-            <p:ph type="dt" sz="half" idx="10"/>
-          </p:nvPr>
-        </p:nvSpPr>
-        <p:spPr/>
-        <p:txBody>
-          <a:bodyPr/>
-          <a:lstStyle/>
-          <a:p>
-            <a:pPr rtl="0"/>
-            <a:r>
-              <a:rPr lang="de-DE"/>
-              <a:t>20XX</a:t>
-            </a:r>
-          </a:p>
-        </p:txBody>
-      </p:sp>
-      <p:sp>
-        <p:nvSpPr>
-          <p:cNvPr id="4" name="Footer Placeholder 3">
-            <a:extLst>
-              <a:ext uri="{FF2B5EF4-FFF2-40B4-BE49-F238E27FC236}">
-                <a16:creationId xmlns:a16="http://schemas.microsoft.com/office/drawing/2014/main" id="{6331ABAC-0E8B-058A-144A-CCF3A6EF1D73}"/>
-              </a:ext>
-            </a:extLst>
-          </p:cNvPr>
-          <p:cNvSpPr>
-            <a:spLocks noGrp="1"/>
-          </p:cNvSpPr>
-          <p:nvPr>
-            <p:ph type="ftr" sz="quarter" idx="11"/>
-          </p:nvPr>
-        </p:nvSpPr>
-        <p:spPr/>
-        <p:txBody>
-          <a:bodyPr/>
-          <a:lstStyle/>
-          <a:p>
-            <a:pPr rtl="0"/>
-            <a:r>
-              <a:rPr lang="de-DE"/>
-              <a:t>PRÄSENTATIONSTITEL</a:t>
-            </a:r>
-          </a:p>
-        </p:txBody>
-      </p:sp>
-      <p:sp>
-        <p:nvSpPr>
-          <p:cNvPr id="5" name="Slide Number Placeholder 4">
-            <a:extLst>
-              <a:ext uri="{FF2B5EF4-FFF2-40B4-BE49-F238E27FC236}">
-                <a16:creationId xmlns:a16="http://schemas.microsoft.com/office/drawing/2014/main" id="{891905AF-EB0A-4903-896E-EDF54B9EF30A}"/>
-              </a:ext>
-            </a:extLst>
-          </p:cNvPr>
-          <p:cNvSpPr>
-            <a:spLocks noGrp="1"/>
-          </p:cNvSpPr>
-          <p:nvPr>
-            <p:ph type="sldNum" sz="quarter" idx="12"/>
-          </p:nvPr>
-        </p:nvSpPr>
-        <p:spPr/>
-        <p:txBody>
-          <a:bodyPr/>
-          <a:lstStyle/>
-          <a:p>
-            <a:pPr rtl="0"/>
-            <a:fld id="{A49DFD55-3C28-40EF-9E31-A92D2E4017FF}" type="slidenum">
-              <a:rPr lang="de-DE" smtClean="0"/>
-              <a:pPr rtl="0"/>
-              <a:t>6</a:t>
+              <a:t>7</a:t>
             </a:fld>
             <a:endParaRPr lang="de-DE" dirty="0"/>
           </a:p>
@@ -12704,240 +15366,6 @@
 </p:sld>
 </file>
 
-<file path=ppt/slides/slide7.xml><?xml version="1.0" encoding="utf-8"?>
-<p:sld xmlns:a="http://schemas.openxmlformats.org/drawingml/2006/main" xmlns:r="http://schemas.openxmlformats.org/officeDocument/2006/relationships" xmlns:p="http://schemas.openxmlformats.org/presentationml/2006/main">
-  <p:cSld>
-    <p:spTree>
-      <p:nvGrpSpPr>
-        <p:cNvPr id="1" name=""/>
-        <p:cNvGrpSpPr/>
-        <p:nvPr/>
-      </p:nvGrpSpPr>
-      <p:grpSpPr>
-        <a:xfrm>
-          <a:off x="0" y="0"/>
-          <a:ext cx="0" cy="0"/>
-          <a:chOff x="0" y="0"/>
-          <a:chExt cx="0" cy="0"/>
-        </a:xfrm>
-      </p:grpSpPr>
-      <p:sp>
-        <p:nvSpPr>
-          <p:cNvPr id="2" name="Title 1">
-            <a:extLst>
-              <a:ext uri="{FF2B5EF4-FFF2-40B4-BE49-F238E27FC236}">
-                <a16:creationId xmlns:a16="http://schemas.microsoft.com/office/drawing/2014/main" id="{52160D54-E2BF-394D-3EAD-2875D361518D}"/>
-              </a:ext>
-            </a:extLst>
-          </p:cNvPr>
-          <p:cNvSpPr>
-            <a:spLocks noGrp="1"/>
-          </p:cNvSpPr>
-          <p:nvPr>
-            <p:ph type="title"/>
-          </p:nvPr>
-        </p:nvSpPr>
-        <p:spPr/>
-        <p:txBody>
-          <a:bodyPr/>
-          <a:lstStyle/>
-          <a:p>
-            <a:r>
-              <a:rPr lang="en-US" dirty="0"/>
-              <a:t>My part</a:t>
-            </a:r>
-          </a:p>
-        </p:txBody>
-      </p:sp>
-      <p:sp>
-        <p:nvSpPr>
-          <p:cNvPr id="3" name="Date Placeholder 2">
-            <a:extLst>
-              <a:ext uri="{FF2B5EF4-FFF2-40B4-BE49-F238E27FC236}">
-                <a16:creationId xmlns:a16="http://schemas.microsoft.com/office/drawing/2014/main" id="{D97CB15C-26F3-7A1A-556F-ABE7F24E4FD2}"/>
-              </a:ext>
-            </a:extLst>
-          </p:cNvPr>
-          <p:cNvSpPr>
-            <a:spLocks noGrp="1"/>
-          </p:cNvSpPr>
-          <p:nvPr>
-            <p:ph type="dt" sz="half" idx="10"/>
-          </p:nvPr>
-        </p:nvSpPr>
-        <p:spPr/>
-        <p:txBody>
-          <a:bodyPr/>
-          <a:lstStyle/>
-          <a:p>
-            <a:pPr rtl="0"/>
-            <a:r>
-              <a:rPr lang="de-DE"/>
-              <a:t>20XX</a:t>
-            </a:r>
-          </a:p>
-        </p:txBody>
-      </p:sp>
-      <p:sp>
-        <p:nvSpPr>
-          <p:cNvPr id="4" name="Footer Placeholder 3">
-            <a:extLst>
-              <a:ext uri="{FF2B5EF4-FFF2-40B4-BE49-F238E27FC236}">
-                <a16:creationId xmlns:a16="http://schemas.microsoft.com/office/drawing/2014/main" id="{1DA4CCF6-9676-1F8E-3DEE-F6FC7122CA8B}"/>
-              </a:ext>
-            </a:extLst>
-          </p:cNvPr>
-          <p:cNvSpPr>
-            <a:spLocks noGrp="1"/>
-          </p:cNvSpPr>
-          <p:nvPr>
-            <p:ph type="ftr" sz="quarter" idx="11"/>
-          </p:nvPr>
-        </p:nvSpPr>
-        <p:spPr/>
-        <p:txBody>
-          <a:bodyPr/>
-          <a:lstStyle/>
-          <a:p>
-            <a:pPr rtl="0"/>
-            <a:r>
-              <a:rPr lang="de-DE"/>
-              <a:t>PRÄSENTATIONSTITEL</a:t>
-            </a:r>
-          </a:p>
-        </p:txBody>
-      </p:sp>
-      <p:sp>
-        <p:nvSpPr>
-          <p:cNvPr id="5" name="Slide Number Placeholder 4">
-            <a:extLst>
-              <a:ext uri="{FF2B5EF4-FFF2-40B4-BE49-F238E27FC236}">
-                <a16:creationId xmlns:a16="http://schemas.microsoft.com/office/drawing/2014/main" id="{1DFA5756-2B08-015D-D715-B2A31FFBFA65}"/>
-              </a:ext>
-            </a:extLst>
-          </p:cNvPr>
-          <p:cNvSpPr>
-            <a:spLocks noGrp="1"/>
-          </p:cNvSpPr>
-          <p:nvPr>
-            <p:ph type="sldNum" sz="quarter" idx="12"/>
-          </p:nvPr>
-        </p:nvSpPr>
-        <p:spPr/>
-        <p:txBody>
-          <a:bodyPr/>
-          <a:lstStyle/>
-          <a:p>
-            <a:pPr rtl="0"/>
-            <a:fld id="{A49DFD55-3C28-40EF-9E31-A92D2E4017FF}" type="slidenum">
-              <a:rPr lang="de-DE" smtClean="0"/>
-              <a:pPr rtl="0"/>
-              <a:t>7</a:t>
-            </a:fld>
-            <a:endParaRPr lang="de-DE" dirty="0"/>
-          </a:p>
-        </p:txBody>
-      </p:sp>
-      <p:sp>
-        <p:nvSpPr>
-          <p:cNvPr id="6" name="Chart Placeholder 5">
-            <a:extLst>
-              <a:ext uri="{FF2B5EF4-FFF2-40B4-BE49-F238E27FC236}">
-                <a16:creationId xmlns:a16="http://schemas.microsoft.com/office/drawing/2014/main" id="{DD0FD9D6-CC53-F423-F94F-A2599195B3C2}"/>
-              </a:ext>
-            </a:extLst>
-          </p:cNvPr>
-          <p:cNvSpPr>
-            <a:spLocks noGrp="1"/>
-          </p:cNvSpPr>
-          <p:nvPr>
-            <p:ph type="chart" sz="quarter" idx="13"/>
-          </p:nvPr>
-        </p:nvSpPr>
-        <p:spPr>
-          <a:xfrm>
-            <a:off x="838200" y="3729574"/>
-            <a:ext cx="10515600" cy="2126946"/>
-          </a:xfrm>
-        </p:spPr>
-        <p:txBody>
-          <a:bodyPr/>
-          <a:lstStyle/>
-          <a:p>
-            <a:r>
-              <a:rPr lang="en-US" dirty="0"/>
-              <a:t>Sentence Transformer on C Source Code Comments</a:t>
-            </a:r>
-          </a:p>
-          <a:p>
-            <a:r>
-              <a:rPr lang="en-US" dirty="0"/>
-              <a:t>Sentence Transformer on C Source Code Names</a:t>
-            </a:r>
-          </a:p>
-          <a:p>
-            <a:r>
-              <a:rPr lang="en-US" dirty="0"/>
-              <a:t>Sentence Transformer on Llama generated Code Summaries</a:t>
-            </a:r>
-          </a:p>
-          <a:p>
-            <a:r>
-              <a:rPr lang="en-US" dirty="0"/>
-              <a:t>Code2Vec </a:t>
-            </a:r>
-          </a:p>
-          <a:p>
-            <a:endParaRPr lang="en-US" dirty="0"/>
-          </a:p>
-          <a:p>
-            <a:endParaRPr lang="en-US" dirty="0"/>
-          </a:p>
-        </p:txBody>
-      </p:sp>
-      <p:pic>
-        <p:nvPicPr>
-          <p:cNvPr id="10" name="Picture 9" descr="A black background with a black square&#10;&#10;Description automatically generated with medium confidence">
-            <a:extLst>
-              <a:ext uri="{FF2B5EF4-FFF2-40B4-BE49-F238E27FC236}">
-                <a16:creationId xmlns:a16="http://schemas.microsoft.com/office/drawing/2014/main" id="{8D4DEFE6-F178-432B-6392-0A3CB55BF537}"/>
-              </a:ext>
-            </a:extLst>
-          </p:cNvPr>
-          <p:cNvPicPr>
-            <a:picLocks noChangeAspect="1"/>
-          </p:cNvPicPr>
-          <p:nvPr/>
-        </p:nvPicPr>
-        <p:blipFill>
-          <a:blip r:embed="rId2"/>
-          <a:stretch>
-            <a:fillRect/>
-          </a:stretch>
-        </p:blipFill>
-        <p:spPr>
-          <a:xfrm>
-            <a:off x="3478495" y="1438584"/>
-            <a:ext cx="5235009" cy="2126946"/>
-          </a:xfrm>
-          <a:prstGeom prst="rect">
-            <a:avLst/>
-          </a:prstGeom>
-        </p:spPr>
-      </p:pic>
-    </p:spTree>
-    <p:extLst>
-      <p:ext uri="{BB962C8B-B14F-4D97-AF65-F5344CB8AC3E}">
-        <p14:creationId xmlns:p14="http://schemas.microsoft.com/office/powerpoint/2010/main" val="1088825835"/>
-      </p:ext>
-    </p:extLst>
-  </p:cSld>
-  <p:clrMapOvr>
-    <a:masterClrMapping/>
-  </p:clrMapOvr>
-</p:sld>
-</file>
-
 <file path=ppt/slides/slide8.xml><?xml version="1.0" encoding="utf-8"?>
 <p:sld xmlns:a="http://schemas.openxmlformats.org/drawingml/2006/main" xmlns:r="http://schemas.openxmlformats.org/officeDocument/2006/relationships" xmlns:p="http://schemas.openxmlformats.org/presentationml/2006/main">
   <p:cSld>
@@ -12960,7 +15388,7 @@
           <p:cNvPr id="2" name="Title 1">
             <a:extLst>
               <a:ext uri="{FF2B5EF4-FFF2-40B4-BE49-F238E27FC236}">
-                <a16:creationId xmlns:a16="http://schemas.microsoft.com/office/drawing/2014/main" id="{96DA1EDE-7580-2EAD-78C0-4685D7A129AD}"/>
+                <a16:creationId xmlns:a16="http://schemas.microsoft.com/office/drawing/2014/main" id="{ADAB9132-CD38-A797-8AD3-5D2B1AF623BD}"/>
               </a:ext>
             </a:extLst>
           </p:cNvPr>
@@ -12978,12 +15406,8 @@
           <a:p>
             <a:r>
               <a:rPr lang="en-US" dirty="0"/>
-              <a:t>C Source Code Comments</a:t>
-            </a:r>
-            <a:br>
-              <a:rPr lang="en-US" dirty="0"/>
-            </a:br>
-            <a:endParaRPr lang="en-US" dirty="0"/>
+              <a:t>Ground Truth</a:t>
+            </a:r>
           </a:p>
         </p:txBody>
       </p:sp>
@@ -12992,7 +15416,7 @@
           <p:cNvPr id="3" name="Date Placeholder 2">
             <a:extLst>
               <a:ext uri="{FF2B5EF4-FFF2-40B4-BE49-F238E27FC236}">
-                <a16:creationId xmlns:a16="http://schemas.microsoft.com/office/drawing/2014/main" id="{DDF9BC24-3B32-B1F6-79E4-E4D1F4C7AABF}"/>
+                <a16:creationId xmlns:a16="http://schemas.microsoft.com/office/drawing/2014/main" id="{471FBE13-93C1-E6BA-3D60-493BA602796D}"/>
               </a:ext>
             </a:extLst>
           </p:cNvPr>
@@ -13010,9 +15434,10 @@
           <a:p>
             <a:pPr rtl="0"/>
             <a:r>
-              <a:rPr lang="de-DE"/>
-              <a:t>20XX</a:t>
-            </a:r>
+              <a:rPr lang="en-US"/>
+              <a:t>2024</a:t>
+            </a:r>
+            <a:endParaRPr lang="de-DE" dirty="0"/>
           </a:p>
         </p:txBody>
       </p:sp>
@@ -13021,7 +15446,7 @@
           <p:cNvPr id="4" name="Footer Placeholder 3">
             <a:extLst>
               <a:ext uri="{FF2B5EF4-FFF2-40B4-BE49-F238E27FC236}">
-                <a16:creationId xmlns:a16="http://schemas.microsoft.com/office/drawing/2014/main" id="{82A75E25-1927-C0D0-8986-5100F485FE77}"/>
+                <a16:creationId xmlns:a16="http://schemas.microsoft.com/office/drawing/2014/main" id="{7D0649FB-EDBD-8A3B-D931-F61EE38FD68C}"/>
               </a:ext>
             </a:extLst>
           </p:cNvPr>
@@ -13039,9 +15464,10 @@
           <a:p>
             <a:pPr rtl="0"/>
             <a:r>
-              <a:rPr lang="de-DE"/>
-              <a:t>PRÄSENTATIONSTITEL</a:t>
-            </a:r>
+              <a:rPr lang="en-US"/>
+              <a:t>Creating Rich Labels For Binary Functions Using Source Information</a:t>
+            </a:r>
+            <a:endParaRPr lang="en-US" dirty="0"/>
           </a:p>
         </p:txBody>
       </p:sp>
@@ -13050,7 +15476,7 @@
           <p:cNvPr id="5" name="Slide Number Placeholder 4">
             <a:extLst>
               <a:ext uri="{FF2B5EF4-FFF2-40B4-BE49-F238E27FC236}">
-                <a16:creationId xmlns:a16="http://schemas.microsoft.com/office/drawing/2014/main" id="{63CE30E2-C6CE-D4E3-AE97-ABCE15C33DE7}"/>
+                <a16:creationId xmlns:a16="http://schemas.microsoft.com/office/drawing/2014/main" id="{17D1C738-184B-072C-CAE8-70B61CDA4D80}"/>
               </a:ext>
             </a:extLst>
           </p:cNvPr>
@@ -13076,40 +15502,210 @@
           </a:p>
         </p:txBody>
       </p:sp>
-      <p:sp>
-        <p:nvSpPr>
-          <p:cNvPr id="6" name="Chart Placeholder 5">
-            <a:extLst>
-              <a:ext uri="{FF2B5EF4-FFF2-40B4-BE49-F238E27FC236}">
-                <a16:creationId xmlns:a16="http://schemas.microsoft.com/office/drawing/2014/main" id="{091F9203-5BEA-A90A-04E4-A2E6AA83D19E}"/>
-              </a:ext>
-            </a:extLst>
-          </p:cNvPr>
-          <p:cNvSpPr>
-            <a:spLocks noGrp="1"/>
-          </p:cNvSpPr>
-          <p:nvPr>
-            <p:ph type="chart" sz="quarter" idx="13"/>
-          </p:nvPr>
-        </p:nvSpPr>
+      <mc:AlternateContent xmlns:mc="http://schemas.openxmlformats.org/markup-compatibility/2006" xmlns:a14="http://schemas.microsoft.com/office/drawing/2010/main">
+        <mc:Choice Requires="a14">
+          <p:sp>
+            <p:nvSpPr>
+              <p:cNvPr id="6" name="Chart Placeholder 5">
+                <a:extLst>
+                  <a:ext uri="{FF2B5EF4-FFF2-40B4-BE49-F238E27FC236}">
+                    <a16:creationId xmlns:a16="http://schemas.microsoft.com/office/drawing/2014/main" id="{0832AB09-EF8A-4D8D-8D58-DB7C64F42B32}"/>
+                  </a:ext>
+                </a:extLst>
+              </p:cNvPr>
+              <p:cNvSpPr>
+                <a:spLocks noGrp="1"/>
+              </p:cNvSpPr>
+              <p:nvPr>
+                <p:ph type="chart" sz="quarter" idx="13"/>
+              </p:nvPr>
+            </p:nvSpPr>
+            <p:spPr>
+              <a:xfrm>
+                <a:off x="838200" y="4488872"/>
+                <a:ext cx="10515600" cy="1609107"/>
+              </a:xfrm>
+            </p:spPr>
+            <p:txBody>
+              <a:bodyPr/>
+              <a:lstStyle/>
+              <a:p>
+                <a:r>
+                  <a:rPr lang="en-US" dirty="0"/>
+                  <a:t>Semantic similar functions </a:t>
+                </a:r>
+                <a14:m>
+                  <m:oMath xmlns:m="http://schemas.openxmlformats.org/officeDocument/2006/math">
+                    <m:r>
+                      <a:rPr lang="de-DE" sz="2800" b="0" i="1" smtClean="0">
+                        <a:latin typeface="Cambria Math" panose="02040503050406030204" pitchFamily="18" charset="0"/>
+                        <a:ea typeface="Cambria Math" panose="02040503050406030204" pitchFamily="18" charset="0"/>
+                      </a:rPr>
+                      <m:t>⇝</m:t>
+                    </m:r>
+                  </m:oMath>
+                </a14:m>
+                <a:r>
+                  <a:rPr lang="en-US" dirty="0"/>
+                  <a:t> Vectors close to each other</a:t>
+                </a:r>
+              </a:p>
+              <a:p>
+                <a:r>
+                  <a:rPr lang="en-US" dirty="0"/>
+                  <a:t>Semantic similar functions </a:t>
+                </a:r>
+                <a14:m>
+                  <m:oMath xmlns:m="http://schemas.openxmlformats.org/officeDocument/2006/math">
+                    <m:r>
+                      <a:rPr lang="de-DE" sz="2800" b="0" i="1" smtClean="0">
+                        <a:latin typeface="Cambria Math" panose="02040503050406030204" pitchFamily="18" charset="0"/>
+                        <a:ea typeface="Cambria Math" panose="02040503050406030204" pitchFamily="18" charset="0"/>
+                      </a:rPr>
+                      <m:t>⇝</m:t>
+                    </m:r>
+                  </m:oMath>
+                </a14:m>
+                <a:r>
+                  <a:rPr lang="en-US" dirty="0"/>
+                  <a:t> Vectors far away from each other</a:t>
+                </a:r>
+              </a:p>
+              <a:p>
+                <a:pPr marL="0" indent="0">
+                  <a:buNone/>
+                </a:pPr>
+                <a:r>
+                  <a:rPr lang="de-DE" sz="2800" b="0" dirty="0">
+                    <a:ea typeface="Cambria Math" panose="02040503050406030204" pitchFamily="18" charset="0"/>
+                  </a:rPr>
+                  <a:t>    </a:t>
+                </a:r>
+                <a14:m>
+                  <m:oMath xmlns:m="http://schemas.openxmlformats.org/officeDocument/2006/math">
+                    <m:r>
+                      <a:rPr lang="de-DE" sz="2800" b="0" i="1" smtClean="0">
+                        <a:latin typeface="Cambria Math" panose="02040503050406030204" pitchFamily="18" charset="0"/>
+                        <a:ea typeface="Cambria Math" panose="02040503050406030204" pitchFamily="18" charset="0"/>
+                      </a:rPr>
+                      <m:t>⇝</m:t>
+                    </m:r>
+                  </m:oMath>
+                </a14:m>
+                <a:r>
+                  <a:rPr lang="en-US" dirty="0"/>
+                  <a:t> Similar functions are grouped together</a:t>
+                </a:r>
+              </a:p>
+            </p:txBody>
+          </p:sp>
+        </mc:Choice>
+        <mc:Fallback xmlns="">
+          <p:sp>
+            <p:nvSpPr>
+              <p:cNvPr id="6" name="Chart Placeholder 5">
+                <a:extLst>
+                  <a:ext uri="{FF2B5EF4-FFF2-40B4-BE49-F238E27FC236}">
+                    <a16:creationId xmlns:a16="http://schemas.microsoft.com/office/drawing/2014/main" id="{0832AB09-EF8A-4D8D-8D58-DB7C64F42B32}"/>
+                  </a:ext>
+                </a:extLst>
+              </p:cNvPr>
+              <p:cNvSpPr>
+                <a:spLocks noGrp="1" noRot="1" noChangeAspect="1" noMove="1" noResize="1" noEditPoints="1" noAdjustHandles="1" noChangeArrowheads="1" noChangeShapeType="1" noTextEdit="1"/>
+              </p:cNvSpPr>
+              <p:nvPr>
+                <p:ph type="chart" sz="quarter" idx="13"/>
+              </p:nvPr>
+            </p:nvSpPr>
+            <p:spPr>
+              <a:xfrm>
+                <a:off x="838200" y="4488872"/>
+                <a:ext cx="10515600" cy="1609107"/>
+              </a:xfrm>
+              <a:blipFill>
+                <a:blip r:embed="rId2"/>
+                <a:stretch>
+                  <a:fillRect l="-1043" t="-6439" b="-3409"/>
+                </a:stretch>
+              </a:blipFill>
+            </p:spPr>
+            <p:txBody>
+              <a:bodyPr/>
+              <a:lstStyle/>
+              <a:p>
+                <a:r>
+                  <a:rPr lang="en-US">
+                    <a:noFill/>
+                  </a:rPr>
+                  <a:t> </a:t>
+                </a:r>
+              </a:p>
+            </p:txBody>
+          </p:sp>
+        </mc:Fallback>
+      </mc:AlternateContent>
+      <p:pic>
+        <p:nvPicPr>
+          <p:cNvPr id="10" name="Picture 9" descr="A graph with a blue dot and black text">
+            <a:extLst>
+              <a:ext uri="{FF2B5EF4-FFF2-40B4-BE49-F238E27FC236}">
+                <a16:creationId xmlns:a16="http://schemas.microsoft.com/office/drawing/2014/main" id="{B1F34892-71E7-2040-19FA-5BCCE5BD9B1C}"/>
+              </a:ext>
+            </a:extLst>
+          </p:cNvPr>
+          <p:cNvPicPr>
+            <a:picLocks noChangeAspect="1"/>
+          </p:cNvPicPr>
+          <p:nvPr/>
+        </p:nvPicPr>
+        <p:blipFill rotWithShape="1">
+          <a:blip r:embed="rId3"/>
+          <a:srcRect l="2971" t="8314" r="3719" b="5440"/>
+          <a:stretch/>
+        </p:blipFill>
         <p:spPr>
           <a:xfrm>
-            <a:off x="838200" y="4096986"/>
-            <a:ext cx="10515600" cy="1759533"/>
+            <a:off x="326873" y="1601769"/>
+            <a:ext cx="5415752" cy="2628732"/>
           </a:xfrm>
+          <a:prstGeom prst="rect">
+            <a:avLst/>
+          </a:prstGeom>
         </p:spPr>
-        <p:txBody>
-          <a:bodyPr/>
-          <a:lstStyle/>
-          <a:p>
-            <a:endParaRPr lang="en-US" dirty="0"/>
-          </a:p>
-        </p:txBody>
-      </p:sp>
+      </p:pic>
+      <p:pic>
+        <p:nvPicPr>
+          <p:cNvPr id="12" name="Picture 11" descr="A graph paper with a grid">
+            <a:extLst>
+              <a:ext uri="{FF2B5EF4-FFF2-40B4-BE49-F238E27FC236}">
+                <a16:creationId xmlns:a16="http://schemas.microsoft.com/office/drawing/2014/main" id="{6310B248-DC6F-6D4B-D1CA-78FBE7AC1FCA}"/>
+              </a:ext>
+            </a:extLst>
+          </p:cNvPr>
+          <p:cNvPicPr>
+            <a:picLocks noChangeAspect="1"/>
+          </p:cNvPicPr>
+          <p:nvPr/>
+        </p:nvPicPr>
+        <p:blipFill rotWithShape="1">
+          <a:blip r:embed="rId4"/>
+          <a:srcRect l="2681" t="9173" r="3750" b="5654"/>
+          <a:stretch/>
+        </p:blipFill>
+        <p:spPr>
+          <a:xfrm>
+            <a:off x="6180218" y="1601770"/>
+            <a:ext cx="5425420" cy="2593484"/>
+          </a:xfrm>
+          <a:prstGeom prst="rect">
+            <a:avLst/>
+          </a:prstGeom>
+        </p:spPr>
+      </p:pic>
     </p:spTree>
     <p:extLst>
       <p:ext uri="{BB962C8B-B14F-4D97-AF65-F5344CB8AC3E}">
-        <p14:creationId xmlns:p14="http://schemas.microsoft.com/office/powerpoint/2010/main" val="1146340923"/>
+        <p14:creationId xmlns:p14="http://schemas.microsoft.com/office/powerpoint/2010/main" val="2537700321"/>
       </p:ext>
     </p:extLst>
   </p:cSld>
@@ -13141,7 +15737,7 @@
           <p:cNvPr id="2" name="Title 1">
             <a:extLst>
               <a:ext uri="{FF2B5EF4-FFF2-40B4-BE49-F238E27FC236}">
-                <a16:creationId xmlns:a16="http://schemas.microsoft.com/office/drawing/2014/main" id="{23581B9A-E893-CBCB-10D8-758158B28529}"/>
+                <a16:creationId xmlns:a16="http://schemas.microsoft.com/office/drawing/2014/main" id="{3247C72F-ADEA-BCCA-ED16-5D85ACBC3DD7}"/>
               </a:ext>
             </a:extLst>
           </p:cNvPr>
@@ -13159,11 +15755,12 @@
           <a:p>
             <a:r>
               <a:rPr lang="en-US" dirty="0"/>
-              <a:t>C Source Code Names</a:t>
-            </a:r>
-            <a:br>
-              <a:rPr lang="en-US" dirty="0"/>
-            </a:br>
+              <a:t>Sentence Transformer</a:t>
+            </a:r>
+            <a:r>
+              <a:rPr lang="en-US" baseline="30000" dirty="0"/>
+              <a:t>[1]</a:t>
+            </a:r>
             <a:endParaRPr lang="en-US" dirty="0"/>
           </a:p>
         </p:txBody>
@@ -13173,7 +15770,7 @@
           <p:cNvPr id="3" name="Date Placeholder 2">
             <a:extLst>
               <a:ext uri="{FF2B5EF4-FFF2-40B4-BE49-F238E27FC236}">
-                <a16:creationId xmlns:a16="http://schemas.microsoft.com/office/drawing/2014/main" id="{52E27AF6-7ACC-CED6-4F1E-55BFB40BB8AD}"/>
+                <a16:creationId xmlns:a16="http://schemas.microsoft.com/office/drawing/2014/main" id="{3C026D7A-77D0-DDB4-EDF5-64A6D341E3AF}"/>
               </a:ext>
             </a:extLst>
           </p:cNvPr>
@@ -13191,9 +15788,10 @@
           <a:p>
             <a:pPr rtl="0"/>
             <a:r>
-              <a:rPr lang="de-DE"/>
-              <a:t>20XX</a:t>
-            </a:r>
+              <a:rPr lang="en-US"/>
+              <a:t>2024</a:t>
+            </a:r>
+            <a:endParaRPr lang="de-DE" dirty="0"/>
           </a:p>
         </p:txBody>
       </p:sp>
@@ -13202,7 +15800,7 @@
           <p:cNvPr id="4" name="Footer Placeholder 3">
             <a:extLst>
               <a:ext uri="{FF2B5EF4-FFF2-40B4-BE49-F238E27FC236}">
-                <a16:creationId xmlns:a16="http://schemas.microsoft.com/office/drawing/2014/main" id="{931D3360-DC4E-3BF9-A90E-0C00781112AD}"/>
+                <a16:creationId xmlns:a16="http://schemas.microsoft.com/office/drawing/2014/main" id="{543E131D-E4BE-E25F-2D06-DFDAC9A0AFFB}"/>
               </a:ext>
             </a:extLst>
           </p:cNvPr>
@@ -13220,9 +15818,10 @@
           <a:p>
             <a:pPr rtl="0"/>
             <a:r>
-              <a:rPr lang="de-DE"/>
-              <a:t>PRÄSENTATIONSTITEL</a:t>
-            </a:r>
+              <a:rPr lang="en-US"/>
+              <a:t>Creating Rich Labels For Binary Functions Using Source Information</a:t>
+            </a:r>
+            <a:endParaRPr lang="en-US" dirty="0"/>
           </a:p>
         </p:txBody>
       </p:sp>
@@ -13231,7 +15830,7 @@
           <p:cNvPr id="5" name="Slide Number Placeholder 4">
             <a:extLst>
               <a:ext uri="{FF2B5EF4-FFF2-40B4-BE49-F238E27FC236}">
-                <a16:creationId xmlns:a16="http://schemas.microsoft.com/office/drawing/2014/main" id="{4910D150-2BDF-1659-2BFF-30CFD4096D5D}"/>
+                <a16:creationId xmlns:a16="http://schemas.microsoft.com/office/drawing/2014/main" id="{D54311B0-B311-B3A7-17E4-3D2AD84BCC5C}"/>
               </a:ext>
             </a:extLst>
           </p:cNvPr>
@@ -13257,40 +15856,282 @@
           </a:p>
         </p:txBody>
       </p:sp>
-      <p:sp>
-        <p:nvSpPr>
-          <p:cNvPr id="6" name="Chart Placeholder 5">
-            <a:extLst>
-              <a:ext uri="{FF2B5EF4-FFF2-40B4-BE49-F238E27FC236}">
-                <a16:creationId xmlns:a16="http://schemas.microsoft.com/office/drawing/2014/main" id="{3AFD5A68-BA8B-384B-BB06-CCC2B033CAE7}"/>
-              </a:ext>
-            </a:extLst>
-          </p:cNvPr>
-          <p:cNvSpPr>
-            <a:spLocks noGrp="1"/>
-          </p:cNvSpPr>
-          <p:nvPr>
-            <p:ph type="chart" sz="quarter" idx="13"/>
-          </p:nvPr>
+      <mc:AlternateContent xmlns:mc="http://schemas.openxmlformats.org/markup-compatibility/2006" xmlns:a14="http://schemas.microsoft.com/office/drawing/2010/main">
+        <mc:Choice Requires="a14">
+          <p:sp>
+            <p:nvSpPr>
+              <p:cNvPr id="6" name="Chart Placeholder 5">
+                <a:extLst>
+                  <a:ext uri="{FF2B5EF4-FFF2-40B4-BE49-F238E27FC236}">
+                    <a16:creationId xmlns:a16="http://schemas.microsoft.com/office/drawing/2014/main" id="{A7CD01C6-5BCB-11C3-FC3B-CA24CFD6EE59}"/>
+                  </a:ext>
+                </a:extLst>
+              </p:cNvPr>
+              <p:cNvSpPr>
+                <a:spLocks noGrp="1"/>
+              </p:cNvSpPr>
+              <p:nvPr>
+                <p:ph type="chart" sz="quarter" idx="13"/>
+              </p:nvPr>
+            </p:nvSpPr>
+            <p:spPr>
+              <a:xfrm>
+                <a:off x="838200" y="4126674"/>
+                <a:ext cx="10515600" cy="1729845"/>
+              </a:xfrm>
+            </p:spPr>
+            <p:txBody>
+              <a:bodyPr/>
+              <a:lstStyle/>
+              <a:p>
+                <a:r>
+                  <a:rPr lang="en-US" dirty="0"/>
+                  <a:t>Encoding Sentences semantically to Vectors</a:t>
+                </a:r>
+              </a:p>
+              <a:p>
+                <a:r>
+                  <a:rPr lang="en-US" dirty="0"/>
+                  <a:t>Groups sentences with similar semantic</a:t>
+                </a:r>
+              </a:p>
+              <a:p>
+                <a:pPr marL="0" indent="0">
+                  <a:buNone/>
+                </a:pPr>
+                <a:r>
+                  <a:rPr lang="de-DE" sz="2800" b="0" dirty="0">
+                    <a:ea typeface="Cambria Math" panose="02040503050406030204" pitchFamily="18" charset="0"/>
+                  </a:rPr>
+                  <a:t>    </a:t>
+                </a:r>
+                <a14:m>
+                  <m:oMath xmlns:m="http://schemas.openxmlformats.org/officeDocument/2006/math">
+                    <m:r>
+                      <a:rPr lang="de-DE" sz="2800" b="0" i="1" smtClean="0">
+                        <a:latin typeface="Cambria Math" panose="02040503050406030204" pitchFamily="18" charset="0"/>
+                        <a:ea typeface="Cambria Math" panose="02040503050406030204" pitchFamily="18" charset="0"/>
+                      </a:rPr>
+                      <m:t>⇝</m:t>
+                    </m:r>
+                  </m:oMath>
+                </a14:m>
+                <a:r>
+                  <a:rPr lang="en-US" dirty="0"/>
+                  <a:t> Exactly what we want for our ground truth</a:t>
+                </a:r>
+              </a:p>
+            </p:txBody>
+          </p:sp>
+        </mc:Choice>
+        <mc:Fallback xmlns="">
+          <p:sp>
+            <p:nvSpPr>
+              <p:cNvPr id="6" name="Chart Placeholder 5">
+                <a:extLst>
+                  <a:ext uri="{FF2B5EF4-FFF2-40B4-BE49-F238E27FC236}">
+                    <a16:creationId xmlns:a16="http://schemas.microsoft.com/office/drawing/2014/main" id="{A7CD01C6-5BCB-11C3-FC3B-CA24CFD6EE59}"/>
+                  </a:ext>
+                </a:extLst>
+              </p:cNvPr>
+              <p:cNvSpPr>
+                <a:spLocks noGrp="1" noRot="1" noChangeAspect="1" noMove="1" noResize="1" noEditPoints="1" noAdjustHandles="1" noChangeArrowheads="1" noChangeShapeType="1" noTextEdit="1"/>
+              </p:cNvSpPr>
+              <p:nvPr>
+                <p:ph type="chart" sz="quarter" idx="13"/>
+              </p:nvPr>
+            </p:nvSpPr>
+            <p:spPr>
+              <a:xfrm>
+                <a:off x="838200" y="4126674"/>
+                <a:ext cx="10515600" cy="1729845"/>
+              </a:xfrm>
+              <a:blipFill>
+                <a:blip r:embed="rId2"/>
+                <a:stretch>
+                  <a:fillRect l="-1043" t="-6338"/>
+                </a:stretch>
+              </a:blipFill>
+            </p:spPr>
+            <p:txBody>
+              <a:bodyPr/>
+              <a:lstStyle/>
+              <a:p>
+                <a:r>
+                  <a:rPr lang="en-US">
+                    <a:noFill/>
+                  </a:rPr>
+                  <a:t> </a:t>
+                </a:r>
+              </a:p>
+            </p:txBody>
+          </p:sp>
+        </mc:Fallback>
+      </mc:AlternateContent>
+      <p:sp>
+        <p:nvSpPr>
+          <p:cNvPr id="7" name="Fußzeilenplatzhalter 3">
+            <a:extLst>
+              <a:ext uri="{FF2B5EF4-FFF2-40B4-BE49-F238E27FC236}">
+                <a16:creationId xmlns:a16="http://schemas.microsoft.com/office/drawing/2014/main" id="{64CABFDB-0B77-75FB-F22D-1ABCFDA49E12}"/>
+              </a:ext>
+            </a:extLst>
+          </p:cNvPr>
+          <p:cNvSpPr txBox="1">
+            <a:spLocks/>
+          </p:cNvSpPr>
+          <p:nvPr/>
         </p:nvSpPr>
         <p:spPr>
           <a:xfrm>
-            <a:off x="838200" y="3883230"/>
-            <a:ext cx="10515600" cy="1973289"/>
+            <a:off x="838200" y="5919849"/>
+            <a:ext cx="10778972" cy="436501"/>
           </a:xfrm>
+          <a:prstGeom prst="rect">
+            <a:avLst/>
+          </a:prstGeom>
         </p:spPr>
         <p:txBody>
-          <a:bodyPr/>
-          <a:lstStyle/>
-          <a:p>
-            <a:endParaRPr lang="en-US"/>
-          </a:p>
-        </p:txBody>
-      </p:sp>
+          <a:bodyPr vert="horz" lIns="91440" tIns="45720" rIns="91440" bIns="45720" rtlCol="0" anchor="ctr"/>
+          <a:lstStyle>
+            <a:defPPr rtl="0">
+              <a:defRPr lang="de-DE"/>
+            </a:defPPr>
+            <a:lvl1pPr marL="0" algn="ctr" defTabSz="914400" rtl="0" eaLnBrk="1" latinLnBrk="0" hangingPunct="1">
+              <a:defRPr lang="de-DE" sz="900" kern="1200">
+                <a:solidFill>
+                  <a:schemeClr val="tx1">
+                    <a:tint val="75000"/>
+                  </a:schemeClr>
+                </a:solidFill>
+                <a:latin typeface="+mn-lt"/>
+                <a:ea typeface="+mn-ea"/>
+                <a:cs typeface="+mn-cs"/>
+              </a:defRPr>
+            </a:lvl1pPr>
+            <a:lvl2pPr marL="457200" algn="l" defTabSz="914400" rtl="0" eaLnBrk="1" latinLnBrk="0" hangingPunct="1">
+              <a:defRPr lang="de-DE" sz="1800" kern="1200">
+                <a:solidFill>
+                  <a:schemeClr val="tx1"/>
+                </a:solidFill>
+                <a:latin typeface="+mn-lt"/>
+                <a:ea typeface="+mn-ea"/>
+                <a:cs typeface="+mn-cs"/>
+              </a:defRPr>
+            </a:lvl2pPr>
+            <a:lvl3pPr marL="914400" algn="l" defTabSz="914400" rtl="0" eaLnBrk="1" latinLnBrk="0" hangingPunct="1">
+              <a:defRPr lang="de-DE" sz="1800" kern="1200">
+                <a:solidFill>
+                  <a:schemeClr val="tx1"/>
+                </a:solidFill>
+                <a:latin typeface="+mn-lt"/>
+                <a:ea typeface="+mn-ea"/>
+                <a:cs typeface="+mn-cs"/>
+              </a:defRPr>
+            </a:lvl3pPr>
+            <a:lvl4pPr marL="1371600" algn="l" defTabSz="914400" rtl="0" eaLnBrk="1" latinLnBrk="0" hangingPunct="1">
+              <a:defRPr lang="de-DE" sz="1800" kern="1200">
+                <a:solidFill>
+                  <a:schemeClr val="tx1"/>
+                </a:solidFill>
+                <a:latin typeface="+mn-lt"/>
+                <a:ea typeface="+mn-ea"/>
+                <a:cs typeface="+mn-cs"/>
+              </a:defRPr>
+            </a:lvl4pPr>
+            <a:lvl5pPr marL="1828800" algn="l" defTabSz="914400" rtl="0" eaLnBrk="1" latinLnBrk="0" hangingPunct="1">
+              <a:defRPr lang="de-DE" sz="1800" kern="1200">
+                <a:solidFill>
+                  <a:schemeClr val="tx1"/>
+                </a:solidFill>
+                <a:latin typeface="+mn-lt"/>
+                <a:ea typeface="+mn-ea"/>
+                <a:cs typeface="+mn-cs"/>
+              </a:defRPr>
+            </a:lvl5pPr>
+            <a:lvl6pPr marL="2286000" algn="l" defTabSz="914400" rtl="0" eaLnBrk="1" latinLnBrk="0" hangingPunct="1">
+              <a:defRPr lang="de-DE" sz="1800" kern="1200">
+                <a:solidFill>
+                  <a:schemeClr val="tx1"/>
+                </a:solidFill>
+                <a:latin typeface="+mn-lt"/>
+                <a:ea typeface="+mn-ea"/>
+                <a:cs typeface="+mn-cs"/>
+              </a:defRPr>
+            </a:lvl6pPr>
+            <a:lvl7pPr marL="2743200" algn="l" defTabSz="914400" rtl="0" eaLnBrk="1" latinLnBrk="0" hangingPunct="1">
+              <a:defRPr lang="de-DE" sz="1800" kern="1200">
+                <a:solidFill>
+                  <a:schemeClr val="tx1"/>
+                </a:solidFill>
+                <a:latin typeface="+mn-lt"/>
+                <a:ea typeface="+mn-ea"/>
+                <a:cs typeface="+mn-cs"/>
+              </a:defRPr>
+            </a:lvl7pPr>
+            <a:lvl8pPr marL="3200400" algn="l" defTabSz="914400" rtl="0" eaLnBrk="1" latinLnBrk="0" hangingPunct="1">
+              <a:defRPr lang="de-DE" sz="1800" kern="1200">
+                <a:solidFill>
+                  <a:schemeClr val="tx1"/>
+                </a:solidFill>
+                <a:latin typeface="+mn-lt"/>
+                <a:ea typeface="+mn-ea"/>
+                <a:cs typeface="+mn-cs"/>
+              </a:defRPr>
+            </a:lvl8pPr>
+            <a:lvl9pPr marL="3657600" algn="l" defTabSz="914400" rtl="0" eaLnBrk="1" latinLnBrk="0" hangingPunct="1">
+              <a:defRPr lang="de-DE" sz="1800" kern="1200">
+                <a:solidFill>
+                  <a:schemeClr val="tx1"/>
+                </a:solidFill>
+                <a:latin typeface="+mn-lt"/>
+                <a:ea typeface="+mn-ea"/>
+                <a:cs typeface="+mn-cs"/>
+              </a:defRPr>
+            </a:lvl9pPr>
+          </a:lstStyle>
+          <a:p>
+            <a:r>
+              <a:rPr lang="fr-FR" sz="1600" dirty="0"/>
+              <a:t>[1]: Sentence Transformer: https://www.sbert.net/</a:t>
+            </a:r>
+          </a:p>
+        </p:txBody>
+      </p:sp>
+      <p:pic>
+        <p:nvPicPr>
+          <p:cNvPr id="9" name="Picture 8" descr="A black square with white text&#10;&#10;Description automatically generated">
+            <a:extLst>
+              <a:ext uri="{FF2B5EF4-FFF2-40B4-BE49-F238E27FC236}">
+                <a16:creationId xmlns:a16="http://schemas.microsoft.com/office/drawing/2014/main" id="{3AF5E921-5C99-EF49-01CB-F93567446BAD}"/>
+              </a:ext>
+            </a:extLst>
+          </p:cNvPr>
+          <p:cNvPicPr>
+            <a:picLocks noChangeAspect="1"/>
+          </p:cNvPicPr>
+          <p:nvPr/>
+        </p:nvPicPr>
+        <p:blipFill>
+          <a:blip r:embed="rId3"/>
+          <a:stretch>
+            <a:fillRect/>
+          </a:stretch>
+        </p:blipFill>
+        <p:spPr>
+          <a:xfrm>
+            <a:off x="2529444" y="1690688"/>
+            <a:ext cx="8881382" cy="1846624"/>
+          </a:xfrm>
+          <a:prstGeom prst="rect">
+            <a:avLst/>
+          </a:prstGeom>
+        </p:spPr>
+      </p:pic>
     </p:spTree>
     <p:extLst>
       <p:ext uri="{BB962C8B-B14F-4D97-AF65-F5344CB8AC3E}">
-        <p14:creationId xmlns:p14="http://schemas.microsoft.com/office/powerpoint/2010/main" val="3566871610"/>
+        <p14:creationId xmlns:p14="http://schemas.microsoft.com/office/powerpoint/2010/main" val="1926865832"/>
       </p:ext>
     </p:extLst>
   </p:cSld>
@@ -14092,6 +16933,25 @@
 </file>
 
 <file path=customXml/item1.xml><?xml version="1.0" encoding="utf-8"?>
+<p:properties xmlns:p="http://schemas.microsoft.com/office/2006/metadata/properties" xmlns:xsi="http://www.w3.org/2001/XMLSchema-instance" xmlns:pc="http://schemas.microsoft.com/office/infopath/2007/PartnerControls">
+  <documentManagement>
+    <_ip_UnifiedCompliancePolicyUIAction xmlns="http://schemas.microsoft.com/sharepoint/v3" xsi:nil="true"/>
+    <Image xmlns="71af3243-3dd4-4a8d-8c0d-dd76da1f02a5">
+      <Url xsi:nil="true"/>
+      <Description xsi:nil="true"/>
+    </Image>
+    <Status xmlns="71af3243-3dd4-4a8d-8c0d-dd76da1f02a5">Not started</Status>
+    <_ip_UnifiedCompliancePolicyProperties xmlns="http://schemas.microsoft.com/sharepoint/v3" xsi:nil="true"/>
+    <ImageTagsTaxHTField xmlns="71af3243-3dd4-4a8d-8c0d-dd76da1f02a5">
+      <Terms xmlns="http://schemas.microsoft.com/office/infopath/2007/PartnerControls"/>
+    </ImageTagsTaxHTField>
+    <TaxCatchAll xmlns="230e9df3-be65-4c73-a93b-d1236ebd677e"/>
+    <MediaServiceKeyPoints xmlns="71af3243-3dd4-4a8d-8c0d-dd76da1f02a5" xsi:nil="true"/>
+  </documentManagement>
+</p:properties>
+</file>
+
+<file path=customXml/item2.xml><?xml version="1.0" encoding="utf-8"?>
 <ct:contentTypeSchema xmlns:ct="http://schemas.microsoft.com/office/2006/metadata/contentType" xmlns:ma="http://schemas.microsoft.com/office/2006/metadata/properties/metaAttributes" ct:_="" ma:_="" ma:contentTypeName="Document" ma:contentTypeID="0x01010079F111ED35F8CC479449609E8A0923A6" ma:contentTypeVersion="20" ma:contentTypeDescription="Create a new document." ma:contentTypeScope="" ma:versionID="1267097ee5f5874adfcc408041ae252e">
   <xsd:schema xmlns:xsd="http://www.w3.org/2001/XMLSchema" xmlns:xs="http://www.w3.org/2001/XMLSchema" xmlns:p="http://schemas.microsoft.com/office/2006/metadata/properties" xmlns:ns1="http://schemas.microsoft.com/sharepoint/v3" xmlns:ns2="71af3243-3dd4-4a8d-8c0d-dd76da1f02a5" xmlns:ns3="16c05727-aa75-4e4a-9b5f-8a80a1165891" xmlns:ns4="230e9df3-be65-4c73-a93b-d1236ebd677e" targetNamespace="http://schemas.microsoft.com/office/2006/metadata/properties" ma:root="true" ma:fieldsID="395891a93df65b14727750f2c06c306c" ns1:_="" ns2:_="" ns3:_="" ns4:_="">
     <xsd:import namespace="http://schemas.microsoft.com/sharepoint/v3"/>
@@ -14367,25 +17227,6 @@
 </ct:contentTypeSchema>
 </file>
 
-<file path=customXml/item2.xml><?xml version="1.0" encoding="utf-8"?>
-<p:properties xmlns:p="http://schemas.microsoft.com/office/2006/metadata/properties" xmlns:xsi="http://www.w3.org/2001/XMLSchema-instance" xmlns:pc="http://schemas.microsoft.com/office/infopath/2007/PartnerControls">
-  <documentManagement>
-    <_ip_UnifiedCompliancePolicyUIAction xmlns="http://schemas.microsoft.com/sharepoint/v3" xsi:nil="true"/>
-    <Image xmlns="71af3243-3dd4-4a8d-8c0d-dd76da1f02a5">
-      <Url xsi:nil="true"/>
-      <Description xsi:nil="true"/>
-    </Image>
-    <Status xmlns="71af3243-3dd4-4a8d-8c0d-dd76da1f02a5">Not started</Status>
-    <_ip_UnifiedCompliancePolicyProperties xmlns="http://schemas.microsoft.com/sharepoint/v3" xsi:nil="true"/>
-    <ImageTagsTaxHTField xmlns="71af3243-3dd4-4a8d-8c0d-dd76da1f02a5">
-      <Terms xmlns="http://schemas.microsoft.com/office/infopath/2007/PartnerControls"/>
-    </ImageTagsTaxHTField>
-    <TaxCatchAll xmlns="230e9df3-be65-4c73-a93b-d1236ebd677e"/>
-    <MediaServiceKeyPoints xmlns="71af3243-3dd4-4a8d-8c0d-dd76da1f02a5" xsi:nil="true"/>
-  </documentManagement>
-</p:properties>
-</file>
-
 <file path=customXml/item3.xml><?xml version="1.0" encoding="utf-8"?>
 <?mso-contentType ?>
 <FormTemplates xmlns="http://schemas.microsoft.com/sharepoint/v3/contenttype/forms">
@@ -14396,6 +17237,25 @@
 </file>
 
 <file path=customXml/itemProps1.xml><?xml version="1.0" encoding="utf-8"?>
+<ds:datastoreItem xmlns:ds="http://schemas.openxmlformats.org/officeDocument/2006/customXml" ds:itemID="{29C43685-694E-4579-B109-3C418D49DA65}">
+  <ds:schemaRefs>
+    <ds:schemaRef ds:uri="http://schemas.microsoft.com/sharepoint/v3"/>
+    <ds:schemaRef ds:uri="http://purl.org/dc/elements/1.1/"/>
+    <ds:schemaRef ds:uri="http://purl.org/dc/dcmitype/"/>
+    <ds:schemaRef ds:uri="230e9df3-be65-4c73-a93b-d1236ebd677e"/>
+    <ds:schemaRef ds:uri="http://schemas.microsoft.com/office/2006/documentManagement/types"/>
+    <ds:schemaRef ds:uri="http://schemas.microsoft.com/office/infopath/2007/PartnerControls"/>
+    <ds:schemaRef ds:uri="http://schemas.openxmlformats.org/package/2006/metadata/core-properties"/>
+    <ds:schemaRef ds:uri="71af3243-3dd4-4a8d-8c0d-dd76da1f02a5"/>
+    <ds:schemaRef ds:uri="http://www.w3.org/XML/1998/namespace"/>
+    <ds:schemaRef ds:uri="16c05727-aa75-4e4a-9b5f-8a80a1165891"/>
+    <ds:schemaRef ds:uri="http://schemas.microsoft.com/office/2006/metadata/properties"/>
+    <ds:schemaRef ds:uri="http://purl.org/dc/terms/"/>
+  </ds:schemaRefs>
+</ds:datastoreItem>
+</file>
+
+<file path=customXml/itemProps2.xml><?xml version="1.0" encoding="utf-8"?>
 <ds:datastoreItem xmlns:ds="http://schemas.openxmlformats.org/officeDocument/2006/customXml" ds:itemID="{CC96B61E-1B64-430F-934F-7D1B90028029}">
   <ds:schemaRefs>
     <ds:schemaRef ds:uri="http://schemas.microsoft.com/office/2006/metadata/contentType"/>
@@ -14416,25 +17276,6 @@
 </ds:datastoreItem>
 </file>
 
-<file path=customXml/itemProps2.xml><?xml version="1.0" encoding="utf-8"?>
-<ds:datastoreItem xmlns:ds="http://schemas.openxmlformats.org/officeDocument/2006/customXml" ds:itemID="{29C43685-694E-4579-B109-3C418D49DA65}">
-  <ds:schemaRefs>
-    <ds:schemaRef ds:uri="16c05727-aa75-4e4a-9b5f-8a80a1165891"/>
-    <ds:schemaRef ds:uri="http://purl.org/dc/terms/"/>
-    <ds:schemaRef ds:uri="http://purl.org/dc/elements/1.1/"/>
-    <ds:schemaRef ds:uri="http://purl.org/dc/dcmitype/"/>
-    <ds:schemaRef ds:uri="http://schemas.microsoft.com/office/2006/documentManagement/types"/>
-    <ds:schemaRef ds:uri="http://schemas.openxmlformats.org/package/2006/metadata/core-properties"/>
-    <ds:schemaRef ds:uri="http://schemas.microsoft.com/office/infopath/2007/PartnerControls"/>
-    <ds:schemaRef ds:uri="http://www.w3.org/XML/1998/namespace"/>
-    <ds:schemaRef ds:uri="230e9df3-be65-4c73-a93b-d1236ebd677e"/>
-    <ds:schemaRef ds:uri="71af3243-3dd4-4a8d-8c0d-dd76da1f02a5"/>
-    <ds:schemaRef ds:uri="http://schemas.microsoft.com/sharepoint/v3"/>
-    <ds:schemaRef ds:uri="http://schemas.microsoft.com/office/2006/metadata/properties"/>
-  </ds:schemaRefs>
-</ds:datastoreItem>
-</file>
-
 <file path=customXml/itemProps3.xml><?xml version="1.0" encoding="utf-8"?>
 <ds:datastoreItem xmlns:ds="http://schemas.openxmlformats.org/officeDocument/2006/customXml" ds:itemID="{0FD6FE22-81A0-4500-AFD0-342D21BB9A2C}">
   <ds:schemaRefs>

--- a/pitch-pp/C2Vec.pptx
+++ b/pitch-pp/C2Vec.pptx
@@ -234,7 +234,7 @@
             <a:pPr rtl="0"/>
             <a:fld id="{9B11A7A5-20C6-4E69-AACA-E47DADC9EFAA}" type="datetime1">
               <a:rPr lang="de-DE" smtClean="0"/>
-              <a:t>22.03.2024</a:t>
+              <a:t>24.03.2024</a:t>
             </a:fld>
             <a:endParaRPr lang="de-DE" dirty="0"/>
           </a:p>
@@ -416,7 +416,7 @@
             <a:fld id="{BB817352-7D89-4901-9FDB-508A88E9CEFE}" type="datetime1">
               <a:rPr lang="de-DE" smtClean="0"/>
               <a:pPr/>
-              <a:t>22.03.2024</a:t>
+              <a:t>24.03.2024</a:t>
             </a:fld>
             <a:endParaRPr lang="de-DE" dirty="0"/>
           </a:p>
@@ -10255,10 +10255,10 @@
       </p:pic>
       <p:pic>
         <p:nvPicPr>
-          <p:cNvPr id="21" name="Picture 20" descr="A screen shot of a game&#10;&#10;Description automatically generated">
-            <a:extLst>
-              <a:ext uri="{FF2B5EF4-FFF2-40B4-BE49-F238E27FC236}">
-                <a16:creationId xmlns:a16="http://schemas.microsoft.com/office/drawing/2014/main" id="{87EA863D-4E97-5DE3-837B-3AC06D725739}"/>
+          <p:cNvPr id="9" name="Picture 8" descr="A screen shot of a game&#10;&#10;Description automatically generated">
+            <a:extLst>
+              <a:ext uri="{FF2B5EF4-FFF2-40B4-BE49-F238E27FC236}">
+                <a16:creationId xmlns:a16="http://schemas.microsoft.com/office/drawing/2014/main" id="{457006B6-7352-C5B3-77CB-B07703E670C3}"/>
               </a:ext>
             </a:extLst>
           </p:cNvPr>
@@ -10275,8 +10275,8 @@
         </p:blipFill>
         <p:spPr>
           <a:xfrm>
-            <a:off x="2573161" y="2700215"/>
-            <a:ext cx="7045677" cy="3656135"/>
+            <a:off x="2652650" y="2668550"/>
+            <a:ext cx="6616041" cy="3579969"/>
           </a:xfrm>
           <a:prstGeom prst="rect">
             <a:avLst/>
@@ -10815,10 +10815,10 @@
       </p:pic>
       <p:pic>
         <p:nvPicPr>
-          <p:cNvPr id="12" name="Picture 11" descr="A screen shot of a game">
-            <a:extLst>
-              <a:ext uri="{FF2B5EF4-FFF2-40B4-BE49-F238E27FC236}">
-                <a16:creationId xmlns:a16="http://schemas.microsoft.com/office/drawing/2014/main" id="{B1A43FB2-E3D0-5448-6C77-A5C4CE6E2ECD}"/>
+          <p:cNvPr id="7" name="Picture 6" descr="A screen shot of a game">
+            <a:extLst>
+              <a:ext uri="{FF2B5EF4-FFF2-40B4-BE49-F238E27FC236}">
+                <a16:creationId xmlns:a16="http://schemas.microsoft.com/office/drawing/2014/main" id="{D8A066A0-DF8B-EBBD-7E34-EA4BC3B51ABE}"/>
               </a:ext>
             </a:extLst>
           </p:cNvPr>
@@ -10835,8 +10835,8 @@
         </p:blipFill>
         <p:spPr>
           <a:xfrm>
-            <a:off x="2739472" y="2841585"/>
-            <a:ext cx="6713055" cy="3440715"/>
+            <a:off x="3021280" y="2841742"/>
+            <a:ext cx="6149439" cy="3440402"/>
           </a:xfrm>
           <a:prstGeom prst="rect">
             <a:avLst/>
@@ -11346,8 +11346,8 @@
           </a:p>
         </p:txBody>
       </p:sp>
-      <mc:AlternateContent xmlns:mc="http://schemas.openxmlformats.org/markup-compatibility/2006">
-        <mc:Choice xmlns:a14="http://schemas.microsoft.com/office/drawing/2010/main" Requires="a14">
+      <mc:AlternateContent xmlns:mc="http://schemas.openxmlformats.org/markup-compatibility/2006" xmlns:a14="http://schemas.microsoft.com/office/drawing/2010/main">
+        <mc:Choice Requires="a14">
           <p:sp>
             <p:nvSpPr>
               <p:cNvPr id="6" name="Chart Placeholder 5">
@@ -11411,7 +11411,7 @@
             </p:txBody>
           </p:sp>
         </mc:Choice>
-        <mc:Fallback>
+        <mc:Fallback xmlns="">
           <p:sp>
             <p:nvSpPr>
               <p:cNvPr id="6" name="Chart Placeholder 5">
@@ -11669,10 +11669,10 @@
       </p:pic>
       <p:pic>
         <p:nvPicPr>
-          <p:cNvPr id="14" name="Picture 13" descr="A screenshot of a video game&#10;&#10;Description automatically generated">
-            <a:extLst>
-              <a:ext uri="{FF2B5EF4-FFF2-40B4-BE49-F238E27FC236}">
-                <a16:creationId xmlns:a16="http://schemas.microsoft.com/office/drawing/2014/main" id="{9E51742A-8AAB-7739-A2B8-AE7E4575D45E}"/>
+          <p:cNvPr id="7" name="Picture 6" descr="A screen shot of a game&#10;&#10;Description automatically generated">
+            <a:extLst>
+              <a:ext uri="{FF2B5EF4-FFF2-40B4-BE49-F238E27FC236}">
+                <a16:creationId xmlns:a16="http://schemas.microsoft.com/office/drawing/2014/main" id="{47AFF31C-AB9E-DF60-5083-AE20EF236E5F}"/>
               </a:ext>
             </a:extLst>
           </p:cNvPr>
@@ -11689,8 +11689,8 @@
         </p:blipFill>
         <p:spPr>
           <a:xfrm>
-            <a:off x="2897991" y="2766951"/>
-            <a:ext cx="6396018" cy="3487469"/>
+            <a:off x="2787609" y="2766951"/>
+            <a:ext cx="6616782" cy="3652733"/>
           </a:xfrm>
           <a:prstGeom prst="rect">
             <a:avLst/>
@@ -12145,6 +12145,241 @@
               <a:buFont typeface="Arial" panose="020B0604020202020204" pitchFamily="34" charset="0"/>
               <a:buNone/>
             </a:pPr>
+            <a:endParaRPr lang="en-US" dirty="0"/>
+          </a:p>
+        </p:txBody>
+      </p:sp>
+      <p:sp>
+        <p:nvSpPr>
+          <p:cNvPr id="8" name="Chart Placeholder 5">
+            <a:extLst>
+              <a:ext uri="{FF2B5EF4-FFF2-40B4-BE49-F238E27FC236}">
+                <a16:creationId xmlns:a16="http://schemas.microsoft.com/office/drawing/2014/main" id="{2F7E9625-7A8B-E11C-670E-26E26F79FF9A}"/>
+              </a:ext>
+            </a:extLst>
+          </p:cNvPr>
+          <p:cNvSpPr txBox="1">
+            <a:spLocks/>
+          </p:cNvSpPr>
+          <p:nvPr/>
+        </p:nvSpPr>
+        <p:spPr>
+          <a:xfrm>
+            <a:off x="1815194" y="5928044"/>
+            <a:ext cx="8149936" cy="365125"/>
+          </a:xfrm>
+          <a:prstGeom prst="rect">
+            <a:avLst/>
+          </a:prstGeom>
+        </p:spPr>
+        <p:txBody>
+          <a:bodyPr vert="horz" lIns="91440" tIns="45720" rIns="91440" bIns="45720" rtlCol="0">
+            <a:normAutofit fontScale="32500" lnSpcReduction="20000"/>
+          </a:bodyPr>
+          <a:lstStyle>
+            <a:defPPr>
+              <a:defRPr lang="de-DE"/>
+            </a:defPPr>
+            <a:lvl1pPr marL="228600" indent="-228600" algn="l" defTabSz="914400" rtl="0" eaLnBrk="1" latinLnBrk="0" hangingPunct="1">
+              <a:lnSpc>
+                <a:spcPct val="90000"/>
+              </a:lnSpc>
+              <a:spcBef>
+                <a:spcPts val="1000"/>
+              </a:spcBef>
+              <a:buFont typeface="Arial" panose="020B0604020202020204" pitchFamily="34" charset="0"/>
+              <a:buChar char="•"/>
+              <a:defRPr lang="de-DE" sz="2800" kern="1200">
+                <a:solidFill>
+                  <a:schemeClr val="tx1"/>
+                </a:solidFill>
+                <a:latin typeface="+mn-lt"/>
+                <a:ea typeface="+mn-ea"/>
+                <a:cs typeface="+mn-cs"/>
+              </a:defRPr>
+            </a:lvl1pPr>
+            <a:lvl2pPr marL="685800" indent="-228600" algn="l" defTabSz="914400" rtl="0" eaLnBrk="1" latinLnBrk="0" hangingPunct="1">
+              <a:lnSpc>
+                <a:spcPct val="90000"/>
+              </a:lnSpc>
+              <a:spcBef>
+                <a:spcPts val="500"/>
+              </a:spcBef>
+              <a:buFont typeface="Arial" panose="020B0604020202020204" pitchFamily="34" charset="0"/>
+              <a:buChar char="•"/>
+              <a:defRPr lang="de-DE" sz="2400" kern="1200">
+                <a:solidFill>
+                  <a:schemeClr val="tx1"/>
+                </a:solidFill>
+                <a:latin typeface="+mn-lt"/>
+                <a:ea typeface="+mn-ea"/>
+                <a:cs typeface="+mn-cs"/>
+              </a:defRPr>
+            </a:lvl2pPr>
+            <a:lvl3pPr marL="1143000" indent="-228600" algn="l" defTabSz="914400" rtl="0" eaLnBrk="1" latinLnBrk="0" hangingPunct="1">
+              <a:lnSpc>
+                <a:spcPct val="90000"/>
+              </a:lnSpc>
+              <a:spcBef>
+                <a:spcPts val="500"/>
+              </a:spcBef>
+              <a:buFont typeface="Arial" panose="020B0604020202020204" pitchFamily="34" charset="0"/>
+              <a:buChar char="•"/>
+              <a:defRPr lang="de-DE" sz="2000" kern="1200">
+                <a:solidFill>
+                  <a:schemeClr val="tx1"/>
+                </a:solidFill>
+                <a:latin typeface="+mn-lt"/>
+                <a:ea typeface="+mn-ea"/>
+                <a:cs typeface="+mn-cs"/>
+              </a:defRPr>
+            </a:lvl3pPr>
+            <a:lvl4pPr marL="1600200" indent="-228600" algn="l" defTabSz="914400" rtl="0" eaLnBrk="1" latinLnBrk="0" hangingPunct="1">
+              <a:lnSpc>
+                <a:spcPct val="90000"/>
+              </a:lnSpc>
+              <a:spcBef>
+                <a:spcPts val="500"/>
+              </a:spcBef>
+              <a:buFont typeface="Arial" panose="020B0604020202020204" pitchFamily="34" charset="0"/>
+              <a:buChar char="•"/>
+              <a:defRPr lang="de-DE" sz="1800" kern="1200">
+                <a:solidFill>
+                  <a:schemeClr val="tx1"/>
+                </a:solidFill>
+                <a:latin typeface="+mn-lt"/>
+                <a:ea typeface="+mn-ea"/>
+                <a:cs typeface="+mn-cs"/>
+              </a:defRPr>
+            </a:lvl4pPr>
+            <a:lvl5pPr marL="2057400" indent="-228600" algn="l" defTabSz="914400" rtl="0" eaLnBrk="1" latinLnBrk="0" hangingPunct="1">
+              <a:lnSpc>
+                <a:spcPct val="90000"/>
+              </a:lnSpc>
+              <a:spcBef>
+                <a:spcPts val="500"/>
+              </a:spcBef>
+              <a:buFont typeface="Arial" panose="020B0604020202020204" pitchFamily="34" charset="0"/>
+              <a:buChar char="•"/>
+              <a:defRPr lang="de-DE" sz="1800" kern="1200">
+                <a:solidFill>
+                  <a:schemeClr val="tx1"/>
+                </a:solidFill>
+                <a:latin typeface="+mn-lt"/>
+                <a:ea typeface="+mn-ea"/>
+                <a:cs typeface="+mn-cs"/>
+              </a:defRPr>
+            </a:lvl5pPr>
+            <a:lvl6pPr marL="2514600" indent="-228600" algn="l" defTabSz="914400" rtl="0" eaLnBrk="1" latinLnBrk="0" hangingPunct="1">
+              <a:lnSpc>
+                <a:spcPct val="90000"/>
+              </a:lnSpc>
+              <a:spcBef>
+                <a:spcPts val="500"/>
+              </a:spcBef>
+              <a:buFont typeface="Arial" panose="020B0604020202020204" pitchFamily="34" charset="0"/>
+              <a:buChar char="•"/>
+              <a:defRPr lang="de-DE" sz="1800" kern="1200">
+                <a:solidFill>
+                  <a:schemeClr val="tx1"/>
+                </a:solidFill>
+                <a:latin typeface="+mn-lt"/>
+                <a:ea typeface="+mn-ea"/>
+                <a:cs typeface="+mn-cs"/>
+              </a:defRPr>
+            </a:lvl6pPr>
+            <a:lvl7pPr marL="2971800" indent="-228600" algn="l" defTabSz="914400" rtl="0" eaLnBrk="1" latinLnBrk="0" hangingPunct="1">
+              <a:lnSpc>
+                <a:spcPct val="90000"/>
+              </a:lnSpc>
+              <a:spcBef>
+                <a:spcPts val="500"/>
+              </a:spcBef>
+              <a:buFont typeface="Arial" panose="020B0604020202020204" pitchFamily="34" charset="0"/>
+              <a:buChar char="•"/>
+              <a:defRPr lang="de-DE" sz="1800" kern="1200">
+                <a:solidFill>
+                  <a:schemeClr val="tx1"/>
+                </a:solidFill>
+                <a:latin typeface="+mn-lt"/>
+                <a:ea typeface="+mn-ea"/>
+                <a:cs typeface="+mn-cs"/>
+              </a:defRPr>
+            </a:lvl7pPr>
+            <a:lvl8pPr marL="3429000" indent="-228600" algn="l" defTabSz="914400" rtl="0" eaLnBrk="1" latinLnBrk="0" hangingPunct="1">
+              <a:lnSpc>
+                <a:spcPct val="90000"/>
+              </a:lnSpc>
+              <a:spcBef>
+                <a:spcPts val="500"/>
+              </a:spcBef>
+              <a:buFont typeface="Arial" panose="020B0604020202020204" pitchFamily="34" charset="0"/>
+              <a:buChar char="•"/>
+              <a:defRPr lang="de-DE" sz="1800" kern="1200">
+                <a:solidFill>
+                  <a:schemeClr val="tx1"/>
+                </a:solidFill>
+                <a:latin typeface="+mn-lt"/>
+                <a:ea typeface="+mn-ea"/>
+                <a:cs typeface="+mn-cs"/>
+              </a:defRPr>
+            </a:lvl8pPr>
+            <a:lvl9pPr marL="3886200" indent="-228600" algn="l" defTabSz="914400" rtl="0" eaLnBrk="1" latinLnBrk="0" hangingPunct="1">
+              <a:lnSpc>
+                <a:spcPct val="90000"/>
+              </a:lnSpc>
+              <a:spcBef>
+                <a:spcPts val="500"/>
+              </a:spcBef>
+              <a:buFont typeface="Arial" panose="020B0604020202020204" pitchFamily="34" charset="0"/>
+              <a:buChar char="•"/>
+              <a:defRPr lang="de-DE" sz="1800" kern="1200">
+                <a:solidFill>
+                  <a:schemeClr val="tx1"/>
+                </a:solidFill>
+                <a:latin typeface="+mn-lt"/>
+                <a:ea typeface="+mn-ea"/>
+                <a:cs typeface="+mn-cs"/>
+              </a:defRPr>
+            </a:lvl9pPr>
+          </a:lstStyle>
+          <a:p>
+            <a:pPr marL="0" indent="0">
+              <a:buNone/>
+            </a:pPr>
+            <a:r>
+              <a:rPr lang="en-US" sz="3400" dirty="0">
+                <a:solidFill>
+                  <a:schemeClr val="tx1">
+                    <a:lumMod val="50000"/>
+                    <a:lumOff val="50000"/>
+                  </a:schemeClr>
+                </a:solidFill>
+              </a:rPr>
+              <a:t>[1]:</a:t>
+            </a:r>
+            <a:r>
+              <a:rPr lang="fi-FI" sz="3400" dirty="0">
+                <a:solidFill>
+                  <a:schemeClr val="tx1">
+                    <a:lumMod val="50000"/>
+                    <a:lumOff val="50000"/>
+                  </a:schemeClr>
+                </a:solidFill>
+              </a:rPr>
+              <a:t> Ester et al.:</a:t>
+            </a:r>
+            <a:r>
+              <a:rPr lang="en-US" sz="3400" dirty="0">
+                <a:solidFill>
+                  <a:schemeClr val="tx1">
+                    <a:lumMod val="50000"/>
+                    <a:lumOff val="50000"/>
+                  </a:schemeClr>
+                </a:solidFill>
+              </a:rPr>
+              <a:t> DBSCAN: A Density-Based Algorithm for Discovering Clusters in Large Spatial Databases with Noise, KDD'96</a:t>
+            </a:r>
             <a:endParaRPr lang="en-US" dirty="0"/>
           </a:p>
         </p:txBody>
@@ -16933,25 +17168,6 @@
 </file>
 
 <file path=customXml/item1.xml><?xml version="1.0" encoding="utf-8"?>
-<p:properties xmlns:p="http://schemas.microsoft.com/office/2006/metadata/properties" xmlns:xsi="http://www.w3.org/2001/XMLSchema-instance" xmlns:pc="http://schemas.microsoft.com/office/infopath/2007/PartnerControls">
-  <documentManagement>
-    <_ip_UnifiedCompliancePolicyUIAction xmlns="http://schemas.microsoft.com/sharepoint/v3" xsi:nil="true"/>
-    <Image xmlns="71af3243-3dd4-4a8d-8c0d-dd76da1f02a5">
-      <Url xsi:nil="true"/>
-      <Description xsi:nil="true"/>
-    </Image>
-    <Status xmlns="71af3243-3dd4-4a8d-8c0d-dd76da1f02a5">Not started</Status>
-    <_ip_UnifiedCompliancePolicyProperties xmlns="http://schemas.microsoft.com/sharepoint/v3" xsi:nil="true"/>
-    <ImageTagsTaxHTField xmlns="71af3243-3dd4-4a8d-8c0d-dd76da1f02a5">
-      <Terms xmlns="http://schemas.microsoft.com/office/infopath/2007/PartnerControls"/>
-    </ImageTagsTaxHTField>
-    <TaxCatchAll xmlns="230e9df3-be65-4c73-a93b-d1236ebd677e"/>
-    <MediaServiceKeyPoints xmlns="71af3243-3dd4-4a8d-8c0d-dd76da1f02a5" xsi:nil="true"/>
-  </documentManagement>
-</p:properties>
-</file>
-
-<file path=customXml/item2.xml><?xml version="1.0" encoding="utf-8"?>
 <ct:contentTypeSchema xmlns:ct="http://schemas.microsoft.com/office/2006/metadata/contentType" xmlns:ma="http://schemas.microsoft.com/office/2006/metadata/properties/metaAttributes" ct:_="" ma:_="" ma:contentTypeName="Document" ma:contentTypeID="0x01010079F111ED35F8CC479449609E8A0923A6" ma:contentTypeVersion="20" ma:contentTypeDescription="Create a new document." ma:contentTypeScope="" ma:versionID="1267097ee5f5874adfcc408041ae252e">
   <xsd:schema xmlns:xsd="http://www.w3.org/2001/XMLSchema" xmlns:xs="http://www.w3.org/2001/XMLSchema" xmlns:p="http://schemas.microsoft.com/office/2006/metadata/properties" xmlns:ns1="http://schemas.microsoft.com/sharepoint/v3" xmlns:ns2="71af3243-3dd4-4a8d-8c0d-dd76da1f02a5" xmlns:ns3="16c05727-aa75-4e4a-9b5f-8a80a1165891" xmlns:ns4="230e9df3-be65-4c73-a93b-d1236ebd677e" targetNamespace="http://schemas.microsoft.com/office/2006/metadata/properties" ma:root="true" ma:fieldsID="395891a93df65b14727750f2c06c306c" ns1:_="" ns2:_="" ns3:_="" ns4:_="">
     <xsd:import namespace="http://schemas.microsoft.com/sharepoint/v3"/>
@@ -17227,6 +17443,25 @@
 </ct:contentTypeSchema>
 </file>
 
+<file path=customXml/item2.xml><?xml version="1.0" encoding="utf-8"?>
+<p:properties xmlns:p="http://schemas.microsoft.com/office/2006/metadata/properties" xmlns:xsi="http://www.w3.org/2001/XMLSchema-instance" xmlns:pc="http://schemas.microsoft.com/office/infopath/2007/PartnerControls">
+  <documentManagement>
+    <_ip_UnifiedCompliancePolicyUIAction xmlns="http://schemas.microsoft.com/sharepoint/v3" xsi:nil="true"/>
+    <Image xmlns="71af3243-3dd4-4a8d-8c0d-dd76da1f02a5">
+      <Url xsi:nil="true"/>
+      <Description xsi:nil="true"/>
+    </Image>
+    <Status xmlns="71af3243-3dd4-4a8d-8c0d-dd76da1f02a5">Not started</Status>
+    <_ip_UnifiedCompliancePolicyProperties xmlns="http://schemas.microsoft.com/sharepoint/v3" xsi:nil="true"/>
+    <ImageTagsTaxHTField xmlns="71af3243-3dd4-4a8d-8c0d-dd76da1f02a5">
+      <Terms xmlns="http://schemas.microsoft.com/office/infopath/2007/PartnerControls"/>
+    </ImageTagsTaxHTField>
+    <TaxCatchAll xmlns="230e9df3-be65-4c73-a93b-d1236ebd677e"/>
+    <MediaServiceKeyPoints xmlns="71af3243-3dd4-4a8d-8c0d-dd76da1f02a5" xsi:nil="true"/>
+  </documentManagement>
+</p:properties>
+</file>
+
 <file path=customXml/item3.xml><?xml version="1.0" encoding="utf-8"?>
 <?mso-contentType ?>
 <FormTemplates xmlns="http://schemas.microsoft.com/sharepoint/v3/contenttype/forms">
@@ -17237,25 +17472,6 @@
 </file>
 
 <file path=customXml/itemProps1.xml><?xml version="1.0" encoding="utf-8"?>
-<ds:datastoreItem xmlns:ds="http://schemas.openxmlformats.org/officeDocument/2006/customXml" ds:itemID="{29C43685-694E-4579-B109-3C418D49DA65}">
-  <ds:schemaRefs>
-    <ds:schemaRef ds:uri="http://schemas.microsoft.com/sharepoint/v3"/>
-    <ds:schemaRef ds:uri="http://purl.org/dc/elements/1.1/"/>
-    <ds:schemaRef ds:uri="http://purl.org/dc/dcmitype/"/>
-    <ds:schemaRef ds:uri="230e9df3-be65-4c73-a93b-d1236ebd677e"/>
-    <ds:schemaRef ds:uri="http://schemas.microsoft.com/office/2006/documentManagement/types"/>
-    <ds:schemaRef ds:uri="http://schemas.microsoft.com/office/infopath/2007/PartnerControls"/>
-    <ds:schemaRef ds:uri="http://schemas.openxmlformats.org/package/2006/metadata/core-properties"/>
-    <ds:schemaRef ds:uri="71af3243-3dd4-4a8d-8c0d-dd76da1f02a5"/>
-    <ds:schemaRef ds:uri="http://www.w3.org/XML/1998/namespace"/>
-    <ds:schemaRef ds:uri="16c05727-aa75-4e4a-9b5f-8a80a1165891"/>
-    <ds:schemaRef ds:uri="http://schemas.microsoft.com/office/2006/metadata/properties"/>
-    <ds:schemaRef ds:uri="http://purl.org/dc/terms/"/>
-  </ds:schemaRefs>
-</ds:datastoreItem>
-</file>
-
-<file path=customXml/itemProps2.xml><?xml version="1.0" encoding="utf-8"?>
 <ds:datastoreItem xmlns:ds="http://schemas.openxmlformats.org/officeDocument/2006/customXml" ds:itemID="{CC96B61E-1B64-430F-934F-7D1B90028029}">
   <ds:schemaRefs>
     <ds:schemaRef ds:uri="http://schemas.microsoft.com/office/2006/metadata/contentType"/>
@@ -17276,6 +17492,25 @@
 </ds:datastoreItem>
 </file>
 
+<file path=customXml/itemProps2.xml><?xml version="1.0" encoding="utf-8"?>
+<ds:datastoreItem xmlns:ds="http://schemas.openxmlformats.org/officeDocument/2006/customXml" ds:itemID="{29C43685-694E-4579-B109-3C418D49DA65}">
+  <ds:schemaRefs>
+    <ds:schemaRef ds:uri="http://schemas.microsoft.com/office/2006/documentManagement/types"/>
+    <ds:schemaRef ds:uri="http://schemas.microsoft.com/office/2006/metadata/properties"/>
+    <ds:schemaRef ds:uri="http://purl.org/dc/elements/1.1/"/>
+    <ds:schemaRef ds:uri="http://schemas.microsoft.com/office/infopath/2007/PartnerControls"/>
+    <ds:schemaRef ds:uri="http://schemas.openxmlformats.org/package/2006/metadata/core-properties"/>
+    <ds:schemaRef ds:uri="230e9df3-be65-4c73-a93b-d1236ebd677e"/>
+    <ds:schemaRef ds:uri="16c05727-aa75-4e4a-9b5f-8a80a1165891"/>
+    <ds:schemaRef ds:uri="http://www.w3.org/XML/1998/namespace"/>
+    <ds:schemaRef ds:uri="http://purl.org/dc/dcmitype/"/>
+    <ds:schemaRef ds:uri="71af3243-3dd4-4a8d-8c0d-dd76da1f02a5"/>
+    <ds:schemaRef ds:uri="http://schemas.microsoft.com/sharepoint/v3"/>
+    <ds:schemaRef ds:uri="http://purl.org/dc/terms/"/>
+  </ds:schemaRefs>
+</ds:datastoreItem>
+</file>
+
 <file path=customXml/itemProps3.xml><?xml version="1.0" encoding="utf-8"?>
 <ds:datastoreItem xmlns:ds="http://schemas.openxmlformats.org/officeDocument/2006/customXml" ds:itemID="{0FD6FE22-81A0-4500-AFD0-342D21BB9A2C}">
   <ds:schemaRefs>
